--- a/images/ImageSources.pptx
+++ b/images/ImageSources.pptx
@@ -12,12 +12,13 @@
     <p:sldId id="268" r:id="rId6"/>
     <p:sldId id="269" r:id="rId7"/>
     <p:sldId id="270" r:id="rId8"/>
-    <p:sldId id="267" r:id="rId9"/>
-    <p:sldId id="266" r:id="rId10"/>
-    <p:sldId id="261" r:id="rId11"/>
-    <p:sldId id="259" r:id="rId12"/>
-    <p:sldId id="260" r:id="rId13"/>
-    <p:sldId id="271" r:id="rId14"/>
+    <p:sldId id="272" r:id="rId9"/>
+    <p:sldId id="267" r:id="rId10"/>
+    <p:sldId id="266" r:id="rId11"/>
+    <p:sldId id="261" r:id="rId12"/>
+    <p:sldId id="259" r:id="rId13"/>
+    <p:sldId id="260" r:id="rId14"/>
+    <p:sldId id="271" r:id="rId15"/>
   </p:sldIdLst>
   <p:sldSz cx="12192000" cy="6858000"/>
   <p:notesSz cx="6858000" cy="9144000"/>
@@ -128,6 +129,7 @@
             <p14:sldId id="268"/>
             <p14:sldId id="269"/>
             <p14:sldId id="270"/>
+            <p14:sldId id="272"/>
             <p14:sldId id="267"/>
             <p14:sldId id="266"/>
             <p14:sldId id="261"/>
@@ -274,7 +276,7 @@
           <a:p>
             <a:fld id="{03ABD037-9D82-4436-AC70-ED75D2FE9417}" type="datetimeFigureOut">
               <a:rPr lang="en-US" smtClean="0"/>
-              <a:t>9/18/2019</a:t>
+              <a:t>1/9/2020</a:t>
             </a:fld>
             <a:endParaRPr lang="en-US"/>
           </a:p>
@@ -442,7 +444,7 @@
           <a:p>
             <a:fld id="{03ABD037-9D82-4436-AC70-ED75D2FE9417}" type="datetimeFigureOut">
               <a:rPr lang="en-US" smtClean="0"/>
-              <a:t>9/18/2019</a:t>
+              <a:t>1/9/2020</a:t>
             </a:fld>
             <a:endParaRPr lang="en-US"/>
           </a:p>
@@ -620,7 +622,7 @@
           <a:p>
             <a:fld id="{03ABD037-9D82-4436-AC70-ED75D2FE9417}" type="datetimeFigureOut">
               <a:rPr lang="en-US" smtClean="0"/>
-              <a:t>9/18/2019</a:t>
+              <a:t>1/9/2020</a:t>
             </a:fld>
             <a:endParaRPr lang="en-US"/>
           </a:p>
@@ -788,7 +790,7 @@
           <a:p>
             <a:fld id="{03ABD037-9D82-4436-AC70-ED75D2FE9417}" type="datetimeFigureOut">
               <a:rPr lang="en-US" smtClean="0"/>
-              <a:t>9/18/2019</a:t>
+              <a:t>1/9/2020</a:t>
             </a:fld>
             <a:endParaRPr lang="en-US"/>
           </a:p>
@@ -1033,7 +1035,7 @@
           <a:p>
             <a:fld id="{03ABD037-9D82-4436-AC70-ED75D2FE9417}" type="datetimeFigureOut">
               <a:rPr lang="en-US" smtClean="0"/>
-              <a:t>9/18/2019</a:t>
+              <a:t>1/9/2020</a:t>
             </a:fld>
             <a:endParaRPr lang="en-US"/>
           </a:p>
@@ -1262,7 +1264,7 @@
           <a:p>
             <a:fld id="{03ABD037-9D82-4436-AC70-ED75D2FE9417}" type="datetimeFigureOut">
               <a:rPr lang="en-US" smtClean="0"/>
-              <a:t>9/18/2019</a:t>
+              <a:t>1/9/2020</a:t>
             </a:fld>
             <a:endParaRPr lang="en-US"/>
           </a:p>
@@ -1626,7 +1628,7 @@
           <a:p>
             <a:fld id="{03ABD037-9D82-4436-AC70-ED75D2FE9417}" type="datetimeFigureOut">
               <a:rPr lang="en-US" smtClean="0"/>
-              <a:t>9/18/2019</a:t>
+              <a:t>1/9/2020</a:t>
             </a:fld>
             <a:endParaRPr lang="en-US"/>
           </a:p>
@@ -1743,7 +1745,7 @@
           <a:p>
             <a:fld id="{03ABD037-9D82-4436-AC70-ED75D2FE9417}" type="datetimeFigureOut">
               <a:rPr lang="en-US" smtClean="0"/>
-              <a:t>9/18/2019</a:t>
+              <a:t>1/9/2020</a:t>
             </a:fld>
             <a:endParaRPr lang="en-US"/>
           </a:p>
@@ -1838,7 +1840,7 @@
           <a:p>
             <a:fld id="{03ABD037-9D82-4436-AC70-ED75D2FE9417}" type="datetimeFigureOut">
               <a:rPr lang="en-US" smtClean="0"/>
-              <a:t>9/18/2019</a:t>
+              <a:t>1/9/2020</a:t>
             </a:fld>
             <a:endParaRPr lang="en-US"/>
           </a:p>
@@ -2113,7 +2115,7 @@
           <a:p>
             <a:fld id="{03ABD037-9D82-4436-AC70-ED75D2FE9417}" type="datetimeFigureOut">
               <a:rPr lang="en-US" smtClean="0"/>
-              <a:t>9/18/2019</a:t>
+              <a:t>1/9/2020</a:t>
             </a:fld>
             <a:endParaRPr lang="en-US"/>
           </a:p>
@@ -2365,7 +2367,7 @@
           <a:p>
             <a:fld id="{03ABD037-9D82-4436-AC70-ED75D2FE9417}" type="datetimeFigureOut">
               <a:rPr lang="en-US" smtClean="0"/>
-              <a:t>9/18/2019</a:t>
+              <a:t>1/9/2020</a:t>
             </a:fld>
             <a:endParaRPr lang="en-US"/>
           </a:p>
@@ -2576,7 +2578,7 @@
           <a:p>
             <a:fld id="{03ABD037-9D82-4436-AC70-ED75D2FE9417}" type="datetimeFigureOut">
               <a:rPr lang="en-US" smtClean="0"/>
-              <a:t>9/18/2019</a:t>
+              <a:t>1/9/2020</a:t>
             </a:fld>
             <a:endParaRPr lang="en-US"/>
           </a:p>
@@ -4679,21 +4681,23 @@
         </p:nvSpPr>
         <p:spPr>
           <a:xfrm>
-            <a:off x="6359054" y="800152"/>
-            <a:ext cx="2468880" cy="449588"/>
+            <a:off x="324794" y="602691"/>
+            <a:ext cx="1828800" cy="449588"/>
           </a:xfrm>
           <a:prstGeom prst="roundRect">
             <a:avLst/>
           </a:prstGeom>
           <a:solidFill>
-            <a:schemeClr val="accent6">
+            <a:schemeClr val="accent1">
               <a:lumMod val="40000"/>
               <a:lumOff val="60000"/>
             </a:schemeClr>
           </a:solidFill>
-          <a:ln>
+          <a:ln w="38100">
             <a:solidFill>
-              <a:schemeClr val="tx1"/>
+              <a:schemeClr val="accent1">
+                <a:lumMod val="75000"/>
+              </a:schemeClr>
             </a:solidFill>
           </a:ln>
         </p:spPr>
@@ -4724,31 +4728,579 @@
                   <a:schemeClr val="tx1"/>
                 </a:solidFill>
               </a:rPr>
-              <a:t>Person_</a:t>
-            </a:r>
-            <a:r>
-              <a:rPr lang="en-US" b="1" dirty="0">
-                <a:solidFill>
-                  <a:schemeClr val="accent1">
+              <a:t>:</a:t>
+            </a:r>
+            <a:r>
+              <a:rPr lang="en-US" b="1" dirty="0" err="1">
+                <a:solidFill>
+                  <a:schemeClr val="tx1"/>
+                </a:solidFill>
+              </a:rPr>
+              <a:t>Animal_</a:t>
+            </a:r>
+            <a:r>
+              <a:rPr lang="en-US" dirty="0" err="1">
+                <a:solidFill>
+                  <a:schemeClr val="bg1">
+                    <a:lumMod val="50000"/>
+                  </a:schemeClr>
+                </a:solidFill>
+              </a:rPr>
+              <a:t>xxx</a:t>
+            </a:r>
+            <a:endParaRPr lang="en-US" dirty="0">
+              <a:solidFill>
+                <a:schemeClr val="bg1">
+                  <a:lumMod val="50000"/>
+                </a:schemeClr>
+              </a:solidFill>
+            </a:endParaRPr>
+          </a:p>
+        </p:txBody>
+      </p:sp>
+      <p:cxnSp>
+        <p:nvCxnSpPr>
+          <p:cNvPr id="13" name="Connector: Elbow 12">
+            <a:extLst>
+              <a:ext uri="{FF2B5EF4-FFF2-40B4-BE49-F238E27FC236}">
+                <a16:creationId xmlns:a16="http://schemas.microsoft.com/office/drawing/2014/main" id="{B02F595C-6FA7-487B-8F8B-F2471EB73866}"/>
+              </a:ext>
+            </a:extLst>
+          </p:cNvPr>
+          <p:cNvCxnSpPr>
+            <a:stCxn id="4" idx="2"/>
+            <a:endCxn id="15" idx="1"/>
+          </p:cNvCxnSpPr>
+          <p:nvPr/>
+        </p:nvCxnSpPr>
+        <p:spPr>
+          <a:xfrm rot="16200000" flipH="1">
+            <a:off x="571229" y="1720243"/>
+            <a:ext cx="1910125" cy="574195"/>
+          </a:xfrm>
+          <a:prstGeom prst="bentConnector2">
+            <a:avLst/>
+          </a:prstGeom>
+          <a:ln w="38100">
+            <a:solidFill>
+              <a:schemeClr val="bg1">
+                <a:lumMod val="50000"/>
+              </a:schemeClr>
+            </a:solidFill>
+            <a:tailEnd type="triangle"/>
+          </a:ln>
+        </p:spPr>
+        <p:style>
+          <a:lnRef idx="1">
+            <a:schemeClr val="accent1"/>
+          </a:lnRef>
+          <a:fillRef idx="0">
+            <a:schemeClr val="accent1"/>
+          </a:fillRef>
+          <a:effectRef idx="0">
+            <a:schemeClr val="accent1"/>
+          </a:effectRef>
+          <a:fontRef idx="minor">
+            <a:schemeClr val="tx1"/>
+          </a:fontRef>
+        </p:style>
+      </p:cxnSp>
+      <p:cxnSp>
+        <p:nvCxnSpPr>
+          <p:cNvPr id="18" name="Connector: Elbow 17">
+            <a:extLst>
+              <a:ext uri="{FF2B5EF4-FFF2-40B4-BE49-F238E27FC236}">
+                <a16:creationId xmlns:a16="http://schemas.microsoft.com/office/drawing/2014/main" id="{CD6414D9-631D-433C-88C5-FE1C50A9B1CB}"/>
+              </a:ext>
+            </a:extLst>
+          </p:cNvPr>
+          <p:cNvCxnSpPr>
+            <a:stCxn id="4" idx="2"/>
+            <a:endCxn id="41" idx="1"/>
+          </p:cNvCxnSpPr>
+          <p:nvPr/>
+        </p:nvCxnSpPr>
+        <p:spPr>
+          <a:xfrm rot="16200000" flipH="1">
+            <a:off x="896182" y="1395290"/>
+            <a:ext cx="1260219" cy="574195"/>
+          </a:xfrm>
+          <a:prstGeom prst="bentConnector2">
+            <a:avLst/>
+          </a:prstGeom>
+          <a:ln w="38100">
+            <a:solidFill>
+              <a:schemeClr val="bg1">
+                <a:lumMod val="50000"/>
+              </a:schemeClr>
+            </a:solidFill>
+            <a:tailEnd type="triangle"/>
+          </a:ln>
+        </p:spPr>
+        <p:style>
+          <a:lnRef idx="1">
+            <a:schemeClr val="accent1"/>
+          </a:lnRef>
+          <a:fillRef idx="0">
+            <a:schemeClr val="accent1"/>
+          </a:fillRef>
+          <a:effectRef idx="0">
+            <a:schemeClr val="accent1"/>
+          </a:effectRef>
+          <a:fontRef idx="minor">
+            <a:schemeClr val="tx1"/>
+          </a:fontRef>
+        </p:style>
+      </p:cxnSp>
+      <p:cxnSp>
+        <p:nvCxnSpPr>
+          <p:cNvPr id="20" name="Connector: Elbow 19">
+            <a:extLst>
+              <a:ext uri="{FF2B5EF4-FFF2-40B4-BE49-F238E27FC236}">
+                <a16:creationId xmlns:a16="http://schemas.microsoft.com/office/drawing/2014/main" id="{15B8C948-92DD-413C-AF47-55CD80736997}"/>
+              </a:ext>
+            </a:extLst>
+          </p:cNvPr>
+          <p:cNvCxnSpPr>
+            <a:stCxn id="4" idx="2"/>
+            <a:endCxn id="45" idx="1"/>
+          </p:cNvCxnSpPr>
+          <p:nvPr/>
+        </p:nvCxnSpPr>
+        <p:spPr>
+          <a:xfrm rot="16200000" flipH="1">
+            <a:off x="1221135" y="1070337"/>
+            <a:ext cx="610313" cy="574195"/>
+          </a:xfrm>
+          <a:prstGeom prst="bentConnector2">
+            <a:avLst/>
+          </a:prstGeom>
+          <a:ln w="38100">
+            <a:solidFill>
+              <a:schemeClr val="bg1">
+                <a:lumMod val="50000"/>
+              </a:schemeClr>
+            </a:solidFill>
+            <a:tailEnd type="triangle"/>
+          </a:ln>
+        </p:spPr>
+        <p:style>
+          <a:lnRef idx="1">
+            <a:schemeClr val="accent1"/>
+          </a:lnRef>
+          <a:fillRef idx="0">
+            <a:schemeClr val="accent1"/>
+          </a:fillRef>
+          <a:effectRef idx="0">
+            <a:schemeClr val="accent1"/>
+          </a:effectRef>
+          <a:fontRef idx="minor">
+            <a:schemeClr val="tx1"/>
+          </a:fontRef>
+        </p:style>
+      </p:cxnSp>
+      <p:cxnSp>
+        <p:nvCxnSpPr>
+          <p:cNvPr id="24" name="Connector: Elbow 23">
+            <a:extLst>
+              <a:ext uri="{FF2B5EF4-FFF2-40B4-BE49-F238E27FC236}">
+                <a16:creationId xmlns:a16="http://schemas.microsoft.com/office/drawing/2014/main" id="{5FFE9110-6CB5-42E6-8DEB-418D562B6DF1}"/>
+              </a:ext>
+            </a:extLst>
+          </p:cNvPr>
+          <p:cNvCxnSpPr>
+            <a:stCxn id="4" idx="2"/>
+            <a:endCxn id="46" idx="1"/>
+          </p:cNvCxnSpPr>
+          <p:nvPr/>
+        </p:nvCxnSpPr>
+        <p:spPr>
+          <a:xfrm rot="16200000" flipH="1">
+            <a:off x="246276" y="2045196"/>
+            <a:ext cx="2560031" cy="574195"/>
+          </a:xfrm>
+          <a:prstGeom prst="bentConnector2">
+            <a:avLst/>
+          </a:prstGeom>
+          <a:ln w="38100">
+            <a:solidFill>
+              <a:schemeClr val="bg1">
+                <a:lumMod val="50000"/>
+              </a:schemeClr>
+            </a:solidFill>
+            <a:tailEnd type="triangle"/>
+          </a:ln>
+        </p:spPr>
+        <p:style>
+          <a:lnRef idx="1">
+            <a:schemeClr val="accent1"/>
+          </a:lnRef>
+          <a:fillRef idx="0">
+            <a:schemeClr val="accent1"/>
+          </a:fillRef>
+          <a:effectRef idx="0">
+            <a:schemeClr val="accent1"/>
+          </a:effectRef>
+          <a:fontRef idx="minor">
+            <a:schemeClr val="tx1"/>
+          </a:fontRef>
+        </p:style>
+      </p:cxnSp>
+      <p:cxnSp>
+        <p:nvCxnSpPr>
+          <p:cNvPr id="26" name="Connector: Elbow 25">
+            <a:extLst>
+              <a:ext uri="{FF2B5EF4-FFF2-40B4-BE49-F238E27FC236}">
+                <a16:creationId xmlns:a16="http://schemas.microsoft.com/office/drawing/2014/main" id="{71D8102A-9E78-41F9-AB1B-A42EE1A78BEF}"/>
+              </a:ext>
+            </a:extLst>
+          </p:cNvPr>
+          <p:cNvCxnSpPr>
+            <a:stCxn id="4" idx="2"/>
+            <a:endCxn id="49" idx="1"/>
+          </p:cNvCxnSpPr>
+          <p:nvPr/>
+        </p:nvCxnSpPr>
+        <p:spPr>
+          <a:xfrm rot="16200000" flipH="1">
+            <a:off x="-78677" y="2370149"/>
+            <a:ext cx="3209937" cy="574195"/>
+          </a:xfrm>
+          <a:prstGeom prst="bentConnector2">
+            <a:avLst/>
+          </a:prstGeom>
+          <a:ln w="38100">
+            <a:solidFill>
+              <a:schemeClr val="bg1">
+                <a:lumMod val="50000"/>
+              </a:schemeClr>
+            </a:solidFill>
+            <a:tailEnd type="triangle"/>
+          </a:ln>
+        </p:spPr>
+        <p:style>
+          <a:lnRef idx="1">
+            <a:schemeClr val="accent1"/>
+          </a:lnRef>
+          <a:fillRef idx="0">
+            <a:schemeClr val="accent1"/>
+          </a:fillRef>
+          <a:effectRef idx="0">
+            <a:schemeClr val="accent1"/>
+          </a:effectRef>
+          <a:fontRef idx="minor">
+            <a:schemeClr val="tx1"/>
+          </a:fontRef>
+        </p:style>
+      </p:cxnSp>
+      <p:cxnSp>
+        <p:nvCxnSpPr>
+          <p:cNvPr id="28" name="Connector: Elbow 27">
+            <a:extLst>
+              <a:ext uri="{FF2B5EF4-FFF2-40B4-BE49-F238E27FC236}">
+                <a16:creationId xmlns:a16="http://schemas.microsoft.com/office/drawing/2014/main" id="{BACEB9BC-CE69-4F8C-854D-9AE705A007EC}"/>
+              </a:ext>
+            </a:extLst>
+          </p:cNvPr>
+          <p:cNvCxnSpPr>
+            <a:stCxn id="4" idx="2"/>
+            <a:endCxn id="53" idx="1"/>
+          </p:cNvCxnSpPr>
+          <p:nvPr/>
+        </p:nvCxnSpPr>
+        <p:spPr>
+          <a:xfrm rot="16200000" flipH="1">
+            <a:off x="-403630" y="2695102"/>
+            <a:ext cx="3859843" cy="574195"/>
+          </a:xfrm>
+          <a:prstGeom prst="bentConnector2">
+            <a:avLst/>
+          </a:prstGeom>
+          <a:ln w="38100">
+            <a:solidFill>
+              <a:schemeClr val="bg1">
+                <a:lumMod val="50000"/>
+              </a:schemeClr>
+            </a:solidFill>
+            <a:tailEnd type="triangle"/>
+          </a:ln>
+        </p:spPr>
+        <p:style>
+          <a:lnRef idx="1">
+            <a:schemeClr val="accent1"/>
+          </a:lnRef>
+          <a:fillRef idx="0">
+            <a:schemeClr val="accent1"/>
+          </a:fillRef>
+          <a:effectRef idx="0">
+            <a:schemeClr val="accent1"/>
+          </a:effectRef>
+          <a:fontRef idx="minor">
+            <a:schemeClr val="tx1"/>
+          </a:fontRef>
+        </p:style>
+      </p:cxnSp>
+      <p:cxnSp>
+        <p:nvCxnSpPr>
+          <p:cNvPr id="31" name="Connector: Elbow 30">
+            <a:extLst>
+              <a:ext uri="{FF2B5EF4-FFF2-40B4-BE49-F238E27FC236}">
+                <a16:creationId xmlns:a16="http://schemas.microsoft.com/office/drawing/2014/main" id="{3006BFAB-1A04-47C4-9E9C-3D159771D7A3}"/>
+              </a:ext>
+            </a:extLst>
+          </p:cNvPr>
+          <p:cNvCxnSpPr>
+            <a:stCxn id="4" idx="2"/>
+            <a:endCxn id="54" idx="1"/>
+          </p:cNvCxnSpPr>
+          <p:nvPr/>
+        </p:nvCxnSpPr>
+        <p:spPr>
+          <a:xfrm rot="16200000" flipH="1">
+            <a:off x="-775916" y="3067388"/>
+            <a:ext cx="4604414" cy="574195"/>
+          </a:xfrm>
+          <a:prstGeom prst="bentConnector2">
+            <a:avLst/>
+          </a:prstGeom>
+          <a:ln w="38100">
+            <a:solidFill>
+              <a:schemeClr val="bg1">
+                <a:lumMod val="50000"/>
+              </a:schemeClr>
+            </a:solidFill>
+            <a:tailEnd type="triangle"/>
+          </a:ln>
+        </p:spPr>
+        <p:style>
+          <a:lnRef idx="1">
+            <a:schemeClr val="accent1"/>
+          </a:lnRef>
+          <a:fillRef idx="0">
+            <a:schemeClr val="accent1"/>
+          </a:fillRef>
+          <a:effectRef idx="0">
+            <a:schemeClr val="accent1"/>
+          </a:effectRef>
+          <a:fontRef idx="minor">
+            <a:schemeClr val="tx1"/>
+          </a:fontRef>
+        </p:style>
+      </p:cxnSp>
+      <p:cxnSp>
+        <p:nvCxnSpPr>
+          <p:cNvPr id="35" name="Connector: Elbow 34">
+            <a:extLst>
+              <a:ext uri="{FF2B5EF4-FFF2-40B4-BE49-F238E27FC236}">
+                <a16:creationId xmlns:a16="http://schemas.microsoft.com/office/drawing/2014/main" id="{995AB819-BF1E-47FD-AD9E-F3CFCE0F9BDE}"/>
+              </a:ext>
+            </a:extLst>
+          </p:cNvPr>
+          <p:cNvCxnSpPr>
+            <a:stCxn id="4" idx="2"/>
+            <a:endCxn id="56" idx="1"/>
+          </p:cNvCxnSpPr>
+          <p:nvPr/>
+        </p:nvCxnSpPr>
+        <p:spPr>
+          <a:xfrm rot="16200000" flipH="1">
+            <a:off x="-1148201" y="3439673"/>
+            <a:ext cx="5348984" cy="574195"/>
+          </a:xfrm>
+          <a:prstGeom prst="bentConnector2">
+            <a:avLst/>
+          </a:prstGeom>
+          <a:ln w="38100">
+            <a:solidFill>
+              <a:schemeClr val="bg1">
+                <a:lumMod val="50000"/>
+              </a:schemeClr>
+            </a:solidFill>
+            <a:tailEnd type="triangle"/>
+          </a:ln>
+        </p:spPr>
+        <p:style>
+          <a:lnRef idx="1">
+            <a:schemeClr val="accent1"/>
+          </a:lnRef>
+          <a:fillRef idx="0">
+            <a:schemeClr val="accent1"/>
+          </a:fillRef>
+          <a:effectRef idx="0">
+            <a:schemeClr val="accent1"/>
+          </a:effectRef>
+          <a:fontRef idx="minor">
+            <a:schemeClr val="tx1"/>
+          </a:fontRef>
+        </p:style>
+      </p:cxnSp>
+      <p:sp>
+        <p:nvSpPr>
+          <p:cNvPr id="37" name="TextBox 36">
+            <a:extLst>
+              <a:ext uri="{FF2B5EF4-FFF2-40B4-BE49-F238E27FC236}">
+                <a16:creationId xmlns:a16="http://schemas.microsoft.com/office/drawing/2014/main" id="{94D1285C-D475-4761-AB59-AAF30FB04556}"/>
+              </a:ext>
+            </a:extLst>
+          </p:cNvPr>
+          <p:cNvSpPr txBox="1"/>
+          <p:nvPr/>
+        </p:nvSpPr>
+        <p:spPr>
+          <a:xfrm>
+            <a:off x="8100050" y="1019504"/>
+            <a:ext cx="3074881" cy="461665"/>
+          </a:xfrm>
+          <a:prstGeom prst="rect">
+            <a:avLst/>
+          </a:prstGeom>
+          <a:noFill/>
+        </p:spPr>
+        <p:txBody>
+          <a:bodyPr wrap="none" rtlCol="0">
+            <a:spAutoFit/>
+          </a:bodyPr>
+          <a:lstStyle/>
+          <a:p>
+            <a:r>
+              <a:rPr lang="en-US" sz="2400" b="1" u="sng" dirty="0">
+                <a:solidFill>
+                  <a:srgbClr val="0033CC"/>
+                </a:solidFill>
+              </a:rPr>
+              <a:t>SEND RULE</a:t>
+            </a:r>
+            <a:r>
+              <a:rPr lang="en-US" sz="2400" b="1" dirty="0">
+                <a:solidFill>
+                  <a:srgbClr val="0033CC"/>
+                </a:solidFill>
+              </a:rPr>
+              <a:t> </a:t>
+            </a:r>
+            <a:r>
+              <a:rPr lang="en-US" sz="2000" dirty="0">
+                <a:solidFill>
+                  <a:srgbClr val="0033CC"/>
+                </a:solidFill>
+              </a:rPr>
+              <a:t>(DM Domain)</a:t>
+            </a:r>
+          </a:p>
+        </p:txBody>
+      </p:sp>
+      <p:sp>
+        <p:nvSpPr>
+          <p:cNvPr id="33" name="TextBox 32">
+            <a:extLst>
+              <a:ext uri="{FF2B5EF4-FFF2-40B4-BE49-F238E27FC236}">
+                <a16:creationId xmlns:a16="http://schemas.microsoft.com/office/drawing/2014/main" id="{62C8A6F8-EA4B-4D89-829A-5E9E2E668D49}"/>
+              </a:ext>
+            </a:extLst>
+          </p:cNvPr>
+          <p:cNvSpPr txBox="1"/>
+          <p:nvPr/>
+        </p:nvSpPr>
+        <p:spPr>
+          <a:xfrm>
+            <a:off x="5160580" y="115614"/>
+            <a:ext cx="968535" cy="461665"/>
+          </a:xfrm>
+          <a:prstGeom prst="rect">
+            <a:avLst/>
+          </a:prstGeom>
+          <a:noFill/>
+        </p:spPr>
+        <p:txBody>
+          <a:bodyPr wrap="none" rtlCol="0">
+            <a:spAutoFit/>
+          </a:bodyPr>
+          <a:lstStyle/>
+          <a:p>
+            <a:r>
+              <a:rPr lang="en-US" sz="2400" b="1" u="sng" dirty="0">
+                <a:solidFill>
+                  <a:schemeClr val="accent6">
                     <a:lumMod val="75000"/>
                   </a:schemeClr>
                 </a:solidFill>
               </a:rPr>
-              <a:t>01-701-1015</a:t>
-            </a:r>
-          </a:p>
-        </p:txBody>
-      </p:sp>
-      <p:sp>
-        <p:nvSpPr>
-          <p:cNvPr id="5" name="Rectangle: Rounded Corners 4"/>
+              <a:t>Shape</a:t>
+            </a:r>
+            <a:endParaRPr lang="en-US" sz="2000" u="sng" dirty="0">
+              <a:solidFill>
+                <a:schemeClr val="accent6">
+                  <a:lumMod val="75000"/>
+                </a:schemeClr>
+              </a:solidFill>
+            </a:endParaRPr>
+          </a:p>
+        </p:txBody>
+      </p:sp>
+      <p:sp>
+        <p:nvSpPr>
+          <p:cNvPr id="34" name="TextBox 33">
+            <a:extLst>
+              <a:ext uri="{FF2B5EF4-FFF2-40B4-BE49-F238E27FC236}">
+                <a16:creationId xmlns:a16="http://schemas.microsoft.com/office/drawing/2014/main" id="{3E9AD37C-99D0-4839-8FDA-6C1DE8ED6077}"/>
+              </a:ext>
+            </a:extLst>
+          </p:cNvPr>
+          <p:cNvSpPr txBox="1"/>
+          <p:nvPr/>
+        </p:nvSpPr>
+        <p:spPr>
+          <a:xfrm>
+            <a:off x="5160580" y="607949"/>
+            <a:ext cx="2109873" cy="369332"/>
+          </a:xfrm>
+          <a:prstGeom prst="rect">
+            <a:avLst/>
+          </a:prstGeom>
+          <a:noFill/>
+        </p:spPr>
+        <p:txBody>
+          <a:bodyPr wrap="none" rtlCol="0">
+            <a:spAutoFit/>
+          </a:bodyPr>
+          <a:lstStyle/>
+          <a:p>
+            <a:r>
+              <a:rPr lang="en-US" dirty="0" err="1">
+                <a:solidFill>
+                  <a:schemeClr val="accent6">
+                    <a:lumMod val="75000"/>
+                  </a:schemeClr>
+                </a:solidFill>
+              </a:rPr>
+              <a:t>AnimalSubjectShape</a:t>
+            </a:r>
+            <a:endParaRPr lang="en-US" dirty="0">
+              <a:solidFill>
+                <a:schemeClr val="accent6">
+                  <a:lumMod val="75000"/>
+                </a:schemeClr>
+              </a:solidFill>
+            </a:endParaRPr>
+          </a:p>
+        </p:txBody>
+      </p:sp>
+      <p:sp>
+        <p:nvSpPr>
+          <p:cNvPr id="45" name="Rectangle: Rounded Corners 44">
+            <a:extLst>
+              <a:ext uri="{FF2B5EF4-FFF2-40B4-BE49-F238E27FC236}">
+                <a16:creationId xmlns:a16="http://schemas.microsoft.com/office/drawing/2014/main" id="{B9A69A35-10B3-4874-B928-C93C5AEC02C5}"/>
+              </a:ext>
+            </a:extLst>
+          </p:cNvPr>
           <p:cNvSpPr/>
           <p:nvPr/>
         </p:nvSpPr>
         <p:spPr>
           <a:xfrm>
-            <a:off x="7348177" y="2628952"/>
-            <a:ext cx="2468880" cy="457001"/>
+            <a:off x="1813389" y="1434091"/>
+            <a:ext cx="3154680" cy="457001"/>
           </a:xfrm>
           <a:prstGeom prst="roundRect">
             <a:avLst/>
@@ -4759,9 +5311,11 @@
               <a:lumOff val="60000"/>
             </a:schemeClr>
           </a:solidFill>
-          <a:ln>
+          <a:ln w="38100">
             <a:solidFill>
-              <a:schemeClr val="tx1"/>
+              <a:schemeClr val="accent1">
+                <a:lumMod val="75000"/>
+              </a:schemeClr>
             </a:solidFill>
           </a:ln>
         </p:spPr>
@@ -4792,31 +5346,218 @@
                   <a:schemeClr val="tx1"/>
                 </a:solidFill>
               </a:rPr>
-              <a:t>Medical Condition</a:t>
-            </a:r>
-          </a:p>
-        </p:txBody>
-      </p:sp>
-      <p:sp>
-        <p:nvSpPr>
-          <p:cNvPr id="13" name="Rectangle: Rounded Corners 12"/>
+              <a:t>:</a:t>
+            </a:r>
+            <a:r>
+              <a:rPr lang="en-US" b="1" dirty="0" err="1">
+                <a:solidFill>
+                  <a:schemeClr val="tx1"/>
+                </a:solidFill>
+              </a:rPr>
+              <a:t>UniqueSubjectIdentifier_</a:t>
+            </a:r>
+            <a:r>
+              <a:rPr lang="en-US" dirty="0" err="1">
+                <a:solidFill>
+                  <a:schemeClr val="bg1">
+                    <a:lumMod val="50000"/>
+                  </a:schemeClr>
+                </a:solidFill>
+              </a:rPr>
+              <a:t>xxx</a:t>
+            </a:r>
+            <a:endParaRPr lang="en-US" dirty="0">
+              <a:solidFill>
+                <a:schemeClr val="bg1">
+                  <a:lumMod val="50000"/>
+                </a:schemeClr>
+              </a:solidFill>
+            </a:endParaRPr>
+          </a:p>
+        </p:txBody>
+      </p:sp>
+      <p:sp>
+        <p:nvSpPr>
+          <p:cNvPr id="67" name="TextBox 66">
+            <a:extLst>
+              <a:ext uri="{FF2B5EF4-FFF2-40B4-BE49-F238E27FC236}">
+                <a16:creationId xmlns:a16="http://schemas.microsoft.com/office/drawing/2014/main" id="{C9C7BDF3-D3D9-48BD-9F4F-5AD3A12FEAEA}"/>
+              </a:ext>
+            </a:extLst>
+          </p:cNvPr>
+          <p:cNvSpPr txBox="1"/>
+          <p:nvPr/>
+        </p:nvSpPr>
+        <p:spPr>
+          <a:xfrm>
+            <a:off x="8109989" y="2137123"/>
+            <a:ext cx="901209" cy="369332"/>
+          </a:xfrm>
+          <a:prstGeom prst="rect">
+            <a:avLst/>
+          </a:prstGeom>
+          <a:noFill/>
+        </p:spPr>
+        <p:txBody>
+          <a:bodyPr wrap="none" rtlCol="0">
+            <a:spAutoFit/>
+          </a:bodyPr>
+          <a:lstStyle>
+            <a:defPPr>
+              <a:defRPr lang="en-US"/>
+            </a:defPPr>
+            <a:lvl1pPr>
+              <a:defRPr>
+                <a:solidFill>
+                  <a:srgbClr val="0033CC"/>
+                </a:solidFill>
+              </a:defRPr>
+            </a:lvl1pPr>
+          </a:lstStyle>
+          <a:p>
+            <a:r>
+              <a:rPr lang="en-US" dirty="0"/>
+              <a:t>SD1001</a:t>
+            </a:r>
+          </a:p>
+        </p:txBody>
+      </p:sp>
+      <p:sp>
+        <p:nvSpPr>
+          <p:cNvPr id="6" name="TextBox 5">
+            <a:extLst>
+              <a:ext uri="{FF2B5EF4-FFF2-40B4-BE49-F238E27FC236}">
+                <a16:creationId xmlns:a16="http://schemas.microsoft.com/office/drawing/2014/main" id="{5B1D4099-CC90-4185-8F8A-EA5B20B71FD1}"/>
+              </a:ext>
+            </a:extLst>
+          </p:cNvPr>
+          <p:cNvSpPr txBox="1"/>
+          <p:nvPr/>
+        </p:nvSpPr>
+        <p:spPr>
+          <a:xfrm>
+            <a:off x="5160580" y="1338779"/>
+            <a:ext cx="2915670" cy="646331"/>
+          </a:xfrm>
+          <a:prstGeom prst="rect">
+            <a:avLst/>
+          </a:prstGeom>
+          <a:noFill/>
+        </p:spPr>
+        <p:txBody>
+          <a:bodyPr wrap="none" rtlCol="0">
+            <a:spAutoFit/>
+          </a:bodyPr>
+          <a:lstStyle>
+            <a:defPPr>
+              <a:defRPr lang="en-US"/>
+            </a:defPPr>
+            <a:lvl1pPr>
+              <a:defRPr>
+                <a:solidFill>
+                  <a:schemeClr val="accent6">
+                    <a:lumMod val="75000"/>
+                  </a:schemeClr>
+                </a:solidFill>
+              </a:defRPr>
+            </a:lvl1pPr>
+          </a:lstStyle>
+          <a:p>
+            <a:r>
+              <a:rPr lang="en-US" dirty="0"/>
+              <a:t>hasMin1Max1Shape-</a:t>
+            </a:r>
+            <a:r>
+              <a:rPr lang="en-US" b="1" dirty="0"/>
+              <a:t>USubjID</a:t>
+            </a:r>
+          </a:p>
+          <a:p>
+            <a:r>
+              <a:rPr lang="en-US" dirty="0" err="1"/>
+              <a:t>isUniqueShape</a:t>
+            </a:r>
+            <a:r>
+              <a:rPr lang="en-US" b="1" dirty="0" err="1"/>
+              <a:t>-USubjID</a:t>
+            </a:r>
+            <a:r>
+              <a:rPr lang="en-US" b="1" dirty="0"/>
+              <a:t> </a:t>
+            </a:r>
+          </a:p>
+        </p:txBody>
+      </p:sp>
+      <p:sp>
+        <p:nvSpPr>
+          <p:cNvPr id="66" name="TextBox 65">
+            <a:extLst>
+              <a:ext uri="{FF2B5EF4-FFF2-40B4-BE49-F238E27FC236}">
+                <a16:creationId xmlns:a16="http://schemas.microsoft.com/office/drawing/2014/main" id="{5EA58D63-D138-4D74-85D3-68642E78BDC5}"/>
+              </a:ext>
+            </a:extLst>
+          </p:cNvPr>
+          <p:cNvSpPr txBox="1"/>
+          <p:nvPr/>
+        </p:nvSpPr>
+        <p:spPr>
+          <a:xfrm>
+            <a:off x="8109989" y="1451970"/>
+            <a:ext cx="901209" cy="369332"/>
+          </a:xfrm>
+          <a:prstGeom prst="rect">
+            <a:avLst/>
+          </a:prstGeom>
+          <a:noFill/>
+        </p:spPr>
+        <p:txBody>
+          <a:bodyPr wrap="none" rtlCol="0">
+            <a:spAutoFit/>
+          </a:bodyPr>
+          <a:lstStyle/>
+          <a:p>
+            <a:r>
+              <a:rPr lang="en-US" dirty="0">
+                <a:solidFill>
+                  <a:srgbClr val="0033CC"/>
+                </a:solidFill>
+              </a:rPr>
+              <a:t>SD0083</a:t>
+            </a:r>
+          </a:p>
+        </p:txBody>
+      </p:sp>
+      <p:sp>
+        <p:nvSpPr>
+          <p:cNvPr id="41" name="Rectangle: Rounded Corners 40">
+            <a:extLst>
+              <a:ext uri="{FF2B5EF4-FFF2-40B4-BE49-F238E27FC236}">
+                <a16:creationId xmlns:a16="http://schemas.microsoft.com/office/drawing/2014/main" id="{96684C95-C42A-41D0-B366-B571197353D3}"/>
+              </a:ext>
+            </a:extLst>
+          </p:cNvPr>
           <p:cNvSpPr/>
           <p:nvPr/>
         </p:nvSpPr>
         <p:spPr>
           <a:xfrm>
-            <a:off x="7158066" y="4705104"/>
-            <a:ext cx="2468880" cy="457001"/>
+            <a:off x="1813389" y="2083997"/>
+            <a:ext cx="3154680" cy="457001"/>
           </a:xfrm>
           <a:prstGeom prst="roundRect">
             <a:avLst/>
           </a:prstGeom>
           <a:solidFill>
-            <a:srgbClr val="FFC000"/>
+            <a:schemeClr val="accent1">
+              <a:lumMod val="40000"/>
+              <a:lumOff val="60000"/>
+            </a:schemeClr>
           </a:solidFill>
-          <a:ln>
+          <a:ln w="38100">
             <a:solidFill>
-              <a:schemeClr val="tx1"/>
+              <a:schemeClr val="accent1">
+                <a:lumMod val="75000"/>
+              </a:schemeClr>
             </a:solidFill>
           </a:ln>
         </p:spPr>
@@ -4842,80 +5583,1129 @@
           <a:p>
             <a:pPr algn="ctr"/>
             <a:r>
-              <a:rPr lang="en-US" b="1" dirty="0" err="1">
+              <a:rPr lang="en-US" b="1" u="sng" dirty="0">
                 <a:solidFill>
                   <a:schemeClr val="tx1"/>
                 </a:solidFill>
               </a:rPr>
-              <a:t>AdverseEvent</a:t>
-            </a:r>
-            <a:endParaRPr lang="en-US" b="1" dirty="0">
+              <a:t>:</a:t>
+            </a:r>
+            <a:r>
+              <a:rPr lang="en-US" b="1" u="sng" dirty="0" err="1">
+                <a:solidFill>
+                  <a:schemeClr val="tx1"/>
+                </a:solidFill>
+              </a:rPr>
+              <a:t>SubjectIdentifier_</a:t>
+            </a:r>
+            <a:r>
+              <a:rPr lang="en-US" u="sng" dirty="0" err="1">
+                <a:solidFill>
+                  <a:schemeClr val="bg1">
+                    <a:lumMod val="50000"/>
+                  </a:schemeClr>
+                </a:solidFill>
+              </a:rPr>
+              <a:t>xxx</a:t>
+            </a:r>
+            <a:endParaRPr lang="en-US" u="sng" dirty="0">
               <a:solidFill>
-                <a:schemeClr val="tx1"/>
+                <a:schemeClr val="bg1">
+                  <a:lumMod val="50000"/>
+                </a:schemeClr>
               </a:solidFill>
             </a:endParaRPr>
           </a:p>
         </p:txBody>
       </p:sp>
-      <p:cxnSp>
-        <p:nvCxnSpPr>
-          <p:cNvPr id="14" name="Straight Arrow Connector 13"/>
-          <p:cNvCxnSpPr>
-            <a:cxnSpLocks/>
-            <a:stCxn id="5" idx="2"/>
-            <a:endCxn id="13" idx="0"/>
-          </p:cNvCxnSpPr>
-          <p:nvPr/>
-        </p:nvCxnSpPr>
-        <p:spPr>
-          <a:xfrm flipH="1">
-            <a:off x="8392506" y="3085953"/>
-            <a:ext cx="190111" cy="1619151"/>
-          </a:xfrm>
-          <a:prstGeom prst="straightConnector1">
-            <a:avLst/>
-          </a:prstGeom>
-          <a:ln w="50800">
+      <p:sp>
+        <p:nvSpPr>
+          <p:cNvPr id="36" name="TextBox 35">
+            <a:extLst>
+              <a:ext uri="{FF2B5EF4-FFF2-40B4-BE49-F238E27FC236}">
+                <a16:creationId xmlns:a16="http://schemas.microsoft.com/office/drawing/2014/main" id="{37C1B666-B42B-44A1-BCF0-D388A8A4B86C}"/>
+              </a:ext>
+            </a:extLst>
+          </p:cNvPr>
+          <p:cNvSpPr txBox="1"/>
+          <p:nvPr/>
+        </p:nvSpPr>
+        <p:spPr>
+          <a:xfrm>
+            <a:off x="5160580" y="1998624"/>
+            <a:ext cx="2768194" cy="646331"/>
+          </a:xfrm>
+          <a:prstGeom prst="rect">
+            <a:avLst/>
+          </a:prstGeom>
+          <a:noFill/>
+        </p:spPr>
+        <p:txBody>
+          <a:bodyPr wrap="none" rtlCol="0">
+            <a:spAutoFit/>
+          </a:bodyPr>
+          <a:lstStyle>
+            <a:defPPr>
+              <a:defRPr lang="en-US"/>
+            </a:defPPr>
+            <a:lvl1pPr>
+              <a:defRPr>
+                <a:solidFill>
+                  <a:schemeClr val="accent6">
+                    <a:lumMod val="75000"/>
+                  </a:schemeClr>
+                </a:solidFill>
+              </a:defRPr>
+            </a:lvl1pPr>
+          </a:lstStyle>
+          <a:p>
+            <a:r>
+              <a:rPr lang="en-US" dirty="0"/>
+              <a:t>hasMin1Max1Shape-</a:t>
+            </a:r>
+            <a:r>
+              <a:rPr lang="en-US" b="1" dirty="0"/>
+              <a:t>SubjID</a:t>
+            </a:r>
+          </a:p>
+          <a:p>
+            <a:r>
+              <a:rPr lang="en-US" dirty="0" err="1"/>
+              <a:t>isUniqueShape-</a:t>
+            </a:r>
+            <a:r>
+              <a:rPr lang="en-US" b="1" dirty="0" err="1"/>
+              <a:t>SubjID</a:t>
+            </a:r>
+            <a:r>
+              <a:rPr lang="en-US" dirty="0"/>
+              <a:t> </a:t>
+            </a:r>
+          </a:p>
+        </p:txBody>
+      </p:sp>
+      <p:sp>
+        <p:nvSpPr>
+          <p:cNvPr id="15" name="Rectangle: Rounded Corners 14">
+            <a:extLst>
+              <a:ext uri="{FF2B5EF4-FFF2-40B4-BE49-F238E27FC236}">
+                <a16:creationId xmlns:a16="http://schemas.microsoft.com/office/drawing/2014/main" id="{F2D1CDB2-6DA6-45BF-B57E-8A1B3116DAB8}"/>
+              </a:ext>
+            </a:extLst>
+          </p:cNvPr>
+          <p:cNvSpPr/>
+          <p:nvPr/>
+        </p:nvSpPr>
+        <p:spPr>
+          <a:xfrm>
+            <a:off x="1813389" y="2733903"/>
+            <a:ext cx="3154680" cy="457001"/>
+          </a:xfrm>
+          <a:prstGeom prst="roundRect">
+            <a:avLst/>
+          </a:prstGeom>
+          <a:solidFill>
+            <a:schemeClr val="accent1">
+              <a:lumMod val="40000"/>
+              <a:lumOff val="60000"/>
+            </a:schemeClr>
+          </a:solidFill>
+          <a:ln w="38100">
             <a:solidFill>
-              <a:schemeClr val="bg1">
-                <a:lumMod val="50000"/>
+              <a:schemeClr val="accent1">
+                <a:lumMod val="75000"/>
               </a:schemeClr>
             </a:solidFill>
-            <a:tailEnd type="triangle"/>
           </a:ln>
         </p:spPr>
         <p:style>
-          <a:lnRef idx="1">
-            <a:schemeClr val="accent1"/>
+          <a:lnRef idx="2">
+            <a:schemeClr val="accent1">
+              <a:shade val="50000"/>
+            </a:schemeClr>
           </a:lnRef>
-          <a:fillRef idx="0">
+          <a:fillRef idx="1">
             <a:schemeClr val="accent1"/>
           </a:fillRef>
           <a:effectRef idx="0">
             <a:schemeClr val="accent1"/>
           </a:effectRef>
           <a:fontRef idx="minor">
-            <a:schemeClr val="tx1"/>
+            <a:schemeClr val="lt1"/>
           </a:fontRef>
         </p:style>
-      </p:cxnSp>
-      <p:sp>
-        <p:nvSpPr>
-          <p:cNvPr id="20" name="TextBox 19"/>
+        <p:txBody>
+          <a:bodyPr rtlCol="0" anchor="ctr"/>
+          <a:lstStyle/>
+          <a:p>
+            <a:pPr algn="ctr"/>
+            <a:r>
+              <a:rPr lang="en-US" b="1" dirty="0">
+                <a:solidFill>
+                  <a:schemeClr val="tx1"/>
+                </a:solidFill>
+              </a:rPr>
+              <a:t>:Interval_</a:t>
+            </a:r>
+            <a:r>
+              <a:rPr lang="en-US" dirty="0">
+                <a:solidFill>
+                  <a:schemeClr val="bg1">
+                    <a:lumMod val="50000"/>
+                  </a:schemeClr>
+                </a:solidFill>
+              </a:rPr>
+              <a:t> xxx</a:t>
+            </a:r>
+          </a:p>
+        </p:txBody>
+      </p:sp>
+      <p:sp>
+        <p:nvSpPr>
+          <p:cNvPr id="65" name="TextBox 64">
+            <a:extLst>
+              <a:ext uri="{FF2B5EF4-FFF2-40B4-BE49-F238E27FC236}">
+                <a16:creationId xmlns:a16="http://schemas.microsoft.com/office/drawing/2014/main" id="{5D224BE6-72F7-4AE8-A204-3798AF08CCE5}"/>
+              </a:ext>
+            </a:extLst>
+          </p:cNvPr>
           <p:cNvSpPr txBox="1"/>
           <p:nvPr/>
         </p:nvSpPr>
         <p:spPr>
           <a:xfrm>
-            <a:off x="9644498" y="739025"/>
-            <a:ext cx="1967829" cy="369332"/>
+            <a:off x="8100050" y="2777737"/>
+            <a:ext cx="1184820" cy="369332"/>
           </a:xfrm>
           <a:prstGeom prst="rect">
             <a:avLst/>
           </a:prstGeom>
+          <a:noFill/>
+        </p:spPr>
+        <p:txBody>
+          <a:bodyPr wrap="square" rtlCol="0">
+            <a:spAutoFit/>
+          </a:bodyPr>
+          <a:lstStyle/>
+          <a:p>
+            <a:r>
+              <a:rPr lang="en-US" dirty="0">
+                <a:solidFill>
+                  <a:srgbClr val="0033CC"/>
+                </a:solidFill>
+              </a:rPr>
+              <a:t>SD1002</a:t>
+            </a:r>
+          </a:p>
+        </p:txBody>
+      </p:sp>
+      <p:sp>
+        <p:nvSpPr>
+          <p:cNvPr id="38" name="TextBox 37">
+            <a:extLst>
+              <a:ext uri="{FF2B5EF4-FFF2-40B4-BE49-F238E27FC236}">
+                <a16:creationId xmlns:a16="http://schemas.microsoft.com/office/drawing/2014/main" id="{58A3FADE-C48C-40D6-A250-73404B030070}"/>
+              </a:ext>
+            </a:extLst>
+          </p:cNvPr>
+          <p:cNvSpPr txBox="1"/>
+          <p:nvPr/>
+        </p:nvSpPr>
+        <p:spPr>
+          <a:xfrm>
+            <a:off x="5160580" y="2777737"/>
+            <a:ext cx="1843582" cy="369332"/>
+          </a:xfrm>
+          <a:prstGeom prst="rect">
+            <a:avLst/>
+          </a:prstGeom>
+          <a:noFill/>
+        </p:spPr>
+        <p:txBody>
+          <a:bodyPr wrap="none" rtlCol="0">
+            <a:spAutoFit/>
+          </a:bodyPr>
+          <a:lstStyle>
+            <a:defPPr>
+              <a:defRPr lang="en-US"/>
+            </a:defPPr>
+            <a:lvl1pPr>
+              <a:defRPr>
+                <a:solidFill>
+                  <a:schemeClr val="accent6">
+                    <a:lumMod val="75000"/>
+                  </a:schemeClr>
+                </a:solidFill>
+              </a:defRPr>
+            </a:lvl1pPr>
+          </a:lstStyle>
+          <a:p>
+            <a:r>
+              <a:rPr lang="en-US" i="1" dirty="0">
+                <a:solidFill>
+                  <a:schemeClr val="bg1">
+                    <a:lumMod val="50000"/>
+                  </a:schemeClr>
+                </a:solidFill>
+              </a:rPr>
+              <a:t>To be determined</a:t>
+            </a:r>
+          </a:p>
+        </p:txBody>
+      </p:sp>
+      <p:grpSp>
+        <p:nvGrpSpPr>
+          <p:cNvPr id="11" name="Group 10">
+            <a:extLst>
+              <a:ext uri="{FF2B5EF4-FFF2-40B4-BE49-F238E27FC236}">
+                <a16:creationId xmlns:a16="http://schemas.microsoft.com/office/drawing/2014/main" id="{9A54AA4A-4955-45A6-950C-B11D71165AD6}"/>
+              </a:ext>
+            </a:extLst>
+          </p:cNvPr>
+          <p:cNvGrpSpPr/>
+          <p:nvPr/>
+        </p:nvGrpSpPr>
+        <p:grpSpPr>
+          <a:xfrm>
+            <a:off x="1813389" y="4033715"/>
+            <a:ext cx="5190773" cy="457001"/>
+            <a:chOff x="1813389" y="4044231"/>
+            <a:chExt cx="5190773" cy="457001"/>
+          </a:xfrm>
+        </p:grpSpPr>
+        <p:sp>
+          <p:nvSpPr>
+            <p:cNvPr id="49" name="Rectangle: Rounded Corners 48">
+              <a:extLst>
+                <a:ext uri="{FF2B5EF4-FFF2-40B4-BE49-F238E27FC236}">
+                  <a16:creationId xmlns:a16="http://schemas.microsoft.com/office/drawing/2014/main" id="{AC5ADABD-A2F6-4C9F-93BC-ED94E5305351}"/>
+                </a:ext>
+              </a:extLst>
+            </p:cNvPr>
+            <p:cNvSpPr/>
+            <p:nvPr/>
+          </p:nvSpPr>
+          <p:spPr>
+            <a:xfrm>
+              <a:off x="1813389" y="4044231"/>
+              <a:ext cx="3154680" cy="457001"/>
+            </a:xfrm>
+            <a:prstGeom prst="roundRect">
+              <a:avLst/>
+            </a:prstGeom>
+            <a:solidFill>
+              <a:schemeClr val="accent1">
+                <a:lumMod val="40000"/>
+                <a:lumOff val="60000"/>
+              </a:schemeClr>
+            </a:solidFill>
+            <a:ln w="38100">
+              <a:solidFill>
+                <a:schemeClr val="accent1">
+                  <a:lumMod val="75000"/>
+                </a:schemeClr>
+              </a:solidFill>
+            </a:ln>
+          </p:spPr>
+          <p:style>
+            <a:lnRef idx="2">
+              <a:schemeClr val="accent1">
+                <a:shade val="50000"/>
+              </a:schemeClr>
+            </a:lnRef>
+            <a:fillRef idx="1">
+              <a:schemeClr val="accent1"/>
+            </a:fillRef>
+            <a:effectRef idx="0">
+              <a:schemeClr val="accent1"/>
+            </a:effectRef>
+            <a:fontRef idx="minor">
+              <a:schemeClr val="lt1"/>
+            </a:fontRef>
+          </p:style>
+          <p:txBody>
+            <a:bodyPr rtlCol="0" anchor="ctr"/>
+            <a:lstStyle/>
+            <a:p>
+              <a:pPr algn="ctr"/>
+              <a:r>
+                <a:rPr lang="en-US" b="1" dirty="0">
+                  <a:solidFill>
+                    <a:schemeClr val="tx1"/>
+                  </a:solidFill>
+                </a:rPr>
+                <a:t>:</a:t>
+              </a:r>
+              <a:r>
+                <a:rPr lang="en-US" b="1" dirty="0" err="1">
+                  <a:solidFill>
+                    <a:schemeClr val="tx1"/>
+                  </a:solidFill>
+                </a:rPr>
+                <a:t>Species</a:t>
+              </a:r>
+              <a:r>
+                <a:rPr lang="en-US" b="1" dirty="0" err="1">
+                  <a:solidFill>
+                    <a:schemeClr val="bg1">
+                      <a:lumMod val="50000"/>
+                    </a:schemeClr>
+                  </a:solidFill>
+                </a:rPr>
+                <a:t>_</a:t>
+              </a:r>
+              <a:r>
+                <a:rPr lang="en-US" dirty="0" err="1">
+                  <a:solidFill>
+                    <a:schemeClr val="bg1">
+                      <a:lumMod val="50000"/>
+                    </a:schemeClr>
+                  </a:solidFill>
+                </a:rPr>
+                <a:t>xxx</a:t>
+              </a:r>
+              <a:endParaRPr lang="en-US" dirty="0">
+                <a:solidFill>
+                  <a:schemeClr val="bg1">
+                    <a:lumMod val="50000"/>
+                  </a:schemeClr>
+                </a:solidFill>
+              </a:endParaRPr>
+            </a:p>
+          </p:txBody>
+        </p:sp>
+        <p:sp>
+          <p:nvSpPr>
+            <p:cNvPr id="39" name="TextBox 38">
+              <a:extLst>
+                <a:ext uri="{FF2B5EF4-FFF2-40B4-BE49-F238E27FC236}">
+                  <a16:creationId xmlns:a16="http://schemas.microsoft.com/office/drawing/2014/main" id="{9BCDEF6C-8ACD-4C64-9691-3B347D187B31}"/>
+                </a:ext>
+              </a:extLst>
+            </p:cNvPr>
+            <p:cNvSpPr txBox="1"/>
+            <p:nvPr/>
+          </p:nvSpPr>
+          <p:spPr>
+            <a:xfrm>
+              <a:off x="5160580" y="4088065"/>
+              <a:ext cx="1843582" cy="369332"/>
+            </a:xfrm>
+            <a:prstGeom prst="rect">
+              <a:avLst/>
+            </a:prstGeom>
+            <a:noFill/>
+          </p:spPr>
+          <p:txBody>
+            <a:bodyPr wrap="none" rtlCol="0">
+              <a:spAutoFit/>
+            </a:bodyPr>
+            <a:lstStyle>
+              <a:defPPr>
+                <a:defRPr lang="en-US"/>
+              </a:defPPr>
+              <a:lvl1pPr>
+                <a:defRPr>
+                  <a:solidFill>
+                    <a:schemeClr val="accent6">
+                      <a:lumMod val="75000"/>
+                    </a:schemeClr>
+                  </a:solidFill>
+                </a:defRPr>
+              </a:lvl1pPr>
+            </a:lstStyle>
+            <a:p>
+              <a:r>
+                <a:rPr lang="en-US" i="1" dirty="0">
+                  <a:solidFill>
+                    <a:schemeClr val="bg1">
+                      <a:lumMod val="50000"/>
+                    </a:schemeClr>
+                  </a:solidFill>
+                </a:rPr>
+                <a:t>To be determined</a:t>
+              </a:r>
+            </a:p>
+          </p:txBody>
+        </p:sp>
+      </p:grpSp>
+      <p:grpSp>
+        <p:nvGrpSpPr>
+          <p:cNvPr id="12" name="Group 11">
+            <a:extLst>
+              <a:ext uri="{FF2B5EF4-FFF2-40B4-BE49-F238E27FC236}">
+                <a16:creationId xmlns:a16="http://schemas.microsoft.com/office/drawing/2014/main" id="{EF555A0F-6638-4F09-8610-CBBD263F1E5A}"/>
+              </a:ext>
+            </a:extLst>
+          </p:cNvPr>
+          <p:cNvGrpSpPr/>
+          <p:nvPr/>
+        </p:nvGrpSpPr>
+        <p:grpSpPr>
+          <a:xfrm>
+            <a:off x="1813389" y="4683621"/>
+            <a:ext cx="5190773" cy="457001"/>
+            <a:chOff x="1813389" y="4682072"/>
+            <a:chExt cx="5190773" cy="457001"/>
+          </a:xfrm>
+        </p:grpSpPr>
+        <p:sp>
+          <p:nvSpPr>
+            <p:cNvPr id="53" name="Rectangle: Rounded Corners 52">
+              <a:extLst>
+                <a:ext uri="{FF2B5EF4-FFF2-40B4-BE49-F238E27FC236}">
+                  <a16:creationId xmlns:a16="http://schemas.microsoft.com/office/drawing/2014/main" id="{5F64002F-F42A-4F15-A63A-C21552CDF952}"/>
+                </a:ext>
+              </a:extLst>
+            </p:cNvPr>
+            <p:cNvSpPr/>
+            <p:nvPr/>
+          </p:nvSpPr>
+          <p:spPr>
+            <a:xfrm>
+              <a:off x="1813389" y="4682072"/>
+              <a:ext cx="3154680" cy="457001"/>
+            </a:xfrm>
+            <a:prstGeom prst="roundRect">
+              <a:avLst/>
+            </a:prstGeom>
+            <a:solidFill>
+              <a:schemeClr val="accent1">
+                <a:lumMod val="40000"/>
+                <a:lumOff val="60000"/>
+              </a:schemeClr>
+            </a:solidFill>
+            <a:ln w="38100">
+              <a:solidFill>
+                <a:schemeClr val="accent1">
+                  <a:lumMod val="75000"/>
+                </a:schemeClr>
+              </a:solidFill>
+            </a:ln>
+          </p:spPr>
+          <p:style>
+            <a:lnRef idx="2">
+              <a:schemeClr val="accent1">
+                <a:shade val="50000"/>
+              </a:schemeClr>
+            </a:lnRef>
+            <a:fillRef idx="1">
+              <a:schemeClr val="accent1"/>
+            </a:fillRef>
+            <a:effectRef idx="0">
+              <a:schemeClr val="accent1"/>
+            </a:effectRef>
+            <a:fontRef idx="minor">
+              <a:schemeClr val="lt1"/>
+            </a:fontRef>
+          </p:style>
+          <p:txBody>
+            <a:bodyPr rtlCol="0" anchor="ctr"/>
+            <a:lstStyle/>
+            <a:p>
+              <a:pPr algn="ctr"/>
+              <a:r>
+                <a:rPr lang="en-US" b="1" dirty="0">
+                  <a:solidFill>
+                    <a:schemeClr val="tx1"/>
+                  </a:solidFill>
+                </a:rPr>
+                <a:t>:</a:t>
+              </a:r>
+              <a:r>
+                <a:rPr lang="en-US" b="1" dirty="0" err="1">
+                  <a:solidFill>
+                    <a:schemeClr val="tx1"/>
+                  </a:solidFill>
+                </a:rPr>
+                <a:t>SexDataCollection_</a:t>
+              </a:r>
+              <a:r>
+                <a:rPr lang="en-US" dirty="0" err="1">
+                  <a:solidFill>
+                    <a:schemeClr val="bg1">
+                      <a:lumMod val="50000"/>
+                    </a:schemeClr>
+                  </a:solidFill>
+                </a:rPr>
+                <a:t>xxx</a:t>
+              </a:r>
+              <a:endParaRPr lang="en-US" dirty="0">
+                <a:solidFill>
+                  <a:schemeClr val="bg1">
+                    <a:lumMod val="50000"/>
+                  </a:schemeClr>
+                </a:solidFill>
+              </a:endParaRPr>
+            </a:p>
+          </p:txBody>
+        </p:sp>
+        <p:sp>
+          <p:nvSpPr>
+            <p:cNvPr id="40" name="TextBox 39">
+              <a:extLst>
+                <a:ext uri="{FF2B5EF4-FFF2-40B4-BE49-F238E27FC236}">
+                  <a16:creationId xmlns:a16="http://schemas.microsoft.com/office/drawing/2014/main" id="{95D47E7F-AFD7-4306-A43A-9F8DA1FD0CD4}"/>
+                </a:ext>
+              </a:extLst>
+            </p:cNvPr>
+            <p:cNvSpPr txBox="1"/>
+            <p:nvPr/>
+          </p:nvSpPr>
+          <p:spPr>
+            <a:xfrm>
+              <a:off x="5160580" y="4725906"/>
+              <a:ext cx="1843582" cy="369332"/>
+            </a:xfrm>
+            <a:prstGeom prst="rect">
+              <a:avLst/>
+            </a:prstGeom>
+            <a:noFill/>
+          </p:spPr>
+          <p:txBody>
+            <a:bodyPr wrap="none" rtlCol="0">
+              <a:spAutoFit/>
+            </a:bodyPr>
+            <a:lstStyle>
+              <a:defPPr>
+                <a:defRPr lang="en-US"/>
+              </a:defPPr>
+              <a:lvl1pPr>
+                <a:defRPr>
+                  <a:solidFill>
+                    <a:schemeClr val="accent6">
+                      <a:lumMod val="75000"/>
+                    </a:schemeClr>
+                  </a:solidFill>
+                </a:defRPr>
+              </a:lvl1pPr>
+            </a:lstStyle>
+            <a:p>
+              <a:r>
+                <a:rPr lang="en-US" i="1" dirty="0">
+                  <a:solidFill>
+                    <a:schemeClr val="bg1">
+                      <a:lumMod val="50000"/>
+                    </a:schemeClr>
+                  </a:solidFill>
+                </a:rPr>
+                <a:t>To be determined</a:t>
+              </a:r>
+            </a:p>
+          </p:txBody>
+        </p:sp>
+      </p:grpSp>
+      <p:sp>
+        <p:nvSpPr>
+          <p:cNvPr id="54" name="Rectangle: Rounded Corners 53">
+            <a:extLst>
+              <a:ext uri="{FF2B5EF4-FFF2-40B4-BE49-F238E27FC236}">
+                <a16:creationId xmlns:a16="http://schemas.microsoft.com/office/drawing/2014/main" id="{F3CCF06A-9EA7-441F-B0EE-8FE67B1BE6B9}"/>
+              </a:ext>
+            </a:extLst>
+          </p:cNvPr>
+          <p:cNvSpPr/>
+          <p:nvPr/>
+        </p:nvSpPr>
+        <p:spPr>
+          <a:xfrm>
+            <a:off x="1813389" y="5428192"/>
+            <a:ext cx="3154680" cy="457001"/>
+          </a:xfrm>
+          <a:prstGeom prst="roundRect">
+            <a:avLst/>
+          </a:prstGeom>
           <a:solidFill>
-            <a:schemeClr val="bg1"/>
+            <a:schemeClr val="accent1">
+              <a:lumMod val="40000"/>
+              <a:lumOff val="60000"/>
+            </a:schemeClr>
           </a:solidFill>
+          <a:ln w="38100">
+            <a:solidFill>
+              <a:schemeClr val="accent1">
+                <a:lumMod val="75000"/>
+              </a:schemeClr>
+            </a:solidFill>
+          </a:ln>
+        </p:spPr>
+        <p:style>
+          <a:lnRef idx="2">
+            <a:schemeClr val="accent1">
+              <a:shade val="50000"/>
+            </a:schemeClr>
+          </a:lnRef>
+          <a:fillRef idx="1">
+            <a:schemeClr val="accent1"/>
+          </a:fillRef>
+          <a:effectRef idx="0">
+            <a:schemeClr val="accent1"/>
+          </a:effectRef>
+          <a:fontRef idx="minor">
+            <a:schemeClr val="lt1"/>
+          </a:fontRef>
+        </p:style>
+        <p:txBody>
+          <a:bodyPr rtlCol="0" anchor="ctr"/>
+          <a:lstStyle/>
+          <a:p>
+            <a:pPr algn="ctr"/>
+            <a:r>
+              <a:rPr lang="en-US" b="1" dirty="0">
+                <a:solidFill>
+                  <a:schemeClr val="tx1"/>
+                </a:solidFill>
+              </a:rPr>
+              <a:t>:</a:t>
+            </a:r>
+            <a:r>
+              <a:rPr lang="en-US" b="1" dirty="0" err="1">
+                <a:solidFill>
+                  <a:schemeClr val="tx1"/>
+                </a:solidFill>
+              </a:rPr>
+              <a:t>AgeDataCollection_</a:t>
+            </a:r>
+            <a:r>
+              <a:rPr lang="en-US" dirty="0" err="1">
+                <a:solidFill>
+                  <a:schemeClr val="bg1">
+                    <a:lumMod val="50000"/>
+                  </a:schemeClr>
+                </a:solidFill>
+              </a:rPr>
+              <a:t>xxx</a:t>
+            </a:r>
+            <a:endParaRPr lang="en-US" dirty="0">
+              <a:solidFill>
+                <a:schemeClr val="bg1">
+                  <a:lumMod val="50000"/>
+                </a:schemeClr>
+              </a:solidFill>
+            </a:endParaRPr>
+          </a:p>
+        </p:txBody>
+      </p:sp>
+      <p:sp>
+        <p:nvSpPr>
+          <p:cNvPr id="68" name="TextBox 67">
+            <a:extLst>
+              <a:ext uri="{FF2B5EF4-FFF2-40B4-BE49-F238E27FC236}">
+                <a16:creationId xmlns:a16="http://schemas.microsoft.com/office/drawing/2014/main" id="{7FF25D90-0557-4EDD-8A98-20605F11B1E6}"/>
+              </a:ext>
+            </a:extLst>
+          </p:cNvPr>
+          <p:cNvSpPr txBox="1"/>
+          <p:nvPr/>
+        </p:nvSpPr>
+        <p:spPr>
+          <a:xfrm>
+            <a:off x="8100050" y="5333527"/>
+            <a:ext cx="4253840" cy="584775"/>
+          </a:xfrm>
+          <a:prstGeom prst="rect">
+            <a:avLst/>
+          </a:prstGeom>
+          <a:noFill/>
+        </p:spPr>
+        <p:txBody>
+          <a:bodyPr wrap="square" rtlCol="0">
+            <a:spAutoFit/>
+          </a:bodyPr>
+          <a:lstStyle/>
+          <a:p>
+            <a:r>
+              <a:rPr lang="en-US" sz="1600" dirty="0">
+                <a:solidFill>
+                  <a:srgbClr val="0033CC"/>
+                </a:solidFill>
+              </a:rPr>
+              <a:t>SD0084, SD1129, SD1121, SD2019, SD2023,</a:t>
+            </a:r>
+          </a:p>
+          <a:p>
+            <a:r>
+              <a:rPr lang="en-US" sz="1600" dirty="0">
+                <a:solidFill>
+                  <a:srgbClr val="0033CC"/>
+                </a:solidFill>
+              </a:rPr>
+              <a:t>SD2020, SD2012, SD2022</a:t>
+            </a:r>
+          </a:p>
+        </p:txBody>
+      </p:sp>
+      <p:sp>
+        <p:nvSpPr>
+          <p:cNvPr id="42" name="TextBox 41">
+            <a:extLst>
+              <a:ext uri="{FF2B5EF4-FFF2-40B4-BE49-F238E27FC236}">
+                <a16:creationId xmlns:a16="http://schemas.microsoft.com/office/drawing/2014/main" id="{4A6ED15C-54D6-4E35-813D-0D965E6185AA}"/>
+              </a:ext>
+            </a:extLst>
+          </p:cNvPr>
+          <p:cNvSpPr txBox="1"/>
+          <p:nvPr/>
+        </p:nvSpPr>
+        <p:spPr>
+          <a:xfrm>
+            <a:off x="5160580" y="5472026"/>
+            <a:ext cx="1843582" cy="369332"/>
+          </a:xfrm>
+          <a:prstGeom prst="rect">
+            <a:avLst/>
+          </a:prstGeom>
+          <a:noFill/>
+        </p:spPr>
+        <p:txBody>
+          <a:bodyPr wrap="none" rtlCol="0">
+            <a:spAutoFit/>
+          </a:bodyPr>
+          <a:lstStyle>
+            <a:defPPr>
+              <a:defRPr lang="en-US"/>
+            </a:defPPr>
+            <a:lvl1pPr>
+              <a:defRPr>
+                <a:solidFill>
+                  <a:schemeClr val="accent6">
+                    <a:lumMod val="75000"/>
+                  </a:schemeClr>
+                </a:solidFill>
+              </a:defRPr>
+            </a:lvl1pPr>
+          </a:lstStyle>
+          <a:p>
+            <a:r>
+              <a:rPr lang="en-US" i="1" dirty="0">
+                <a:solidFill>
+                  <a:schemeClr val="bg1">
+                    <a:lumMod val="50000"/>
+                  </a:schemeClr>
+                </a:solidFill>
+              </a:rPr>
+              <a:t>To be determined</a:t>
+            </a:r>
+          </a:p>
+        </p:txBody>
+      </p:sp>
+      <p:grpSp>
+        <p:nvGrpSpPr>
+          <p:cNvPr id="16" name="Group 15">
+            <a:extLst>
+              <a:ext uri="{FF2B5EF4-FFF2-40B4-BE49-F238E27FC236}">
+                <a16:creationId xmlns:a16="http://schemas.microsoft.com/office/drawing/2014/main" id="{21AB15E0-DB92-4174-88C3-5E9E56C245CB}"/>
+              </a:ext>
+            </a:extLst>
+          </p:cNvPr>
+          <p:cNvGrpSpPr/>
+          <p:nvPr/>
+        </p:nvGrpSpPr>
+        <p:grpSpPr>
+          <a:xfrm>
+            <a:off x="1813389" y="6172762"/>
+            <a:ext cx="5190773" cy="457001"/>
+            <a:chOff x="1813389" y="6172762"/>
+            <a:chExt cx="5190773" cy="457001"/>
+          </a:xfrm>
+        </p:grpSpPr>
+        <p:sp>
+          <p:nvSpPr>
+            <p:cNvPr id="56" name="Rectangle: Rounded Corners 55">
+              <a:extLst>
+                <a:ext uri="{FF2B5EF4-FFF2-40B4-BE49-F238E27FC236}">
+                  <a16:creationId xmlns:a16="http://schemas.microsoft.com/office/drawing/2014/main" id="{1F23C94D-E114-4BD9-9A4C-05D2B7B591B2}"/>
+                </a:ext>
+              </a:extLst>
+            </p:cNvPr>
+            <p:cNvSpPr/>
+            <p:nvPr/>
+          </p:nvSpPr>
+          <p:spPr>
+            <a:xfrm>
+              <a:off x="1813389" y="6172762"/>
+              <a:ext cx="3154680" cy="457001"/>
+            </a:xfrm>
+            <a:prstGeom prst="roundRect">
+              <a:avLst/>
+            </a:prstGeom>
+            <a:solidFill>
+              <a:schemeClr val="accent1">
+                <a:lumMod val="40000"/>
+                <a:lumOff val="60000"/>
+              </a:schemeClr>
+            </a:solidFill>
+            <a:ln w="38100">
+              <a:solidFill>
+                <a:schemeClr val="accent1">
+                  <a:lumMod val="75000"/>
+                </a:schemeClr>
+              </a:solidFill>
+            </a:ln>
+          </p:spPr>
+          <p:style>
+            <a:lnRef idx="2">
+              <a:schemeClr val="accent1">
+                <a:shade val="50000"/>
+              </a:schemeClr>
+            </a:lnRef>
+            <a:fillRef idx="1">
+              <a:schemeClr val="accent1"/>
+            </a:fillRef>
+            <a:effectRef idx="0">
+              <a:schemeClr val="accent1"/>
+            </a:effectRef>
+            <a:fontRef idx="minor">
+              <a:schemeClr val="lt1"/>
+            </a:fontRef>
+          </p:style>
+          <p:txBody>
+            <a:bodyPr rtlCol="0" anchor="ctr"/>
+            <a:lstStyle/>
+            <a:p>
+              <a:pPr algn="ctr"/>
+              <a:r>
+                <a:rPr lang="en-US" b="1" dirty="0">
+                  <a:solidFill>
+                    <a:schemeClr val="tx1"/>
+                  </a:solidFill>
+                </a:rPr>
+                <a:t>:</a:t>
+              </a:r>
+              <a:r>
+                <a:rPr lang="en-US" b="1" dirty="0" err="1">
+                  <a:solidFill>
+                    <a:schemeClr val="tx1"/>
+                  </a:solidFill>
+                </a:rPr>
+                <a:t>Randomization_</a:t>
+              </a:r>
+              <a:r>
+                <a:rPr lang="en-US" dirty="0" err="1">
+                  <a:solidFill>
+                    <a:schemeClr val="bg1">
+                      <a:lumMod val="50000"/>
+                    </a:schemeClr>
+                  </a:solidFill>
+                </a:rPr>
+                <a:t>xxx</a:t>
+              </a:r>
+              <a:endParaRPr lang="en-US" dirty="0">
+                <a:solidFill>
+                  <a:schemeClr val="bg1">
+                    <a:lumMod val="50000"/>
+                  </a:schemeClr>
+                </a:solidFill>
+              </a:endParaRPr>
+            </a:p>
+          </p:txBody>
+        </p:sp>
+        <p:sp>
+          <p:nvSpPr>
+            <p:cNvPr id="43" name="TextBox 42">
+              <a:extLst>
+                <a:ext uri="{FF2B5EF4-FFF2-40B4-BE49-F238E27FC236}">
+                  <a16:creationId xmlns:a16="http://schemas.microsoft.com/office/drawing/2014/main" id="{906CB266-FF31-4429-958E-840EE8BE2A55}"/>
+                </a:ext>
+              </a:extLst>
+            </p:cNvPr>
+            <p:cNvSpPr txBox="1"/>
+            <p:nvPr/>
+          </p:nvSpPr>
+          <p:spPr>
+            <a:xfrm>
+              <a:off x="5160580" y="6216596"/>
+              <a:ext cx="1843582" cy="369332"/>
+            </a:xfrm>
+            <a:prstGeom prst="rect">
+              <a:avLst/>
+            </a:prstGeom>
+            <a:noFill/>
+          </p:spPr>
+          <p:txBody>
+            <a:bodyPr wrap="none" rtlCol="0">
+              <a:spAutoFit/>
+            </a:bodyPr>
+            <a:lstStyle>
+              <a:defPPr>
+                <a:defRPr lang="en-US"/>
+              </a:defPPr>
+              <a:lvl1pPr>
+                <a:defRPr>
+                  <a:solidFill>
+                    <a:schemeClr val="accent6">
+                      <a:lumMod val="75000"/>
+                    </a:schemeClr>
+                  </a:solidFill>
+                </a:defRPr>
+              </a:lvl1pPr>
+            </a:lstStyle>
+            <a:p>
+              <a:r>
+                <a:rPr lang="en-US" i="1" dirty="0">
+                  <a:solidFill>
+                    <a:schemeClr val="bg1">
+                      <a:lumMod val="50000"/>
+                    </a:schemeClr>
+                  </a:solidFill>
+                </a:rPr>
+                <a:t>To be determined</a:t>
+              </a:r>
+            </a:p>
+          </p:txBody>
+        </p:sp>
+      </p:grpSp>
+      <p:sp>
+        <p:nvSpPr>
+          <p:cNvPr id="46" name="Rectangle: Rounded Corners 45">
+            <a:extLst>
+              <a:ext uri="{FF2B5EF4-FFF2-40B4-BE49-F238E27FC236}">
+                <a16:creationId xmlns:a16="http://schemas.microsoft.com/office/drawing/2014/main" id="{9273A411-079F-48E2-AD6C-9DB949A0F839}"/>
+              </a:ext>
+            </a:extLst>
+          </p:cNvPr>
+          <p:cNvSpPr/>
+          <p:nvPr/>
+        </p:nvSpPr>
+        <p:spPr>
+          <a:xfrm>
+            <a:off x="1813389" y="3383809"/>
+            <a:ext cx="3154680" cy="457001"/>
+          </a:xfrm>
+          <a:prstGeom prst="roundRect">
+            <a:avLst/>
+          </a:prstGeom>
+          <a:solidFill>
+            <a:schemeClr val="accent1">
+              <a:lumMod val="40000"/>
+              <a:lumOff val="60000"/>
+            </a:schemeClr>
+          </a:solidFill>
+          <a:ln w="38100">
+            <a:solidFill>
+              <a:schemeClr val="accent1">
+                <a:lumMod val="75000"/>
+              </a:schemeClr>
+            </a:solidFill>
+          </a:ln>
+        </p:spPr>
+        <p:style>
+          <a:lnRef idx="2">
+            <a:schemeClr val="accent1">
+              <a:shade val="50000"/>
+            </a:schemeClr>
+          </a:lnRef>
+          <a:fillRef idx="1">
+            <a:schemeClr val="accent1"/>
+          </a:fillRef>
+          <a:effectRef idx="0">
+            <a:schemeClr val="accent1"/>
+          </a:effectRef>
+          <a:fontRef idx="minor">
+            <a:schemeClr val="lt1"/>
+          </a:fontRef>
+        </p:style>
+        <p:txBody>
+          <a:bodyPr rtlCol="0" anchor="ctr"/>
+          <a:lstStyle/>
+          <a:p>
+            <a:pPr algn="ctr"/>
+            <a:r>
+              <a:rPr lang="en-US" b="1" dirty="0">
+                <a:solidFill>
+                  <a:schemeClr val="tx1"/>
+                </a:solidFill>
+              </a:rPr>
+              <a:t>:</a:t>
+            </a:r>
+            <a:r>
+              <a:rPr lang="en-US" b="1" dirty="0" err="1">
+                <a:solidFill>
+                  <a:schemeClr val="tx1"/>
+                </a:solidFill>
+              </a:rPr>
+              <a:t>Set_</a:t>
+            </a:r>
+            <a:r>
+              <a:rPr lang="en-US" dirty="0" err="1">
+                <a:solidFill>
+                  <a:schemeClr val="bg1">
+                    <a:lumMod val="50000"/>
+                  </a:schemeClr>
+                </a:solidFill>
+              </a:rPr>
+              <a:t>xxx</a:t>
+            </a:r>
+            <a:endParaRPr lang="en-US" dirty="0">
+              <a:solidFill>
+                <a:schemeClr val="bg1">
+                  <a:lumMod val="50000"/>
+                </a:schemeClr>
+              </a:solidFill>
+            </a:endParaRPr>
+          </a:p>
+        </p:txBody>
+      </p:sp>
+      <p:sp>
+        <p:nvSpPr>
+          <p:cNvPr id="69" name="TextBox 68">
+            <a:extLst>
+              <a:ext uri="{FF2B5EF4-FFF2-40B4-BE49-F238E27FC236}">
+                <a16:creationId xmlns:a16="http://schemas.microsoft.com/office/drawing/2014/main" id="{6F203C4D-B611-4A8A-BD66-4B1E38326E02}"/>
+              </a:ext>
+            </a:extLst>
+          </p:cNvPr>
+          <p:cNvSpPr txBox="1"/>
+          <p:nvPr/>
+        </p:nvSpPr>
+        <p:spPr>
+          <a:xfrm>
+            <a:off x="8100050" y="3427643"/>
+            <a:ext cx="1605234" cy="369332"/>
+          </a:xfrm>
+          <a:prstGeom prst="rect">
+            <a:avLst/>
+          </a:prstGeom>
+          <a:noFill/>
+        </p:spPr>
+        <p:txBody>
+          <a:bodyPr wrap="square" rtlCol="0">
+            <a:spAutoFit/>
+          </a:bodyPr>
+          <a:lstStyle/>
+          <a:p>
+            <a:r>
+              <a:rPr lang="en-US" dirty="0">
+                <a:solidFill>
+                  <a:srgbClr val="0033CC"/>
+                </a:solidFill>
+              </a:rPr>
+              <a:t>SD1259</a:t>
+            </a:r>
+          </a:p>
+        </p:txBody>
+      </p:sp>
+      <p:sp>
+        <p:nvSpPr>
+          <p:cNvPr id="44" name="TextBox 43">
+            <a:extLst>
+              <a:ext uri="{FF2B5EF4-FFF2-40B4-BE49-F238E27FC236}">
+                <a16:creationId xmlns:a16="http://schemas.microsoft.com/office/drawing/2014/main" id="{7BC92E35-82EE-42ED-B41A-ED552C39B4B2}"/>
+              </a:ext>
+            </a:extLst>
+          </p:cNvPr>
+          <p:cNvSpPr txBox="1"/>
+          <p:nvPr/>
+        </p:nvSpPr>
+        <p:spPr>
+          <a:xfrm>
+            <a:off x="5160580" y="3427643"/>
+            <a:ext cx="1792014" cy="369332"/>
+          </a:xfrm>
+          <a:prstGeom prst="rect">
+            <a:avLst/>
+          </a:prstGeom>
+          <a:noFill/>
         </p:spPr>
         <p:txBody>
           <a:bodyPr wrap="square" rtlCol="0">
@@ -4926,278 +6716,33 @@
               <a:defRPr lang="en-US"/>
             </a:defPPr>
             <a:lvl1pPr>
-              <a:defRPr b="1">
-                <a:solidFill>
-                  <a:schemeClr val="accent2">
+              <a:defRPr>
+                <a:solidFill>
+                  <a:schemeClr val="accent6">
                     <a:lumMod val="75000"/>
                   </a:schemeClr>
                 </a:solidFill>
-                <a:latin typeface="Courier New" panose="02070309020205020404" pitchFamily="49" charset="0"/>
-                <a:cs typeface="Courier New" panose="02070309020205020404" pitchFamily="49" charset="0"/>
               </a:defRPr>
             </a:lvl1pPr>
           </a:lstStyle>
           <a:p>
             <a:r>
-              <a:rPr lang="en-US" dirty="0" err="1"/>
-              <a:t>afflictedBy</a:t>
-            </a:r>
-            <a:endParaRPr lang="en-US" dirty="0"/>
-          </a:p>
-        </p:txBody>
-      </p:sp>
-      <p:sp>
-        <p:nvSpPr>
-          <p:cNvPr id="41" name="TextBox 40">
-            <a:extLst>
-              <a:ext uri="{FF2B5EF4-FFF2-40B4-BE49-F238E27FC236}">
-                <a16:creationId xmlns:a16="http://schemas.microsoft.com/office/drawing/2014/main" id="{CCC2A432-EE41-4F21-9AAE-EB569CE224D5}"/>
-              </a:ext>
-            </a:extLst>
-          </p:cNvPr>
-          <p:cNvSpPr txBox="1"/>
-          <p:nvPr/>
-        </p:nvSpPr>
-        <p:spPr>
-          <a:xfrm>
-            <a:off x="8696860" y="1917222"/>
-            <a:ext cx="1740300" cy="369332"/>
-          </a:xfrm>
-          <a:prstGeom prst="rect">
-            <a:avLst/>
-          </a:prstGeom>
-          <a:solidFill>
-            <a:schemeClr val="bg1"/>
-          </a:solidFill>
-        </p:spPr>
-        <p:txBody>
-          <a:bodyPr wrap="square" rtlCol="0">
-            <a:spAutoFit/>
-          </a:bodyPr>
-          <a:lstStyle/>
-          <a:p>
-            <a:r>
-              <a:rPr lang="en-US" b="1" dirty="0">
-                <a:solidFill>
-                  <a:schemeClr val="accent2">
-                    <a:lumMod val="40000"/>
-                    <a:lumOff val="60000"/>
+              <a:rPr lang="en-US" i="1" dirty="0">
+                <a:solidFill>
+                  <a:schemeClr val="bg1">
+                    <a:lumMod val="50000"/>
                   </a:schemeClr>
                 </a:solidFill>
-                <a:latin typeface="Courier New" panose="02070309020205020404" pitchFamily="49" charset="0"/>
-                <a:cs typeface="Courier New" panose="02070309020205020404" pitchFamily="49" charset="0"/>
               </a:rPr>
-              <a:t>severity</a:t>
-            </a:r>
-          </a:p>
-        </p:txBody>
-      </p:sp>
-      <p:sp>
-        <p:nvSpPr>
-          <p:cNvPr id="7" name="TextBox 6"/>
-          <p:cNvSpPr txBox="1"/>
-          <p:nvPr/>
-        </p:nvSpPr>
-        <p:spPr>
-          <a:xfrm>
-            <a:off x="7665887" y="3569559"/>
-            <a:ext cx="1643348" cy="369332"/>
-          </a:xfrm>
-          <a:prstGeom prst="rect">
-            <a:avLst/>
-          </a:prstGeom>
-          <a:solidFill>
-            <a:schemeClr val="bg1"/>
-          </a:solidFill>
-        </p:spPr>
-        <p:txBody>
-          <a:bodyPr wrap="square" rtlCol="0">
-            <a:spAutoFit/>
-          </a:bodyPr>
-          <a:lstStyle>
-            <a:defPPr>
-              <a:defRPr lang="en-US"/>
-            </a:defPPr>
-            <a:lvl1pPr>
-              <a:defRPr b="1">
-                <a:solidFill>
-                  <a:schemeClr val="accent2">
-                    <a:lumMod val="75000"/>
-                  </a:schemeClr>
-                </a:solidFill>
-                <a:latin typeface="Courier New" panose="02070309020205020404" pitchFamily="49" charset="0"/>
-                <a:cs typeface="Courier New" panose="02070309020205020404" pitchFamily="49" charset="0"/>
-              </a:defRPr>
-            </a:lvl1pPr>
-          </a:lstStyle>
-          <a:p>
-            <a:r>
-              <a:rPr lang="en-US" dirty="0" err="1"/>
-              <a:t>subClassOf</a:t>
-            </a:r>
-            <a:endParaRPr lang="en-US" dirty="0"/>
-          </a:p>
-        </p:txBody>
-      </p:sp>
-      <p:sp>
-        <p:nvSpPr>
-          <p:cNvPr id="45" name="TextBox 44">
-            <a:extLst>
-              <a:ext uri="{FF2B5EF4-FFF2-40B4-BE49-F238E27FC236}">
-                <a16:creationId xmlns:a16="http://schemas.microsoft.com/office/drawing/2014/main" id="{DCEB2144-B3F4-48FC-863E-2B0381C57201}"/>
-              </a:ext>
-            </a:extLst>
-          </p:cNvPr>
-          <p:cNvSpPr txBox="1"/>
-          <p:nvPr/>
-        </p:nvSpPr>
-        <p:spPr>
-          <a:xfrm>
-            <a:off x="603175" y="837054"/>
-            <a:ext cx="4975721" cy="3139321"/>
-          </a:xfrm>
-          <a:prstGeom prst="rect">
-            <a:avLst/>
-          </a:prstGeom>
-          <a:noFill/>
-        </p:spPr>
-        <p:txBody>
-          <a:bodyPr wrap="none" rtlCol="0">
-            <a:spAutoFit/>
-          </a:bodyPr>
-          <a:lstStyle/>
-          <a:p>
-            <a:r>
-              <a:rPr lang="en-US" dirty="0"/>
-              <a:t>study:Subject_CJ16050_00M01</a:t>
-            </a:r>
-          </a:p>
-          <a:p>
-            <a:r>
-              <a:rPr lang="en-US" dirty="0"/>
-              <a:t>    a                           </a:t>
-            </a:r>
-            <a:r>
-              <a:rPr lang="en-US" dirty="0" err="1"/>
-              <a:t>study:StudySubject</a:t>
-            </a:r>
-            <a:r>
-              <a:rPr lang="en-US" dirty="0"/>
-              <a:t> ;</a:t>
-            </a:r>
-          </a:p>
-          <a:p>
-            <a:r>
-              <a:rPr lang="en-US" dirty="0"/>
-              <a:t>    </a:t>
-            </a:r>
-            <a:r>
-              <a:rPr lang="en-US" dirty="0" err="1"/>
-              <a:t>study:rfendtc</a:t>
-            </a:r>
-            <a:r>
-              <a:rPr lang="en-US" dirty="0"/>
-              <a:t>      "2016-12-07"^^</a:t>
-            </a:r>
-            <a:r>
-              <a:rPr lang="en-US" dirty="0" err="1"/>
-              <a:t>xsd:date</a:t>
-            </a:r>
-            <a:r>
-              <a:rPr lang="en-US" dirty="0"/>
-              <a:t> ;</a:t>
-            </a:r>
-          </a:p>
-          <a:p>
-            <a:r>
-              <a:rPr lang="en-US" dirty="0"/>
-              <a:t>    </a:t>
-            </a:r>
-            <a:r>
-              <a:rPr lang="en-US" dirty="0" err="1"/>
-              <a:t>study:rfstdtc</a:t>
-            </a:r>
-            <a:r>
-              <a:rPr lang="en-US" dirty="0"/>
-              <a:t>       "2016-12-07"^^</a:t>
-            </a:r>
-            <a:r>
-              <a:rPr lang="en-US" dirty="0" err="1"/>
-              <a:t>xsd:date</a:t>
-            </a:r>
-            <a:r>
-              <a:rPr lang="en-US" dirty="0"/>
-              <a:t>  ;</a:t>
-            </a:r>
-          </a:p>
-          <a:p>
-            <a:r>
-              <a:rPr lang="en-US" dirty="0"/>
-              <a:t>    </a:t>
-            </a:r>
-            <a:r>
-              <a:rPr lang="en-US" dirty="0" err="1"/>
-              <a:t>study:subjid</a:t>
-            </a:r>
-            <a:r>
-              <a:rPr lang="en-US" dirty="0"/>
-              <a:t>        “CJ16050_00M01"^^</a:t>
-            </a:r>
-            <a:r>
-              <a:rPr lang="en-US" dirty="0" err="1"/>
-              <a:t>xsd:string</a:t>
-            </a:r>
-            <a:r>
-              <a:rPr lang="en-US" dirty="0"/>
-              <a:t> ;</a:t>
-            </a:r>
-          </a:p>
-          <a:p>
-            <a:r>
-              <a:rPr lang="en-US" dirty="0"/>
-              <a:t>    </a:t>
-            </a:r>
-            <a:r>
-              <a:rPr lang="en-US" dirty="0" err="1"/>
-              <a:t>study:usubjid</a:t>
-            </a:r>
-            <a:r>
-              <a:rPr lang="en-US" dirty="0"/>
-              <a:t>     “CJ16050_00M01” ^^</a:t>
-            </a:r>
-            <a:r>
-              <a:rPr lang="en-US" dirty="0" err="1"/>
-              <a:t>xsd:string</a:t>
-            </a:r>
-            <a:r>
-              <a:rPr lang="en-US" dirty="0"/>
-              <a:t> ;</a:t>
-            </a:r>
-          </a:p>
-          <a:p>
-            <a:r>
-              <a:rPr lang="en-US" dirty="0"/>
-              <a:t>.</a:t>
-            </a:r>
-          </a:p>
-          <a:p>
-            <a:endParaRPr lang="en-US" dirty="0"/>
-          </a:p>
-          <a:p>
-            <a:endParaRPr lang="en-US" dirty="0"/>
-          </a:p>
-          <a:p>
-            <a:endParaRPr lang="en-US" dirty="0"/>
-          </a:p>
-          <a:p>
-            <a:endParaRPr lang="en-US" dirty="0"/>
+              <a:t>To be determined</a:t>
+            </a:r>
           </a:p>
         </p:txBody>
       </p:sp>
     </p:spTree>
     <p:extLst>
       <p:ext uri="{BB962C8B-B14F-4D97-AF65-F5344CB8AC3E}">
-        <p14:creationId xmlns:p14="http://schemas.microsoft.com/office/powerpoint/2010/main" val="2932786974"/>
+        <p14:creationId xmlns:p14="http://schemas.microsoft.com/office/powerpoint/2010/main" val="4149868494"/>
       </p:ext>
     </p:extLst>
   </p:cSld>
@@ -5226,74 +6771,14 @@
       </p:grpSpPr>
       <p:sp>
         <p:nvSpPr>
-          <p:cNvPr id="15" name="Rectangle: Rounded Corners 14">
-            <a:extLst>
-              <a:ext uri="{FF2B5EF4-FFF2-40B4-BE49-F238E27FC236}">
-                <a16:creationId xmlns:a16="http://schemas.microsoft.com/office/drawing/2014/main" id="{FA40E339-40A8-448E-A741-015329DCA7D1}"/>
-              </a:ext>
-            </a:extLst>
-          </p:cNvPr>
-          <p:cNvSpPr/>
-          <p:nvPr/>
-        </p:nvSpPr>
-        <p:spPr>
-          <a:xfrm>
-            <a:off x="357810" y="648361"/>
-            <a:ext cx="9044608" cy="4576782"/>
-          </a:xfrm>
-          <a:prstGeom prst="roundRect">
-            <a:avLst/>
-          </a:prstGeom>
-          <a:solidFill>
-            <a:schemeClr val="bg1">
-              <a:lumMod val="95000"/>
-            </a:schemeClr>
-          </a:solidFill>
-          <a:ln>
-            <a:solidFill>
-              <a:schemeClr val="tx1"/>
-            </a:solidFill>
-          </a:ln>
-        </p:spPr>
-        <p:style>
-          <a:lnRef idx="2">
-            <a:schemeClr val="accent1">
-              <a:shade val="50000"/>
-            </a:schemeClr>
-          </a:lnRef>
-          <a:fillRef idx="1">
-            <a:schemeClr val="accent1"/>
-          </a:fillRef>
-          <a:effectRef idx="0">
-            <a:schemeClr val="accent1"/>
-          </a:effectRef>
-          <a:fontRef idx="minor">
-            <a:schemeClr val="lt1"/>
-          </a:fontRef>
-        </p:style>
-        <p:txBody>
-          <a:bodyPr rtlCol="0" anchor="ctr"/>
-          <a:lstStyle/>
-          <a:p>
-            <a:pPr algn="ctr"/>
-            <a:endParaRPr lang="en-US" b="1" dirty="0">
-              <a:solidFill>
-                <a:schemeClr val="tx1"/>
-              </a:solidFill>
-            </a:endParaRPr>
-          </a:p>
-        </p:txBody>
-      </p:sp>
-      <p:sp>
-        <p:nvSpPr>
           <p:cNvPr id="4" name="Rectangle: Rounded Corners 3"/>
           <p:cNvSpPr/>
           <p:nvPr/>
         </p:nvSpPr>
         <p:spPr>
           <a:xfrm>
-            <a:off x="814595" y="1959429"/>
-            <a:ext cx="6400800" cy="957942"/>
+            <a:off x="6359054" y="800152"/>
+            <a:ext cx="2468880" cy="449588"/>
           </a:xfrm>
           <a:prstGeom prst="roundRect">
             <a:avLst/>
@@ -5331,13 +6816,24 @@
           <a:lstStyle/>
           <a:p>
             <a:pPr algn="ctr"/>
-            <a:endParaRPr lang="en-US" b="1" dirty="0">
-              <a:solidFill>
-                <a:schemeClr val="accent1">
-                  <a:lumMod val="75000"/>
-                </a:schemeClr>
-              </a:solidFill>
-            </a:endParaRPr>
+            <a:r>
+              <a:rPr lang="en-US" b="1" dirty="0">
+                <a:solidFill>
+                  <a:schemeClr val="tx1"/>
+                </a:solidFill>
+              </a:rPr>
+              <a:t>Person_</a:t>
+            </a:r>
+            <a:r>
+              <a:rPr lang="en-US" b="1" dirty="0">
+                <a:solidFill>
+                  <a:schemeClr val="accent1">
+                    <a:lumMod val="75000"/>
+                  </a:schemeClr>
+                </a:solidFill>
+              </a:rPr>
+              <a:t>01-701-1015</a:t>
+            </a:r>
           </a:p>
         </p:txBody>
       </p:sp>
@@ -5349,66 +6845,8 @@
         </p:nvSpPr>
         <p:spPr>
           <a:xfrm>
-            <a:off x="814595" y="3596046"/>
-            <a:ext cx="6400800" cy="478998"/>
-          </a:xfrm>
-          <a:prstGeom prst="roundRect">
-            <a:avLst/>
-          </a:prstGeom>
-          <a:solidFill>
-            <a:srgbClr val="E1AD48"/>
-          </a:solidFill>
-          <a:ln>
-            <a:solidFill>
-              <a:schemeClr val="tx1"/>
-            </a:solidFill>
-          </a:ln>
-        </p:spPr>
-        <p:style>
-          <a:lnRef idx="2">
-            <a:schemeClr val="accent1">
-              <a:shade val="50000"/>
-            </a:schemeClr>
-          </a:lnRef>
-          <a:fillRef idx="1">
-            <a:schemeClr val="accent1"/>
-          </a:fillRef>
-          <a:effectRef idx="0">
-            <a:schemeClr val="accent1"/>
-          </a:effectRef>
-          <a:fontRef idx="minor">
-            <a:schemeClr val="lt1"/>
-          </a:fontRef>
-        </p:style>
-        <p:txBody>
-          <a:bodyPr rtlCol="0" anchor="ctr"/>
-          <a:lstStyle/>
-          <a:p>
-            <a:pPr algn="ctr"/>
-            <a:endParaRPr lang="en-US" b="1" dirty="0">
-              <a:solidFill>
-                <a:schemeClr val="tx1"/>
-              </a:solidFill>
-            </a:endParaRPr>
-          </a:p>
-        </p:txBody>
-      </p:sp>
-      <p:sp>
-        <p:nvSpPr>
-          <p:cNvPr id="17" name="Rectangle: Rounded Corners 16">
-            <a:extLst>
-              <a:ext uri="{FF2B5EF4-FFF2-40B4-BE49-F238E27FC236}">
-                <a16:creationId xmlns:a16="http://schemas.microsoft.com/office/drawing/2014/main" id="{02929941-0200-42D9-8465-064446A2AC2E}"/>
-              </a:ext>
-            </a:extLst>
-          </p:cNvPr>
-          <p:cNvSpPr/>
-          <p:nvPr/>
-        </p:nvSpPr>
-        <p:spPr>
-          <a:xfrm>
-            <a:off x="814595" y="3028094"/>
-            <a:ext cx="6400800" cy="457001"/>
+            <a:off x="7348177" y="2628952"/>
+            <a:ext cx="2468880" cy="457001"/>
           </a:xfrm>
           <a:prstGeom prst="roundRect">
             <a:avLst/>
@@ -5446,38 +6884,33 @@
           <a:lstStyle/>
           <a:p>
             <a:pPr algn="ctr"/>
-            <a:endParaRPr lang="en-US" b="1" dirty="0">
-              <a:solidFill>
-                <a:schemeClr val="tx1"/>
-              </a:solidFill>
-            </a:endParaRPr>
-          </a:p>
-        </p:txBody>
-      </p:sp>
-      <p:sp>
-        <p:nvSpPr>
-          <p:cNvPr id="18" name="Rectangle: Rounded Corners 17">
-            <a:extLst>
-              <a:ext uri="{FF2B5EF4-FFF2-40B4-BE49-F238E27FC236}">
-                <a16:creationId xmlns:a16="http://schemas.microsoft.com/office/drawing/2014/main" id="{A5947EC4-2512-4FDD-A2AE-6E8E1DF5BBDA}"/>
-              </a:ext>
-            </a:extLst>
-          </p:cNvPr>
+            <a:r>
+              <a:rPr lang="en-US" b="1" dirty="0">
+                <a:solidFill>
+                  <a:schemeClr val="tx1"/>
+                </a:solidFill>
+              </a:rPr>
+              <a:t>Medical Condition</a:t>
+            </a:r>
+          </a:p>
+        </p:txBody>
+      </p:sp>
+      <p:sp>
+        <p:nvSpPr>
+          <p:cNvPr id="13" name="Rectangle: Rounded Corners 12"/>
           <p:cNvSpPr/>
           <p:nvPr/>
         </p:nvSpPr>
         <p:spPr>
           <a:xfrm>
-            <a:off x="814595" y="4165889"/>
-            <a:ext cx="6400800" cy="478998"/>
+            <a:off x="7158066" y="4705104"/>
+            <a:ext cx="2468880" cy="457001"/>
           </a:xfrm>
           <a:prstGeom prst="roundRect">
             <a:avLst/>
           </a:prstGeom>
           <a:solidFill>
-            <a:schemeClr val="bg1">
-              <a:lumMod val="75000"/>
-            </a:schemeClr>
+            <a:srgbClr val="FFC000"/>
           </a:solidFill>
           <a:ln>
             <a:solidFill>
@@ -5506,6 +6939,14 @@
           <a:lstStyle/>
           <a:p>
             <a:pPr algn="ctr"/>
+            <a:r>
+              <a:rPr lang="en-US" b="1" dirty="0" err="1">
+                <a:solidFill>
+                  <a:schemeClr val="tx1"/>
+                </a:solidFill>
+              </a:rPr>
+              <a:t>AdverseEvent</a:t>
+            </a:r>
             <a:endParaRPr lang="en-US" b="1" dirty="0">
               <a:solidFill>
                 <a:schemeClr val="tx1"/>
@@ -5514,22 +6955,204 @@
           </a:p>
         </p:txBody>
       </p:sp>
-      <p:sp>
-        <p:nvSpPr>
-          <p:cNvPr id="19" name="TextBox 18">
-            <a:extLst>
-              <a:ext uri="{FF2B5EF4-FFF2-40B4-BE49-F238E27FC236}">
-                <a16:creationId xmlns:a16="http://schemas.microsoft.com/office/drawing/2014/main" id="{4F329E82-4FE1-4EE2-909E-1739258B41D6}"/>
-              </a:ext>
-            </a:extLst>
-          </p:cNvPr>
+      <p:cxnSp>
+        <p:nvCxnSpPr>
+          <p:cNvPr id="14" name="Straight Arrow Connector 13"/>
+          <p:cNvCxnSpPr>
+            <a:cxnSpLocks/>
+            <a:stCxn id="5" idx="2"/>
+            <a:endCxn id="13" idx="0"/>
+          </p:cNvCxnSpPr>
+          <p:nvPr/>
+        </p:nvCxnSpPr>
+        <p:spPr>
+          <a:xfrm flipH="1">
+            <a:off x="8392506" y="3085953"/>
+            <a:ext cx="190111" cy="1619151"/>
+          </a:xfrm>
+          <a:prstGeom prst="straightConnector1">
+            <a:avLst/>
+          </a:prstGeom>
+          <a:ln w="50800">
+            <a:solidFill>
+              <a:schemeClr val="bg1">
+                <a:lumMod val="50000"/>
+              </a:schemeClr>
+            </a:solidFill>
+            <a:tailEnd type="triangle"/>
+          </a:ln>
+        </p:spPr>
+        <p:style>
+          <a:lnRef idx="1">
+            <a:schemeClr val="accent1"/>
+          </a:lnRef>
+          <a:fillRef idx="0">
+            <a:schemeClr val="accent1"/>
+          </a:fillRef>
+          <a:effectRef idx="0">
+            <a:schemeClr val="accent1"/>
+          </a:effectRef>
+          <a:fontRef idx="minor">
+            <a:schemeClr val="tx1"/>
+          </a:fontRef>
+        </p:style>
+      </p:cxnSp>
+      <p:sp>
+        <p:nvSpPr>
+          <p:cNvPr id="20" name="TextBox 19"/>
           <p:cNvSpPr txBox="1"/>
           <p:nvPr/>
         </p:nvSpPr>
         <p:spPr>
           <a:xfrm>
-            <a:off x="7235686" y="2219738"/>
-            <a:ext cx="1930337" cy="461665"/>
+            <a:off x="9644498" y="739025"/>
+            <a:ext cx="1967829" cy="369332"/>
+          </a:xfrm>
+          <a:prstGeom prst="rect">
+            <a:avLst/>
+          </a:prstGeom>
+          <a:solidFill>
+            <a:schemeClr val="bg1"/>
+          </a:solidFill>
+        </p:spPr>
+        <p:txBody>
+          <a:bodyPr wrap="square" rtlCol="0">
+            <a:spAutoFit/>
+          </a:bodyPr>
+          <a:lstStyle>
+            <a:defPPr>
+              <a:defRPr lang="en-US"/>
+            </a:defPPr>
+            <a:lvl1pPr>
+              <a:defRPr b="1">
+                <a:solidFill>
+                  <a:schemeClr val="accent2">
+                    <a:lumMod val="75000"/>
+                  </a:schemeClr>
+                </a:solidFill>
+                <a:latin typeface="Courier New" panose="02070309020205020404" pitchFamily="49" charset="0"/>
+                <a:cs typeface="Courier New" panose="02070309020205020404" pitchFamily="49" charset="0"/>
+              </a:defRPr>
+            </a:lvl1pPr>
+          </a:lstStyle>
+          <a:p>
+            <a:r>
+              <a:rPr lang="en-US" dirty="0" err="1"/>
+              <a:t>afflictedBy</a:t>
+            </a:r>
+            <a:endParaRPr lang="en-US" dirty="0"/>
+          </a:p>
+        </p:txBody>
+      </p:sp>
+      <p:sp>
+        <p:nvSpPr>
+          <p:cNvPr id="41" name="TextBox 40">
+            <a:extLst>
+              <a:ext uri="{FF2B5EF4-FFF2-40B4-BE49-F238E27FC236}">
+                <a16:creationId xmlns:a16="http://schemas.microsoft.com/office/drawing/2014/main" id="{CCC2A432-EE41-4F21-9AAE-EB569CE224D5}"/>
+              </a:ext>
+            </a:extLst>
+          </p:cNvPr>
+          <p:cNvSpPr txBox="1"/>
+          <p:nvPr/>
+        </p:nvSpPr>
+        <p:spPr>
+          <a:xfrm>
+            <a:off x="8696860" y="1917222"/>
+            <a:ext cx="1740300" cy="369332"/>
+          </a:xfrm>
+          <a:prstGeom prst="rect">
+            <a:avLst/>
+          </a:prstGeom>
+          <a:solidFill>
+            <a:schemeClr val="bg1"/>
+          </a:solidFill>
+        </p:spPr>
+        <p:txBody>
+          <a:bodyPr wrap="square" rtlCol="0">
+            <a:spAutoFit/>
+          </a:bodyPr>
+          <a:lstStyle/>
+          <a:p>
+            <a:r>
+              <a:rPr lang="en-US" b="1" dirty="0">
+                <a:solidFill>
+                  <a:schemeClr val="accent2">
+                    <a:lumMod val="40000"/>
+                    <a:lumOff val="60000"/>
+                  </a:schemeClr>
+                </a:solidFill>
+                <a:latin typeface="Courier New" panose="02070309020205020404" pitchFamily="49" charset="0"/>
+                <a:cs typeface="Courier New" panose="02070309020205020404" pitchFamily="49" charset="0"/>
+              </a:rPr>
+              <a:t>severity</a:t>
+            </a:r>
+          </a:p>
+        </p:txBody>
+      </p:sp>
+      <p:sp>
+        <p:nvSpPr>
+          <p:cNvPr id="7" name="TextBox 6"/>
+          <p:cNvSpPr txBox="1"/>
+          <p:nvPr/>
+        </p:nvSpPr>
+        <p:spPr>
+          <a:xfrm>
+            <a:off x="7665887" y="3569559"/>
+            <a:ext cx="1643348" cy="369332"/>
+          </a:xfrm>
+          <a:prstGeom prst="rect">
+            <a:avLst/>
+          </a:prstGeom>
+          <a:solidFill>
+            <a:schemeClr val="bg1"/>
+          </a:solidFill>
+        </p:spPr>
+        <p:txBody>
+          <a:bodyPr wrap="square" rtlCol="0">
+            <a:spAutoFit/>
+          </a:bodyPr>
+          <a:lstStyle>
+            <a:defPPr>
+              <a:defRPr lang="en-US"/>
+            </a:defPPr>
+            <a:lvl1pPr>
+              <a:defRPr b="1">
+                <a:solidFill>
+                  <a:schemeClr val="accent2">
+                    <a:lumMod val="75000"/>
+                  </a:schemeClr>
+                </a:solidFill>
+                <a:latin typeface="Courier New" panose="02070309020205020404" pitchFamily="49" charset="0"/>
+                <a:cs typeface="Courier New" panose="02070309020205020404" pitchFamily="49" charset="0"/>
+              </a:defRPr>
+            </a:lvl1pPr>
+          </a:lstStyle>
+          <a:p>
+            <a:r>
+              <a:rPr lang="en-US" dirty="0" err="1"/>
+              <a:t>subClassOf</a:t>
+            </a:r>
+            <a:endParaRPr lang="en-US" dirty="0"/>
+          </a:p>
+        </p:txBody>
+      </p:sp>
+      <p:sp>
+        <p:nvSpPr>
+          <p:cNvPr id="45" name="TextBox 44">
+            <a:extLst>
+              <a:ext uri="{FF2B5EF4-FFF2-40B4-BE49-F238E27FC236}">
+                <a16:creationId xmlns:a16="http://schemas.microsoft.com/office/drawing/2014/main" id="{DCEB2144-B3F4-48FC-863E-2B0381C57201}"/>
+              </a:ext>
+            </a:extLst>
+          </p:cNvPr>
+          <p:cNvSpPr txBox="1"/>
+          <p:nvPr/>
+        </p:nvSpPr>
+        <p:spPr>
+          <a:xfrm>
+            <a:off x="603175" y="837054"/>
+            <a:ext cx="4975721" cy="3139321"/>
           </a:xfrm>
           <a:prstGeom prst="rect">
             <a:avLst/>
@@ -5543,363 +7166,136 @@
           <a:lstStyle/>
           <a:p>
             <a:r>
-              <a:rPr lang="en-US" sz="2400" b="1" dirty="0">
-                <a:solidFill>
-                  <a:schemeClr val="accent6">
-                    <a:lumMod val="50000"/>
-                  </a:schemeClr>
-                </a:solidFill>
-              </a:rPr>
-              <a:t>SD1002Shape</a:t>
-            </a:r>
-          </a:p>
-        </p:txBody>
-      </p:sp>
-      <p:sp>
-        <p:nvSpPr>
-          <p:cNvPr id="21" name="TextBox 20">
-            <a:extLst>
-              <a:ext uri="{FF2B5EF4-FFF2-40B4-BE49-F238E27FC236}">
-                <a16:creationId xmlns:a16="http://schemas.microsoft.com/office/drawing/2014/main" id="{83A70331-5F59-4C46-A0E7-1DE702D8904E}"/>
-              </a:ext>
-            </a:extLst>
-          </p:cNvPr>
-          <p:cNvSpPr txBox="1"/>
-          <p:nvPr/>
-        </p:nvSpPr>
-        <p:spPr>
-          <a:xfrm>
-            <a:off x="7235686" y="4181061"/>
-            <a:ext cx="2004075" cy="461665"/>
-          </a:xfrm>
-          <a:prstGeom prst="rect">
-            <a:avLst/>
-          </a:prstGeom>
-          <a:noFill/>
-        </p:spPr>
-        <p:txBody>
-          <a:bodyPr wrap="none" rtlCol="0">
-            <a:spAutoFit/>
-          </a:bodyPr>
-          <a:lstStyle/>
-          <a:p>
-            <a:r>
-              <a:rPr lang="en-US" sz="2400" i="1" dirty="0">
-                <a:solidFill>
-                  <a:schemeClr val="bg1">
-                    <a:lumMod val="65000"/>
-                  </a:schemeClr>
-                </a:solidFill>
-              </a:rPr>
-              <a:t>...more shapes</a:t>
-            </a:r>
-          </a:p>
-        </p:txBody>
-      </p:sp>
-      <p:sp>
-        <p:nvSpPr>
-          <p:cNvPr id="22" name="TextBox 21">
-            <a:extLst>
-              <a:ext uri="{FF2B5EF4-FFF2-40B4-BE49-F238E27FC236}">
-                <a16:creationId xmlns:a16="http://schemas.microsoft.com/office/drawing/2014/main" id="{5604566B-9473-44E6-A9F0-16B413C2F315}"/>
-              </a:ext>
-            </a:extLst>
-          </p:cNvPr>
-          <p:cNvSpPr txBox="1"/>
-          <p:nvPr/>
-        </p:nvSpPr>
-        <p:spPr>
-          <a:xfrm>
-            <a:off x="7235686" y="2988364"/>
-            <a:ext cx="1930337" cy="461665"/>
-          </a:xfrm>
-          <a:prstGeom prst="rect">
-            <a:avLst/>
-          </a:prstGeom>
-          <a:noFill/>
-        </p:spPr>
-        <p:txBody>
-          <a:bodyPr wrap="none" rtlCol="0">
-            <a:spAutoFit/>
-          </a:bodyPr>
-          <a:lstStyle/>
-          <a:p>
-            <a:r>
-              <a:rPr lang="en-US" sz="2400" b="1" dirty="0">
-                <a:solidFill>
-                  <a:schemeClr val="accent1">
-                    <a:lumMod val="75000"/>
-                  </a:schemeClr>
-                </a:solidFill>
-              </a:rPr>
-              <a:t>SD1001Shape</a:t>
-            </a:r>
-          </a:p>
-        </p:txBody>
-      </p:sp>
-      <p:sp>
-        <p:nvSpPr>
-          <p:cNvPr id="23" name="TextBox 22">
-            <a:extLst>
-              <a:ext uri="{FF2B5EF4-FFF2-40B4-BE49-F238E27FC236}">
-                <a16:creationId xmlns:a16="http://schemas.microsoft.com/office/drawing/2014/main" id="{CD7F6E51-1BA6-4815-8455-7C3C94C69EA6}"/>
-              </a:ext>
-            </a:extLst>
-          </p:cNvPr>
-          <p:cNvSpPr txBox="1"/>
-          <p:nvPr/>
-        </p:nvSpPr>
-        <p:spPr>
-          <a:xfrm>
-            <a:off x="7235686" y="3637721"/>
-            <a:ext cx="1930337" cy="461665"/>
-          </a:xfrm>
-          <a:prstGeom prst="rect">
-            <a:avLst/>
-          </a:prstGeom>
-          <a:noFill/>
-        </p:spPr>
-        <p:txBody>
-          <a:bodyPr wrap="none" rtlCol="0">
-            <a:spAutoFit/>
-          </a:bodyPr>
-          <a:lstStyle/>
-          <a:p>
-            <a:r>
-              <a:rPr lang="en-US" sz="2400" b="1" dirty="0">
-                <a:solidFill>
-                  <a:schemeClr val="accent2">
-                    <a:lumMod val="75000"/>
-                  </a:schemeClr>
-                </a:solidFill>
-              </a:rPr>
-              <a:t>SD0083Shape</a:t>
-            </a:r>
-          </a:p>
-        </p:txBody>
-      </p:sp>
-      <p:sp>
-        <p:nvSpPr>
-          <p:cNvPr id="45" name="TextBox 44">
-            <a:extLst>
-              <a:ext uri="{FF2B5EF4-FFF2-40B4-BE49-F238E27FC236}">
-                <a16:creationId xmlns:a16="http://schemas.microsoft.com/office/drawing/2014/main" id="{DCEB2144-B3F4-48FC-863E-2B0381C57201}"/>
-              </a:ext>
-            </a:extLst>
-          </p:cNvPr>
-          <p:cNvSpPr txBox="1"/>
-          <p:nvPr/>
-        </p:nvSpPr>
-        <p:spPr>
-          <a:xfrm>
-            <a:off x="690260" y="817724"/>
-            <a:ext cx="6543266" cy="4047262"/>
-          </a:xfrm>
-          <a:prstGeom prst="rect">
-            <a:avLst/>
-          </a:prstGeom>
-          <a:noFill/>
-        </p:spPr>
-        <p:txBody>
-          <a:bodyPr wrap="square" rtlCol="0">
-            <a:spAutoFit/>
-          </a:bodyPr>
-          <a:lstStyle/>
-          <a:p>
-            <a:pPr>
-              <a:spcBef>
-                <a:spcPts val="600"/>
-              </a:spcBef>
-              <a:spcAft>
-                <a:spcPts val="600"/>
-              </a:spcAft>
-            </a:pPr>
-            <a:r>
-              <a:rPr lang="en-US" sz="2400" dirty="0"/>
+              <a:rPr lang="en-US" dirty="0"/>
               <a:t>study:Subject_CJ16050_00M01</a:t>
             </a:r>
           </a:p>
           <a:p>
-            <a:pPr>
-              <a:lnSpc>
-                <a:spcPct val="150000"/>
-              </a:lnSpc>
-            </a:pPr>
-            <a:r>
-              <a:rPr lang="en-US" sz="2400" dirty="0"/>
+            <a:r>
+              <a:rPr lang="en-US" dirty="0"/>
               <a:t>    a                           </a:t>
             </a:r>
             <a:r>
-              <a:rPr lang="en-US" sz="2400" dirty="0" err="1"/>
-              <a:t>study:AnimalSubject</a:t>
-            </a:r>
-            <a:r>
-              <a:rPr lang="en-US" sz="2400" dirty="0"/>
+              <a:rPr lang="en-US" dirty="0" err="1"/>
+              <a:t>study:StudySubject</a:t>
+            </a:r>
+            <a:r>
+              <a:rPr lang="en-US" dirty="0"/>
               <a:t> ;</a:t>
             </a:r>
           </a:p>
           <a:p>
-            <a:pPr>
-              <a:lnSpc>
-                <a:spcPct val="150000"/>
-              </a:lnSpc>
-            </a:pPr>
-            <a:r>
-              <a:rPr lang="en-US" sz="2400" dirty="0"/>
+            <a:r>
+              <a:rPr lang="en-US" dirty="0"/>
               <a:t>    </a:t>
             </a:r>
             <a:r>
-              <a:rPr lang="en-US" sz="2400" dirty="0" err="1"/>
+              <a:rPr lang="en-US" dirty="0" err="1"/>
               <a:t>study:rfendtc</a:t>
             </a:r>
             <a:r>
-              <a:rPr lang="en-US" sz="2400" dirty="0"/>
+              <a:rPr lang="en-US" dirty="0"/>
               <a:t>      "2016-12-07"^^</a:t>
             </a:r>
             <a:r>
-              <a:rPr lang="en-US" sz="2400" dirty="0" err="1"/>
+              <a:rPr lang="en-US" dirty="0" err="1"/>
               <a:t>xsd:date</a:t>
             </a:r>
             <a:r>
-              <a:rPr lang="en-US" sz="2400" dirty="0"/>
+              <a:rPr lang="en-US" dirty="0"/>
               <a:t> ;</a:t>
             </a:r>
           </a:p>
           <a:p>
-            <a:pPr>
-              <a:lnSpc>
-                <a:spcPct val="150000"/>
-              </a:lnSpc>
-            </a:pPr>
-            <a:r>
-              <a:rPr lang="en-US" sz="2400" dirty="0"/>
+            <a:r>
+              <a:rPr lang="en-US" dirty="0"/>
               <a:t>    </a:t>
             </a:r>
             <a:r>
-              <a:rPr lang="en-US" sz="2400" dirty="0" err="1"/>
+              <a:rPr lang="en-US" dirty="0" err="1"/>
               <a:t>study:rfstdtc</a:t>
             </a:r>
             <a:r>
-              <a:rPr lang="en-US" sz="2400" dirty="0"/>
+              <a:rPr lang="en-US" dirty="0"/>
               <a:t>       "2016-12-07"^^</a:t>
             </a:r>
             <a:r>
-              <a:rPr lang="en-US" sz="2400" dirty="0" err="1"/>
+              <a:rPr lang="en-US" dirty="0" err="1"/>
               <a:t>xsd:date</a:t>
             </a:r>
             <a:r>
-              <a:rPr lang="en-US" sz="2400" dirty="0"/>
+              <a:rPr lang="en-US" dirty="0"/>
               <a:t>  ;</a:t>
             </a:r>
           </a:p>
           <a:p>
-            <a:pPr>
-              <a:lnSpc>
-                <a:spcPct val="150000"/>
-              </a:lnSpc>
-            </a:pPr>
-            <a:r>
-              <a:rPr lang="en-US" sz="2400" dirty="0"/>
+            <a:r>
+              <a:rPr lang="en-US" dirty="0"/>
               <a:t>    </a:t>
             </a:r>
             <a:r>
-              <a:rPr lang="en-US" sz="2400" dirty="0" err="1"/>
+              <a:rPr lang="en-US" dirty="0" err="1"/>
               <a:t>study:subjid</a:t>
             </a:r>
             <a:r>
-              <a:rPr lang="en-US" sz="2400" dirty="0"/>
-              <a:t>        “00M01"^^</a:t>
-            </a:r>
-            <a:r>
-              <a:rPr lang="en-US" sz="2400" dirty="0" err="1"/>
+              <a:rPr lang="en-US" dirty="0"/>
+              <a:t>        “CJ16050_00M01"^^</a:t>
+            </a:r>
+            <a:r>
+              <a:rPr lang="en-US" dirty="0" err="1"/>
               <a:t>xsd:string</a:t>
             </a:r>
             <a:r>
-              <a:rPr lang="en-US" sz="2400" dirty="0"/>
+              <a:rPr lang="en-US" dirty="0"/>
               <a:t> ;</a:t>
             </a:r>
           </a:p>
           <a:p>
-            <a:pPr>
-              <a:lnSpc>
-                <a:spcPct val="150000"/>
-              </a:lnSpc>
-            </a:pPr>
-            <a:r>
-              <a:rPr lang="en-US" sz="2400" dirty="0"/>
+            <a:r>
+              <a:rPr lang="en-US" dirty="0"/>
               <a:t>    </a:t>
             </a:r>
             <a:r>
-              <a:rPr lang="en-US" sz="2400" dirty="0" err="1"/>
+              <a:rPr lang="en-US" dirty="0" err="1"/>
               <a:t>study:usubjid</a:t>
             </a:r>
             <a:r>
-              <a:rPr lang="en-US" sz="2400" dirty="0"/>
+              <a:rPr lang="en-US" dirty="0"/>
               <a:t>     “CJ16050_00M01” ^^</a:t>
             </a:r>
             <a:r>
-              <a:rPr lang="en-US" sz="2400" dirty="0" err="1"/>
+              <a:rPr lang="en-US" dirty="0" err="1"/>
               <a:t>xsd:string</a:t>
             </a:r>
             <a:r>
-              <a:rPr lang="en-US" sz="2400" dirty="0"/>
+              <a:rPr lang="en-US" dirty="0"/>
               <a:t> ;</a:t>
             </a:r>
           </a:p>
           <a:p>
-            <a:endParaRPr lang="en-US" sz="2400" dirty="0"/>
-          </a:p>
-          <a:p>
-            <a:endParaRPr lang="en-US" sz="2400" dirty="0"/>
-          </a:p>
-        </p:txBody>
-      </p:sp>
-      <p:sp>
-        <p:nvSpPr>
-          <p:cNvPr id="13" name="TextBox 12">
-            <a:extLst>
-              <a:ext uri="{FF2B5EF4-FFF2-40B4-BE49-F238E27FC236}">
-                <a16:creationId xmlns:a16="http://schemas.microsoft.com/office/drawing/2014/main" id="{47A2AA95-FF59-4D21-BCDB-A931A9C8AB84}"/>
-              </a:ext>
-            </a:extLst>
-          </p:cNvPr>
-          <p:cNvSpPr txBox="1"/>
-          <p:nvPr/>
-        </p:nvSpPr>
-        <p:spPr>
-          <a:xfrm>
-            <a:off x="877558" y="4174965"/>
-            <a:ext cx="1714508" cy="461665"/>
-          </a:xfrm>
-          <a:prstGeom prst="rect">
-            <a:avLst/>
-          </a:prstGeom>
-          <a:noFill/>
-        </p:spPr>
-        <p:txBody>
-          <a:bodyPr wrap="none" rtlCol="0">
-            <a:spAutoFit/>
-          </a:bodyPr>
-          <a:lstStyle/>
-          <a:p>
-            <a:r>
-              <a:rPr lang="en-US" sz="2400" i="1" dirty="0">
-                <a:solidFill>
-                  <a:schemeClr val="tx1">
-                    <a:lumMod val="50000"/>
-                    <a:lumOff val="50000"/>
-                  </a:schemeClr>
-                </a:solidFill>
-              </a:rPr>
-              <a:t>...more data</a:t>
-            </a:r>
+            <a:r>
+              <a:rPr lang="en-US" dirty="0"/>
+              <a:t>.</a:t>
+            </a:r>
+          </a:p>
+          <a:p>
+            <a:endParaRPr lang="en-US" dirty="0"/>
+          </a:p>
+          <a:p>
+            <a:endParaRPr lang="en-US" dirty="0"/>
+          </a:p>
+          <a:p>
+            <a:endParaRPr lang="en-US" dirty="0"/>
+          </a:p>
+          <a:p>
+            <a:endParaRPr lang="en-US" dirty="0"/>
           </a:p>
         </p:txBody>
       </p:sp>
     </p:spTree>
     <p:extLst>
       <p:ext uri="{BB962C8B-B14F-4D97-AF65-F5344CB8AC3E}">
-        <p14:creationId xmlns:p14="http://schemas.microsoft.com/office/powerpoint/2010/main" val="3442749000"/>
+        <p14:creationId xmlns:p14="http://schemas.microsoft.com/office/powerpoint/2010/main" val="2932786974"/>
       </p:ext>
     </p:extLst>
   </p:cSld>
@@ -5940,6 +7336,708 @@
         </p:nvSpPr>
         <p:spPr>
           <a:xfrm>
+            <a:off x="357810" y="648361"/>
+            <a:ext cx="9044608" cy="4576782"/>
+          </a:xfrm>
+          <a:prstGeom prst="roundRect">
+            <a:avLst/>
+          </a:prstGeom>
+          <a:solidFill>
+            <a:schemeClr val="bg1">
+              <a:lumMod val="95000"/>
+            </a:schemeClr>
+          </a:solidFill>
+          <a:ln>
+            <a:solidFill>
+              <a:schemeClr val="tx1"/>
+            </a:solidFill>
+          </a:ln>
+        </p:spPr>
+        <p:style>
+          <a:lnRef idx="2">
+            <a:schemeClr val="accent1">
+              <a:shade val="50000"/>
+            </a:schemeClr>
+          </a:lnRef>
+          <a:fillRef idx="1">
+            <a:schemeClr val="accent1"/>
+          </a:fillRef>
+          <a:effectRef idx="0">
+            <a:schemeClr val="accent1"/>
+          </a:effectRef>
+          <a:fontRef idx="minor">
+            <a:schemeClr val="lt1"/>
+          </a:fontRef>
+        </p:style>
+        <p:txBody>
+          <a:bodyPr rtlCol="0" anchor="ctr"/>
+          <a:lstStyle/>
+          <a:p>
+            <a:pPr algn="ctr"/>
+            <a:endParaRPr lang="en-US" b="1" dirty="0">
+              <a:solidFill>
+                <a:schemeClr val="tx1"/>
+              </a:solidFill>
+            </a:endParaRPr>
+          </a:p>
+        </p:txBody>
+      </p:sp>
+      <p:sp>
+        <p:nvSpPr>
+          <p:cNvPr id="4" name="Rectangle: Rounded Corners 3"/>
+          <p:cNvSpPr/>
+          <p:nvPr/>
+        </p:nvSpPr>
+        <p:spPr>
+          <a:xfrm>
+            <a:off x="814595" y="1959429"/>
+            <a:ext cx="6400800" cy="957942"/>
+          </a:xfrm>
+          <a:prstGeom prst="roundRect">
+            <a:avLst/>
+          </a:prstGeom>
+          <a:solidFill>
+            <a:schemeClr val="accent6">
+              <a:lumMod val="40000"/>
+              <a:lumOff val="60000"/>
+            </a:schemeClr>
+          </a:solidFill>
+          <a:ln>
+            <a:solidFill>
+              <a:schemeClr val="tx1"/>
+            </a:solidFill>
+          </a:ln>
+        </p:spPr>
+        <p:style>
+          <a:lnRef idx="2">
+            <a:schemeClr val="accent1">
+              <a:shade val="50000"/>
+            </a:schemeClr>
+          </a:lnRef>
+          <a:fillRef idx="1">
+            <a:schemeClr val="accent1"/>
+          </a:fillRef>
+          <a:effectRef idx="0">
+            <a:schemeClr val="accent1"/>
+          </a:effectRef>
+          <a:fontRef idx="minor">
+            <a:schemeClr val="lt1"/>
+          </a:fontRef>
+        </p:style>
+        <p:txBody>
+          <a:bodyPr rtlCol="0" anchor="ctr"/>
+          <a:lstStyle/>
+          <a:p>
+            <a:pPr algn="ctr"/>
+            <a:endParaRPr lang="en-US" b="1" dirty="0">
+              <a:solidFill>
+                <a:schemeClr val="accent1">
+                  <a:lumMod val="75000"/>
+                </a:schemeClr>
+              </a:solidFill>
+            </a:endParaRPr>
+          </a:p>
+        </p:txBody>
+      </p:sp>
+      <p:sp>
+        <p:nvSpPr>
+          <p:cNvPr id="5" name="Rectangle: Rounded Corners 4"/>
+          <p:cNvSpPr/>
+          <p:nvPr/>
+        </p:nvSpPr>
+        <p:spPr>
+          <a:xfrm>
+            <a:off x="814595" y="3596046"/>
+            <a:ext cx="6400800" cy="478998"/>
+          </a:xfrm>
+          <a:prstGeom prst="roundRect">
+            <a:avLst/>
+          </a:prstGeom>
+          <a:solidFill>
+            <a:srgbClr val="E1AD48"/>
+          </a:solidFill>
+          <a:ln>
+            <a:solidFill>
+              <a:schemeClr val="tx1"/>
+            </a:solidFill>
+          </a:ln>
+        </p:spPr>
+        <p:style>
+          <a:lnRef idx="2">
+            <a:schemeClr val="accent1">
+              <a:shade val="50000"/>
+            </a:schemeClr>
+          </a:lnRef>
+          <a:fillRef idx="1">
+            <a:schemeClr val="accent1"/>
+          </a:fillRef>
+          <a:effectRef idx="0">
+            <a:schemeClr val="accent1"/>
+          </a:effectRef>
+          <a:fontRef idx="minor">
+            <a:schemeClr val="lt1"/>
+          </a:fontRef>
+        </p:style>
+        <p:txBody>
+          <a:bodyPr rtlCol="0" anchor="ctr"/>
+          <a:lstStyle/>
+          <a:p>
+            <a:pPr algn="ctr"/>
+            <a:endParaRPr lang="en-US" b="1" dirty="0">
+              <a:solidFill>
+                <a:schemeClr val="tx1"/>
+              </a:solidFill>
+            </a:endParaRPr>
+          </a:p>
+        </p:txBody>
+      </p:sp>
+      <p:sp>
+        <p:nvSpPr>
+          <p:cNvPr id="17" name="Rectangle: Rounded Corners 16">
+            <a:extLst>
+              <a:ext uri="{FF2B5EF4-FFF2-40B4-BE49-F238E27FC236}">
+                <a16:creationId xmlns:a16="http://schemas.microsoft.com/office/drawing/2014/main" id="{02929941-0200-42D9-8465-064446A2AC2E}"/>
+              </a:ext>
+            </a:extLst>
+          </p:cNvPr>
+          <p:cNvSpPr/>
+          <p:nvPr/>
+        </p:nvSpPr>
+        <p:spPr>
+          <a:xfrm>
+            <a:off x="814595" y="3028094"/>
+            <a:ext cx="6400800" cy="457001"/>
+          </a:xfrm>
+          <a:prstGeom prst="roundRect">
+            <a:avLst/>
+          </a:prstGeom>
+          <a:solidFill>
+            <a:schemeClr val="accent1">
+              <a:lumMod val="40000"/>
+              <a:lumOff val="60000"/>
+            </a:schemeClr>
+          </a:solidFill>
+          <a:ln>
+            <a:solidFill>
+              <a:schemeClr val="tx1"/>
+            </a:solidFill>
+          </a:ln>
+        </p:spPr>
+        <p:style>
+          <a:lnRef idx="2">
+            <a:schemeClr val="accent1">
+              <a:shade val="50000"/>
+            </a:schemeClr>
+          </a:lnRef>
+          <a:fillRef idx="1">
+            <a:schemeClr val="accent1"/>
+          </a:fillRef>
+          <a:effectRef idx="0">
+            <a:schemeClr val="accent1"/>
+          </a:effectRef>
+          <a:fontRef idx="minor">
+            <a:schemeClr val="lt1"/>
+          </a:fontRef>
+        </p:style>
+        <p:txBody>
+          <a:bodyPr rtlCol="0" anchor="ctr"/>
+          <a:lstStyle/>
+          <a:p>
+            <a:pPr algn="ctr"/>
+            <a:endParaRPr lang="en-US" b="1" dirty="0">
+              <a:solidFill>
+                <a:schemeClr val="tx1"/>
+              </a:solidFill>
+            </a:endParaRPr>
+          </a:p>
+        </p:txBody>
+      </p:sp>
+      <p:sp>
+        <p:nvSpPr>
+          <p:cNvPr id="18" name="Rectangle: Rounded Corners 17">
+            <a:extLst>
+              <a:ext uri="{FF2B5EF4-FFF2-40B4-BE49-F238E27FC236}">
+                <a16:creationId xmlns:a16="http://schemas.microsoft.com/office/drawing/2014/main" id="{A5947EC4-2512-4FDD-A2AE-6E8E1DF5BBDA}"/>
+              </a:ext>
+            </a:extLst>
+          </p:cNvPr>
+          <p:cNvSpPr/>
+          <p:nvPr/>
+        </p:nvSpPr>
+        <p:spPr>
+          <a:xfrm>
+            <a:off x="814595" y="4165889"/>
+            <a:ext cx="6400800" cy="478998"/>
+          </a:xfrm>
+          <a:prstGeom prst="roundRect">
+            <a:avLst/>
+          </a:prstGeom>
+          <a:solidFill>
+            <a:schemeClr val="bg1">
+              <a:lumMod val="75000"/>
+            </a:schemeClr>
+          </a:solidFill>
+          <a:ln>
+            <a:solidFill>
+              <a:schemeClr val="tx1"/>
+            </a:solidFill>
+          </a:ln>
+        </p:spPr>
+        <p:style>
+          <a:lnRef idx="2">
+            <a:schemeClr val="accent1">
+              <a:shade val="50000"/>
+            </a:schemeClr>
+          </a:lnRef>
+          <a:fillRef idx="1">
+            <a:schemeClr val="accent1"/>
+          </a:fillRef>
+          <a:effectRef idx="0">
+            <a:schemeClr val="accent1"/>
+          </a:effectRef>
+          <a:fontRef idx="minor">
+            <a:schemeClr val="lt1"/>
+          </a:fontRef>
+        </p:style>
+        <p:txBody>
+          <a:bodyPr rtlCol="0" anchor="ctr"/>
+          <a:lstStyle/>
+          <a:p>
+            <a:pPr algn="ctr"/>
+            <a:endParaRPr lang="en-US" b="1" dirty="0">
+              <a:solidFill>
+                <a:schemeClr val="tx1"/>
+              </a:solidFill>
+            </a:endParaRPr>
+          </a:p>
+        </p:txBody>
+      </p:sp>
+      <p:sp>
+        <p:nvSpPr>
+          <p:cNvPr id="19" name="TextBox 18">
+            <a:extLst>
+              <a:ext uri="{FF2B5EF4-FFF2-40B4-BE49-F238E27FC236}">
+                <a16:creationId xmlns:a16="http://schemas.microsoft.com/office/drawing/2014/main" id="{4F329E82-4FE1-4EE2-909E-1739258B41D6}"/>
+              </a:ext>
+            </a:extLst>
+          </p:cNvPr>
+          <p:cNvSpPr txBox="1"/>
+          <p:nvPr/>
+        </p:nvSpPr>
+        <p:spPr>
+          <a:xfrm>
+            <a:off x="7235686" y="2219738"/>
+            <a:ext cx="1930337" cy="461665"/>
+          </a:xfrm>
+          <a:prstGeom prst="rect">
+            <a:avLst/>
+          </a:prstGeom>
+          <a:noFill/>
+        </p:spPr>
+        <p:txBody>
+          <a:bodyPr wrap="none" rtlCol="0">
+            <a:spAutoFit/>
+          </a:bodyPr>
+          <a:lstStyle/>
+          <a:p>
+            <a:r>
+              <a:rPr lang="en-US" sz="2400" b="1" dirty="0">
+                <a:solidFill>
+                  <a:schemeClr val="accent6">
+                    <a:lumMod val="50000"/>
+                  </a:schemeClr>
+                </a:solidFill>
+              </a:rPr>
+              <a:t>SD1002Shape</a:t>
+            </a:r>
+          </a:p>
+        </p:txBody>
+      </p:sp>
+      <p:sp>
+        <p:nvSpPr>
+          <p:cNvPr id="21" name="TextBox 20">
+            <a:extLst>
+              <a:ext uri="{FF2B5EF4-FFF2-40B4-BE49-F238E27FC236}">
+                <a16:creationId xmlns:a16="http://schemas.microsoft.com/office/drawing/2014/main" id="{83A70331-5F59-4C46-A0E7-1DE702D8904E}"/>
+              </a:ext>
+            </a:extLst>
+          </p:cNvPr>
+          <p:cNvSpPr txBox="1"/>
+          <p:nvPr/>
+        </p:nvSpPr>
+        <p:spPr>
+          <a:xfrm>
+            <a:off x="7235686" y="4181061"/>
+            <a:ext cx="2004075" cy="461665"/>
+          </a:xfrm>
+          <a:prstGeom prst="rect">
+            <a:avLst/>
+          </a:prstGeom>
+          <a:noFill/>
+        </p:spPr>
+        <p:txBody>
+          <a:bodyPr wrap="none" rtlCol="0">
+            <a:spAutoFit/>
+          </a:bodyPr>
+          <a:lstStyle/>
+          <a:p>
+            <a:r>
+              <a:rPr lang="en-US" sz="2400" i="1" dirty="0">
+                <a:solidFill>
+                  <a:schemeClr val="bg1">
+                    <a:lumMod val="65000"/>
+                  </a:schemeClr>
+                </a:solidFill>
+              </a:rPr>
+              <a:t>...more shapes</a:t>
+            </a:r>
+          </a:p>
+        </p:txBody>
+      </p:sp>
+      <p:sp>
+        <p:nvSpPr>
+          <p:cNvPr id="22" name="TextBox 21">
+            <a:extLst>
+              <a:ext uri="{FF2B5EF4-FFF2-40B4-BE49-F238E27FC236}">
+                <a16:creationId xmlns:a16="http://schemas.microsoft.com/office/drawing/2014/main" id="{5604566B-9473-44E6-A9F0-16B413C2F315}"/>
+              </a:ext>
+            </a:extLst>
+          </p:cNvPr>
+          <p:cNvSpPr txBox="1"/>
+          <p:nvPr/>
+        </p:nvSpPr>
+        <p:spPr>
+          <a:xfrm>
+            <a:off x="7235686" y="2988364"/>
+            <a:ext cx="1930337" cy="461665"/>
+          </a:xfrm>
+          <a:prstGeom prst="rect">
+            <a:avLst/>
+          </a:prstGeom>
+          <a:noFill/>
+        </p:spPr>
+        <p:txBody>
+          <a:bodyPr wrap="none" rtlCol="0">
+            <a:spAutoFit/>
+          </a:bodyPr>
+          <a:lstStyle/>
+          <a:p>
+            <a:r>
+              <a:rPr lang="en-US" sz="2400" b="1" dirty="0">
+                <a:solidFill>
+                  <a:schemeClr val="accent1">
+                    <a:lumMod val="75000"/>
+                  </a:schemeClr>
+                </a:solidFill>
+              </a:rPr>
+              <a:t>SD1001Shape</a:t>
+            </a:r>
+          </a:p>
+        </p:txBody>
+      </p:sp>
+      <p:sp>
+        <p:nvSpPr>
+          <p:cNvPr id="23" name="TextBox 22">
+            <a:extLst>
+              <a:ext uri="{FF2B5EF4-FFF2-40B4-BE49-F238E27FC236}">
+                <a16:creationId xmlns:a16="http://schemas.microsoft.com/office/drawing/2014/main" id="{CD7F6E51-1BA6-4815-8455-7C3C94C69EA6}"/>
+              </a:ext>
+            </a:extLst>
+          </p:cNvPr>
+          <p:cNvSpPr txBox="1"/>
+          <p:nvPr/>
+        </p:nvSpPr>
+        <p:spPr>
+          <a:xfrm>
+            <a:off x="7235686" y="3637721"/>
+            <a:ext cx="1930337" cy="461665"/>
+          </a:xfrm>
+          <a:prstGeom prst="rect">
+            <a:avLst/>
+          </a:prstGeom>
+          <a:noFill/>
+        </p:spPr>
+        <p:txBody>
+          <a:bodyPr wrap="none" rtlCol="0">
+            <a:spAutoFit/>
+          </a:bodyPr>
+          <a:lstStyle/>
+          <a:p>
+            <a:r>
+              <a:rPr lang="en-US" sz="2400" b="1" dirty="0">
+                <a:solidFill>
+                  <a:schemeClr val="accent2">
+                    <a:lumMod val="75000"/>
+                  </a:schemeClr>
+                </a:solidFill>
+              </a:rPr>
+              <a:t>SD0083Shape</a:t>
+            </a:r>
+          </a:p>
+        </p:txBody>
+      </p:sp>
+      <p:sp>
+        <p:nvSpPr>
+          <p:cNvPr id="45" name="TextBox 44">
+            <a:extLst>
+              <a:ext uri="{FF2B5EF4-FFF2-40B4-BE49-F238E27FC236}">
+                <a16:creationId xmlns:a16="http://schemas.microsoft.com/office/drawing/2014/main" id="{DCEB2144-B3F4-48FC-863E-2B0381C57201}"/>
+              </a:ext>
+            </a:extLst>
+          </p:cNvPr>
+          <p:cNvSpPr txBox="1"/>
+          <p:nvPr/>
+        </p:nvSpPr>
+        <p:spPr>
+          <a:xfrm>
+            <a:off x="690260" y="817724"/>
+            <a:ext cx="6543266" cy="4047262"/>
+          </a:xfrm>
+          <a:prstGeom prst="rect">
+            <a:avLst/>
+          </a:prstGeom>
+          <a:noFill/>
+        </p:spPr>
+        <p:txBody>
+          <a:bodyPr wrap="square" rtlCol="0">
+            <a:spAutoFit/>
+          </a:bodyPr>
+          <a:lstStyle/>
+          <a:p>
+            <a:pPr>
+              <a:spcBef>
+                <a:spcPts val="600"/>
+              </a:spcBef>
+              <a:spcAft>
+                <a:spcPts val="600"/>
+              </a:spcAft>
+            </a:pPr>
+            <a:r>
+              <a:rPr lang="en-US" sz="2400" dirty="0"/>
+              <a:t>study:Subject_CJ16050_00M01</a:t>
+            </a:r>
+          </a:p>
+          <a:p>
+            <a:pPr>
+              <a:lnSpc>
+                <a:spcPct val="150000"/>
+              </a:lnSpc>
+            </a:pPr>
+            <a:r>
+              <a:rPr lang="en-US" sz="2400" dirty="0"/>
+              <a:t>    a                           </a:t>
+            </a:r>
+            <a:r>
+              <a:rPr lang="en-US" sz="2400" dirty="0" err="1"/>
+              <a:t>study:AnimalSubject</a:t>
+            </a:r>
+            <a:r>
+              <a:rPr lang="en-US" sz="2400" dirty="0"/>
+              <a:t> ;</a:t>
+            </a:r>
+          </a:p>
+          <a:p>
+            <a:pPr>
+              <a:lnSpc>
+                <a:spcPct val="150000"/>
+              </a:lnSpc>
+            </a:pPr>
+            <a:r>
+              <a:rPr lang="en-US" sz="2400" dirty="0"/>
+              <a:t>    </a:t>
+            </a:r>
+            <a:r>
+              <a:rPr lang="en-US" sz="2400" dirty="0" err="1"/>
+              <a:t>study:rfendtc</a:t>
+            </a:r>
+            <a:r>
+              <a:rPr lang="en-US" sz="2400" dirty="0"/>
+              <a:t>      "2016-12-07"^^</a:t>
+            </a:r>
+            <a:r>
+              <a:rPr lang="en-US" sz="2400" dirty="0" err="1"/>
+              <a:t>xsd:date</a:t>
+            </a:r>
+            <a:r>
+              <a:rPr lang="en-US" sz="2400" dirty="0"/>
+              <a:t> ;</a:t>
+            </a:r>
+          </a:p>
+          <a:p>
+            <a:pPr>
+              <a:lnSpc>
+                <a:spcPct val="150000"/>
+              </a:lnSpc>
+            </a:pPr>
+            <a:r>
+              <a:rPr lang="en-US" sz="2400" dirty="0"/>
+              <a:t>    </a:t>
+            </a:r>
+            <a:r>
+              <a:rPr lang="en-US" sz="2400" dirty="0" err="1"/>
+              <a:t>study:rfstdtc</a:t>
+            </a:r>
+            <a:r>
+              <a:rPr lang="en-US" sz="2400" dirty="0"/>
+              <a:t>       "2016-12-07"^^</a:t>
+            </a:r>
+            <a:r>
+              <a:rPr lang="en-US" sz="2400" dirty="0" err="1"/>
+              <a:t>xsd:date</a:t>
+            </a:r>
+            <a:r>
+              <a:rPr lang="en-US" sz="2400" dirty="0"/>
+              <a:t>  ;</a:t>
+            </a:r>
+          </a:p>
+          <a:p>
+            <a:pPr>
+              <a:lnSpc>
+                <a:spcPct val="150000"/>
+              </a:lnSpc>
+            </a:pPr>
+            <a:r>
+              <a:rPr lang="en-US" sz="2400" dirty="0"/>
+              <a:t>    </a:t>
+            </a:r>
+            <a:r>
+              <a:rPr lang="en-US" sz="2400" dirty="0" err="1"/>
+              <a:t>study:subjid</a:t>
+            </a:r>
+            <a:r>
+              <a:rPr lang="en-US" sz="2400" dirty="0"/>
+              <a:t>        “00M01"^^</a:t>
+            </a:r>
+            <a:r>
+              <a:rPr lang="en-US" sz="2400" dirty="0" err="1"/>
+              <a:t>xsd:string</a:t>
+            </a:r>
+            <a:r>
+              <a:rPr lang="en-US" sz="2400" dirty="0"/>
+              <a:t> ;</a:t>
+            </a:r>
+          </a:p>
+          <a:p>
+            <a:pPr>
+              <a:lnSpc>
+                <a:spcPct val="150000"/>
+              </a:lnSpc>
+            </a:pPr>
+            <a:r>
+              <a:rPr lang="en-US" sz="2400" dirty="0"/>
+              <a:t>    </a:t>
+            </a:r>
+            <a:r>
+              <a:rPr lang="en-US" sz="2400" dirty="0" err="1"/>
+              <a:t>study:usubjid</a:t>
+            </a:r>
+            <a:r>
+              <a:rPr lang="en-US" sz="2400" dirty="0"/>
+              <a:t>     “CJ16050_00M01” ^^</a:t>
+            </a:r>
+            <a:r>
+              <a:rPr lang="en-US" sz="2400" dirty="0" err="1"/>
+              <a:t>xsd:string</a:t>
+            </a:r>
+            <a:r>
+              <a:rPr lang="en-US" sz="2400" dirty="0"/>
+              <a:t> ;</a:t>
+            </a:r>
+          </a:p>
+          <a:p>
+            <a:endParaRPr lang="en-US" sz="2400" dirty="0"/>
+          </a:p>
+          <a:p>
+            <a:endParaRPr lang="en-US" sz="2400" dirty="0"/>
+          </a:p>
+        </p:txBody>
+      </p:sp>
+      <p:sp>
+        <p:nvSpPr>
+          <p:cNvPr id="13" name="TextBox 12">
+            <a:extLst>
+              <a:ext uri="{FF2B5EF4-FFF2-40B4-BE49-F238E27FC236}">
+                <a16:creationId xmlns:a16="http://schemas.microsoft.com/office/drawing/2014/main" id="{47A2AA95-FF59-4D21-BCDB-A931A9C8AB84}"/>
+              </a:ext>
+            </a:extLst>
+          </p:cNvPr>
+          <p:cNvSpPr txBox="1"/>
+          <p:nvPr/>
+        </p:nvSpPr>
+        <p:spPr>
+          <a:xfrm>
+            <a:off x="877558" y="4174965"/>
+            <a:ext cx="1714508" cy="461665"/>
+          </a:xfrm>
+          <a:prstGeom prst="rect">
+            <a:avLst/>
+          </a:prstGeom>
+          <a:noFill/>
+        </p:spPr>
+        <p:txBody>
+          <a:bodyPr wrap="none" rtlCol="0">
+            <a:spAutoFit/>
+          </a:bodyPr>
+          <a:lstStyle/>
+          <a:p>
+            <a:r>
+              <a:rPr lang="en-US" sz="2400" i="1" dirty="0">
+                <a:solidFill>
+                  <a:schemeClr val="tx1">
+                    <a:lumMod val="50000"/>
+                    <a:lumOff val="50000"/>
+                  </a:schemeClr>
+                </a:solidFill>
+              </a:rPr>
+              <a:t>...more data</a:t>
+            </a:r>
+          </a:p>
+        </p:txBody>
+      </p:sp>
+    </p:spTree>
+    <p:extLst>
+      <p:ext uri="{BB962C8B-B14F-4D97-AF65-F5344CB8AC3E}">
+        <p14:creationId xmlns:p14="http://schemas.microsoft.com/office/powerpoint/2010/main" val="3442749000"/>
+      </p:ext>
+    </p:extLst>
+  </p:cSld>
+  <p:clrMapOvr>
+    <a:masterClrMapping/>
+  </p:clrMapOvr>
+</p:sld>
+</file>
+
+<file path=ppt/slides/slide13.xml><?xml version="1.0" encoding="utf-8"?>
+<p:sld xmlns:a="http://schemas.openxmlformats.org/drawingml/2006/main" xmlns:r="http://schemas.openxmlformats.org/officeDocument/2006/relationships" xmlns:p="http://schemas.openxmlformats.org/presentationml/2006/main">
+  <p:cSld>
+    <p:spTree>
+      <p:nvGrpSpPr>
+        <p:cNvPr id="1" name=""/>
+        <p:cNvGrpSpPr/>
+        <p:nvPr/>
+      </p:nvGrpSpPr>
+      <p:grpSpPr>
+        <a:xfrm>
+          <a:off x="0" y="0"/>
+          <a:ext cx="0" cy="0"/>
+          <a:chOff x="0" y="0"/>
+          <a:chExt cx="0" cy="0"/>
+        </a:xfrm>
+      </p:grpSpPr>
+      <p:sp>
+        <p:nvSpPr>
+          <p:cNvPr id="15" name="Rectangle: Rounded Corners 14">
+            <a:extLst>
+              <a:ext uri="{FF2B5EF4-FFF2-40B4-BE49-F238E27FC236}">
+                <a16:creationId xmlns:a16="http://schemas.microsoft.com/office/drawing/2014/main" id="{FA40E339-40A8-448E-A741-015329DCA7D1}"/>
+              </a:ext>
+            </a:extLst>
+          </p:cNvPr>
+          <p:cNvSpPr/>
+          <p:nvPr/>
+        </p:nvSpPr>
+        <p:spPr>
+          <a:xfrm>
             <a:off x="318052" y="1264951"/>
             <a:ext cx="8746435" cy="2750458"/>
           </a:xfrm>
@@ -6505,7 +8603,7 @@
 </p:sld>
 </file>
 
-<file path=ppt/slides/slide13.xml><?xml version="1.0" encoding="utf-8"?>
+<file path=ppt/slides/slide14.xml><?xml version="1.0" encoding="utf-8"?>
 <p:sld xmlns:a="http://schemas.openxmlformats.org/drawingml/2006/main" xmlns:r="http://schemas.openxmlformats.org/officeDocument/2006/relationships" xmlns:p="http://schemas.openxmlformats.org/presentationml/2006/main">
   <p:cSld>
     <p:spTree>
@@ -15544,61 +17642,1389 @@
       </p:grpSpPr>
       <p:sp>
         <p:nvSpPr>
-          <p:cNvPr id="2" name="Title 1">
-            <a:extLst>
-              <a:ext uri="{FF2B5EF4-FFF2-40B4-BE49-F238E27FC236}">
-                <a16:creationId xmlns:a16="http://schemas.microsoft.com/office/drawing/2014/main" id="{A34AD37D-181E-4532-A042-19859BF3719C}"/>
-              </a:ext>
-            </a:extLst>
-          </p:cNvPr>
-          <p:cNvSpPr>
-            <a:spLocks noGrp="1"/>
-          </p:cNvSpPr>
-          <p:nvPr>
-            <p:ph type="title"/>
-          </p:nvPr>
-        </p:nvSpPr>
-        <p:spPr/>
-        <p:txBody>
-          <a:bodyPr/>
+          <p:cNvPr id="4" name="Rectangle: Rounded Corners 3"/>
+          <p:cNvSpPr/>
+          <p:nvPr/>
+        </p:nvSpPr>
+        <p:spPr>
+          <a:xfrm>
+            <a:off x="957999" y="635348"/>
+            <a:ext cx="2971800" cy="365760"/>
+          </a:xfrm>
+          <a:prstGeom prst="roundRect">
+            <a:avLst/>
+          </a:prstGeom>
+          <a:solidFill>
+            <a:srgbClr val="EEEEBB"/>
+          </a:solidFill>
+          <a:ln w="38100">
+            <a:solidFill>
+              <a:srgbClr val="9E9E27"/>
+            </a:solidFill>
+          </a:ln>
+        </p:spPr>
+        <p:style>
+          <a:lnRef idx="2">
+            <a:schemeClr val="accent1">
+              <a:shade val="50000"/>
+            </a:schemeClr>
+          </a:lnRef>
+          <a:fillRef idx="1">
+            <a:schemeClr val="accent1"/>
+          </a:fillRef>
+          <a:effectRef idx="0">
+            <a:schemeClr val="accent1"/>
+          </a:effectRef>
+          <a:fontRef idx="minor">
+            <a:schemeClr val="lt1"/>
+          </a:fontRef>
+        </p:style>
+        <p:txBody>
+          <a:bodyPr rtlCol="0" anchor="ctr"/>
           <a:lstStyle/>
           <a:p>
+            <a:pPr algn="ctr"/>
+            <a:r>
+              <a:rPr lang="en-US" b="1" dirty="0">
+                <a:solidFill>
+                  <a:schemeClr val="tx1"/>
+                </a:solidFill>
+              </a:rPr>
+              <a:t>cj16050:Animal_ 21316392</a:t>
+            </a:r>
+          </a:p>
+        </p:txBody>
+      </p:sp>
+      <p:sp>
+        <p:nvSpPr>
+          <p:cNvPr id="10" name="Rectangle: Rounded Corners 9">
+            <a:extLst>
+              <a:ext uri="{FF2B5EF4-FFF2-40B4-BE49-F238E27FC236}">
+                <a16:creationId xmlns:a16="http://schemas.microsoft.com/office/drawing/2014/main" id="{6B507A6C-DA4D-4A07-AC87-C4CECFA5297B}"/>
+              </a:ext>
+            </a:extLst>
+          </p:cNvPr>
+          <p:cNvSpPr/>
+          <p:nvPr/>
+        </p:nvSpPr>
+        <p:spPr>
+          <a:xfrm>
+            <a:off x="5981988" y="257355"/>
+            <a:ext cx="2456033" cy="365760"/>
+          </a:xfrm>
+          <a:prstGeom prst="roundRect">
+            <a:avLst/>
+          </a:prstGeom>
+          <a:solidFill>
+            <a:srgbClr val="E4ECF8"/>
+          </a:solidFill>
+          <a:ln w="38100">
+            <a:solidFill>
+              <a:schemeClr val="accent1">
+                <a:lumMod val="75000"/>
+              </a:schemeClr>
+            </a:solidFill>
+          </a:ln>
+        </p:spPr>
+        <p:style>
+          <a:lnRef idx="2">
+            <a:schemeClr val="accent1">
+              <a:shade val="50000"/>
+            </a:schemeClr>
+          </a:lnRef>
+          <a:fillRef idx="1">
+            <a:schemeClr val="accent1"/>
+          </a:fillRef>
+          <a:effectRef idx="0">
+            <a:schemeClr val="accent1"/>
+          </a:effectRef>
+          <a:fontRef idx="minor">
+            <a:schemeClr val="lt1"/>
+          </a:fontRef>
+        </p:style>
+        <p:txBody>
+          <a:bodyPr rtlCol="0" anchor="ctr"/>
+          <a:lstStyle/>
+          <a:p>
+            <a:pPr algn="ctr"/>
+            <a:r>
+              <a:rPr lang="en-US" b="1" dirty="0" err="1">
+                <a:solidFill>
+                  <a:schemeClr val="tx1"/>
+                </a:solidFill>
+              </a:rPr>
+              <a:t>study:AnimalSubject</a:t>
+            </a:r>
+            <a:endParaRPr lang="en-US" b="1" dirty="0">
+              <a:solidFill>
+                <a:schemeClr val="tx1"/>
+              </a:solidFill>
+            </a:endParaRPr>
+          </a:p>
+        </p:txBody>
+      </p:sp>
+      <p:sp>
+        <p:nvSpPr>
+          <p:cNvPr id="22" name="Rectangle: Rounded Corners 21">
+            <a:extLst>
+              <a:ext uri="{FF2B5EF4-FFF2-40B4-BE49-F238E27FC236}">
+                <a16:creationId xmlns:a16="http://schemas.microsoft.com/office/drawing/2014/main" id="{A80CEA84-AC4C-4D17-B914-0EB2393DC44E}"/>
+              </a:ext>
+            </a:extLst>
+          </p:cNvPr>
+          <p:cNvSpPr/>
+          <p:nvPr/>
+        </p:nvSpPr>
+        <p:spPr>
+          <a:xfrm>
+            <a:off x="2289791" y="2450623"/>
+            <a:ext cx="2971800" cy="365760"/>
+          </a:xfrm>
+          <a:prstGeom prst="roundRect">
+            <a:avLst/>
+          </a:prstGeom>
+          <a:solidFill>
+            <a:srgbClr val="E4ECF8"/>
+          </a:solidFill>
+          <a:ln w="38100">
+            <a:solidFill>
+              <a:schemeClr val="accent1">
+                <a:lumMod val="75000"/>
+              </a:schemeClr>
+            </a:solidFill>
+          </a:ln>
+        </p:spPr>
+        <p:style>
+          <a:lnRef idx="2">
+            <a:schemeClr val="accent1">
+              <a:shade val="50000"/>
+            </a:schemeClr>
+          </a:lnRef>
+          <a:fillRef idx="1">
+            <a:schemeClr val="accent1"/>
+          </a:fillRef>
+          <a:effectRef idx="0">
+            <a:schemeClr val="accent1"/>
+          </a:effectRef>
+          <a:fontRef idx="minor">
+            <a:schemeClr val="lt1"/>
+          </a:fontRef>
+        </p:style>
+        <p:txBody>
+          <a:bodyPr rtlCol="0" anchor="ctr"/>
+          <a:lstStyle/>
+          <a:p>
+            <a:pPr algn="ctr"/>
+            <a:r>
+              <a:rPr lang="en-US" b="1" dirty="0" err="1">
+                <a:solidFill>
+                  <a:schemeClr val="tx1"/>
+                </a:solidFill>
+              </a:rPr>
+              <a:t>code:AgeDataCollection</a:t>
+            </a:r>
+            <a:endParaRPr lang="en-US" b="1" dirty="0">
+              <a:solidFill>
+                <a:schemeClr val="tx1"/>
+              </a:solidFill>
+            </a:endParaRPr>
+          </a:p>
+        </p:txBody>
+      </p:sp>
+      <p:grpSp>
+        <p:nvGrpSpPr>
+          <p:cNvPr id="38" name="Group 37">
+            <a:extLst>
+              <a:ext uri="{FF2B5EF4-FFF2-40B4-BE49-F238E27FC236}">
+                <a16:creationId xmlns:a16="http://schemas.microsoft.com/office/drawing/2014/main" id="{FD57785F-5ED7-49A8-86E0-7E9316E39A31}"/>
+              </a:ext>
+            </a:extLst>
+          </p:cNvPr>
+          <p:cNvGrpSpPr/>
+          <p:nvPr/>
+        </p:nvGrpSpPr>
+        <p:grpSpPr>
+          <a:xfrm>
+            <a:off x="1183302" y="1001108"/>
+            <a:ext cx="3843362" cy="971050"/>
+            <a:chOff x="1046501" y="1001108"/>
+            <a:chExt cx="3843362" cy="971050"/>
+          </a:xfrm>
+        </p:grpSpPr>
+        <p:cxnSp>
+          <p:nvCxnSpPr>
+            <p:cNvPr id="17" name="Straight Arrow Connector 16">
+              <a:extLst>
+                <a:ext uri="{FF2B5EF4-FFF2-40B4-BE49-F238E27FC236}">
+                  <a16:creationId xmlns:a16="http://schemas.microsoft.com/office/drawing/2014/main" id="{29F0277E-AD84-48E5-9890-328F2C49D080}"/>
+                </a:ext>
+              </a:extLst>
+            </p:cNvPr>
+            <p:cNvCxnSpPr>
+              <a:cxnSpLocks/>
+              <a:stCxn id="4" idx="2"/>
+              <a:endCxn id="15" idx="0"/>
+            </p:cNvCxnSpPr>
+            <p:nvPr/>
+          </p:nvCxnSpPr>
+          <p:spPr>
+            <a:xfrm>
+              <a:off x="2307098" y="1001108"/>
+              <a:ext cx="0" cy="971050"/>
+            </a:xfrm>
+            <a:prstGeom prst="straightConnector1">
+              <a:avLst/>
+            </a:prstGeom>
+            <a:ln w="50800">
+              <a:solidFill>
+                <a:schemeClr val="bg1">
+                  <a:lumMod val="50000"/>
+                </a:schemeClr>
+              </a:solidFill>
+              <a:tailEnd type="triangle"/>
+            </a:ln>
+          </p:spPr>
+          <p:style>
+            <a:lnRef idx="1">
+              <a:schemeClr val="accent1"/>
+            </a:lnRef>
+            <a:fillRef idx="0">
+              <a:schemeClr val="accent1"/>
+            </a:fillRef>
+            <a:effectRef idx="0">
+              <a:schemeClr val="accent1"/>
+            </a:effectRef>
+            <a:fontRef idx="minor">
+              <a:schemeClr val="tx1"/>
+            </a:fontRef>
+          </p:style>
+        </p:cxnSp>
+        <p:sp>
+          <p:nvSpPr>
+            <p:cNvPr id="7" name="TextBox 6"/>
+            <p:cNvSpPr txBox="1"/>
+            <p:nvPr/>
+          </p:nvSpPr>
+          <p:spPr>
+            <a:xfrm>
+              <a:off x="1046501" y="1323618"/>
+              <a:ext cx="3843362" cy="338554"/>
+            </a:xfrm>
+            <a:prstGeom prst="rect">
+              <a:avLst/>
+            </a:prstGeom>
+            <a:solidFill>
+              <a:schemeClr val="bg1"/>
+            </a:solidFill>
+          </p:spPr>
+          <p:txBody>
+            <a:bodyPr wrap="square" rtlCol="0">
+              <a:spAutoFit/>
+            </a:bodyPr>
+            <a:lstStyle>
+              <a:defPPr>
+                <a:defRPr lang="en-US"/>
+              </a:defPPr>
+              <a:lvl1pPr>
+                <a:defRPr b="1">
+                  <a:solidFill>
+                    <a:schemeClr val="accent2">
+                      <a:lumMod val="75000"/>
+                    </a:schemeClr>
+                  </a:solidFill>
+                  <a:latin typeface="Courier New" panose="02070309020205020404" pitchFamily="49" charset="0"/>
+                  <a:cs typeface="Courier New" panose="02070309020205020404" pitchFamily="49" charset="0"/>
+                </a:defRPr>
+              </a:lvl1pPr>
+            </a:lstStyle>
+            <a:p>
+              <a:r>
+                <a:rPr lang="en-US" sz="1600" b="0" dirty="0" err="1"/>
+                <a:t>study:</a:t>
+              </a:r>
+              <a:r>
+                <a:rPr lang="en-US" sz="1600" dirty="0" err="1"/>
+                <a:t>participatesIn</a:t>
+              </a:r>
+              <a:endParaRPr lang="en-US" dirty="0"/>
+            </a:p>
+          </p:txBody>
+        </p:sp>
+      </p:grpSp>
+      <p:sp>
+        <p:nvSpPr>
+          <p:cNvPr id="42" name="TextBox 41">
+            <a:extLst>
+              <a:ext uri="{FF2B5EF4-FFF2-40B4-BE49-F238E27FC236}">
+                <a16:creationId xmlns:a16="http://schemas.microsoft.com/office/drawing/2014/main" id="{E44AC35C-D56A-4BA4-9884-CFA2D845B4FA}"/>
+              </a:ext>
+            </a:extLst>
+          </p:cNvPr>
+          <p:cNvSpPr txBox="1"/>
+          <p:nvPr/>
+        </p:nvSpPr>
+        <p:spPr>
+          <a:xfrm>
+            <a:off x="584441" y="2897195"/>
+            <a:ext cx="1659029" cy="338554"/>
+          </a:xfrm>
+          <a:prstGeom prst="rect">
+            <a:avLst/>
+          </a:prstGeom>
+          <a:solidFill>
+            <a:schemeClr val="bg1"/>
+          </a:solidFill>
+        </p:spPr>
+        <p:txBody>
+          <a:bodyPr wrap="square" rtlCol="0">
+            <a:spAutoFit/>
+          </a:bodyPr>
+          <a:lstStyle>
+            <a:defPPr>
+              <a:defRPr lang="en-US"/>
+            </a:defPPr>
+            <a:lvl1pPr>
+              <a:defRPr b="1">
+                <a:solidFill>
+                  <a:schemeClr val="accent2">
+                    <a:lumMod val="75000"/>
+                  </a:schemeClr>
+                </a:solidFill>
+                <a:latin typeface="Courier New" panose="02070309020205020404" pitchFamily="49" charset="0"/>
+                <a:cs typeface="Courier New" panose="02070309020205020404" pitchFamily="49" charset="0"/>
+              </a:defRPr>
+            </a:lvl1pPr>
+          </a:lstStyle>
+          <a:p>
+            <a:r>
+              <a:rPr lang="en-US" sz="1600" b="0" dirty="0" err="1"/>
+              <a:t>code:</a:t>
+            </a:r>
+            <a:r>
+              <a:rPr lang="en-US" sz="1600" dirty="0" err="1"/>
+              <a:t>outcome</a:t>
+            </a:r>
+            <a:endParaRPr lang="en-US" dirty="0"/>
+          </a:p>
+        </p:txBody>
+      </p:sp>
+      <p:sp>
+        <p:nvSpPr>
+          <p:cNvPr id="47" name="Rectangle: Rounded Corners 46">
+            <a:extLst>
+              <a:ext uri="{FF2B5EF4-FFF2-40B4-BE49-F238E27FC236}">
+                <a16:creationId xmlns:a16="http://schemas.microsoft.com/office/drawing/2014/main" id="{23F8A56F-9569-488F-9C72-B2665C87B7BA}"/>
+              </a:ext>
+            </a:extLst>
+          </p:cNvPr>
+          <p:cNvSpPr/>
+          <p:nvPr/>
+        </p:nvSpPr>
+        <p:spPr>
+          <a:xfrm>
+            <a:off x="2276436" y="2921142"/>
+            <a:ext cx="2971800" cy="365760"/>
+          </a:xfrm>
+          <a:prstGeom prst="roundRect">
+            <a:avLst/>
+          </a:prstGeom>
+          <a:solidFill>
+            <a:srgbClr val="EEEEBB"/>
+          </a:solidFill>
+          <a:ln w="38100">
+            <a:solidFill>
+              <a:srgbClr val="9E9E27"/>
+            </a:solidFill>
+          </a:ln>
+        </p:spPr>
+        <p:style>
+          <a:lnRef idx="2">
+            <a:schemeClr val="accent1">
+              <a:shade val="50000"/>
+            </a:schemeClr>
+          </a:lnRef>
+          <a:fillRef idx="1">
+            <a:schemeClr val="accent1"/>
+          </a:fillRef>
+          <a:effectRef idx="0">
+            <a:schemeClr val="accent1"/>
+          </a:effectRef>
+          <a:fontRef idx="minor">
+            <a:schemeClr val="lt1"/>
+          </a:fontRef>
+        </p:style>
+        <p:txBody>
+          <a:bodyPr rtlCol="0" anchor="ctr"/>
+          <a:lstStyle/>
+          <a:p>
+            <a:pPr algn="ctr"/>
+            <a:r>
+              <a:rPr lang="en-US" b="1" dirty="0">
+                <a:solidFill>
+                  <a:srgbClr val="FF0000"/>
+                </a:solidFill>
+              </a:rPr>
+              <a:t>cj16050:Age_</a:t>
+            </a:r>
+          </a:p>
+        </p:txBody>
+      </p:sp>
+      <p:sp>
+        <p:nvSpPr>
+          <p:cNvPr id="50" name="Rectangle: Rounded Corners 49">
+            <a:extLst>
+              <a:ext uri="{FF2B5EF4-FFF2-40B4-BE49-F238E27FC236}">
+                <a16:creationId xmlns:a16="http://schemas.microsoft.com/office/drawing/2014/main" id="{F3B80F0D-6FEC-490C-B729-BA78FF1A38CA}"/>
+              </a:ext>
+            </a:extLst>
+          </p:cNvPr>
+          <p:cNvSpPr/>
+          <p:nvPr/>
+        </p:nvSpPr>
+        <p:spPr>
+          <a:xfrm>
+            <a:off x="3482213" y="3425601"/>
+            <a:ext cx="2377440" cy="365760"/>
+          </a:xfrm>
+          <a:prstGeom prst="roundRect">
+            <a:avLst/>
+          </a:prstGeom>
+          <a:solidFill>
+            <a:srgbClr val="E4ECF8"/>
+          </a:solidFill>
+          <a:ln w="38100">
+            <a:solidFill>
+              <a:schemeClr val="accent1">
+                <a:lumMod val="75000"/>
+              </a:schemeClr>
+            </a:solidFill>
+          </a:ln>
+        </p:spPr>
+        <p:style>
+          <a:lnRef idx="2">
+            <a:schemeClr val="accent1">
+              <a:shade val="50000"/>
+            </a:schemeClr>
+          </a:lnRef>
+          <a:fillRef idx="1">
+            <a:schemeClr val="accent1"/>
+          </a:fillRef>
+          <a:effectRef idx="0">
+            <a:schemeClr val="accent1"/>
+          </a:effectRef>
+          <a:fontRef idx="minor">
+            <a:schemeClr val="lt1"/>
+          </a:fontRef>
+        </p:style>
+        <p:txBody>
+          <a:bodyPr rtlCol="0" anchor="ctr"/>
+          <a:lstStyle/>
+          <a:p>
+            <a:pPr algn="ctr"/>
+            <a:r>
+              <a:rPr lang="en-US" b="1" dirty="0" err="1">
+                <a:solidFill>
+                  <a:schemeClr val="tx1"/>
+                </a:solidFill>
+              </a:rPr>
+              <a:t>study:Age</a:t>
+            </a:r>
+            <a:endParaRPr lang="en-US" b="1" dirty="0">
+              <a:solidFill>
+                <a:schemeClr val="tx1"/>
+              </a:solidFill>
+            </a:endParaRPr>
+          </a:p>
+        </p:txBody>
+      </p:sp>
+      <p:sp>
+        <p:nvSpPr>
+          <p:cNvPr id="63" name="Rectangle: Rounded Corners 62">
+            <a:extLst>
+              <a:ext uri="{FF2B5EF4-FFF2-40B4-BE49-F238E27FC236}">
+                <a16:creationId xmlns:a16="http://schemas.microsoft.com/office/drawing/2014/main" id="{B1630B21-91BA-4E9C-B731-9E61ED2AFA72}"/>
+              </a:ext>
+            </a:extLst>
+          </p:cNvPr>
+          <p:cNvSpPr/>
+          <p:nvPr/>
+        </p:nvSpPr>
+        <p:spPr>
+          <a:xfrm>
+            <a:off x="3482213" y="4797729"/>
+            <a:ext cx="2377440" cy="365760"/>
+          </a:xfrm>
+          <a:prstGeom prst="roundRect">
+            <a:avLst/>
+          </a:prstGeom>
+          <a:solidFill>
+            <a:schemeClr val="accent3">
+              <a:lumMod val="40000"/>
+              <a:lumOff val="60000"/>
+            </a:schemeClr>
+          </a:solidFill>
+          <a:ln>
+            <a:solidFill>
+              <a:schemeClr val="bg1">
+                <a:lumMod val="85000"/>
+              </a:schemeClr>
+            </a:solidFill>
+          </a:ln>
+        </p:spPr>
+        <p:style>
+          <a:lnRef idx="2">
+            <a:schemeClr val="accent1">
+              <a:shade val="50000"/>
+            </a:schemeClr>
+          </a:lnRef>
+          <a:fillRef idx="1">
+            <a:schemeClr val="accent1"/>
+          </a:fillRef>
+          <a:effectRef idx="0">
+            <a:schemeClr val="accent1"/>
+          </a:effectRef>
+          <a:fontRef idx="minor">
+            <a:schemeClr val="lt1"/>
+          </a:fontRef>
+        </p:style>
+        <p:txBody>
+          <a:bodyPr rtlCol="0" anchor="ctr"/>
+          <a:lstStyle/>
+          <a:p>
+            <a:pPr algn="ctr"/>
+            <a:endParaRPr lang="en-US" b="1" dirty="0">
+              <a:solidFill>
+                <a:schemeClr val="accent2">
+                  <a:lumMod val="75000"/>
+                </a:schemeClr>
+              </a:solidFill>
+            </a:endParaRPr>
+          </a:p>
+        </p:txBody>
+      </p:sp>
+      <p:sp>
+        <p:nvSpPr>
+          <p:cNvPr id="64" name="Rectangle: Rounded Corners 63">
+            <a:extLst>
+              <a:ext uri="{FF2B5EF4-FFF2-40B4-BE49-F238E27FC236}">
+                <a16:creationId xmlns:a16="http://schemas.microsoft.com/office/drawing/2014/main" id="{FF35D29D-668C-4B62-879F-808B1E68966A}"/>
+              </a:ext>
+            </a:extLst>
+          </p:cNvPr>
+          <p:cNvSpPr/>
+          <p:nvPr/>
+        </p:nvSpPr>
+        <p:spPr>
+          <a:xfrm>
+            <a:off x="3482213" y="3882150"/>
+            <a:ext cx="2377440" cy="365760"/>
+          </a:xfrm>
+          <a:prstGeom prst="roundRect">
+            <a:avLst/>
+          </a:prstGeom>
+          <a:solidFill>
+            <a:schemeClr val="bg1"/>
+          </a:solidFill>
+          <a:ln>
+            <a:solidFill>
+              <a:schemeClr val="tx1"/>
+            </a:solidFill>
+          </a:ln>
+        </p:spPr>
+        <p:style>
+          <a:lnRef idx="2">
+            <a:schemeClr val="accent1">
+              <a:shade val="50000"/>
+            </a:schemeClr>
+          </a:lnRef>
+          <a:fillRef idx="1">
+            <a:schemeClr val="accent1"/>
+          </a:fillRef>
+          <a:effectRef idx="0">
+            <a:schemeClr val="accent1"/>
+          </a:effectRef>
+          <a:fontRef idx="minor">
+            <a:schemeClr val="lt1"/>
+          </a:fontRef>
+        </p:style>
+        <p:txBody>
+          <a:bodyPr rtlCol="0" anchor="ctr"/>
+          <a:lstStyle/>
+          <a:p>
+            <a:pPr algn="ctr"/>
+            <a:r>
+              <a:rPr lang="en-US" b="1" dirty="0">
+                <a:solidFill>
+                  <a:schemeClr val="tx1"/>
+                </a:solidFill>
+              </a:rPr>
+              <a:t>“P56D”</a:t>
+            </a:r>
+            <a:r>
+              <a:rPr lang="en-US" b="1" dirty="0">
+                <a:solidFill>
+                  <a:schemeClr val="accent2">
+                    <a:lumMod val="75000"/>
+                  </a:schemeClr>
+                </a:solidFill>
+              </a:rPr>
+              <a:t>^^</a:t>
+            </a:r>
+            <a:r>
+              <a:rPr lang="en-US" b="1" dirty="0" err="1">
+                <a:solidFill>
+                  <a:schemeClr val="accent2">
+                    <a:lumMod val="75000"/>
+                  </a:schemeClr>
+                </a:solidFill>
+              </a:rPr>
+              <a:t>xsd:duration</a:t>
+            </a:r>
+            <a:endParaRPr lang="en-US" b="1" dirty="0">
+              <a:solidFill>
+                <a:schemeClr val="accent2">
+                  <a:lumMod val="75000"/>
+                </a:schemeClr>
+              </a:solidFill>
+            </a:endParaRPr>
+          </a:p>
+        </p:txBody>
+      </p:sp>
+      <p:sp>
+        <p:nvSpPr>
+          <p:cNvPr id="15" name="Rectangle: Rounded Corners 14">
+            <a:extLst>
+              <a:ext uri="{FF2B5EF4-FFF2-40B4-BE49-F238E27FC236}">
+                <a16:creationId xmlns:a16="http://schemas.microsoft.com/office/drawing/2014/main" id="{F2D1CDB2-6DA6-45BF-B57E-8A1B3116DAB8}"/>
+              </a:ext>
+            </a:extLst>
+          </p:cNvPr>
+          <p:cNvSpPr/>
+          <p:nvPr/>
+        </p:nvSpPr>
+        <p:spPr>
+          <a:xfrm>
+            <a:off x="435541" y="1972158"/>
+            <a:ext cx="4016716" cy="365760"/>
+          </a:xfrm>
+          <a:prstGeom prst="roundRect">
+            <a:avLst/>
+          </a:prstGeom>
+          <a:solidFill>
+            <a:srgbClr val="EEEEBB"/>
+          </a:solidFill>
+          <a:ln w="38100">
+            <a:solidFill>
+              <a:srgbClr val="9E9E27"/>
+            </a:solidFill>
+          </a:ln>
+        </p:spPr>
+        <p:style>
+          <a:lnRef idx="2">
+            <a:schemeClr val="accent1">
+              <a:shade val="50000"/>
+            </a:schemeClr>
+          </a:lnRef>
+          <a:fillRef idx="1">
+            <a:schemeClr val="accent1"/>
+          </a:fillRef>
+          <a:effectRef idx="0">
+            <a:schemeClr val="accent1"/>
+          </a:effectRef>
+          <a:fontRef idx="minor">
+            <a:schemeClr val="lt1"/>
+          </a:fontRef>
+        </p:style>
+        <p:txBody>
+          <a:bodyPr rtlCol="0" anchor="ctr"/>
+          <a:lstStyle/>
+          <a:p>
+            <a:pPr algn="ctr"/>
+            <a:r>
+              <a:rPr lang="en-US" b="1" dirty="0">
+                <a:solidFill>
+                  <a:schemeClr val="tx1"/>
+                </a:solidFill>
+              </a:rPr>
+              <a:t>cj16050:AgeDataCollection_21316392</a:t>
+            </a:r>
+          </a:p>
+        </p:txBody>
+      </p:sp>
+      <p:sp>
+        <p:nvSpPr>
+          <p:cNvPr id="101" name="TextBox 100">
+            <a:extLst>
+              <a:ext uri="{FF2B5EF4-FFF2-40B4-BE49-F238E27FC236}">
+                <a16:creationId xmlns:a16="http://schemas.microsoft.com/office/drawing/2014/main" id="{C09F5CFC-6F12-41B9-B15E-3BD12189F043}"/>
+              </a:ext>
+            </a:extLst>
+          </p:cNvPr>
+          <p:cNvSpPr txBox="1"/>
+          <p:nvPr/>
+        </p:nvSpPr>
+        <p:spPr>
+          <a:xfrm flipH="1">
+            <a:off x="4157659" y="271380"/>
+            <a:ext cx="329184" cy="338554"/>
+          </a:xfrm>
+          <a:prstGeom prst="rect">
+            <a:avLst/>
+          </a:prstGeom>
+          <a:solidFill>
+            <a:schemeClr val="bg1"/>
+          </a:solidFill>
+        </p:spPr>
+        <p:txBody>
+          <a:bodyPr wrap="square" rtlCol="0">
+            <a:spAutoFit/>
+          </a:bodyPr>
+          <a:lstStyle>
+            <a:defPPr>
+              <a:defRPr lang="en-US"/>
+            </a:defPPr>
+            <a:lvl1pPr>
+              <a:defRPr b="1">
+                <a:solidFill>
+                  <a:schemeClr val="accent2">
+                    <a:lumMod val="75000"/>
+                  </a:schemeClr>
+                </a:solidFill>
+                <a:latin typeface="Courier New" panose="02070309020205020404" pitchFamily="49" charset="0"/>
+                <a:cs typeface="Courier New" panose="02070309020205020404" pitchFamily="49" charset="0"/>
+              </a:defRPr>
+            </a:lvl1pPr>
+          </a:lstStyle>
+          <a:p>
+            <a:r>
+              <a:rPr lang="en-US" sz="1600" dirty="0"/>
+              <a:t>a</a:t>
+            </a:r>
+          </a:p>
+        </p:txBody>
+      </p:sp>
+      <p:sp>
+        <p:nvSpPr>
+          <p:cNvPr id="102" name="TextBox 101">
+            <a:extLst>
+              <a:ext uri="{FF2B5EF4-FFF2-40B4-BE49-F238E27FC236}">
+                <a16:creationId xmlns:a16="http://schemas.microsoft.com/office/drawing/2014/main" id="{C131BC81-344F-4327-B4A7-CB6A075FB769}"/>
+              </a:ext>
+            </a:extLst>
+          </p:cNvPr>
+          <p:cNvSpPr txBox="1"/>
+          <p:nvPr/>
+        </p:nvSpPr>
+        <p:spPr>
+          <a:xfrm flipH="1">
+            <a:off x="1915391" y="2443078"/>
+            <a:ext cx="274916" cy="369332"/>
+          </a:xfrm>
+          <a:prstGeom prst="rect">
+            <a:avLst/>
+          </a:prstGeom>
+          <a:solidFill>
+            <a:schemeClr val="bg1"/>
+          </a:solidFill>
+        </p:spPr>
+        <p:txBody>
+          <a:bodyPr wrap="square" rtlCol="0">
+            <a:spAutoFit/>
+          </a:bodyPr>
+          <a:lstStyle>
+            <a:defPPr>
+              <a:defRPr lang="en-US"/>
+            </a:defPPr>
+            <a:lvl1pPr>
+              <a:defRPr b="1">
+                <a:solidFill>
+                  <a:schemeClr val="accent2">
+                    <a:lumMod val="75000"/>
+                  </a:schemeClr>
+                </a:solidFill>
+                <a:latin typeface="Courier New" panose="02070309020205020404" pitchFamily="49" charset="0"/>
+                <a:cs typeface="Courier New" panose="02070309020205020404" pitchFamily="49" charset="0"/>
+              </a:defRPr>
+            </a:lvl1pPr>
+          </a:lstStyle>
+          <a:p>
             <a:r>
               <a:rPr lang="en-US" dirty="0"/>
-              <a:t>Outdated Slides follow</a:t>
-            </a:r>
-          </a:p>
-        </p:txBody>
-      </p:sp>
-      <p:sp>
-        <p:nvSpPr>
-          <p:cNvPr id="3" name="Content Placeholder 2">
-            <a:extLst>
-              <a:ext uri="{FF2B5EF4-FFF2-40B4-BE49-F238E27FC236}">
-                <a16:creationId xmlns:a16="http://schemas.microsoft.com/office/drawing/2014/main" id="{D020E3E2-B7D2-4B27-962F-9CAB3C20636A}"/>
-              </a:ext>
-            </a:extLst>
-          </p:cNvPr>
-          <p:cNvSpPr>
-            <a:spLocks noGrp="1"/>
-          </p:cNvSpPr>
-          <p:nvPr>
-            <p:ph idx="1"/>
-          </p:nvPr>
-        </p:nvSpPr>
-        <p:spPr/>
-        <p:txBody>
-          <a:bodyPr/>
+              <a:t>a</a:t>
+            </a:r>
+          </a:p>
+        </p:txBody>
+      </p:sp>
+      <p:sp>
+        <p:nvSpPr>
+          <p:cNvPr id="32" name="Rectangle: Rounded Corners 31">
+            <a:extLst>
+              <a:ext uri="{FF2B5EF4-FFF2-40B4-BE49-F238E27FC236}">
+                <a16:creationId xmlns:a16="http://schemas.microsoft.com/office/drawing/2014/main" id="{011D1156-12EC-4598-9970-0AF968E190D1}"/>
+              </a:ext>
+            </a:extLst>
+          </p:cNvPr>
+          <p:cNvSpPr/>
+          <p:nvPr/>
+        </p:nvSpPr>
+        <p:spPr>
+          <a:xfrm>
+            <a:off x="5972034" y="686770"/>
+            <a:ext cx="2971800" cy="365760"/>
+          </a:xfrm>
+          <a:prstGeom prst="roundRect">
+            <a:avLst/>
+          </a:prstGeom>
+          <a:solidFill>
+            <a:schemeClr val="bg1"/>
+          </a:solidFill>
+          <a:ln>
+            <a:solidFill>
+              <a:schemeClr val="tx1"/>
+            </a:solidFill>
+          </a:ln>
+        </p:spPr>
+        <p:style>
+          <a:lnRef idx="2">
+            <a:schemeClr val="accent1">
+              <a:shade val="50000"/>
+            </a:schemeClr>
+          </a:lnRef>
+          <a:fillRef idx="1">
+            <a:schemeClr val="accent1"/>
+          </a:fillRef>
+          <a:effectRef idx="0">
+            <a:schemeClr val="accent1"/>
+          </a:effectRef>
+          <a:fontRef idx="minor">
+            <a:schemeClr val="lt1"/>
+          </a:fontRef>
+        </p:style>
+        <p:txBody>
+          <a:bodyPr rtlCol="0" anchor="ctr"/>
           <a:lstStyle/>
           <a:p>
-            <a:endParaRPr lang="en-US"/>
+            <a:pPr algn="ctr"/>
+            <a:r>
+              <a:rPr lang="en-US" b="1" dirty="0">
+                <a:solidFill>
+                  <a:schemeClr val="tx1"/>
+                </a:solidFill>
+              </a:rPr>
+              <a:t>“Animal 99T1”</a:t>
+            </a:r>
+            <a:r>
+              <a:rPr lang="en-US" b="1" dirty="0">
+                <a:solidFill>
+                  <a:schemeClr val="accent2">
+                    <a:lumMod val="75000"/>
+                  </a:schemeClr>
+                </a:solidFill>
+              </a:rPr>
+              <a:t>^^</a:t>
+            </a:r>
+            <a:r>
+              <a:rPr lang="en-US" b="1" dirty="0" err="1">
+                <a:solidFill>
+                  <a:schemeClr val="accent2">
+                    <a:lumMod val="75000"/>
+                  </a:schemeClr>
+                </a:solidFill>
+              </a:rPr>
+              <a:t>xsd:string</a:t>
+            </a:r>
+            <a:endParaRPr lang="en-US" b="1" dirty="0">
+              <a:solidFill>
+                <a:schemeClr val="accent2">
+                  <a:lumMod val="75000"/>
+                </a:schemeClr>
+              </a:solidFill>
+            </a:endParaRPr>
+          </a:p>
+        </p:txBody>
+      </p:sp>
+      <p:sp>
+        <p:nvSpPr>
+          <p:cNvPr id="36" name="TextBox 35">
+            <a:extLst>
+              <a:ext uri="{FF2B5EF4-FFF2-40B4-BE49-F238E27FC236}">
+                <a16:creationId xmlns:a16="http://schemas.microsoft.com/office/drawing/2014/main" id="{933A4379-0D39-48A8-9C14-0C0680E24CAD}"/>
+              </a:ext>
+            </a:extLst>
+          </p:cNvPr>
+          <p:cNvSpPr txBox="1"/>
+          <p:nvPr/>
+        </p:nvSpPr>
+        <p:spPr>
+          <a:xfrm flipH="1">
+            <a:off x="4053718" y="646832"/>
+            <a:ext cx="1911147" cy="338554"/>
+          </a:xfrm>
+          <a:prstGeom prst="rect">
+            <a:avLst/>
+          </a:prstGeom>
+          <a:solidFill>
+            <a:schemeClr val="bg1"/>
+          </a:solidFill>
+        </p:spPr>
+        <p:txBody>
+          <a:bodyPr wrap="square" rtlCol="0">
+            <a:spAutoFit/>
+          </a:bodyPr>
+          <a:lstStyle>
+            <a:defPPr>
+              <a:defRPr lang="en-US"/>
+            </a:defPPr>
+            <a:lvl1pPr>
+              <a:defRPr b="1">
+                <a:solidFill>
+                  <a:schemeClr val="accent2">
+                    <a:lumMod val="75000"/>
+                  </a:schemeClr>
+                </a:solidFill>
+                <a:latin typeface="Courier New" panose="02070309020205020404" pitchFamily="49" charset="0"/>
+                <a:cs typeface="Courier New" panose="02070309020205020404" pitchFamily="49" charset="0"/>
+              </a:defRPr>
+            </a:lvl1pPr>
+          </a:lstStyle>
+          <a:p>
+            <a:r>
+              <a:rPr lang="en-US" sz="1600" dirty="0" err="1"/>
+              <a:t>skos:prefLabel</a:t>
+            </a:r>
+            <a:endParaRPr lang="en-US" sz="1600" dirty="0"/>
+          </a:p>
+        </p:txBody>
+      </p:sp>
+      <p:sp>
+        <p:nvSpPr>
+          <p:cNvPr id="34" name="TextBox 33">
+            <a:extLst>
+              <a:ext uri="{FF2B5EF4-FFF2-40B4-BE49-F238E27FC236}">
+                <a16:creationId xmlns:a16="http://schemas.microsoft.com/office/drawing/2014/main" id="{E3ED7B76-A1B7-4025-8D84-7ED1B98DAFCD}"/>
+              </a:ext>
+            </a:extLst>
+          </p:cNvPr>
+          <p:cNvSpPr txBox="1"/>
+          <p:nvPr/>
+        </p:nvSpPr>
+        <p:spPr>
+          <a:xfrm>
+            <a:off x="8810172" y="6488668"/>
+            <a:ext cx="4049486" cy="369332"/>
+          </a:xfrm>
+          <a:prstGeom prst="rect">
+            <a:avLst/>
+          </a:prstGeom>
+          <a:noFill/>
+        </p:spPr>
+        <p:txBody>
+          <a:bodyPr wrap="square" rtlCol="0">
+            <a:spAutoFit/>
+          </a:bodyPr>
+          <a:lstStyle/>
+          <a:p>
+            <a:r>
+              <a:rPr lang="en-US" b="1" dirty="0">
+                <a:solidFill>
+                  <a:srgbClr val="FF0000"/>
+                </a:solidFill>
+              </a:rPr>
+              <a:t>AgeStructure_AgeMissing.PNG</a:t>
+            </a:r>
+          </a:p>
+        </p:txBody>
+      </p:sp>
+      <p:sp>
+        <p:nvSpPr>
+          <p:cNvPr id="68" name="Rectangle: Rounded Corners 67">
+            <a:extLst>
+              <a:ext uri="{FF2B5EF4-FFF2-40B4-BE49-F238E27FC236}">
+                <a16:creationId xmlns:a16="http://schemas.microsoft.com/office/drawing/2014/main" id="{69EE693F-D44C-4C32-925F-E785365C9E76}"/>
+              </a:ext>
+            </a:extLst>
+          </p:cNvPr>
+          <p:cNvSpPr/>
+          <p:nvPr/>
+        </p:nvSpPr>
+        <p:spPr>
+          <a:xfrm>
+            <a:off x="3482213" y="4340189"/>
+            <a:ext cx="2377440" cy="365760"/>
+          </a:xfrm>
+          <a:prstGeom prst="roundRect">
+            <a:avLst/>
+          </a:prstGeom>
+          <a:solidFill>
+            <a:srgbClr val="E4ECF8"/>
+          </a:solidFill>
+          <a:ln w="38100">
+            <a:solidFill>
+              <a:schemeClr val="accent1">
+                <a:lumMod val="75000"/>
+              </a:schemeClr>
+            </a:solidFill>
+          </a:ln>
+        </p:spPr>
+        <p:style>
+          <a:lnRef idx="2">
+            <a:schemeClr val="accent1">
+              <a:shade val="50000"/>
+            </a:schemeClr>
+          </a:lnRef>
+          <a:fillRef idx="1">
+            <a:schemeClr val="accent1"/>
+          </a:fillRef>
+          <a:effectRef idx="0">
+            <a:schemeClr val="accent1"/>
+          </a:effectRef>
+          <a:fontRef idx="minor">
+            <a:schemeClr val="lt1"/>
+          </a:fontRef>
+        </p:style>
+        <p:txBody>
+          <a:bodyPr rtlCol="0" anchor="ctr"/>
+          <a:lstStyle/>
+          <a:p>
+            <a:pPr algn="ctr"/>
+            <a:r>
+              <a:rPr lang="en-US" b="1" dirty="0" err="1">
+                <a:solidFill>
+                  <a:schemeClr val="tx1"/>
+                </a:solidFill>
+              </a:rPr>
+              <a:t>time:unitWeek</a:t>
+            </a:r>
+            <a:endParaRPr lang="en-US" b="1" dirty="0">
+              <a:solidFill>
+                <a:schemeClr val="tx1"/>
+              </a:solidFill>
+            </a:endParaRPr>
+          </a:p>
+        </p:txBody>
+      </p:sp>
+      <p:sp>
+        <p:nvSpPr>
+          <p:cNvPr id="103" name="TextBox 102">
+            <a:extLst>
+              <a:ext uri="{FF2B5EF4-FFF2-40B4-BE49-F238E27FC236}">
+                <a16:creationId xmlns:a16="http://schemas.microsoft.com/office/drawing/2014/main" id="{1575B748-BC68-4CFD-8CCA-7EB9518B465B}"/>
+              </a:ext>
+            </a:extLst>
+          </p:cNvPr>
+          <p:cNvSpPr txBox="1"/>
+          <p:nvPr/>
+        </p:nvSpPr>
+        <p:spPr>
+          <a:xfrm flipH="1">
+            <a:off x="3095230" y="3435221"/>
+            <a:ext cx="329193" cy="369332"/>
+          </a:xfrm>
+          <a:prstGeom prst="rect">
+            <a:avLst/>
+          </a:prstGeom>
+          <a:solidFill>
+            <a:schemeClr val="bg1"/>
+          </a:solidFill>
+        </p:spPr>
+        <p:txBody>
+          <a:bodyPr wrap="square" rtlCol="0">
+            <a:spAutoFit/>
+          </a:bodyPr>
+          <a:lstStyle>
+            <a:defPPr>
+              <a:defRPr lang="en-US"/>
+            </a:defPPr>
+            <a:lvl1pPr>
+              <a:defRPr b="1">
+                <a:solidFill>
+                  <a:schemeClr val="accent2">
+                    <a:lumMod val="75000"/>
+                  </a:schemeClr>
+                </a:solidFill>
+                <a:latin typeface="Courier New" panose="02070309020205020404" pitchFamily="49" charset="0"/>
+                <a:cs typeface="Courier New" panose="02070309020205020404" pitchFamily="49" charset="0"/>
+              </a:defRPr>
+            </a:lvl1pPr>
+          </a:lstStyle>
+          <a:p>
+            <a:pPr algn="r"/>
+            <a:r>
+              <a:rPr lang="en-US" dirty="0"/>
+              <a:t>a</a:t>
+            </a:r>
+          </a:p>
+        </p:txBody>
+      </p:sp>
+      <p:sp>
+        <p:nvSpPr>
+          <p:cNvPr id="109" name="Rectangle 108">
+            <a:extLst>
+              <a:ext uri="{FF2B5EF4-FFF2-40B4-BE49-F238E27FC236}">
+                <a16:creationId xmlns:a16="http://schemas.microsoft.com/office/drawing/2014/main" id="{7753650D-E3D5-4A84-9104-0960BCEF32EC}"/>
+              </a:ext>
+            </a:extLst>
+          </p:cNvPr>
+          <p:cNvSpPr/>
+          <p:nvPr/>
+        </p:nvSpPr>
+        <p:spPr>
+          <a:xfrm>
+            <a:off x="469918" y="4777765"/>
+            <a:ext cx="2954505" cy="369332"/>
+          </a:xfrm>
+          <a:prstGeom prst="rect">
+            <a:avLst/>
+          </a:prstGeom>
+          <a:solidFill>
+            <a:schemeClr val="bg1"/>
+          </a:solidFill>
+        </p:spPr>
+        <p:txBody>
+          <a:bodyPr wrap="square" rtlCol="0">
+            <a:spAutoFit/>
+          </a:bodyPr>
+          <a:lstStyle/>
+          <a:p>
+            <a:pPr algn="r"/>
+            <a:r>
+              <a:rPr lang="en-US" b="1" dirty="0" err="1">
+                <a:solidFill>
+                  <a:schemeClr val="bg1">
+                    <a:lumMod val="75000"/>
+                  </a:schemeClr>
+                </a:solidFill>
+                <a:latin typeface="Courier New" panose="02070309020205020404" pitchFamily="49" charset="0"/>
+                <a:cs typeface="Courier New" panose="02070309020205020404" pitchFamily="49" charset="0"/>
+              </a:rPr>
+              <a:t>time:numericDuration</a:t>
+            </a:r>
+            <a:endParaRPr lang="en-US" b="1" dirty="0">
+              <a:solidFill>
+                <a:schemeClr val="bg1">
+                  <a:lumMod val="75000"/>
+                </a:schemeClr>
+              </a:solidFill>
+              <a:latin typeface="Courier New" panose="02070309020205020404" pitchFamily="49" charset="0"/>
+              <a:cs typeface="Courier New" panose="02070309020205020404" pitchFamily="49" charset="0"/>
+            </a:endParaRPr>
+          </a:p>
+        </p:txBody>
+      </p:sp>
+      <p:sp>
+        <p:nvSpPr>
+          <p:cNvPr id="107" name="Rectangle 106">
+            <a:extLst>
+              <a:ext uri="{FF2B5EF4-FFF2-40B4-BE49-F238E27FC236}">
+                <a16:creationId xmlns:a16="http://schemas.microsoft.com/office/drawing/2014/main" id="{CBA756AA-71BD-413D-93C8-BAE6C900E028}"/>
+              </a:ext>
+            </a:extLst>
+          </p:cNvPr>
+          <p:cNvSpPr/>
+          <p:nvPr/>
+        </p:nvSpPr>
+        <p:spPr>
+          <a:xfrm>
+            <a:off x="635749" y="3880364"/>
+            <a:ext cx="2788674" cy="369332"/>
+          </a:xfrm>
+          <a:prstGeom prst="rect">
+            <a:avLst/>
+          </a:prstGeom>
+          <a:solidFill>
+            <a:schemeClr val="bg1"/>
+          </a:solidFill>
+        </p:spPr>
+        <p:txBody>
+          <a:bodyPr wrap="square" rtlCol="0">
+            <a:spAutoFit/>
+          </a:bodyPr>
+          <a:lstStyle/>
+          <a:p>
+            <a:pPr algn="r"/>
+            <a:r>
+              <a:rPr lang="en-US" b="1" dirty="0" err="1">
+                <a:solidFill>
+                  <a:schemeClr val="accent2">
+                    <a:lumMod val="75000"/>
+                  </a:schemeClr>
+                </a:solidFill>
+                <a:latin typeface="Courier New" panose="02070309020205020404" pitchFamily="49" charset="0"/>
+                <a:cs typeface="Courier New" panose="02070309020205020404" pitchFamily="49" charset="0"/>
+              </a:rPr>
+              <a:t>time:hasXSDDuration</a:t>
+            </a:r>
+            <a:endParaRPr lang="en-US" b="1" dirty="0">
+              <a:solidFill>
+                <a:schemeClr val="accent2">
+                  <a:lumMod val="75000"/>
+                </a:schemeClr>
+              </a:solidFill>
+              <a:latin typeface="Courier New" panose="02070309020205020404" pitchFamily="49" charset="0"/>
+              <a:cs typeface="Courier New" panose="02070309020205020404" pitchFamily="49" charset="0"/>
+            </a:endParaRPr>
+          </a:p>
+        </p:txBody>
+      </p:sp>
+      <p:sp>
+        <p:nvSpPr>
+          <p:cNvPr id="92" name="Rectangle 91">
+            <a:extLst>
+              <a:ext uri="{FF2B5EF4-FFF2-40B4-BE49-F238E27FC236}">
+                <a16:creationId xmlns:a16="http://schemas.microsoft.com/office/drawing/2014/main" id="{32AE2373-4CFA-45A2-9BAF-0BE6FE35B084}"/>
+              </a:ext>
+            </a:extLst>
+          </p:cNvPr>
+          <p:cNvSpPr/>
+          <p:nvPr/>
+        </p:nvSpPr>
+        <p:spPr>
+          <a:xfrm>
+            <a:off x="1444421" y="4336859"/>
+            <a:ext cx="1980002" cy="372421"/>
+          </a:xfrm>
+          <a:prstGeom prst="rect">
+            <a:avLst/>
+          </a:prstGeom>
+          <a:solidFill>
+            <a:schemeClr val="bg1"/>
+          </a:solidFill>
+        </p:spPr>
+        <p:txBody>
+          <a:bodyPr wrap="square" rtlCol="0">
+            <a:spAutoFit/>
+          </a:bodyPr>
+          <a:lstStyle/>
+          <a:p>
+            <a:pPr algn="r"/>
+            <a:r>
+              <a:rPr lang="en-US" b="1" dirty="0" err="1">
+                <a:solidFill>
+                  <a:schemeClr val="accent2">
+                    <a:lumMod val="75000"/>
+                  </a:schemeClr>
+                </a:solidFill>
+                <a:latin typeface="Courier New" panose="02070309020205020404" pitchFamily="49" charset="0"/>
+                <a:cs typeface="Courier New" panose="02070309020205020404" pitchFamily="49" charset="0"/>
+              </a:rPr>
+              <a:t>time:unitType</a:t>
+            </a:r>
+            <a:endParaRPr lang="en-US" b="1" dirty="0">
+              <a:solidFill>
+                <a:schemeClr val="accent2">
+                  <a:lumMod val="75000"/>
+                </a:schemeClr>
+              </a:solidFill>
+              <a:latin typeface="Courier New" panose="02070309020205020404" pitchFamily="49" charset="0"/>
+              <a:cs typeface="Courier New" panose="02070309020205020404" pitchFamily="49" charset="0"/>
+            </a:endParaRPr>
+          </a:p>
+        </p:txBody>
+      </p:sp>
+      <p:sp>
+        <p:nvSpPr>
+          <p:cNvPr id="40" name="Rectangle: Rounded Corners 39">
+            <a:extLst>
+              <a:ext uri="{FF2B5EF4-FFF2-40B4-BE49-F238E27FC236}">
+                <a16:creationId xmlns:a16="http://schemas.microsoft.com/office/drawing/2014/main" id="{C48438F8-1A68-44F9-994D-DEE8D1965A54}"/>
+              </a:ext>
+            </a:extLst>
+          </p:cNvPr>
+          <p:cNvSpPr/>
+          <p:nvPr/>
+        </p:nvSpPr>
+        <p:spPr>
+          <a:xfrm>
+            <a:off x="5656521" y="1763051"/>
+            <a:ext cx="3806455" cy="365760"/>
+          </a:xfrm>
+          <a:prstGeom prst="roundRect">
+            <a:avLst/>
+          </a:prstGeom>
+          <a:solidFill>
+            <a:srgbClr val="EEEEBB"/>
+          </a:solidFill>
+          <a:ln w="38100">
+            <a:solidFill>
+              <a:srgbClr val="9E9E27"/>
+            </a:solidFill>
+          </a:ln>
+        </p:spPr>
+        <p:style>
+          <a:lnRef idx="2">
+            <a:schemeClr val="accent1">
+              <a:shade val="50000"/>
+            </a:schemeClr>
+          </a:lnRef>
+          <a:fillRef idx="1">
+            <a:schemeClr val="accent1"/>
+          </a:fillRef>
+          <a:effectRef idx="0">
+            <a:schemeClr val="accent1"/>
+          </a:effectRef>
+          <a:fontRef idx="minor">
+            <a:schemeClr val="lt1"/>
+          </a:fontRef>
+        </p:style>
+        <p:txBody>
+          <a:bodyPr rtlCol="0" anchor="ctr"/>
+          <a:lstStyle/>
+          <a:p>
+            <a:pPr algn="ctr"/>
+            <a:r>
+              <a:rPr lang="en-US" b="1" dirty="0">
+                <a:solidFill>
+                  <a:schemeClr val="tx1"/>
+                </a:solidFill>
+              </a:rPr>
+              <a:t>cj16050:Randomization_21316392</a:t>
+            </a:r>
+          </a:p>
+        </p:txBody>
+      </p:sp>
+      <p:sp>
+        <p:nvSpPr>
+          <p:cNvPr id="41" name="TextBox 40">
+            <a:extLst>
+              <a:ext uri="{FF2B5EF4-FFF2-40B4-BE49-F238E27FC236}">
+                <a16:creationId xmlns:a16="http://schemas.microsoft.com/office/drawing/2014/main" id="{023D273F-DE7E-48D6-A13F-641CA4D94AF2}"/>
+              </a:ext>
+            </a:extLst>
+          </p:cNvPr>
+          <p:cNvSpPr txBox="1"/>
+          <p:nvPr/>
+        </p:nvSpPr>
+        <p:spPr>
+          <a:xfrm>
+            <a:off x="6814795" y="2366780"/>
+            <a:ext cx="4049486" cy="646331"/>
+          </a:xfrm>
+          <a:prstGeom prst="rect">
+            <a:avLst/>
+          </a:prstGeom>
+          <a:noFill/>
+        </p:spPr>
+        <p:txBody>
+          <a:bodyPr wrap="square" rtlCol="0">
+            <a:spAutoFit/>
+          </a:bodyPr>
+          <a:lstStyle/>
+          <a:p>
+            <a:r>
+              <a:rPr lang="en-US" b="1" dirty="0">
+                <a:solidFill>
+                  <a:srgbClr val="FF0000"/>
+                </a:solidFill>
+              </a:rPr>
+              <a:t>Question out to AO 2020-01-09 on how to show SCRNFAIL, NOTASSGN...</a:t>
+            </a:r>
           </a:p>
         </p:txBody>
       </p:sp>
     </p:spTree>
     <p:extLst>
       <p:ext uri="{BB962C8B-B14F-4D97-AF65-F5344CB8AC3E}">
-        <p14:creationId xmlns:p14="http://schemas.microsoft.com/office/powerpoint/2010/main" val="1186431338"/>
+        <p14:creationId xmlns:p14="http://schemas.microsoft.com/office/powerpoint/2010/main" val="610667360"/>
       </p:ext>
     </p:extLst>
   </p:cSld>
@@ -15627,2074 +19053,61 @@
       </p:grpSpPr>
       <p:sp>
         <p:nvSpPr>
-          <p:cNvPr id="4" name="Rectangle: Rounded Corners 3"/>
-          <p:cNvSpPr/>
-          <p:nvPr/>
-        </p:nvSpPr>
-        <p:spPr>
-          <a:xfrm>
-            <a:off x="324794" y="602691"/>
-            <a:ext cx="1828800" cy="449588"/>
-          </a:xfrm>
-          <a:prstGeom prst="roundRect">
-            <a:avLst/>
-          </a:prstGeom>
-          <a:solidFill>
-            <a:schemeClr val="accent1">
-              <a:lumMod val="40000"/>
-              <a:lumOff val="60000"/>
-            </a:schemeClr>
-          </a:solidFill>
-          <a:ln w="38100">
-            <a:solidFill>
-              <a:schemeClr val="accent1">
-                <a:lumMod val="75000"/>
-              </a:schemeClr>
-            </a:solidFill>
-          </a:ln>
-        </p:spPr>
-        <p:style>
-          <a:lnRef idx="2">
-            <a:schemeClr val="accent1">
-              <a:shade val="50000"/>
-            </a:schemeClr>
-          </a:lnRef>
-          <a:fillRef idx="1">
-            <a:schemeClr val="accent1"/>
-          </a:fillRef>
-          <a:effectRef idx="0">
-            <a:schemeClr val="accent1"/>
-          </a:effectRef>
-          <a:fontRef idx="minor">
-            <a:schemeClr val="lt1"/>
-          </a:fontRef>
-        </p:style>
-        <p:txBody>
-          <a:bodyPr rtlCol="0" anchor="ctr"/>
+          <p:cNvPr id="2" name="Title 1">
+            <a:extLst>
+              <a:ext uri="{FF2B5EF4-FFF2-40B4-BE49-F238E27FC236}">
+                <a16:creationId xmlns:a16="http://schemas.microsoft.com/office/drawing/2014/main" id="{A34AD37D-181E-4532-A042-19859BF3719C}"/>
+              </a:ext>
+            </a:extLst>
+          </p:cNvPr>
+          <p:cNvSpPr>
+            <a:spLocks noGrp="1"/>
+          </p:cNvSpPr>
+          <p:nvPr>
+            <p:ph type="title"/>
+          </p:nvPr>
+        </p:nvSpPr>
+        <p:spPr/>
+        <p:txBody>
+          <a:bodyPr/>
           <a:lstStyle/>
           <a:p>
-            <a:pPr algn="ctr"/>
-            <a:r>
-              <a:rPr lang="en-US" b="1" dirty="0">
-                <a:solidFill>
-                  <a:schemeClr val="tx1"/>
-                </a:solidFill>
-              </a:rPr>
-              <a:t>:</a:t>
-            </a:r>
-            <a:r>
-              <a:rPr lang="en-US" b="1" dirty="0" err="1">
-                <a:solidFill>
-                  <a:schemeClr val="tx1"/>
-                </a:solidFill>
-              </a:rPr>
-              <a:t>Animal_</a:t>
-            </a:r>
-            <a:r>
-              <a:rPr lang="en-US" dirty="0" err="1">
-                <a:solidFill>
-                  <a:schemeClr val="bg1">
-                    <a:lumMod val="50000"/>
-                  </a:schemeClr>
-                </a:solidFill>
-              </a:rPr>
-              <a:t>xxx</a:t>
-            </a:r>
-            <a:endParaRPr lang="en-US" dirty="0">
-              <a:solidFill>
-                <a:schemeClr val="bg1">
-                  <a:lumMod val="50000"/>
-                </a:schemeClr>
-              </a:solidFill>
-            </a:endParaRPr>
-          </a:p>
-        </p:txBody>
-      </p:sp>
-      <p:cxnSp>
-        <p:nvCxnSpPr>
-          <p:cNvPr id="13" name="Connector: Elbow 12">
-            <a:extLst>
-              <a:ext uri="{FF2B5EF4-FFF2-40B4-BE49-F238E27FC236}">
-                <a16:creationId xmlns:a16="http://schemas.microsoft.com/office/drawing/2014/main" id="{B02F595C-6FA7-487B-8F8B-F2471EB73866}"/>
-              </a:ext>
-            </a:extLst>
-          </p:cNvPr>
-          <p:cNvCxnSpPr>
-            <a:stCxn id="4" idx="2"/>
-            <a:endCxn id="15" idx="1"/>
-          </p:cNvCxnSpPr>
-          <p:nvPr/>
-        </p:nvCxnSpPr>
-        <p:spPr>
-          <a:xfrm rot="16200000" flipH="1">
-            <a:off x="571229" y="1720243"/>
-            <a:ext cx="1910125" cy="574195"/>
-          </a:xfrm>
-          <a:prstGeom prst="bentConnector2">
-            <a:avLst/>
-          </a:prstGeom>
-          <a:ln w="38100">
-            <a:solidFill>
-              <a:schemeClr val="bg1">
-                <a:lumMod val="50000"/>
-              </a:schemeClr>
-            </a:solidFill>
-            <a:tailEnd type="triangle"/>
-          </a:ln>
-        </p:spPr>
-        <p:style>
-          <a:lnRef idx="1">
-            <a:schemeClr val="accent1"/>
-          </a:lnRef>
-          <a:fillRef idx="0">
-            <a:schemeClr val="accent1"/>
-          </a:fillRef>
-          <a:effectRef idx="0">
-            <a:schemeClr val="accent1"/>
-          </a:effectRef>
-          <a:fontRef idx="minor">
-            <a:schemeClr val="tx1"/>
-          </a:fontRef>
-        </p:style>
-      </p:cxnSp>
-      <p:cxnSp>
-        <p:nvCxnSpPr>
-          <p:cNvPr id="18" name="Connector: Elbow 17">
-            <a:extLst>
-              <a:ext uri="{FF2B5EF4-FFF2-40B4-BE49-F238E27FC236}">
-                <a16:creationId xmlns:a16="http://schemas.microsoft.com/office/drawing/2014/main" id="{CD6414D9-631D-433C-88C5-FE1C50A9B1CB}"/>
-              </a:ext>
-            </a:extLst>
-          </p:cNvPr>
-          <p:cNvCxnSpPr>
-            <a:stCxn id="4" idx="2"/>
-            <a:endCxn id="41" idx="1"/>
-          </p:cNvCxnSpPr>
-          <p:nvPr/>
-        </p:nvCxnSpPr>
-        <p:spPr>
-          <a:xfrm rot="16200000" flipH="1">
-            <a:off x="896182" y="1395290"/>
-            <a:ext cx="1260219" cy="574195"/>
-          </a:xfrm>
-          <a:prstGeom prst="bentConnector2">
-            <a:avLst/>
-          </a:prstGeom>
-          <a:ln w="38100">
-            <a:solidFill>
-              <a:schemeClr val="bg1">
-                <a:lumMod val="50000"/>
-              </a:schemeClr>
-            </a:solidFill>
-            <a:tailEnd type="triangle"/>
-          </a:ln>
-        </p:spPr>
-        <p:style>
-          <a:lnRef idx="1">
-            <a:schemeClr val="accent1"/>
-          </a:lnRef>
-          <a:fillRef idx="0">
-            <a:schemeClr val="accent1"/>
-          </a:fillRef>
-          <a:effectRef idx="0">
-            <a:schemeClr val="accent1"/>
-          </a:effectRef>
-          <a:fontRef idx="minor">
-            <a:schemeClr val="tx1"/>
-          </a:fontRef>
-        </p:style>
-      </p:cxnSp>
-      <p:cxnSp>
-        <p:nvCxnSpPr>
-          <p:cNvPr id="20" name="Connector: Elbow 19">
-            <a:extLst>
-              <a:ext uri="{FF2B5EF4-FFF2-40B4-BE49-F238E27FC236}">
-                <a16:creationId xmlns:a16="http://schemas.microsoft.com/office/drawing/2014/main" id="{15B8C948-92DD-413C-AF47-55CD80736997}"/>
-              </a:ext>
-            </a:extLst>
-          </p:cNvPr>
-          <p:cNvCxnSpPr>
-            <a:stCxn id="4" idx="2"/>
-            <a:endCxn id="45" idx="1"/>
-          </p:cNvCxnSpPr>
-          <p:nvPr/>
-        </p:nvCxnSpPr>
-        <p:spPr>
-          <a:xfrm rot="16200000" flipH="1">
-            <a:off x="1221135" y="1070337"/>
-            <a:ext cx="610313" cy="574195"/>
-          </a:xfrm>
-          <a:prstGeom prst="bentConnector2">
-            <a:avLst/>
-          </a:prstGeom>
-          <a:ln w="38100">
-            <a:solidFill>
-              <a:schemeClr val="bg1">
-                <a:lumMod val="50000"/>
-              </a:schemeClr>
-            </a:solidFill>
-            <a:tailEnd type="triangle"/>
-          </a:ln>
-        </p:spPr>
-        <p:style>
-          <a:lnRef idx="1">
-            <a:schemeClr val="accent1"/>
-          </a:lnRef>
-          <a:fillRef idx="0">
-            <a:schemeClr val="accent1"/>
-          </a:fillRef>
-          <a:effectRef idx="0">
-            <a:schemeClr val="accent1"/>
-          </a:effectRef>
-          <a:fontRef idx="minor">
-            <a:schemeClr val="tx1"/>
-          </a:fontRef>
-        </p:style>
-      </p:cxnSp>
-      <p:cxnSp>
-        <p:nvCxnSpPr>
-          <p:cNvPr id="24" name="Connector: Elbow 23">
-            <a:extLst>
-              <a:ext uri="{FF2B5EF4-FFF2-40B4-BE49-F238E27FC236}">
-                <a16:creationId xmlns:a16="http://schemas.microsoft.com/office/drawing/2014/main" id="{5FFE9110-6CB5-42E6-8DEB-418D562B6DF1}"/>
-              </a:ext>
-            </a:extLst>
-          </p:cNvPr>
-          <p:cNvCxnSpPr>
-            <a:stCxn id="4" idx="2"/>
-            <a:endCxn id="46" idx="1"/>
-          </p:cNvCxnSpPr>
-          <p:nvPr/>
-        </p:nvCxnSpPr>
-        <p:spPr>
-          <a:xfrm rot="16200000" flipH="1">
-            <a:off x="246276" y="2045196"/>
-            <a:ext cx="2560031" cy="574195"/>
-          </a:xfrm>
-          <a:prstGeom prst="bentConnector2">
-            <a:avLst/>
-          </a:prstGeom>
-          <a:ln w="38100">
-            <a:solidFill>
-              <a:schemeClr val="bg1">
-                <a:lumMod val="50000"/>
-              </a:schemeClr>
-            </a:solidFill>
-            <a:tailEnd type="triangle"/>
-          </a:ln>
-        </p:spPr>
-        <p:style>
-          <a:lnRef idx="1">
-            <a:schemeClr val="accent1"/>
-          </a:lnRef>
-          <a:fillRef idx="0">
-            <a:schemeClr val="accent1"/>
-          </a:fillRef>
-          <a:effectRef idx="0">
-            <a:schemeClr val="accent1"/>
-          </a:effectRef>
-          <a:fontRef idx="minor">
-            <a:schemeClr val="tx1"/>
-          </a:fontRef>
-        </p:style>
-      </p:cxnSp>
-      <p:cxnSp>
-        <p:nvCxnSpPr>
-          <p:cNvPr id="26" name="Connector: Elbow 25">
-            <a:extLst>
-              <a:ext uri="{FF2B5EF4-FFF2-40B4-BE49-F238E27FC236}">
-                <a16:creationId xmlns:a16="http://schemas.microsoft.com/office/drawing/2014/main" id="{71D8102A-9E78-41F9-AB1B-A42EE1A78BEF}"/>
-              </a:ext>
-            </a:extLst>
-          </p:cNvPr>
-          <p:cNvCxnSpPr>
-            <a:stCxn id="4" idx="2"/>
-            <a:endCxn id="49" idx="1"/>
-          </p:cNvCxnSpPr>
-          <p:nvPr/>
-        </p:nvCxnSpPr>
-        <p:spPr>
-          <a:xfrm rot="16200000" flipH="1">
-            <a:off x="-78677" y="2370149"/>
-            <a:ext cx="3209937" cy="574195"/>
-          </a:xfrm>
-          <a:prstGeom prst="bentConnector2">
-            <a:avLst/>
-          </a:prstGeom>
-          <a:ln w="38100">
-            <a:solidFill>
-              <a:schemeClr val="bg1">
-                <a:lumMod val="50000"/>
-              </a:schemeClr>
-            </a:solidFill>
-            <a:tailEnd type="triangle"/>
-          </a:ln>
-        </p:spPr>
-        <p:style>
-          <a:lnRef idx="1">
-            <a:schemeClr val="accent1"/>
-          </a:lnRef>
-          <a:fillRef idx="0">
-            <a:schemeClr val="accent1"/>
-          </a:fillRef>
-          <a:effectRef idx="0">
-            <a:schemeClr val="accent1"/>
-          </a:effectRef>
-          <a:fontRef idx="minor">
-            <a:schemeClr val="tx1"/>
-          </a:fontRef>
-        </p:style>
-      </p:cxnSp>
-      <p:cxnSp>
-        <p:nvCxnSpPr>
-          <p:cNvPr id="28" name="Connector: Elbow 27">
-            <a:extLst>
-              <a:ext uri="{FF2B5EF4-FFF2-40B4-BE49-F238E27FC236}">
-                <a16:creationId xmlns:a16="http://schemas.microsoft.com/office/drawing/2014/main" id="{BACEB9BC-CE69-4F8C-854D-9AE705A007EC}"/>
-              </a:ext>
-            </a:extLst>
-          </p:cNvPr>
-          <p:cNvCxnSpPr>
-            <a:stCxn id="4" idx="2"/>
-            <a:endCxn id="53" idx="1"/>
-          </p:cNvCxnSpPr>
-          <p:nvPr/>
-        </p:nvCxnSpPr>
-        <p:spPr>
-          <a:xfrm rot="16200000" flipH="1">
-            <a:off x="-403630" y="2695102"/>
-            <a:ext cx="3859843" cy="574195"/>
-          </a:xfrm>
-          <a:prstGeom prst="bentConnector2">
-            <a:avLst/>
-          </a:prstGeom>
-          <a:ln w="38100">
-            <a:solidFill>
-              <a:schemeClr val="bg1">
-                <a:lumMod val="50000"/>
-              </a:schemeClr>
-            </a:solidFill>
-            <a:tailEnd type="triangle"/>
-          </a:ln>
-        </p:spPr>
-        <p:style>
-          <a:lnRef idx="1">
-            <a:schemeClr val="accent1"/>
-          </a:lnRef>
-          <a:fillRef idx="0">
-            <a:schemeClr val="accent1"/>
-          </a:fillRef>
-          <a:effectRef idx="0">
-            <a:schemeClr val="accent1"/>
-          </a:effectRef>
-          <a:fontRef idx="minor">
-            <a:schemeClr val="tx1"/>
-          </a:fontRef>
-        </p:style>
-      </p:cxnSp>
-      <p:cxnSp>
-        <p:nvCxnSpPr>
-          <p:cNvPr id="31" name="Connector: Elbow 30">
-            <a:extLst>
-              <a:ext uri="{FF2B5EF4-FFF2-40B4-BE49-F238E27FC236}">
-                <a16:creationId xmlns:a16="http://schemas.microsoft.com/office/drawing/2014/main" id="{3006BFAB-1A04-47C4-9E9C-3D159771D7A3}"/>
-              </a:ext>
-            </a:extLst>
-          </p:cNvPr>
-          <p:cNvCxnSpPr>
-            <a:stCxn id="4" idx="2"/>
-            <a:endCxn id="54" idx="1"/>
-          </p:cNvCxnSpPr>
-          <p:nvPr/>
-        </p:nvCxnSpPr>
-        <p:spPr>
-          <a:xfrm rot="16200000" flipH="1">
-            <a:off x="-775916" y="3067388"/>
-            <a:ext cx="4604414" cy="574195"/>
-          </a:xfrm>
-          <a:prstGeom prst="bentConnector2">
-            <a:avLst/>
-          </a:prstGeom>
-          <a:ln w="38100">
-            <a:solidFill>
-              <a:schemeClr val="bg1">
-                <a:lumMod val="50000"/>
-              </a:schemeClr>
-            </a:solidFill>
-            <a:tailEnd type="triangle"/>
-          </a:ln>
-        </p:spPr>
-        <p:style>
-          <a:lnRef idx="1">
-            <a:schemeClr val="accent1"/>
-          </a:lnRef>
-          <a:fillRef idx="0">
-            <a:schemeClr val="accent1"/>
-          </a:fillRef>
-          <a:effectRef idx="0">
-            <a:schemeClr val="accent1"/>
-          </a:effectRef>
-          <a:fontRef idx="minor">
-            <a:schemeClr val="tx1"/>
-          </a:fontRef>
-        </p:style>
-      </p:cxnSp>
-      <p:cxnSp>
-        <p:nvCxnSpPr>
-          <p:cNvPr id="35" name="Connector: Elbow 34">
-            <a:extLst>
-              <a:ext uri="{FF2B5EF4-FFF2-40B4-BE49-F238E27FC236}">
-                <a16:creationId xmlns:a16="http://schemas.microsoft.com/office/drawing/2014/main" id="{995AB819-BF1E-47FD-AD9E-F3CFCE0F9BDE}"/>
-              </a:ext>
-            </a:extLst>
-          </p:cNvPr>
-          <p:cNvCxnSpPr>
-            <a:stCxn id="4" idx="2"/>
-            <a:endCxn id="56" idx="1"/>
-          </p:cNvCxnSpPr>
-          <p:nvPr/>
-        </p:nvCxnSpPr>
-        <p:spPr>
-          <a:xfrm rot="16200000" flipH="1">
-            <a:off x="-1148201" y="3439673"/>
-            <a:ext cx="5348984" cy="574195"/>
-          </a:xfrm>
-          <a:prstGeom prst="bentConnector2">
-            <a:avLst/>
-          </a:prstGeom>
-          <a:ln w="38100">
-            <a:solidFill>
-              <a:schemeClr val="bg1">
-                <a:lumMod val="50000"/>
-              </a:schemeClr>
-            </a:solidFill>
-            <a:tailEnd type="triangle"/>
-          </a:ln>
-        </p:spPr>
-        <p:style>
-          <a:lnRef idx="1">
-            <a:schemeClr val="accent1"/>
-          </a:lnRef>
-          <a:fillRef idx="0">
-            <a:schemeClr val="accent1"/>
-          </a:fillRef>
-          <a:effectRef idx="0">
-            <a:schemeClr val="accent1"/>
-          </a:effectRef>
-          <a:fontRef idx="minor">
-            <a:schemeClr val="tx1"/>
-          </a:fontRef>
-        </p:style>
-      </p:cxnSp>
-      <p:sp>
-        <p:nvSpPr>
-          <p:cNvPr id="37" name="TextBox 36">
-            <a:extLst>
-              <a:ext uri="{FF2B5EF4-FFF2-40B4-BE49-F238E27FC236}">
-                <a16:creationId xmlns:a16="http://schemas.microsoft.com/office/drawing/2014/main" id="{94D1285C-D475-4761-AB59-AAF30FB04556}"/>
-              </a:ext>
-            </a:extLst>
-          </p:cNvPr>
-          <p:cNvSpPr txBox="1"/>
-          <p:nvPr/>
-        </p:nvSpPr>
-        <p:spPr>
-          <a:xfrm>
-            <a:off x="8100050" y="1019504"/>
-            <a:ext cx="3074881" cy="461665"/>
-          </a:xfrm>
-          <a:prstGeom prst="rect">
-            <a:avLst/>
-          </a:prstGeom>
-          <a:noFill/>
-        </p:spPr>
-        <p:txBody>
-          <a:bodyPr wrap="none" rtlCol="0">
-            <a:spAutoFit/>
-          </a:bodyPr>
+            <a:r>
+              <a:rPr lang="en-US" dirty="0"/>
+              <a:t>Outdated Slides follow</a:t>
+            </a:r>
+          </a:p>
+        </p:txBody>
+      </p:sp>
+      <p:sp>
+        <p:nvSpPr>
+          <p:cNvPr id="3" name="Content Placeholder 2">
+            <a:extLst>
+              <a:ext uri="{FF2B5EF4-FFF2-40B4-BE49-F238E27FC236}">
+                <a16:creationId xmlns:a16="http://schemas.microsoft.com/office/drawing/2014/main" id="{D020E3E2-B7D2-4B27-962F-9CAB3C20636A}"/>
+              </a:ext>
+            </a:extLst>
+          </p:cNvPr>
+          <p:cNvSpPr>
+            <a:spLocks noGrp="1"/>
+          </p:cNvSpPr>
+          <p:nvPr>
+            <p:ph idx="1"/>
+          </p:nvPr>
+        </p:nvSpPr>
+        <p:spPr/>
+        <p:txBody>
+          <a:bodyPr/>
           <a:lstStyle/>
           <a:p>
-            <a:r>
-              <a:rPr lang="en-US" sz="2400" b="1" u="sng" dirty="0">
-                <a:solidFill>
-                  <a:srgbClr val="0033CC"/>
-                </a:solidFill>
-              </a:rPr>
-              <a:t>SEND RULE</a:t>
-            </a:r>
-            <a:r>
-              <a:rPr lang="en-US" sz="2400" b="1" dirty="0">
-                <a:solidFill>
-                  <a:srgbClr val="0033CC"/>
-                </a:solidFill>
-              </a:rPr>
-              <a:t> </a:t>
-            </a:r>
-            <a:r>
-              <a:rPr lang="en-US" sz="2000" dirty="0">
-                <a:solidFill>
-                  <a:srgbClr val="0033CC"/>
-                </a:solidFill>
-              </a:rPr>
-              <a:t>(DM Domain)</a:t>
-            </a:r>
-          </a:p>
-        </p:txBody>
-      </p:sp>
-      <p:sp>
-        <p:nvSpPr>
-          <p:cNvPr id="33" name="TextBox 32">
-            <a:extLst>
-              <a:ext uri="{FF2B5EF4-FFF2-40B4-BE49-F238E27FC236}">
-                <a16:creationId xmlns:a16="http://schemas.microsoft.com/office/drawing/2014/main" id="{62C8A6F8-EA4B-4D89-829A-5E9E2E668D49}"/>
-              </a:ext>
-            </a:extLst>
-          </p:cNvPr>
-          <p:cNvSpPr txBox="1"/>
-          <p:nvPr/>
-        </p:nvSpPr>
-        <p:spPr>
-          <a:xfrm>
-            <a:off x="5160580" y="115614"/>
-            <a:ext cx="968535" cy="461665"/>
-          </a:xfrm>
-          <a:prstGeom prst="rect">
-            <a:avLst/>
-          </a:prstGeom>
-          <a:noFill/>
-        </p:spPr>
-        <p:txBody>
-          <a:bodyPr wrap="none" rtlCol="0">
-            <a:spAutoFit/>
-          </a:bodyPr>
-          <a:lstStyle/>
-          <a:p>
-            <a:r>
-              <a:rPr lang="en-US" sz="2400" b="1" u="sng" dirty="0">
-                <a:solidFill>
-                  <a:schemeClr val="accent6">
-                    <a:lumMod val="75000"/>
-                  </a:schemeClr>
-                </a:solidFill>
-              </a:rPr>
-              <a:t>Shape</a:t>
-            </a:r>
-            <a:endParaRPr lang="en-US" sz="2000" u="sng" dirty="0">
-              <a:solidFill>
-                <a:schemeClr val="accent6">
-                  <a:lumMod val="75000"/>
-                </a:schemeClr>
-              </a:solidFill>
-            </a:endParaRPr>
-          </a:p>
-        </p:txBody>
-      </p:sp>
-      <p:sp>
-        <p:nvSpPr>
-          <p:cNvPr id="34" name="TextBox 33">
-            <a:extLst>
-              <a:ext uri="{FF2B5EF4-FFF2-40B4-BE49-F238E27FC236}">
-                <a16:creationId xmlns:a16="http://schemas.microsoft.com/office/drawing/2014/main" id="{3E9AD37C-99D0-4839-8FDA-6C1DE8ED6077}"/>
-              </a:ext>
-            </a:extLst>
-          </p:cNvPr>
-          <p:cNvSpPr txBox="1"/>
-          <p:nvPr/>
-        </p:nvSpPr>
-        <p:spPr>
-          <a:xfrm>
-            <a:off x="5160580" y="607949"/>
-            <a:ext cx="2109873" cy="369332"/>
-          </a:xfrm>
-          <a:prstGeom prst="rect">
-            <a:avLst/>
-          </a:prstGeom>
-          <a:noFill/>
-        </p:spPr>
-        <p:txBody>
-          <a:bodyPr wrap="none" rtlCol="0">
-            <a:spAutoFit/>
-          </a:bodyPr>
-          <a:lstStyle/>
-          <a:p>
-            <a:r>
-              <a:rPr lang="en-US" dirty="0" err="1">
-                <a:solidFill>
-                  <a:schemeClr val="accent6">
-                    <a:lumMod val="75000"/>
-                  </a:schemeClr>
-                </a:solidFill>
-              </a:rPr>
-              <a:t>AnimalSubjectShape</a:t>
-            </a:r>
-            <a:endParaRPr lang="en-US" dirty="0">
-              <a:solidFill>
-                <a:schemeClr val="accent6">
-                  <a:lumMod val="75000"/>
-                </a:schemeClr>
-              </a:solidFill>
-            </a:endParaRPr>
-          </a:p>
-        </p:txBody>
-      </p:sp>
-      <p:sp>
-        <p:nvSpPr>
-          <p:cNvPr id="45" name="Rectangle: Rounded Corners 44">
-            <a:extLst>
-              <a:ext uri="{FF2B5EF4-FFF2-40B4-BE49-F238E27FC236}">
-                <a16:creationId xmlns:a16="http://schemas.microsoft.com/office/drawing/2014/main" id="{B9A69A35-10B3-4874-B928-C93C5AEC02C5}"/>
-              </a:ext>
-            </a:extLst>
-          </p:cNvPr>
-          <p:cNvSpPr/>
-          <p:nvPr/>
-        </p:nvSpPr>
-        <p:spPr>
-          <a:xfrm>
-            <a:off x="1813389" y="1434091"/>
-            <a:ext cx="3154680" cy="457001"/>
-          </a:xfrm>
-          <a:prstGeom prst="roundRect">
-            <a:avLst/>
-          </a:prstGeom>
-          <a:solidFill>
-            <a:schemeClr val="accent1">
-              <a:lumMod val="40000"/>
-              <a:lumOff val="60000"/>
-            </a:schemeClr>
-          </a:solidFill>
-          <a:ln w="38100">
-            <a:solidFill>
-              <a:schemeClr val="accent1">
-                <a:lumMod val="75000"/>
-              </a:schemeClr>
-            </a:solidFill>
-          </a:ln>
-        </p:spPr>
-        <p:style>
-          <a:lnRef idx="2">
-            <a:schemeClr val="accent1">
-              <a:shade val="50000"/>
-            </a:schemeClr>
-          </a:lnRef>
-          <a:fillRef idx="1">
-            <a:schemeClr val="accent1"/>
-          </a:fillRef>
-          <a:effectRef idx="0">
-            <a:schemeClr val="accent1"/>
-          </a:effectRef>
-          <a:fontRef idx="minor">
-            <a:schemeClr val="lt1"/>
-          </a:fontRef>
-        </p:style>
-        <p:txBody>
-          <a:bodyPr rtlCol="0" anchor="ctr"/>
-          <a:lstStyle/>
-          <a:p>
-            <a:pPr algn="ctr"/>
-            <a:r>
-              <a:rPr lang="en-US" b="1" dirty="0">
-                <a:solidFill>
-                  <a:schemeClr val="tx1"/>
-                </a:solidFill>
-              </a:rPr>
-              <a:t>:</a:t>
-            </a:r>
-            <a:r>
-              <a:rPr lang="en-US" b="1" dirty="0" err="1">
-                <a:solidFill>
-                  <a:schemeClr val="tx1"/>
-                </a:solidFill>
-              </a:rPr>
-              <a:t>UniqueSubjectIdentifier_</a:t>
-            </a:r>
-            <a:r>
-              <a:rPr lang="en-US" dirty="0" err="1">
-                <a:solidFill>
-                  <a:schemeClr val="bg1">
-                    <a:lumMod val="50000"/>
-                  </a:schemeClr>
-                </a:solidFill>
-              </a:rPr>
-              <a:t>xxx</a:t>
-            </a:r>
-            <a:endParaRPr lang="en-US" dirty="0">
-              <a:solidFill>
-                <a:schemeClr val="bg1">
-                  <a:lumMod val="50000"/>
-                </a:schemeClr>
-              </a:solidFill>
-            </a:endParaRPr>
-          </a:p>
-        </p:txBody>
-      </p:sp>
-      <p:sp>
-        <p:nvSpPr>
-          <p:cNvPr id="67" name="TextBox 66">
-            <a:extLst>
-              <a:ext uri="{FF2B5EF4-FFF2-40B4-BE49-F238E27FC236}">
-                <a16:creationId xmlns:a16="http://schemas.microsoft.com/office/drawing/2014/main" id="{C9C7BDF3-D3D9-48BD-9F4F-5AD3A12FEAEA}"/>
-              </a:ext>
-            </a:extLst>
-          </p:cNvPr>
-          <p:cNvSpPr txBox="1"/>
-          <p:nvPr/>
-        </p:nvSpPr>
-        <p:spPr>
-          <a:xfrm>
-            <a:off x="8109989" y="2137123"/>
-            <a:ext cx="901209" cy="369332"/>
-          </a:xfrm>
-          <a:prstGeom prst="rect">
-            <a:avLst/>
-          </a:prstGeom>
-          <a:noFill/>
-        </p:spPr>
-        <p:txBody>
-          <a:bodyPr wrap="none" rtlCol="0">
-            <a:spAutoFit/>
-          </a:bodyPr>
-          <a:lstStyle>
-            <a:defPPr>
-              <a:defRPr lang="en-US"/>
-            </a:defPPr>
-            <a:lvl1pPr>
-              <a:defRPr>
-                <a:solidFill>
-                  <a:srgbClr val="0033CC"/>
-                </a:solidFill>
-              </a:defRPr>
-            </a:lvl1pPr>
-          </a:lstStyle>
-          <a:p>
-            <a:r>
-              <a:rPr lang="en-US" dirty="0"/>
-              <a:t>SD1001</a:t>
-            </a:r>
-          </a:p>
-        </p:txBody>
-      </p:sp>
-      <p:sp>
-        <p:nvSpPr>
-          <p:cNvPr id="6" name="TextBox 5">
-            <a:extLst>
-              <a:ext uri="{FF2B5EF4-FFF2-40B4-BE49-F238E27FC236}">
-                <a16:creationId xmlns:a16="http://schemas.microsoft.com/office/drawing/2014/main" id="{5B1D4099-CC90-4185-8F8A-EA5B20B71FD1}"/>
-              </a:ext>
-            </a:extLst>
-          </p:cNvPr>
-          <p:cNvSpPr txBox="1"/>
-          <p:nvPr/>
-        </p:nvSpPr>
-        <p:spPr>
-          <a:xfrm>
-            <a:off x="5160580" y="1338779"/>
-            <a:ext cx="2915670" cy="646331"/>
-          </a:xfrm>
-          <a:prstGeom prst="rect">
-            <a:avLst/>
-          </a:prstGeom>
-          <a:noFill/>
-        </p:spPr>
-        <p:txBody>
-          <a:bodyPr wrap="none" rtlCol="0">
-            <a:spAutoFit/>
-          </a:bodyPr>
-          <a:lstStyle>
-            <a:defPPr>
-              <a:defRPr lang="en-US"/>
-            </a:defPPr>
-            <a:lvl1pPr>
-              <a:defRPr>
-                <a:solidFill>
-                  <a:schemeClr val="accent6">
-                    <a:lumMod val="75000"/>
-                  </a:schemeClr>
-                </a:solidFill>
-              </a:defRPr>
-            </a:lvl1pPr>
-          </a:lstStyle>
-          <a:p>
-            <a:r>
-              <a:rPr lang="en-US" dirty="0"/>
-              <a:t>hasMin1Max1Shape-</a:t>
-            </a:r>
-            <a:r>
-              <a:rPr lang="en-US" b="1" dirty="0"/>
-              <a:t>USubjID</a:t>
-            </a:r>
-          </a:p>
-          <a:p>
-            <a:r>
-              <a:rPr lang="en-US" dirty="0" err="1"/>
-              <a:t>isUniqueShape</a:t>
-            </a:r>
-            <a:r>
-              <a:rPr lang="en-US" b="1" dirty="0" err="1"/>
-              <a:t>-USubjID</a:t>
-            </a:r>
-            <a:r>
-              <a:rPr lang="en-US" b="1" dirty="0"/>
-              <a:t> </a:t>
-            </a:r>
-          </a:p>
-        </p:txBody>
-      </p:sp>
-      <p:sp>
-        <p:nvSpPr>
-          <p:cNvPr id="66" name="TextBox 65">
-            <a:extLst>
-              <a:ext uri="{FF2B5EF4-FFF2-40B4-BE49-F238E27FC236}">
-                <a16:creationId xmlns:a16="http://schemas.microsoft.com/office/drawing/2014/main" id="{5EA58D63-D138-4D74-85D3-68642E78BDC5}"/>
-              </a:ext>
-            </a:extLst>
-          </p:cNvPr>
-          <p:cNvSpPr txBox="1"/>
-          <p:nvPr/>
-        </p:nvSpPr>
-        <p:spPr>
-          <a:xfrm>
-            <a:off x="8109989" y="1451970"/>
-            <a:ext cx="901209" cy="369332"/>
-          </a:xfrm>
-          <a:prstGeom prst="rect">
-            <a:avLst/>
-          </a:prstGeom>
-          <a:noFill/>
-        </p:spPr>
-        <p:txBody>
-          <a:bodyPr wrap="none" rtlCol="0">
-            <a:spAutoFit/>
-          </a:bodyPr>
-          <a:lstStyle/>
-          <a:p>
-            <a:r>
-              <a:rPr lang="en-US" dirty="0">
-                <a:solidFill>
-                  <a:srgbClr val="0033CC"/>
-                </a:solidFill>
-              </a:rPr>
-              <a:t>SD0083</a:t>
-            </a:r>
-          </a:p>
-        </p:txBody>
-      </p:sp>
-      <p:sp>
-        <p:nvSpPr>
-          <p:cNvPr id="41" name="Rectangle: Rounded Corners 40">
-            <a:extLst>
-              <a:ext uri="{FF2B5EF4-FFF2-40B4-BE49-F238E27FC236}">
-                <a16:creationId xmlns:a16="http://schemas.microsoft.com/office/drawing/2014/main" id="{96684C95-C42A-41D0-B366-B571197353D3}"/>
-              </a:ext>
-            </a:extLst>
-          </p:cNvPr>
-          <p:cNvSpPr/>
-          <p:nvPr/>
-        </p:nvSpPr>
-        <p:spPr>
-          <a:xfrm>
-            <a:off x="1813389" y="2083997"/>
-            <a:ext cx="3154680" cy="457001"/>
-          </a:xfrm>
-          <a:prstGeom prst="roundRect">
-            <a:avLst/>
-          </a:prstGeom>
-          <a:solidFill>
-            <a:schemeClr val="accent1">
-              <a:lumMod val="40000"/>
-              <a:lumOff val="60000"/>
-            </a:schemeClr>
-          </a:solidFill>
-          <a:ln w="38100">
-            <a:solidFill>
-              <a:schemeClr val="accent1">
-                <a:lumMod val="75000"/>
-              </a:schemeClr>
-            </a:solidFill>
-          </a:ln>
-        </p:spPr>
-        <p:style>
-          <a:lnRef idx="2">
-            <a:schemeClr val="accent1">
-              <a:shade val="50000"/>
-            </a:schemeClr>
-          </a:lnRef>
-          <a:fillRef idx="1">
-            <a:schemeClr val="accent1"/>
-          </a:fillRef>
-          <a:effectRef idx="0">
-            <a:schemeClr val="accent1"/>
-          </a:effectRef>
-          <a:fontRef idx="minor">
-            <a:schemeClr val="lt1"/>
-          </a:fontRef>
-        </p:style>
-        <p:txBody>
-          <a:bodyPr rtlCol="0" anchor="ctr"/>
-          <a:lstStyle/>
-          <a:p>
-            <a:pPr algn="ctr"/>
-            <a:r>
-              <a:rPr lang="en-US" b="1" u="sng" dirty="0">
-                <a:solidFill>
-                  <a:schemeClr val="tx1"/>
-                </a:solidFill>
-              </a:rPr>
-              <a:t>:</a:t>
-            </a:r>
-            <a:r>
-              <a:rPr lang="en-US" b="1" u="sng" dirty="0" err="1">
-                <a:solidFill>
-                  <a:schemeClr val="tx1"/>
-                </a:solidFill>
-              </a:rPr>
-              <a:t>SubjectIdentifier_</a:t>
-            </a:r>
-            <a:r>
-              <a:rPr lang="en-US" u="sng" dirty="0" err="1">
-                <a:solidFill>
-                  <a:schemeClr val="bg1">
-                    <a:lumMod val="50000"/>
-                  </a:schemeClr>
-                </a:solidFill>
-              </a:rPr>
-              <a:t>xxx</a:t>
-            </a:r>
-            <a:endParaRPr lang="en-US" u="sng" dirty="0">
-              <a:solidFill>
-                <a:schemeClr val="bg1">
-                  <a:lumMod val="50000"/>
-                </a:schemeClr>
-              </a:solidFill>
-            </a:endParaRPr>
-          </a:p>
-        </p:txBody>
-      </p:sp>
-      <p:sp>
-        <p:nvSpPr>
-          <p:cNvPr id="36" name="TextBox 35">
-            <a:extLst>
-              <a:ext uri="{FF2B5EF4-FFF2-40B4-BE49-F238E27FC236}">
-                <a16:creationId xmlns:a16="http://schemas.microsoft.com/office/drawing/2014/main" id="{37C1B666-B42B-44A1-BCF0-D388A8A4B86C}"/>
-              </a:ext>
-            </a:extLst>
-          </p:cNvPr>
-          <p:cNvSpPr txBox="1"/>
-          <p:nvPr/>
-        </p:nvSpPr>
-        <p:spPr>
-          <a:xfrm>
-            <a:off x="5160580" y="1998624"/>
-            <a:ext cx="2768194" cy="646331"/>
-          </a:xfrm>
-          <a:prstGeom prst="rect">
-            <a:avLst/>
-          </a:prstGeom>
-          <a:noFill/>
-        </p:spPr>
-        <p:txBody>
-          <a:bodyPr wrap="none" rtlCol="0">
-            <a:spAutoFit/>
-          </a:bodyPr>
-          <a:lstStyle>
-            <a:defPPr>
-              <a:defRPr lang="en-US"/>
-            </a:defPPr>
-            <a:lvl1pPr>
-              <a:defRPr>
-                <a:solidFill>
-                  <a:schemeClr val="accent6">
-                    <a:lumMod val="75000"/>
-                  </a:schemeClr>
-                </a:solidFill>
-              </a:defRPr>
-            </a:lvl1pPr>
-          </a:lstStyle>
-          <a:p>
-            <a:r>
-              <a:rPr lang="en-US" dirty="0"/>
-              <a:t>hasMin1Max1Shape-</a:t>
-            </a:r>
-            <a:r>
-              <a:rPr lang="en-US" b="1" dirty="0"/>
-              <a:t>SubjID</a:t>
-            </a:r>
-          </a:p>
-          <a:p>
-            <a:r>
-              <a:rPr lang="en-US" dirty="0" err="1"/>
-              <a:t>isUniqueShape-</a:t>
-            </a:r>
-            <a:r>
-              <a:rPr lang="en-US" b="1" dirty="0" err="1"/>
-              <a:t>SubjID</a:t>
-            </a:r>
-            <a:r>
-              <a:rPr lang="en-US" dirty="0"/>
-              <a:t> </a:t>
-            </a:r>
-          </a:p>
-        </p:txBody>
-      </p:sp>
-      <p:sp>
-        <p:nvSpPr>
-          <p:cNvPr id="15" name="Rectangle: Rounded Corners 14">
-            <a:extLst>
-              <a:ext uri="{FF2B5EF4-FFF2-40B4-BE49-F238E27FC236}">
-                <a16:creationId xmlns:a16="http://schemas.microsoft.com/office/drawing/2014/main" id="{F2D1CDB2-6DA6-45BF-B57E-8A1B3116DAB8}"/>
-              </a:ext>
-            </a:extLst>
-          </p:cNvPr>
-          <p:cNvSpPr/>
-          <p:nvPr/>
-        </p:nvSpPr>
-        <p:spPr>
-          <a:xfrm>
-            <a:off x="1813389" y="2733903"/>
-            <a:ext cx="3154680" cy="457001"/>
-          </a:xfrm>
-          <a:prstGeom prst="roundRect">
-            <a:avLst/>
-          </a:prstGeom>
-          <a:solidFill>
-            <a:schemeClr val="accent1">
-              <a:lumMod val="40000"/>
-              <a:lumOff val="60000"/>
-            </a:schemeClr>
-          </a:solidFill>
-          <a:ln w="38100">
-            <a:solidFill>
-              <a:schemeClr val="accent1">
-                <a:lumMod val="75000"/>
-              </a:schemeClr>
-            </a:solidFill>
-          </a:ln>
-        </p:spPr>
-        <p:style>
-          <a:lnRef idx="2">
-            <a:schemeClr val="accent1">
-              <a:shade val="50000"/>
-            </a:schemeClr>
-          </a:lnRef>
-          <a:fillRef idx="1">
-            <a:schemeClr val="accent1"/>
-          </a:fillRef>
-          <a:effectRef idx="0">
-            <a:schemeClr val="accent1"/>
-          </a:effectRef>
-          <a:fontRef idx="minor">
-            <a:schemeClr val="lt1"/>
-          </a:fontRef>
-        </p:style>
-        <p:txBody>
-          <a:bodyPr rtlCol="0" anchor="ctr"/>
-          <a:lstStyle/>
-          <a:p>
-            <a:pPr algn="ctr"/>
-            <a:r>
-              <a:rPr lang="en-US" b="1" dirty="0">
-                <a:solidFill>
-                  <a:schemeClr val="tx1"/>
-                </a:solidFill>
-              </a:rPr>
-              <a:t>:Interval_</a:t>
-            </a:r>
-            <a:r>
-              <a:rPr lang="en-US" dirty="0">
-                <a:solidFill>
-                  <a:schemeClr val="bg1">
-                    <a:lumMod val="50000"/>
-                  </a:schemeClr>
-                </a:solidFill>
-              </a:rPr>
-              <a:t> xxx</a:t>
-            </a:r>
-          </a:p>
-        </p:txBody>
-      </p:sp>
-      <p:sp>
-        <p:nvSpPr>
-          <p:cNvPr id="65" name="TextBox 64">
-            <a:extLst>
-              <a:ext uri="{FF2B5EF4-FFF2-40B4-BE49-F238E27FC236}">
-                <a16:creationId xmlns:a16="http://schemas.microsoft.com/office/drawing/2014/main" id="{5D224BE6-72F7-4AE8-A204-3798AF08CCE5}"/>
-              </a:ext>
-            </a:extLst>
-          </p:cNvPr>
-          <p:cNvSpPr txBox="1"/>
-          <p:nvPr/>
-        </p:nvSpPr>
-        <p:spPr>
-          <a:xfrm>
-            <a:off x="8100050" y="2777737"/>
-            <a:ext cx="1184820" cy="369332"/>
-          </a:xfrm>
-          <a:prstGeom prst="rect">
-            <a:avLst/>
-          </a:prstGeom>
-          <a:noFill/>
-        </p:spPr>
-        <p:txBody>
-          <a:bodyPr wrap="square" rtlCol="0">
-            <a:spAutoFit/>
-          </a:bodyPr>
-          <a:lstStyle/>
-          <a:p>
-            <a:r>
-              <a:rPr lang="en-US" dirty="0">
-                <a:solidFill>
-                  <a:srgbClr val="0033CC"/>
-                </a:solidFill>
-              </a:rPr>
-              <a:t>SD1002</a:t>
-            </a:r>
-          </a:p>
-        </p:txBody>
-      </p:sp>
-      <p:sp>
-        <p:nvSpPr>
-          <p:cNvPr id="38" name="TextBox 37">
-            <a:extLst>
-              <a:ext uri="{FF2B5EF4-FFF2-40B4-BE49-F238E27FC236}">
-                <a16:creationId xmlns:a16="http://schemas.microsoft.com/office/drawing/2014/main" id="{58A3FADE-C48C-40D6-A250-73404B030070}"/>
-              </a:ext>
-            </a:extLst>
-          </p:cNvPr>
-          <p:cNvSpPr txBox="1"/>
-          <p:nvPr/>
-        </p:nvSpPr>
-        <p:spPr>
-          <a:xfrm>
-            <a:off x="5160580" y="2777737"/>
-            <a:ext cx="1843582" cy="369332"/>
-          </a:xfrm>
-          <a:prstGeom prst="rect">
-            <a:avLst/>
-          </a:prstGeom>
-          <a:noFill/>
-        </p:spPr>
-        <p:txBody>
-          <a:bodyPr wrap="none" rtlCol="0">
-            <a:spAutoFit/>
-          </a:bodyPr>
-          <a:lstStyle>
-            <a:defPPr>
-              <a:defRPr lang="en-US"/>
-            </a:defPPr>
-            <a:lvl1pPr>
-              <a:defRPr>
-                <a:solidFill>
-                  <a:schemeClr val="accent6">
-                    <a:lumMod val="75000"/>
-                  </a:schemeClr>
-                </a:solidFill>
-              </a:defRPr>
-            </a:lvl1pPr>
-          </a:lstStyle>
-          <a:p>
-            <a:r>
-              <a:rPr lang="en-US" i="1" dirty="0">
-                <a:solidFill>
-                  <a:schemeClr val="bg1">
-                    <a:lumMod val="50000"/>
-                  </a:schemeClr>
-                </a:solidFill>
-              </a:rPr>
-              <a:t>To be determined</a:t>
-            </a:r>
-          </a:p>
-        </p:txBody>
-      </p:sp>
-      <p:grpSp>
-        <p:nvGrpSpPr>
-          <p:cNvPr id="11" name="Group 10">
-            <a:extLst>
-              <a:ext uri="{FF2B5EF4-FFF2-40B4-BE49-F238E27FC236}">
-                <a16:creationId xmlns:a16="http://schemas.microsoft.com/office/drawing/2014/main" id="{9A54AA4A-4955-45A6-950C-B11D71165AD6}"/>
-              </a:ext>
-            </a:extLst>
-          </p:cNvPr>
-          <p:cNvGrpSpPr/>
-          <p:nvPr/>
-        </p:nvGrpSpPr>
-        <p:grpSpPr>
-          <a:xfrm>
-            <a:off x="1813389" y="4033715"/>
-            <a:ext cx="5190773" cy="457001"/>
-            <a:chOff x="1813389" y="4044231"/>
-            <a:chExt cx="5190773" cy="457001"/>
-          </a:xfrm>
-        </p:grpSpPr>
-        <p:sp>
-          <p:nvSpPr>
-            <p:cNvPr id="49" name="Rectangle: Rounded Corners 48">
-              <a:extLst>
-                <a:ext uri="{FF2B5EF4-FFF2-40B4-BE49-F238E27FC236}">
-                  <a16:creationId xmlns:a16="http://schemas.microsoft.com/office/drawing/2014/main" id="{AC5ADABD-A2F6-4C9F-93BC-ED94E5305351}"/>
-                </a:ext>
-              </a:extLst>
-            </p:cNvPr>
-            <p:cNvSpPr/>
-            <p:nvPr/>
-          </p:nvSpPr>
-          <p:spPr>
-            <a:xfrm>
-              <a:off x="1813389" y="4044231"/>
-              <a:ext cx="3154680" cy="457001"/>
-            </a:xfrm>
-            <a:prstGeom prst="roundRect">
-              <a:avLst/>
-            </a:prstGeom>
-            <a:solidFill>
-              <a:schemeClr val="accent1">
-                <a:lumMod val="40000"/>
-                <a:lumOff val="60000"/>
-              </a:schemeClr>
-            </a:solidFill>
-            <a:ln w="38100">
-              <a:solidFill>
-                <a:schemeClr val="accent1">
-                  <a:lumMod val="75000"/>
-                </a:schemeClr>
-              </a:solidFill>
-            </a:ln>
-          </p:spPr>
-          <p:style>
-            <a:lnRef idx="2">
-              <a:schemeClr val="accent1">
-                <a:shade val="50000"/>
-              </a:schemeClr>
-            </a:lnRef>
-            <a:fillRef idx="1">
-              <a:schemeClr val="accent1"/>
-            </a:fillRef>
-            <a:effectRef idx="0">
-              <a:schemeClr val="accent1"/>
-            </a:effectRef>
-            <a:fontRef idx="minor">
-              <a:schemeClr val="lt1"/>
-            </a:fontRef>
-          </p:style>
-          <p:txBody>
-            <a:bodyPr rtlCol="0" anchor="ctr"/>
-            <a:lstStyle/>
-            <a:p>
-              <a:pPr algn="ctr"/>
-              <a:r>
-                <a:rPr lang="en-US" b="1" dirty="0">
-                  <a:solidFill>
-                    <a:schemeClr val="tx1"/>
-                  </a:solidFill>
-                </a:rPr>
-                <a:t>:</a:t>
-              </a:r>
-              <a:r>
-                <a:rPr lang="en-US" b="1" dirty="0" err="1">
-                  <a:solidFill>
-                    <a:schemeClr val="tx1"/>
-                  </a:solidFill>
-                </a:rPr>
-                <a:t>Species</a:t>
-              </a:r>
-              <a:r>
-                <a:rPr lang="en-US" b="1" dirty="0" err="1">
-                  <a:solidFill>
-                    <a:schemeClr val="bg1">
-                      <a:lumMod val="50000"/>
-                    </a:schemeClr>
-                  </a:solidFill>
-                </a:rPr>
-                <a:t>_</a:t>
-              </a:r>
-              <a:r>
-                <a:rPr lang="en-US" dirty="0" err="1">
-                  <a:solidFill>
-                    <a:schemeClr val="bg1">
-                      <a:lumMod val="50000"/>
-                    </a:schemeClr>
-                  </a:solidFill>
-                </a:rPr>
-                <a:t>xxx</a:t>
-              </a:r>
-              <a:endParaRPr lang="en-US" dirty="0">
-                <a:solidFill>
-                  <a:schemeClr val="bg1">
-                    <a:lumMod val="50000"/>
-                  </a:schemeClr>
-                </a:solidFill>
-              </a:endParaRPr>
-            </a:p>
-          </p:txBody>
-        </p:sp>
-        <p:sp>
-          <p:nvSpPr>
-            <p:cNvPr id="39" name="TextBox 38">
-              <a:extLst>
-                <a:ext uri="{FF2B5EF4-FFF2-40B4-BE49-F238E27FC236}">
-                  <a16:creationId xmlns:a16="http://schemas.microsoft.com/office/drawing/2014/main" id="{9BCDEF6C-8ACD-4C64-9691-3B347D187B31}"/>
-                </a:ext>
-              </a:extLst>
-            </p:cNvPr>
-            <p:cNvSpPr txBox="1"/>
-            <p:nvPr/>
-          </p:nvSpPr>
-          <p:spPr>
-            <a:xfrm>
-              <a:off x="5160580" y="4088065"/>
-              <a:ext cx="1843582" cy="369332"/>
-            </a:xfrm>
-            <a:prstGeom prst="rect">
-              <a:avLst/>
-            </a:prstGeom>
-            <a:noFill/>
-          </p:spPr>
-          <p:txBody>
-            <a:bodyPr wrap="none" rtlCol="0">
-              <a:spAutoFit/>
-            </a:bodyPr>
-            <a:lstStyle>
-              <a:defPPr>
-                <a:defRPr lang="en-US"/>
-              </a:defPPr>
-              <a:lvl1pPr>
-                <a:defRPr>
-                  <a:solidFill>
-                    <a:schemeClr val="accent6">
-                      <a:lumMod val="75000"/>
-                    </a:schemeClr>
-                  </a:solidFill>
-                </a:defRPr>
-              </a:lvl1pPr>
-            </a:lstStyle>
-            <a:p>
-              <a:r>
-                <a:rPr lang="en-US" i="1" dirty="0">
-                  <a:solidFill>
-                    <a:schemeClr val="bg1">
-                      <a:lumMod val="50000"/>
-                    </a:schemeClr>
-                  </a:solidFill>
-                </a:rPr>
-                <a:t>To be determined</a:t>
-              </a:r>
-            </a:p>
-          </p:txBody>
-        </p:sp>
-      </p:grpSp>
-      <p:grpSp>
-        <p:nvGrpSpPr>
-          <p:cNvPr id="12" name="Group 11">
-            <a:extLst>
-              <a:ext uri="{FF2B5EF4-FFF2-40B4-BE49-F238E27FC236}">
-                <a16:creationId xmlns:a16="http://schemas.microsoft.com/office/drawing/2014/main" id="{EF555A0F-6638-4F09-8610-CBBD263F1E5A}"/>
-              </a:ext>
-            </a:extLst>
-          </p:cNvPr>
-          <p:cNvGrpSpPr/>
-          <p:nvPr/>
-        </p:nvGrpSpPr>
-        <p:grpSpPr>
-          <a:xfrm>
-            <a:off x="1813389" y="4683621"/>
-            <a:ext cx="5190773" cy="457001"/>
-            <a:chOff x="1813389" y="4682072"/>
-            <a:chExt cx="5190773" cy="457001"/>
-          </a:xfrm>
-        </p:grpSpPr>
-        <p:sp>
-          <p:nvSpPr>
-            <p:cNvPr id="53" name="Rectangle: Rounded Corners 52">
-              <a:extLst>
-                <a:ext uri="{FF2B5EF4-FFF2-40B4-BE49-F238E27FC236}">
-                  <a16:creationId xmlns:a16="http://schemas.microsoft.com/office/drawing/2014/main" id="{5F64002F-F42A-4F15-A63A-C21552CDF952}"/>
-                </a:ext>
-              </a:extLst>
-            </p:cNvPr>
-            <p:cNvSpPr/>
-            <p:nvPr/>
-          </p:nvSpPr>
-          <p:spPr>
-            <a:xfrm>
-              <a:off x="1813389" y="4682072"/>
-              <a:ext cx="3154680" cy="457001"/>
-            </a:xfrm>
-            <a:prstGeom prst="roundRect">
-              <a:avLst/>
-            </a:prstGeom>
-            <a:solidFill>
-              <a:schemeClr val="accent1">
-                <a:lumMod val="40000"/>
-                <a:lumOff val="60000"/>
-              </a:schemeClr>
-            </a:solidFill>
-            <a:ln w="38100">
-              <a:solidFill>
-                <a:schemeClr val="accent1">
-                  <a:lumMod val="75000"/>
-                </a:schemeClr>
-              </a:solidFill>
-            </a:ln>
-          </p:spPr>
-          <p:style>
-            <a:lnRef idx="2">
-              <a:schemeClr val="accent1">
-                <a:shade val="50000"/>
-              </a:schemeClr>
-            </a:lnRef>
-            <a:fillRef idx="1">
-              <a:schemeClr val="accent1"/>
-            </a:fillRef>
-            <a:effectRef idx="0">
-              <a:schemeClr val="accent1"/>
-            </a:effectRef>
-            <a:fontRef idx="minor">
-              <a:schemeClr val="lt1"/>
-            </a:fontRef>
-          </p:style>
-          <p:txBody>
-            <a:bodyPr rtlCol="0" anchor="ctr"/>
-            <a:lstStyle/>
-            <a:p>
-              <a:pPr algn="ctr"/>
-              <a:r>
-                <a:rPr lang="en-US" b="1" dirty="0">
-                  <a:solidFill>
-                    <a:schemeClr val="tx1"/>
-                  </a:solidFill>
-                </a:rPr>
-                <a:t>:</a:t>
-              </a:r>
-              <a:r>
-                <a:rPr lang="en-US" b="1" dirty="0" err="1">
-                  <a:solidFill>
-                    <a:schemeClr val="tx1"/>
-                  </a:solidFill>
-                </a:rPr>
-                <a:t>SexDataCollection_</a:t>
-              </a:r>
-              <a:r>
-                <a:rPr lang="en-US" dirty="0" err="1">
-                  <a:solidFill>
-                    <a:schemeClr val="bg1">
-                      <a:lumMod val="50000"/>
-                    </a:schemeClr>
-                  </a:solidFill>
-                </a:rPr>
-                <a:t>xxx</a:t>
-              </a:r>
-              <a:endParaRPr lang="en-US" dirty="0">
-                <a:solidFill>
-                  <a:schemeClr val="bg1">
-                    <a:lumMod val="50000"/>
-                  </a:schemeClr>
-                </a:solidFill>
-              </a:endParaRPr>
-            </a:p>
-          </p:txBody>
-        </p:sp>
-        <p:sp>
-          <p:nvSpPr>
-            <p:cNvPr id="40" name="TextBox 39">
-              <a:extLst>
-                <a:ext uri="{FF2B5EF4-FFF2-40B4-BE49-F238E27FC236}">
-                  <a16:creationId xmlns:a16="http://schemas.microsoft.com/office/drawing/2014/main" id="{95D47E7F-AFD7-4306-A43A-9F8DA1FD0CD4}"/>
-                </a:ext>
-              </a:extLst>
-            </p:cNvPr>
-            <p:cNvSpPr txBox="1"/>
-            <p:nvPr/>
-          </p:nvSpPr>
-          <p:spPr>
-            <a:xfrm>
-              <a:off x="5160580" y="4725906"/>
-              <a:ext cx="1843582" cy="369332"/>
-            </a:xfrm>
-            <a:prstGeom prst="rect">
-              <a:avLst/>
-            </a:prstGeom>
-            <a:noFill/>
-          </p:spPr>
-          <p:txBody>
-            <a:bodyPr wrap="none" rtlCol="0">
-              <a:spAutoFit/>
-            </a:bodyPr>
-            <a:lstStyle>
-              <a:defPPr>
-                <a:defRPr lang="en-US"/>
-              </a:defPPr>
-              <a:lvl1pPr>
-                <a:defRPr>
-                  <a:solidFill>
-                    <a:schemeClr val="accent6">
-                      <a:lumMod val="75000"/>
-                    </a:schemeClr>
-                  </a:solidFill>
-                </a:defRPr>
-              </a:lvl1pPr>
-            </a:lstStyle>
-            <a:p>
-              <a:r>
-                <a:rPr lang="en-US" i="1" dirty="0">
-                  <a:solidFill>
-                    <a:schemeClr val="bg1">
-                      <a:lumMod val="50000"/>
-                    </a:schemeClr>
-                  </a:solidFill>
-                </a:rPr>
-                <a:t>To be determined</a:t>
-              </a:r>
-            </a:p>
-          </p:txBody>
-        </p:sp>
-      </p:grpSp>
-      <p:sp>
-        <p:nvSpPr>
-          <p:cNvPr id="54" name="Rectangle: Rounded Corners 53">
-            <a:extLst>
-              <a:ext uri="{FF2B5EF4-FFF2-40B4-BE49-F238E27FC236}">
-                <a16:creationId xmlns:a16="http://schemas.microsoft.com/office/drawing/2014/main" id="{F3CCF06A-9EA7-441F-B0EE-8FE67B1BE6B9}"/>
-              </a:ext>
-            </a:extLst>
-          </p:cNvPr>
-          <p:cNvSpPr/>
-          <p:nvPr/>
-        </p:nvSpPr>
-        <p:spPr>
-          <a:xfrm>
-            <a:off x="1813389" y="5428192"/>
-            <a:ext cx="3154680" cy="457001"/>
-          </a:xfrm>
-          <a:prstGeom prst="roundRect">
-            <a:avLst/>
-          </a:prstGeom>
-          <a:solidFill>
-            <a:schemeClr val="accent1">
-              <a:lumMod val="40000"/>
-              <a:lumOff val="60000"/>
-            </a:schemeClr>
-          </a:solidFill>
-          <a:ln w="38100">
-            <a:solidFill>
-              <a:schemeClr val="accent1">
-                <a:lumMod val="75000"/>
-              </a:schemeClr>
-            </a:solidFill>
-          </a:ln>
-        </p:spPr>
-        <p:style>
-          <a:lnRef idx="2">
-            <a:schemeClr val="accent1">
-              <a:shade val="50000"/>
-            </a:schemeClr>
-          </a:lnRef>
-          <a:fillRef idx="1">
-            <a:schemeClr val="accent1"/>
-          </a:fillRef>
-          <a:effectRef idx="0">
-            <a:schemeClr val="accent1"/>
-          </a:effectRef>
-          <a:fontRef idx="minor">
-            <a:schemeClr val="lt1"/>
-          </a:fontRef>
-        </p:style>
-        <p:txBody>
-          <a:bodyPr rtlCol="0" anchor="ctr"/>
-          <a:lstStyle/>
-          <a:p>
-            <a:pPr algn="ctr"/>
-            <a:r>
-              <a:rPr lang="en-US" b="1" dirty="0">
-                <a:solidFill>
-                  <a:schemeClr val="tx1"/>
-                </a:solidFill>
-              </a:rPr>
-              <a:t>:</a:t>
-            </a:r>
-            <a:r>
-              <a:rPr lang="en-US" b="1" dirty="0" err="1">
-                <a:solidFill>
-                  <a:schemeClr val="tx1"/>
-                </a:solidFill>
-              </a:rPr>
-              <a:t>AgeDataCollection_</a:t>
-            </a:r>
-            <a:r>
-              <a:rPr lang="en-US" dirty="0" err="1">
-                <a:solidFill>
-                  <a:schemeClr val="bg1">
-                    <a:lumMod val="50000"/>
-                  </a:schemeClr>
-                </a:solidFill>
-              </a:rPr>
-              <a:t>xxx</a:t>
-            </a:r>
-            <a:endParaRPr lang="en-US" dirty="0">
-              <a:solidFill>
-                <a:schemeClr val="bg1">
-                  <a:lumMod val="50000"/>
-                </a:schemeClr>
-              </a:solidFill>
-            </a:endParaRPr>
-          </a:p>
-        </p:txBody>
-      </p:sp>
-      <p:sp>
-        <p:nvSpPr>
-          <p:cNvPr id="68" name="TextBox 67">
-            <a:extLst>
-              <a:ext uri="{FF2B5EF4-FFF2-40B4-BE49-F238E27FC236}">
-                <a16:creationId xmlns:a16="http://schemas.microsoft.com/office/drawing/2014/main" id="{7FF25D90-0557-4EDD-8A98-20605F11B1E6}"/>
-              </a:ext>
-            </a:extLst>
-          </p:cNvPr>
-          <p:cNvSpPr txBox="1"/>
-          <p:nvPr/>
-        </p:nvSpPr>
-        <p:spPr>
-          <a:xfrm>
-            <a:off x="8100050" y="5333527"/>
-            <a:ext cx="4253840" cy="584775"/>
-          </a:xfrm>
-          <a:prstGeom prst="rect">
-            <a:avLst/>
-          </a:prstGeom>
-          <a:noFill/>
-        </p:spPr>
-        <p:txBody>
-          <a:bodyPr wrap="square" rtlCol="0">
-            <a:spAutoFit/>
-          </a:bodyPr>
-          <a:lstStyle/>
-          <a:p>
-            <a:r>
-              <a:rPr lang="en-US" sz="1600" dirty="0">
-                <a:solidFill>
-                  <a:srgbClr val="0033CC"/>
-                </a:solidFill>
-              </a:rPr>
-              <a:t>SD0084, SD1129, SD1121, SD2019, SD2023,</a:t>
-            </a:r>
-          </a:p>
-          <a:p>
-            <a:r>
-              <a:rPr lang="en-US" sz="1600" dirty="0">
-                <a:solidFill>
-                  <a:srgbClr val="0033CC"/>
-                </a:solidFill>
-              </a:rPr>
-              <a:t>SD2020, SD2012, SD2022</a:t>
-            </a:r>
-          </a:p>
-        </p:txBody>
-      </p:sp>
-      <p:sp>
-        <p:nvSpPr>
-          <p:cNvPr id="42" name="TextBox 41">
-            <a:extLst>
-              <a:ext uri="{FF2B5EF4-FFF2-40B4-BE49-F238E27FC236}">
-                <a16:creationId xmlns:a16="http://schemas.microsoft.com/office/drawing/2014/main" id="{4A6ED15C-54D6-4E35-813D-0D965E6185AA}"/>
-              </a:ext>
-            </a:extLst>
-          </p:cNvPr>
-          <p:cNvSpPr txBox="1"/>
-          <p:nvPr/>
-        </p:nvSpPr>
-        <p:spPr>
-          <a:xfrm>
-            <a:off x="5160580" y="5472026"/>
-            <a:ext cx="1843582" cy="369332"/>
-          </a:xfrm>
-          <a:prstGeom prst="rect">
-            <a:avLst/>
-          </a:prstGeom>
-          <a:noFill/>
-        </p:spPr>
-        <p:txBody>
-          <a:bodyPr wrap="none" rtlCol="0">
-            <a:spAutoFit/>
-          </a:bodyPr>
-          <a:lstStyle>
-            <a:defPPr>
-              <a:defRPr lang="en-US"/>
-            </a:defPPr>
-            <a:lvl1pPr>
-              <a:defRPr>
-                <a:solidFill>
-                  <a:schemeClr val="accent6">
-                    <a:lumMod val="75000"/>
-                  </a:schemeClr>
-                </a:solidFill>
-              </a:defRPr>
-            </a:lvl1pPr>
-          </a:lstStyle>
-          <a:p>
-            <a:r>
-              <a:rPr lang="en-US" i="1" dirty="0">
-                <a:solidFill>
-                  <a:schemeClr val="bg1">
-                    <a:lumMod val="50000"/>
-                  </a:schemeClr>
-                </a:solidFill>
-              </a:rPr>
-              <a:t>To be determined</a:t>
-            </a:r>
-          </a:p>
-        </p:txBody>
-      </p:sp>
-      <p:grpSp>
-        <p:nvGrpSpPr>
-          <p:cNvPr id="16" name="Group 15">
-            <a:extLst>
-              <a:ext uri="{FF2B5EF4-FFF2-40B4-BE49-F238E27FC236}">
-                <a16:creationId xmlns:a16="http://schemas.microsoft.com/office/drawing/2014/main" id="{21AB15E0-DB92-4174-88C3-5E9E56C245CB}"/>
-              </a:ext>
-            </a:extLst>
-          </p:cNvPr>
-          <p:cNvGrpSpPr/>
-          <p:nvPr/>
-        </p:nvGrpSpPr>
-        <p:grpSpPr>
-          <a:xfrm>
-            <a:off x="1813389" y="6172762"/>
-            <a:ext cx="5190773" cy="457001"/>
-            <a:chOff x="1813389" y="6172762"/>
-            <a:chExt cx="5190773" cy="457001"/>
-          </a:xfrm>
-        </p:grpSpPr>
-        <p:sp>
-          <p:nvSpPr>
-            <p:cNvPr id="56" name="Rectangle: Rounded Corners 55">
-              <a:extLst>
-                <a:ext uri="{FF2B5EF4-FFF2-40B4-BE49-F238E27FC236}">
-                  <a16:creationId xmlns:a16="http://schemas.microsoft.com/office/drawing/2014/main" id="{1F23C94D-E114-4BD9-9A4C-05D2B7B591B2}"/>
-                </a:ext>
-              </a:extLst>
-            </p:cNvPr>
-            <p:cNvSpPr/>
-            <p:nvPr/>
-          </p:nvSpPr>
-          <p:spPr>
-            <a:xfrm>
-              <a:off x="1813389" y="6172762"/>
-              <a:ext cx="3154680" cy="457001"/>
-            </a:xfrm>
-            <a:prstGeom prst="roundRect">
-              <a:avLst/>
-            </a:prstGeom>
-            <a:solidFill>
-              <a:schemeClr val="accent1">
-                <a:lumMod val="40000"/>
-                <a:lumOff val="60000"/>
-              </a:schemeClr>
-            </a:solidFill>
-            <a:ln w="38100">
-              <a:solidFill>
-                <a:schemeClr val="accent1">
-                  <a:lumMod val="75000"/>
-                </a:schemeClr>
-              </a:solidFill>
-            </a:ln>
-          </p:spPr>
-          <p:style>
-            <a:lnRef idx="2">
-              <a:schemeClr val="accent1">
-                <a:shade val="50000"/>
-              </a:schemeClr>
-            </a:lnRef>
-            <a:fillRef idx="1">
-              <a:schemeClr val="accent1"/>
-            </a:fillRef>
-            <a:effectRef idx="0">
-              <a:schemeClr val="accent1"/>
-            </a:effectRef>
-            <a:fontRef idx="minor">
-              <a:schemeClr val="lt1"/>
-            </a:fontRef>
-          </p:style>
-          <p:txBody>
-            <a:bodyPr rtlCol="0" anchor="ctr"/>
-            <a:lstStyle/>
-            <a:p>
-              <a:pPr algn="ctr"/>
-              <a:r>
-                <a:rPr lang="en-US" b="1" dirty="0">
-                  <a:solidFill>
-                    <a:schemeClr val="tx1"/>
-                  </a:solidFill>
-                </a:rPr>
-                <a:t>:</a:t>
-              </a:r>
-              <a:r>
-                <a:rPr lang="en-US" b="1" dirty="0" err="1">
-                  <a:solidFill>
-                    <a:schemeClr val="tx1"/>
-                  </a:solidFill>
-                </a:rPr>
-                <a:t>Randomization_</a:t>
-              </a:r>
-              <a:r>
-                <a:rPr lang="en-US" dirty="0" err="1">
-                  <a:solidFill>
-                    <a:schemeClr val="bg1">
-                      <a:lumMod val="50000"/>
-                    </a:schemeClr>
-                  </a:solidFill>
-                </a:rPr>
-                <a:t>xxx</a:t>
-              </a:r>
-              <a:endParaRPr lang="en-US" dirty="0">
-                <a:solidFill>
-                  <a:schemeClr val="bg1">
-                    <a:lumMod val="50000"/>
-                  </a:schemeClr>
-                </a:solidFill>
-              </a:endParaRPr>
-            </a:p>
-          </p:txBody>
-        </p:sp>
-        <p:sp>
-          <p:nvSpPr>
-            <p:cNvPr id="43" name="TextBox 42">
-              <a:extLst>
-                <a:ext uri="{FF2B5EF4-FFF2-40B4-BE49-F238E27FC236}">
-                  <a16:creationId xmlns:a16="http://schemas.microsoft.com/office/drawing/2014/main" id="{906CB266-FF31-4429-958E-840EE8BE2A55}"/>
-                </a:ext>
-              </a:extLst>
-            </p:cNvPr>
-            <p:cNvSpPr txBox="1"/>
-            <p:nvPr/>
-          </p:nvSpPr>
-          <p:spPr>
-            <a:xfrm>
-              <a:off x="5160580" y="6216596"/>
-              <a:ext cx="1843582" cy="369332"/>
-            </a:xfrm>
-            <a:prstGeom prst="rect">
-              <a:avLst/>
-            </a:prstGeom>
-            <a:noFill/>
-          </p:spPr>
-          <p:txBody>
-            <a:bodyPr wrap="none" rtlCol="0">
-              <a:spAutoFit/>
-            </a:bodyPr>
-            <a:lstStyle>
-              <a:defPPr>
-                <a:defRPr lang="en-US"/>
-              </a:defPPr>
-              <a:lvl1pPr>
-                <a:defRPr>
-                  <a:solidFill>
-                    <a:schemeClr val="accent6">
-                      <a:lumMod val="75000"/>
-                    </a:schemeClr>
-                  </a:solidFill>
-                </a:defRPr>
-              </a:lvl1pPr>
-            </a:lstStyle>
-            <a:p>
-              <a:r>
-                <a:rPr lang="en-US" i="1" dirty="0">
-                  <a:solidFill>
-                    <a:schemeClr val="bg1">
-                      <a:lumMod val="50000"/>
-                    </a:schemeClr>
-                  </a:solidFill>
-                </a:rPr>
-                <a:t>To be determined</a:t>
-              </a:r>
-            </a:p>
-          </p:txBody>
-        </p:sp>
-      </p:grpSp>
-      <p:sp>
-        <p:nvSpPr>
-          <p:cNvPr id="46" name="Rectangle: Rounded Corners 45">
-            <a:extLst>
-              <a:ext uri="{FF2B5EF4-FFF2-40B4-BE49-F238E27FC236}">
-                <a16:creationId xmlns:a16="http://schemas.microsoft.com/office/drawing/2014/main" id="{9273A411-079F-48E2-AD6C-9DB949A0F839}"/>
-              </a:ext>
-            </a:extLst>
-          </p:cNvPr>
-          <p:cNvSpPr/>
-          <p:nvPr/>
-        </p:nvSpPr>
-        <p:spPr>
-          <a:xfrm>
-            <a:off x="1813389" y="3383809"/>
-            <a:ext cx="3154680" cy="457001"/>
-          </a:xfrm>
-          <a:prstGeom prst="roundRect">
-            <a:avLst/>
-          </a:prstGeom>
-          <a:solidFill>
-            <a:schemeClr val="accent1">
-              <a:lumMod val="40000"/>
-              <a:lumOff val="60000"/>
-            </a:schemeClr>
-          </a:solidFill>
-          <a:ln w="38100">
-            <a:solidFill>
-              <a:schemeClr val="accent1">
-                <a:lumMod val="75000"/>
-              </a:schemeClr>
-            </a:solidFill>
-          </a:ln>
-        </p:spPr>
-        <p:style>
-          <a:lnRef idx="2">
-            <a:schemeClr val="accent1">
-              <a:shade val="50000"/>
-            </a:schemeClr>
-          </a:lnRef>
-          <a:fillRef idx="1">
-            <a:schemeClr val="accent1"/>
-          </a:fillRef>
-          <a:effectRef idx="0">
-            <a:schemeClr val="accent1"/>
-          </a:effectRef>
-          <a:fontRef idx="minor">
-            <a:schemeClr val="lt1"/>
-          </a:fontRef>
-        </p:style>
-        <p:txBody>
-          <a:bodyPr rtlCol="0" anchor="ctr"/>
-          <a:lstStyle/>
-          <a:p>
-            <a:pPr algn="ctr"/>
-            <a:r>
-              <a:rPr lang="en-US" b="1" dirty="0">
-                <a:solidFill>
-                  <a:schemeClr val="tx1"/>
-                </a:solidFill>
-              </a:rPr>
-              <a:t>:</a:t>
-            </a:r>
-            <a:r>
-              <a:rPr lang="en-US" b="1" dirty="0" err="1">
-                <a:solidFill>
-                  <a:schemeClr val="tx1"/>
-                </a:solidFill>
-              </a:rPr>
-              <a:t>Set_</a:t>
-            </a:r>
-            <a:r>
-              <a:rPr lang="en-US" dirty="0" err="1">
-                <a:solidFill>
-                  <a:schemeClr val="bg1">
-                    <a:lumMod val="50000"/>
-                  </a:schemeClr>
-                </a:solidFill>
-              </a:rPr>
-              <a:t>xxx</a:t>
-            </a:r>
-            <a:endParaRPr lang="en-US" dirty="0">
-              <a:solidFill>
-                <a:schemeClr val="bg1">
-                  <a:lumMod val="50000"/>
-                </a:schemeClr>
-              </a:solidFill>
-            </a:endParaRPr>
-          </a:p>
-        </p:txBody>
-      </p:sp>
-      <p:sp>
-        <p:nvSpPr>
-          <p:cNvPr id="69" name="TextBox 68">
-            <a:extLst>
-              <a:ext uri="{FF2B5EF4-FFF2-40B4-BE49-F238E27FC236}">
-                <a16:creationId xmlns:a16="http://schemas.microsoft.com/office/drawing/2014/main" id="{6F203C4D-B611-4A8A-BD66-4B1E38326E02}"/>
-              </a:ext>
-            </a:extLst>
-          </p:cNvPr>
-          <p:cNvSpPr txBox="1"/>
-          <p:nvPr/>
-        </p:nvSpPr>
-        <p:spPr>
-          <a:xfrm>
-            <a:off x="8100050" y="3427643"/>
-            <a:ext cx="1605234" cy="369332"/>
-          </a:xfrm>
-          <a:prstGeom prst="rect">
-            <a:avLst/>
-          </a:prstGeom>
-          <a:noFill/>
-        </p:spPr>
-        <p:txBody>
-          <a:bodyPr wrap="square" rtlCol="0">
-            <a:spAutoFit/>
-          </a:bodyPr>
-          <a:lstStyle/>
-          <a:p>
-            <a:r>
-              <a:rPr lang="en-US" dirty="0">
-                <a:solidFill>
-                  <a:srgbClr val="0033CC"/>
-                </a:solidFill>
-              </a:rPr>
-              <a:t>SD1259</a:t>
-            </a:r>
-          </a:p>
-        </p:txBody>
-      </p:sp>
-      <p:sp>
-        <p:nvSpPr>
-          <p:cNvPr id="44" name="TextBox 43">
-            <a:extLst>
-              <a:ext uri="{FF2B5EF4-FFF2-40B4-BE49-F238E27FC236}">
-                <a16:creationId xmlns:a16="http://schemas.microsoft.com/office/drawing/2014/main" id="{7BC92E35-82EE-42ED-B41A-ED552C39B4B2}"/>
-              </a:ext>
-            </a:extLst>
-          </p:cNvPr>
-          <p:cNvSpPr txBox="1"/>
-          <p:nvPr/>
-        </p:nvSpPr>
-        <p:spPr>
-          <a:xfrm>
-            <a:off x="5160580" y="3427643"/>
-            <a:ext cx="1792014" cy="369332"/>
-          </a:xfrm>
-          <a:prstGeom prst="rect">
-            <a:avLst/>
-          </a:prstGeom>
-          <a:noFill/>
-        </p:spPr>
-        <p:txBody>
-          <a:bodyPr wrap="square" rtlCol="0">
-            <a:spAutoFit/>
-          </a:bodyPr>
-          <a:lstStyle>
-            <a:defPPr>
-              <a:defRPr lang="en-US"/>
-            </a:defPPr>
-            <a:lvl1pPr>
-              <a:defRPr>
-                <a:solidFill>
-                  <a:schemeClr val="accent6">
-                    <a:lumMod val="75000"/>
-                  </a:schemeClr>
-                </a:solidFill>
-              </a:defRPr>
-            </a:lvl1pPr>
-          </a:lstStyle>
-          <a:p>
-            <a:r>
-              <a:rPr lang="en-US" i="1" dirty="0">
-                <a:solidFill>
-                  <a:schemeClr val="bg1">
-                    <a:lumMod val="50000"/>
-                  </a:schemeClr>
-                </a:solidFill>
-              </a:rPr>
-              <a:t>To be determined</a:t>
-            </a:r>
+            <a:endParaRPr lang="en-US"/>
           </a:p>
         </p:txBody>
       </p:sp>
     </p:spTree>
     <p:extLst>
       <p:ext uri="{BB962C8B-B14F-4D97-AF65-F5344CB8AC3E}">
-        <p14:creationId xmlns:p14="http://schemas.microsoft.com/office/powerpoint/2010/main" val="4149868494"/>
+        <p14:creationId xmlns:p14="http://schemas.microsoft.com/office/powerpoint/2010/main" val="1186431338"/>
       </p:ext>
     </p:extLst>
   </p:cSld>

--- a/images/ImageSources.pptx
+++ b/images/ImageSources.pptx
@@ -6,19 +6,20 @@
   </p:sldMasterIdLst>
   <p:sldIdLst>
     <p:sldId id="264" r:id="rId2"/>
-    <p:sldId id="262" r:id="rId3"/>
-    <p:sldId id="263" r:id="rId4"/>
-    <p:sldId id="265" r:id="rId5"/>
-    <p:sldId id="268" r:id="rId6"/>
-    <p:sldId id="269" r:id="rId7"/>
-    <p:sldId id="270" r:id="rId8"/>
-    <p:sldId id="272" r:id="rId9"/>
-    <p:sldId id="267" r:id="rId10"/>
-    <p:sldId id="266" r:id="rId11"/>
-    <p:sldId id="261" r:id="rId12"/>
-    <p:sldId id="259" r:id="rId13"/>
-    <p:sldId id="260" r:id="rId14"/>
-    <p:sldId id="271" r:id="rId15"/>
+    <p:sldId id="273" r:id="rId3"/>
+    <p:sldId id="262" r:id="rId4"/>
+    <p:sldId id="263" r:id="rId5"/>
+    <p:sldId id="265" r:id="rId6"/>
+    <p:sldId id="268" r:id="rId7"/>
+    <p:sldId id="269" r:id="rId8"/>
+    <p:sldId id="270" r:id="rId9"/>
+    <p:sldId id="272" r:id="rId10"/>
+    <p:sldId id="267" r:id="rId11"/>
+    <p:sldId id="266" r:id="rId12"/>
+    <p:sldId id="261" r:id="rId13"/>
+    <p:sldId id="259" r:id="rId14"/>
+    <p:sldId id="260" r:id="rId15"/>
+    <p:sldId id="271" r:id="rId16"/>
   </p:sldIdLst>
   <p:sldSz cx="12192000" cy="6858000"/>
   <p:notesSz cx="6858000" cy="9144000"/>
@@ -123,6 +124,7 @@
         <p14:section name="Default Section" id="{A7BD87C3-F855-4348-B876-2AADA34CFF03}">
           <p14:sldIdLst>
             <p14:sldId id="264"/>
+            <p14:sldId id="273"/>
             <p14:sldId id="262"/>
             <p14:sldId id="263"/>
             <p14:sldId id="265"/>
@@ -276,7 +278,7 @@
           <a:p>
             <a:fld id="{03ABD037-9D82-4436-AC70-ED75D2FE9417}" type="datetimeFigureOut">
               <a:rPr lang="en-US" smtClean="0"/>
-              <a:t>1/9/2020</a:t>
+              <a:t>2/9/2020</a:t>
             </a:fld>
             <a:endParaRPr lang="en-US"/>
           </a:p>
@@ -444,7 +446,7 @@
           <a:p>
             <a:fld id="{03ABD037-9D82-4436-AC70-ED75D2FE9417}" type="datetimeFigureOut">
               <a:rPr lang="en-US" smtClean="0"/>
-              <a:t>1/9/2020</a:t>
+              <a:t>2/9/2020</a:t>
             </a:fld>
             <a:endParaRPr lang="en-US"/>
           </a:p>
@@ -622,7 +624,7 @@
           <a:p>
             <a:fld id="{03ABD037-9D82-4436-AC70-ED75D2FE9417}" type="datetimeFigureOut">
               <a:rPr lang="en-US" smtClean="0"/>
-              <a:t>1/9/2020</a:t>
+              <a:t>2/9/2020</a:t>
             </a:fld>
             <a:endParaRPr lang="en-US"/>
           </a:p>
@@ -790,7 +792,7 @@
           <a:p>
             <a:fld id="{03ABD037-9D82-4436-AC70-ED75D2FE9417}" type="datetimeFigureOut">
               <a:rPr lang="en-US" smtClean="0"/>
-              <a:t>1/9/2020</a:t>
+              <a:t>2/9/2020</a:t>
             </a:fld>
             <a:endParaRPr lang="en-US"/>
           </a:p>
@@ -1035,7 +1037,7 @@
           <a:p>
             <a:fld id="{03ABD037-9D82-4436-AC70-ED75D2FE9417}" type="datetimeFigureOut">
               <a:rPr lang="en-US" smtClean="0"/>
-              <a:t>1/9/2020</a:t>
+              <a:t>2/9/2020</a:t>
             </a:fld>
             <a:endParaRPr lang="en-US"/>
           </a:p>
@@ -1264,7 +1266,7 @@
           <a:p>
             <a:fld id="{03ABD037-9D82-4436-AC70-ED75D2FE9417}" type="datetimeFigureOut">
               <a:rPr lang="en-US" smtClean="0"/>
-              <a:t>1/9/2020</a:t>
+              <a:t>2/9/2020</a:t>
             </a:fld>
             <a:endParaRPr lang="en-US"/>
           </a:p>
@@ -1628,7 +1630,7 @@
           <a:p>
             <a:fld id="{03ABD037-9D82-4436-AC70-ED75D2FE9417}" type="datetimeFigureOut">
               <a:rPr lang="en-US" smtClean="0"/>
-              <a:t>1/9/2020</a:t>
+              <a:t>2/9/2020</a:t>
             </a:fld>
             <a:endParaRPr lang="en-US"/>
           </a:p>
@@ -1745,7 +1747,7 @@
           <a:p>
             <a:fld id="{03ABD037-9D82-4436-AC70-ED75D2FE9417}" type="datetimeFigureOut">
               <a:rPr lang="en-US" smtClean="0"/>
-              <a:t>1/9/2020</a:t>
+              <a:t>2/9/2020</a:t>
             </a:fld>
             <a:endParaRPr lang="en-US"/>
           </a:p>
@@ -1840,7 +1842,7 @@
           <a:p>
             <a:fld id="{03ABD037-9D82-4436-AC70-ED75D2FE9417}" type="datetimeFigureOut">
               <a:rPr lang="en-US" smtClean="0"/>
-              <a:t>1/9/2020</a:t>
+              <a:t>2/9/2020</a:t>
             </a:fld>
             <a:endParaRPr lang="en-US"/>
           </a:p>
@@ -2115,7 +2117,7 @@
           <a:p>
             <a:fld id="{03ABD037-9D82-4436-AC70-ED75D2FE9417}" type="datetimeFigureOut">
               <a:rPr lang="en-US" smtClean="0"/>
-              <a:t>1/9/2020</a:t>
+              <a:t>2/9/2020</a:t>
             </a:fld>
             <a:endParaRPr lang="en-US"/>
           </a:p>
@@ -2367,7 +2369,7 @@
           <a:p>
             <a:fld id="{03ABD037-9D82-4436-AC70-ED75D2FE9417}" type="datetimeFigureOut">
               <a:rPr lang="en-US" smtClean="0"/>
-              <a:t>1/9/2020</a:t>
+              <a:t>2/9/2020</a:t>
             </a:fld>
             <a:endParaRPr lang="en-US"/>
           </a:p>
@@ -2578,7 +2580,7 @@
           <a:p>
             <a:fld id="{03ABD037-9D82-4436-AC70-ED75D2FE9417}" type="datetimeFigureOut">
               <a:rPr lang="en-US" smtClean="0"/>
-              <a:t>1/9/2020</a:t>
+              <a:t>2/9/2020</a:t>
             </a:fld>
             <a:endParaRPr lang="en-US"/>
           </a:p>
@@ -4675,6 +4677,89 @@
       </p:grpSpPr>
       <p:sp>
         <p:nvSpPr>
+          <p:cNvPr id="2" name="Title 1">
+            <a:extLst>
+              <a:ext uri="{FF2B5EF4-FFF2-40B4-BE49-F238E27FC236}">
+                <a16:creationId xmlns:a16="http://schemas.microsoft.com/office/drawing/2014/main" id="{A34AD37D-181E-4532-A042-19859BF3719C}"/>
+              </a:ext>
+            </a:extLst>
+          </p:cNvPr>
+          <p:cNvSpPr>
+            <a:spLocks noGrp="1"/>
+          </p:cNvSpPr>
+          <p:nvPr>
+            <p:ph type="title"/>
+          </p:nvPr>
+        </p:nvSpPr>
+        <p:spPr/>
+        <p:txBody>
+          <a:bodyPr/>
+          <a:lstStyle/>
+          <a:p>
+            <a:r>
+              <a:rPr lang="en-US" dirty="0"/>
+              <a:t>Outdated Slides follow</a:t>
+            </a:r>
+          </a:p>
+        </p:txBody>
+      </p:sp>
+      <p:sp>
+        <p:nvSpPr>
+          <p:cNvPr id="3" name="Content Placeholder 2">
+            <a:extLst>
+              <a:ext uri="{FF2B5EF4-FFF2-40B4-BE49-F238E27FC236}">
+                <a16:creationId xmlns:a16="http://schemas.microsoft.com/office/drawing/2014/main" id="{D020E3E2-B7D2-4B27-962F-9CAB3C20636A}"/>
+              </a:ext>
+            </a:extLst>
+          </p:cNvPr>
+          <p:cNvSpPr>
+            <a:spLocks noGrp="1"/>
+          </p:cNvSpPr>
+          <p:nvPr>
+            <p:ph idx="1"/>
+          </p:nvPr>
+        </p:nvSpPr>
+        <p:spPr/>
+        <p:txBody>
+          <a:bodyPr/>
+          <a:lstStyle/>
+          <a:p>
+            <a:endParaRPr lang="en-US"/>
+          </a:p>
+        </p:txBody>
+      </p:sp>
+    </p:spTree>
+    <p:extLst>
+      <p:ext uri="{BB962C8B-B14F-4D97-AF65-F5344CB8AC3E}">
+        <p14:creationId xmlns:p14="http://schemas.microsoft.com/office/powerpoint/2010/main" val="1186431338"/>
+      </p:ext>
+    </p:extLst>
+  </p:cSld>
+  <p:clrMapOvr>
+    <a:masterClrMapping/>
+  </p:clrMapOvr>
+</p:sld>
+</file>
+
+<file path=ppt/slides/slide11.xml><?xml version="1.0" encoding="utf-8"?>
+<p:sld xmlns:a="http://schemas.openxmlformats.org/drawingml/2006/main" xmlns:r="http://schemas.openxmlformats.org/officeDocument/2006/relationships" xmlns:p="http://schemas.openxmlformats.org/presentationml/2006/main">
+  <p:cSld>
+    <p:spTree>
+      <p:nvGrpSpPr>
+        <p:cNvPr id="1" name=""/>
+        <p:cNvGrpSpPr/>
+        <p:nvPr/>
+      </p:nvGrpSpPr>
+      <p:grpSpPr>
+        <a:xfrm>
+          <a:off x="0" y="0"/>
+          <a:ext cx="0" cy="0"/>
+          <a:chOff x="0" y="0"/>
+          <a:chExt cx="0" cy="0"/>
+        </a:xfrm>
+      </p:grpSpPr>
+      <p:sp>
+        <p:nvSpPr>
           <p:cNvPr id="4" name="Rectangle: Rounded Corners 3"/>
           <p:cNvSpPr/>
           <p:nvPr/>
@@ -6752,559 +6837,6 @@
 </p:sld>
 </file>
 
-<file path=ppt/slides/slide11.xml><?xml version="1.0" encoding="utf-8"?>
-<p:sld xmlns:a="http://schemas.openxmlformats.org/drawingml/2006/main" xmlns:r="http://schemas.openxmlformats.org/officeDocument/2006/relationships" xmlns:p="http://schemas.openxmlformats.org/presentationml/2006/main">
-  <p:cSld>
-    <p:spTree>
-      <p:nvGrpSpPr>
-        <p:cNvPr id="1" name=""/>
-        <p:cNvGrpSpPr/>
-        <p:nvPr/>
-      </p:nvGrpSpPr>
-      <p:grpSpPr>
-        <a:xfrm>
-          <a:off x="0" y="0"/>
-          <a:ext cx="0" cy="0"/>
-          <a:chOff x="0" y="0"/>
-          <a:chExt cx="0" cy="0"/>
-        </a:xfrm>
-      </p:grpSpPr>
-      <p:sp>
-        <p:nvSpPr>
-          <p:cNvPr id="4" name="Rectangle: Rounded Corners 3"/>
-          <p:cNvSpPr/>
-          <p:nvPr/>
-        </p:nvSpPr>
-        <p:spPr>
-          <a:xfrm>
-            <a:off x="6359054" y="800152"/>
-            <a:ext cx="2468880" cy="449588"/>
-          </a:xfrm>
-          <a:prstGeom prst="roundRect">
-            <a:avLst/>
-          </a:prstGeom>
-          <a:solidFill>
-            <a:schemeClr val="accent6">
-              <a:lumMod val="40000"/>
-              <a:lumOff val="60000"/>
-            </a:schemeClr>
-          </a:solidFill>
-          <a:ln>
-            <a:solidFill>
-              <a:schemeClr val="tx1"/>
-            </a:solidFill>
-          </a:ln>
-        </p:spPr>
-        <p:style>
-          <a:lnRef idx="2">
-            <a:schemeClr val="accent1">
-              <a:shade val="50000"/>
-            </a:schemeClr>
-          </a:lnRef>
-          <a:fillRef idx="1">
-            <a:schemeClr val="accent1"/>
-          </a:fillRef>
-          <a:effectRef idx="0">
-            <a:schemeClr val="accent1"/>
-          </a:effectRef>
-          <a:fontRef idx="minor">
-            <a:schemeClr val="lt1"/>
-          </a:fontRef>
-        </p:style>
-        <p:txBody>
-          <a:bodyPr rtlCol="0" anchor="ctr"/>
-          <a:lstStyle/>
-          <a:p>
-            <a:pPr algn="ctr"/>
-            <a:r>
-              <a:rPr lang="en-US" b="1" dirty="0">
-                <a:solidFill>
-                  <a:schemeClr val="tx1"/>
-                </a:solidFill>
-              </a:rPr>
-              <a:t>Person_</a:t>
-            </a:r>
-            <a:r>
-              <a:rPr lang="en-US" b="1" dirty="0">
-                <a:solidFill>
-                  <a:schemeClr val="accent1">
-                    <a:lumMod val="75000"/>
-                  </a:schemeClr>
-                </a:solidFill>
-              </a:rPr>
-              <a:t>01-701-1015</a:t>
-            </a:r>
-          </a:p>
-        </p:txBody>
-      </p:sp>
-      <p:sp>
-        <p:nvSpPr>
-          <p:cNvPr id="5" name="Rectangle: Rounded Corners 4"/>
-          <p:cNvSpPr/>
-          <p:nvPr/>
-        </p:nvSpPr>
-        <p:spPr>
-          <a:xfrm>
-            <a:off x="7348177" y="2628952"/>
-            <a:ext cx="2468880" cy="457001"/>
-          </a:xfrm>
-          <a:prstGeom prst="roundRect">
-            <a:avLst/>
-          </a:prstGeom>
-          <a:solidFill>
-            <a:schemeClr val="accent1">
-              <a:lumMod val="40000"/>
-              <a:lumOff val="60000"/>
-            </a:schemeClr>
-          </a:solidFill>
-          <a:ln>
-            <a:solidFill>
-              <a:schemeClr val="tx1"/>
-            </a:solidFill>
-          </a:ln>
-        </p:spPr>
-        <p:style>
-          <a:lnRef idx="2">
-            <a:schemeClr val="accent1">
-              <a:shade val="50000"/>
-            </a:schemeClr>
-          </a:lnRef>
-          <a:fillRef idx="1">
-            <a:schemeClr val="accent1"/>
-          </a:fillRef>
-          <a:effectRef idx="0">
-            <a:schemeClr val="accent1"/>
-          </a:effectRef>
-          <a:fontRef idx="minor">
-            <a:schemeClr val="lt1"/>
-          </a:fontRef>
-        </p:style>
-        <p:txBody>
-          <a:bodyPr rtlCol="0" anchor="ctr"/>
-          <a:lstStyle/>
-          <a:p>
-            <a:pPr algn="ctr"/>
-            <a:r>
-              <a:rPr lang="en-US" b="1" dirty="0">
-                <a:solidFill>
-                  <a:schemeClr val="tx1"/>
-                </a:solidFill>
-              </a:rPr>
-              <a:t>Medical Condition</a:t>
-            </a:r>
-          </a:p>
-        </p:txBody>
-      </p:sp>
-      <p:sp>
-        <p:nvSpPr>
-          <p:cNvPr id="13" name="Rectangle: Rounded Corners 12"/>
-          <p:cNvSpPr/>
-          <p:nvPr/>
-        </p:nvSpPr>
-        <p:spPr>
-          <a:xfrm>
-            <a:off x="7158066" y="4705104"/>
-            <a:ext cx="2468880" cy="457001"/>
-          </a:xfrm>
-          <a:prstGeom prst="roundRect">
-            <a:avLst/>
-          </a:prstGeom>
-          <a:solidFill>
-            <a:srgbClr val="FFC000"/>
-          </a:solidFill>
-          <a:ln>
-            <a:solidFill>
-              <a:schemeClr val="tx1"/>
-            </a:solidFill>
-          </a:ln>
-        </p:spPr>
-        <p:style>
-          <a:lnRef idx="2">
-            <a:schemeClr val="accent1">
-              <a:shade val="50000"/>
-            </a:schemeClr>
-          </a:lnRef>
-          <a:fillRef idx="1">
-            <a:schemeClr val="accent1"/>
-          </a:fillRef>
-          <a:effectRef idx="0">
-            <a:schemeClr val="accent1"/>
-          </a:effectRef>
-          <a:fontRef idx="minor">
-            <a:schemeClr val="lt1"/>
-          </a:fontRef>
-        </p:style>
-        <p:txBody>
-          <a:bodyPr rtlCol="0" anchor="ctr"/>
-          <a:lstStyle/>
-          <a:p>
-            <a:pPr algn="ctr"/>
-            <a:r>
-              <a:rPr lang="en-US" b="1" dirty="0" err="1">
-                <a:solidFill>
-                  <a:schemeClr val="tx1"/>
-                </a:solidFill>
-              </a:rPr>
-              <a:t>AdverseEvent</a:t>
-            </a:r>
-            <a:endParaRPr lang="en-US" b="1" dirty="0">
-              <a:solidFill>
-                <a:schemeClr val="tx1"/>
-              </a:solidFill>
-            </a:endParaRPr>
-          </a:p>
-        </p:txBody>
-      </p:sp>
-      <p:cxnSp>
-        <p:nvCxnSpPr>
-          <p:cNvPr id="14" name="Straight Arrow Connector 13"/>
-          <p:cNvCxnSpPr>
-            <a:cxnSpLocks/>
-            <a:stCxn id="5" idx="2"/>
-            <a:endCxn id="13" idx="0"/>
-          </p:cNvCxnSpPr>
-          <p:nvPr/>
-        </p:nvCxnSpPr>
-        <p:spPr>
-          <a:xfrm flipH="1">
-            <a:off x="8392506" y="3085953"/>
-            <a:ext cx="190111" cy="1619151"/>
-          </a:xfrm>
-          <a:prstGeom prst="straightConnector1">
-            <a:avLst/>
-          </a:prstGeom>
-          <a:ln w="50800">
-            <a:solidFill>
-              <a:schemeClr val="bg1">
-                <a:lumMod val="50000"/>
-              </a:schemeClr>
-            </a:solidFill>
-            <a:tailEnd type="triangle"/>
-          </a:ln>
-        </p:spPr>
-        <p:style>
-          <a:lnRef idx="1">
-            <a:schemeClr val="accent1"/>
-          </a:lnRef>
-          <a:fillRef idx="0">
-            <a:schemeClr val="accent1"/>
-          </a:fillRef>
-          <a:effectRef idx="0">
-            <a:schemeClr val="accent1"/>
-          </a:effectRef>
-          <a:fontRef idx="minor">
-            <a:schemeClr val="tx1"/>
-          </a:fontRef>
-        </p:style>
-      </p:cxnSp>
-      <p:sp>
-        <p:nvSpPr>
-          <p:cNvPr id="20" name="TextBox 19"/>
-          <p:cNvSpPr txBox="1"/>
-          <p:nvPr/>
-        </p:nvSpPr>
-        <p:spPr>
-          <a:xfrm>
-            <a:off x="9644498" y="739025"/>
-            <a:ext cx="1967829" cy="369332"/>
-          </a:xfrm>
-          <a:prstGeom prst="rect">
-            <a:avLst/>
-          </a:prstGeom>
-          <a:solidFill>
-            <a:schemeClr val="bg1"/>
-          </a:solidFill>
-        </p:spPr>
-        <p:txBody>
-          <a:bodyPr wrap="square" rtlCol="0">
-            <a:spAutoFit/>
-          </a:bodyPr>
-          <a:lstStyle>
-            <a:defPPr>
-              <a:defRPr lang="en-US"/>
-            </a:defPPr>
-            <a:lvl1pPr>
-              <a:defRPr b="1">
-                <a:solidFill>
-                  <a:schemeClr val="accent2">
-                    <a:lumMod val="75000"/>
-                  </a:schemeClr>
-                </a:solidFill>
-                <a:latin typeface="Courier New" panose="02070309020205020404" pitchFamily="49" charset="0"/>
-                <a:cs typeface="Courier New" panose="02070309020205020404" pitchFamily="49" charset="0"/>
-              </a:defRPr>
-            </a:lvl1pPr>
-          </a:lstStyle>
-          <a:p>
-            <a:r>
-              <a:rPr lang="en-US" dirty="0" err="1"/>
-              <a:t>afflictedBy</a:t>
-            </a:r>
-            <a:endParaRPr lang="en-US" dirty="0"/>
-          </a:p>
-        </p:txBody>
-      </p:sp>
-      <p:sp>
-        <p:nvSpPr>
-          <p:cNvPr id="41" name="TextBox 40">
-            <a:extLst>
-              <a:ext uri="{FF2B5EF4-FFF2-40B4-BE49-F238E27FC236}">
-                <a16:creationId xmlns:a16="http://schemas.microsoft.com/office/drawing/2014/main" id="{CCC2A432-EE41-4F21-9AAE-EB569CE224D5}"/>
-              </a:ext>
-            </a:extLst>
-          </p:cNvPr>
-          <p:cNvSpPr txBox="1"/>
-          <p:nvPr/>
-        </p:nvSpPr>
-        <p:spPr>
-          <a:xfrm>
-            <a:off x="8696860" y="1917222"/>
-            <a:ext cx="1740300" cy="369332"/>
-          </a:xfrm>
-          <a:prstGeom prst="rect">
-            <a:avLst/>
-          </a:prstGeom>
-          <a:solidFill>
-            <a:schemeClr val="bg1"/>
-          </a:solidFill>
-        </p:spPr>
-        <p:txBody>
-          <a:bodyPr wrap="square" rtlCol="0">
-            <a:spAutoFit/>
-          </a:bodyPr>
-          <a:lstStyle/>
-          <a:p>
-            <a:r>
-              <a:rPr lang="en-US" b="1" dirty="0">
-                <a:solidFill>
-                  <a:schemeClr val="accent2">
-                    <a:lumMod val="40000"/>
-                    <a:lumOff val="60000"/>
-                  </a:schemeClr>
-                </a:solidFill>
-                <a:latin typeface="Courier New" panose="02070309020205020404" pitchFamily="49" charset="0"/>
-                <a:cs typeface="Courier New" panose="02070309020205020404" pitchFamily="49" charset="0"/>
-              </a:rPr>
-              <a:t>severity</a:t>
-            </a:r>
-          </a:p>
-        </p:txBody>
-      </p:sp>
-      <p:sp>
-        <p:nvSpPr>
-          <p:cNvPr id="7" name="TextBox 6"/>
-          <p:cNvSpPr txBox="1"/>
-          <p:nvPr/>
-        </p:nvSpPr>
-        <p:spPr>
-          <a:xfrm>
-            <a:off x="7665887" y="3569559"/>
-            <a:ext cx="1643348" cy="369332"/>
-          </a:xfrm>
-          <a:prstGeom prst="rect">
-            <a:avLst/>
-          </a:prstGeom>
-          <a:solidFill>
-            <a:schemeClr val="bg1"/>
-          </a:solidFill>
-        </p:spPr>
-        <p:txBody>
-          <a:bodyPr wrap="square" rtlCol="0">
-            <a:spAutoFit/>
-          </a:bodyPr>
-          <a:lstStyle>
-            <a:defPPr>
-              <a:defRPr lang="en-US"/>
-            </a:defPPr>
-            <a:lvl1pPr>
-              <a:defRPr b="1">
-                <a:solidFill>
-                  <a:schemeClr val="accent2">
-                    <a:lumMod val="75000"/>
-                  </a:schemeClr>
-                </a:solidFill>
-                <a:latin typeface="Courier New" panose="02070309020205020404" pitchFamily="49" charset="0"/>
-                <a:cs typeface="Courier New" panose="02070309020205020404" pitchFamily="49" charset="0"/>
-              </a:defRPr>
-            </a:lvl1pPr>
-          </a:lstStyle>
-          <a:p>
-            <a:r>
-              <a:rPr lang="en-US" dirty="0" err="1"/>
-              <a:t>subClassOf</a:t>
-            </a:r>
-            <a:endParaRPr lang="en-US" dirty="0"/>
-          </a:p>
-        </p:txBody>
-      </p:sp>
-      <p:sp>
-        <p:nvSpPr>
-          <p:cNvPr id="45" name="TextBox 44">
-            <a:extLst>
-              <a:ext uri="{FF2B5EF4-FFF2-40B4-BE49-F238E27FC236}">
-                <a16:creationId xmlns:a16="http://schemas.microsoft.com/office/drawing/2014/main" id="{DCEB2144-B3F4-48FC-863E-2B0381C57201}"/>
-              </a:ext>
-            </a:extLst>
-          </p:cNvPr>
-          <p:cNvSpPr txBox="1"/>
-          <p:nvPr/>
-        </p:nvSpPr>
-        <p:spPr>
-          <a:xfrm>
-            <a:off x="603175" y="837054"/>
-            <a:ext cx="4975721" cy="3139321"/>
-          </a:xfrm>
-          <a:prstGeom prst="rect">
-            <a:avLst/>
-          </a:prstGeom>
-          <a:noFill/>
-        </p:spPr>
-        <p:txBody>
-          <a:bodyPr wrap="none" rtlCol="0">
-            <a:spAutoFit/>
-          </a:bodyPr>
-          <a:lstStyle/>
-          <a:p>
-            <a:r>
-              <a:rPr lang="en-US" dirty="0"/>
-              <a:t>study:Subject_CJ16050_00M01</a:t>
-            </a:r>
-          </a:p>
-          <a:p>
-            <a:r>
-              <a:rPr lang="en-US" dirty="0"/>
-              <a:t>    a                           </a:t>
-            </a:r>
-            <a:r>
-              <a:rPr lang="en-US" dirty="0" err="1"/>
-              <a:t>study:StudySubject</a:t>
-            </a:r>
-            <a:r>
-              <a:rPr lang="en-US" dirty="0"/>
-              <a:t> ;</a:t>
-            </a:r>
-          </a:p>
-          <a:p>
-            <a:r>
-              <a:rPr lang="en-US" dirty="0"/>
-              <a:t>    </a:t>
-            </a:r>
-            <a:r>
-              <a:rPr lang="en-US" dirty="0" err="1"/>
-              <a:t>study:rfendtc</a:t>
-            </a:r>
-            <a:r>
-              <a:rPr lang="en-US" dirty="0"/>
-              <a:t>      "2016-12-07"^^</a:t>
-            </a:r>
-            <a:r>
-              <a:rPr lang="en-US" dirty="0" err="1"/>
-              <a:t>xsd:date</a:t>
-            </a:r>
-            <a:r>
-              <a:rPr lang="en-US" dirty="0"/>
-              <a:t> ;</a:t>
-            </a:r>
-          </a:p>
-          <a:p>
-            <a:r>
-              <a:rPr lang="en-US" dirty="0"/>
-              <a:t>    </a:t>
-            </a:r>
-            <a:r>
-              <a:rPr lang="en-US" dirty="0" err="1"/>
-              <a:t>study:rfstdtc</a:t>
-            </a:r>
-            <a:r>
-              <a:rPr lang="en-US" dirty="0"/>
-              <a:t>       "2016-12-07"^^</a:t>
-            </a:r>
-            <a:r>
-              <a:rPr lang="en-US" dirty="0" err="1"/>
-              <a:t>xsd:date</a:t>
-            </a:r>
-            <a:r>
-              <a:rPr lang="en-US" dirty="0"/>
-              <a:t>  ;</a:t>
-            </a:r>
-          </a:p>
-          <a:p>
-            <a:r>
-              <a:rPr lang="en-US" dirty="0"/>
-              <a:t>    </a:t>
-            </a:r>
-            <a:r>
-              <a:rPr lang="en-US" dirty="0" err="1"/>
-              <a:t>study:subjid</a:t>
-            </a:r>
-            <a:r>
-              <a:rPr lang="en-US" dirty="0"/>
-              <a:t>        “CJ16050_00M01"^^</a:t>
-            </a:r>
-            <a:r>
-              <a:rPr lang="en-US" dirty="0" err="1"/>
-              <a:t>xsd:string</a:t>
-            </a:r>
-            <a:r>
-              <a:rPr lang="en-US" dirty="0"/>
-              <a:t> ;</a:t>
-            </a:r>
-          </a:p>
-          <a:p>
-            <a:r>
-              <a:rPr lang="en-US" dirty="0"/>
-              <a:t>    </a:t>
-            </a:r>
-            <a:r>
-              <a:rPr lang="en-US" dirty="0" err="1"/>
-              <a:t>study:usubjid</a:t>
-            </a:r>
-            <a:r>
-              <a:rPr lang="en-US" dirty="0"/>
-              <a:t>     “CJ16050_00M01” ^^</a:t>
-            </a:r>
-            <a:r>
-              <a:rPr lang="en-US" dirty="0" err="1"/>
-              <a:t>xsd:string</a:t>
-            </a:r>
-            <a:r>
-              <a:rPr lang="en-US" dirty="0"/>
-              <a:t> ;</a:t>
-            </a:r>
-          </a:p>
-          <a:p>
-            <a:r>
-              <a:rPr lang="en-US" dirty="0"/>
-              <a:t>.</a:t>
-            </a:r>
-          </a:p>
-          <a:p>
-            <a:endParaRPr lang="en-US" dirty="0"/>
-          </a:p>
-          <a:p>
-            <a:endParaRPr lang="en-US" dirty="0"/>
-          </a:p>
-          <a:p>
-            <a:endParaRPr lang="en-US" dirty="0"/>
-          </a:p>
-          <a:p>
-            <a:endParaRPr lang="en-US" dirty="0"/>
-          </a:p>
-        </p:txBody>
-      </p:sp>
-    </p:spTree>
-    <p:extLst>
-      <p:ext uri="{BB962C8B-B14F-4D97-AF65-F5344CB8AC3E}">
-        <p14:creationId xmlns:p14="http://schemas.microsoft.com/office/powerpoint/2010/main" val="2932786974"/>
-      </p:ext>
-    </p:extLst>
-  </p:cSld>
-  <p:clrMapOvr>
-    <a:masterClrMapping/>
-  </p:clrMapOvr>
-</p:sld>
-</file>
-
 <file path=ppt/slides/slide12.xml><?xml version="1.0" encoding="utf-8"?>
 <p:sld xmlns:a="http://schemas.openxmlformats.org/drawingml/2006/main" xmlns:r="http://schemas.openxmlformats.org/officeDocument/2006/relationships" xmlns:p="http://schemas.openxmlformats.org/presentationml/2006/main">
   <p:cSld>
@@ -7324,74 +6856,14 @@
       </p:grpSpPr>
       <p:sp>
         <p:nvSpPr>
-          <p:cNvPr id="15" name="Rectangle: Rounded Corners 14">
-            <a:extLst>
-              <a:ext uri="{FF2B5EF4-FFF2-40B4-BE49-F238E27FC236}">
-                <a16:creationId xmlns:a16="http://schemas.microsoft.com/office/drawing/2014/main" id="{FA40E339-40A8-448E-A741-015329DCA7D1}"/>
-              </a:ext>
-            </a:extLst>
-          </p:cNvPr>
-          <p:cNvSpPr/>
-          <p:nvPr/>
-        </p:nvSpPr>
-        <p:spPr>
-          <a:xfrm>
-            <a:off x="357810" y="648361"/>
-            <a:ext cx="9044608" cy="4576782"/>
-          </a:xfrm>
-          <a:prstGeom prst="roundRect">
-            <a:avLst/>
-          </a:prstGeom>
-          <a:solidFill>
-            <a:schemeClr val="bg1">
-              <a:lumMod val="95000"/>
-            </a:schemeClr>
-          </a:solidFill>
-          <a:ln>
-            <a:solidFill>
-              <a:schemeClr val="tx1"/>
-            </a:solidFill>
-          </a:ln>
-        </p:spPr>
-        <p:style>
-          <a:lnRef idx="2">
-            <a:schemeClr val="accent1">
-              <a:shade val="50000"/>
-            </a:schemeClr>
-          </a:lnRef>
-          <a:fillRef idx="1">
-            <a:schemeClr val="accent1"/>
-          </a:fillRef>
-          <a:effectRef idx="0">
-            <a:schemeClr val="accent1"/>
-          </a:effectRef>
-          <a:fontRef idx="minor">
-            <a:schemeClr val="lt1"/>
-          </a:fontRef>
-        </p:style>
-        <p:txBody>
-          <a:bodyPr rtlCol="0" anchor="ctr"/>
-          <a:lstStyle/>
-          <a:p>
-            <a:pPr algn="ctr"/>
-            <a:endParaRPr lang="en-US" b="1" dirty="0">
-              <a:solidFill>
-                <a:schemeClr val="tx1"/>
-              </a:solidFill>
-            </a:endParaRPr>
-          </a:p>
-        </p:txBody>
-      </p:sp>
-      <p:sp>
-        <p:nvSpPr>
           <p:cNvPr id="4" name="Rectangle: Rounded Corners 3"/>
           <p:cNvSpPr/>
           <p:nvPr/>
         </p:nvSpPr>
         <p:spPr>
           <a:xfrm>
-            <a:off x="814595" y="1959429"/>
-            <a:ext cx="6400800" cy="957942"/>
+            <a:off x="6359054" y="800152"/>
+            <a:ext cx="2468880" cy="449588"/>
           </a:xfrm>
           <a:prstGeom prst="roundRect">
             <a:avLst/>
@@ -7429,13 +6901,24 @@
           <a:lstStyle/>
           <a:p>
             <a:pPr algn="ctr"/>
-            <a:endParaRPr lang="en-US" b="1" dirty="0">
-              <a:solidFill>
-                <a:schemeClr val="accent1">
-                  <a:lumMod val="75000"/>
-                </a:schemeClr>
-              </a:solidFill>
-            </a:endParaRPr>
+            <a:r>
+              <a:rPr lang="en-US" b="1" dirty="0">
+                <a:solidFill>
+                  <a:schemeClr val="tx1"/>
+                </a:solidFill>
+              </a:rPr>
+              <a:t>Person_</a:t>
+            </a:r>
+            <a:r>
+              <a:rPr lang="en-US" b="1" dirty="0">
+                <a:solidFill>
+                  <a:schemeClr val="accent1">
+                    <a:lumMod val="75000"/>
+                  </a:schemeClr>
+                </a:solidFill>
+              </a:rPr>
+              <a:t>01-701-1015</a:t>
+            </a:r>
           </a:p>
         </p:txBody>
       </p:sp>
@@ -7447,66 +6930,8 @@
         </p:nvSpPr>
         <p:spPr>
           <a:xfrm>
-            <a:off x="814595" y="3596046"/>
-            <a:ext cx="6400800" cy="478998"/>
-          </a:xfrm>
-          <a:prstGeom prst="roundRect">
-            <a:avLst/>
-          </a:prstGeom>
-          <a:solidFill>
-            <a:srgbClr val="E1AD48"/>
-          </a:solidFill>
-          <a:ln>
-            <a:solidFill>
-              <a:schemeClr val="tx1"/>
-            </a:solidFill>
-          </a:ln>
-        </p:spPr>
-        <p:style>
-          <a:lnRef idx="2">
-            <a:schemeClr val="accent1">
-              <a:shade val="50000"/>
-            </a:schemeClr>
-          </a:lnRef>
-          <a:fillRef idx="1">
-            <a:schemeClr val="accent1"/>
-          </a:fillRef>
-          <a:effectRef idx="0">
-            <a:schemeClr val="accent1"/>
-          </a:effectRef>
-          <a:fontRef idx="minor">
-            <a:schemeClr val="lt1"/>
-          </a:fontRef>
-        </p:style>
-        <p:txBody>
-          <a:bodyPr rtlCol="0" anchor="ctr"/>
-          <a:lstStyle/>
-          <a:p>
-            <a:pPr algn="ctr"/>
-            <a:endParaRPr lang="en-US" b="1" dirty="0">
-              <a:solidFill>
-                <a:schemeClr val="tx1"/>
-              </a:solidFill>
-            </a:endParaRPr>
-          </a:p>
-        </p:txBody>
-      </p:sp>
-      <p:sp>
-        <p:nvSpPr>
-          <p:cNvPr id="17" name="Rectangle: Rounded Corners 16">
-            <a:extLst>
-              <a:ext uri="{FF2B5EF4-FFF2-40B4-BE49-F238E27FC236}">
-                <a16:creationId xmlns:a16="http://schemas.microsoft.com/office/drawing/2014/main" id="{02929941-0200-42D9-8465-064446A2AC2E}"/>
-              </a:ext>
-            </a:extLst>
-          </p:cNvPr>
-          <p:cNvSpPr/>
-          <p:nvPr/>
-        </p:nvSpPr>
-        <p:spPr>
-          <a:xfrm>
-            <a:off x="814595" y="3028094"/>
-            <a:ext cx="6400800" cy="457001"/>
+            <a:off x="7348177" y="2628952"/>
+            <a:ext cx="2468880" cy="457001"/>
           </a:xfrm>
           <a:prstGeom prst="roundRect">
             <a:avLst/>
@@ -7544,38 +6969,33 @@
           <a:lstStyle/>
           <a:p>
             <a:pPr algn="ctr"/>
-            <a:endParaRPr lang="en-US" b="1" dirty="0">
-              <a:solidFill>
-                <a:schemeClr val="tx1"/>
-              </a:solidFill>
-            </a:endParaRPr>
-          </a:p>
-        </p:txBody>
-      </p:sp>
-      <p:sp>
-        <p:nvSpPr>
-          <p:cNvPr id="18" name="Rectangle: Rounded Corners 17">
-            <a:extLst>
-              <a:ext uri="{FF2B5EF4-FFF2-40B4-BE49-F238E27FC236}">
-                <a16:creationId xmlns:a16="http://schemas.microsoft.com/office/drawing/2014/main" id="{A5947EC4-2512-4FDD-A2AE-6E8E1DF5BBDA}"/>
-              </a:ext>
-            </a:extLst>
-          </p:cNvPr>
+            <a:r>
+              <a:rPr lang="en-US" b="1" dirty="0">
+                <a:solidFill>
+                  <a:schemeClr val="tx1"/>
+                </a:solidFill>
+              </a:rPr>
+              <a:t>Medical Condition</a:t>
+            </a:r>
+          </a:p>
+        </p:txBody>
+      </p:sp>
+      <p:sp>
+        <p:nvSpPr>
+          <p:cNvPr id="13" name="Rectangle: Rounded Corners 12"/>
           <p:cNvSpPr/>
           <p:nvPr/>
         </p:nvSpPr>
         <p:spPr>
           <a:xfrm>
-            <a:off x="814595" y="4165889"/>
-            <a:ext cx="6400800" cy="478998"/>
+            <a:off x="7158066" y="4705104"/>
+            <a:ext cx="2468880" cy="457001"/>
           </a:xfrm>
           <a:prstGeom prst="roundRect">
             <a:avLst/>
           </a:prstGeom>
           <a:solidFill>
-            <a:schemeClr val="bg1">
-              <a:lumMod val="75000"/>
-            </a:schemeClr>
+            <a:srgbClr val="FFC000"/>
           </a:solidFill>
           <a:ln>
             <a:solidFill>
@@ -7604,6 +7024,14 @@
           <a:lstStyle/>
           <a:p>
             <a:pPr algn="ctr"/>
+            <a:r>
+              <a:rPr lang="en-US" b="1" dirty="0" err="1">
+                <a:solidFill>
+                  <a:schemeClr val="tx1"/>
+                </a:solidFill>
+              </a:rPr>
+              <a:t>AdverseEvent</a:t>
+            </a:r>
             <a:endParaRPr lang="en-US" b="1" dirty="0">
               <a:solidFill>
                 <a:schemeClr val="tx1"/>
@@ -7612,22 +7040,204 @@
           </a:p>
         </p:txBody>
       </p:sp>
-      <p:sp>
-        <p:nvSpPr>
-          <p:cNvPr id="19" name="TextBox 18">
-            <a:extLst>
-              <a:ext uri="{FF2B5EF4-FFF2-40B4-BE49-F238E27FC236}">
-                <a16:creationId xmlns:a16="http://schemas.microsoft.com/office/drawing/2014/main" id="{4F329E82-4FE1-4EE2-909E-1739258B41D6}"/>
-              </a:ext>
-            </a:extLst>
-          </p:cNvPr>
+      <p:cxnSp>
+        <p:nvCxnSpPr>
+          <p:cNvPr id="14" name="Straight Arrow Connector 13"/>
+          <p:cNvCxnSpPr>
+            <a:cxnSpLocks/>
+            <a:stCxn id="5" idx="2"/>
+            <a:endCxn id="13" idx="0"/>
+          </p:cNvCxnSpPr>
+          <p:nvPr/>
+        </p:nvCxnSpPr>
+        <p:spPr>
+          <a:xfrm flipH="1">
+            <a:off x="8392506" y="3085953"/>
+            <a:ext cx="190111" cy="1619151"/>
+          </a:xfrm>
+          <a:prstGeom prst="straightConnector1">
+            <a:avLst/>
+          </a:prstGeom>
+          <a:ln w="50800">
+            <a:solidFill>
+              <a:schemeClr val="bg1">
+                <a:lumMod val="50000"/>
+              </a:schemeClr>
+            </a:solidFill>
+            <a:tailEnd type="triangle"/>
+          </a:ln>
+        </p:spPr>
+        <p:style>
+          <a:lnRef idx="1">
+            <a:schemeClr val="accent1"/>
+          </a:lnRef>
+          <a:fillRef idx="0">
+            <a:schemeClr val="accent1"/>
+          </a:fillRef>
+          <a:effectRef idx="0">
+            <a:schemeClr val="accent1"/>
+          </a:effectRef>
+          <a:fontRef idx="minor">
+            <a:schemeClr val="tx1"/>
+          </a:fontRef>
+        </p:style>
+      </p:cxnSp>
+      <p:sp>
+        <p:nvSpPr>
+          <p:cNvPr id="20" name="TextBox 19"/>
           <p:cNvSpPr txBox="1"/>
           <p:nvPr/>
         </p:nvSpPr>
         <p:spPr>
           <a:xfrm>
-            <a:off x="7235686" y="2219738"/>
-            <a:ext cx="1930337" cy="461665"/>
+            <a:off x="9644498" y="739025"/>
+            <a:ext cx="1967829" cy="369332"/>
+          </a:xfrm>
+          <a:prstGeom prst="rect">
+            <a:avLst/>
+          </a:prstGeom>
+          <a:solidFill>
+            <a:schemeClr val="bg1"/>
+          </a:solidFill>
+        </p:spPr>
+        <p:txBody>
+          <a:bodyPr wrap="square" rtlCol="0">
+            <a:spAutoFit/>
+          </a:bodyPr>
+          <a:lstStyle>
+            <a:defPPr>
+              <a:defRPr lang="en-US"/>
+            </a:defPPr>
+            <a:lvl1pPr>
+              <a:defRPr b="1">
+                <a:solidFill>
+                  <a:schemeClr val="accent2">
+                    <a:lumMod val="75000"/>
+                  </a:schemeClr>
+                </a:solidFill>
+                <a:latin typeface="Courier New" panose="02070309020205020404" pitchFamily="49" charset="0"/>
+                <a:cs typeface="Courier New" panose="02070309020205020404" pitchFamily="49" charset="0"/>
+              </a:defRPr>
+            </a:lvl1pPr>
+          </a:lstStyle>
+          <a:p>
+            <a:r>
+              <a:rPr lang="en-US" dirty="0" err="1"/>
+              <a:t>afflictedBy</a:t>
+            </a:r>
+            <a:endParaRPr lang="en-US" dirty="0"/>
+          </a:p>
+        </p:txBody>
+      </p:sp>
+      <p:sp>
+        <p:nvSpPr>
+          <p:cNvPr id="41" name="TextBox 40">
+            <a:extLst>
+              <a:ext uri="{FF2B5EF4-FFF2-40B4-BE49-F238E27FC236}">
+                <a16:creationId xmlns:a16="http://schemas.microsoft.com/office/drawing/2014/main" id="{CCC2A432-EE41-4F21-9AAE-EB569CE224D5}"/>
+              </a:ext>
+            </a:extLst>
+          </p:cNvPr>
+          <p:cNvSpPr txBox="1"/>
+          <p:nvPr/>
+        </p:nvSpPr>
+        <p:spPr>
+          <a:xfrm>
+            <a:off x="8696860" y="1917222"/>
+            <a:ext cx="1740300" cy="369332"/>
+          </a:xfrm>
+          <a:prstGeom prst="rect">
+            <a:avLst/>
+          </a:prstGeom>
+          <a:solidFill>
+            <a:schemeClr val="bg1"/>
+          </a:solidFill>
+        </p:spPr>
+        <p:txBody>
+          <a:bodyPr wrap="square" rtlCol="0">
+            <a:spAutoFit/>
+          </a:bodyPr>
+          <a:lstStyle/>
+          <a:p>
+            <a:r>
+              <a:rPr lang="en-US" b="1" dirty="0">
+                <a:solidFill>
+                  <a:schemeClr val="accent2">
+                    <a:lumMod val="40000"/>
+                    <a:lumOff val="60000"/>
+                  </a:schemeClr>
+                </a:solidFill>
+                <a:latin typeface="Courier New" panose="02070309020205020404" pitchFamily="49" charset="0"/>
+                <a:cs typeface="Courier New" panose="02070309020205020404" pitchFamily="49" charset="0"/>
+              </a:rPr>
+              <a:t>severity</a:t>
+            </a:r>
+          </a:p>
+        </p:txBody>
+      </p:sp>
+      <p:sp>
+        <p:nvSpPr>
+          <p:cNvPr id="7" name="TextBox 6"/>
+          <p:cNvSpPr txBox="1"/>
+          <p:nvPr/>
+        </p:nvSpPr>
+        <p:spPr>
+          <a:xfrm>
+            <a:off x="7665887" y="3569559"/>
+            <a:ext cx="1643348" cy="369332"/>
+          </a:xfrm>
+          <a:prstGeom prst="rect">
+            <a:avLst/>
+          </a:prstGeom>
+          <a:solidFill>
+            <a:schemeClr val="bg1"/>
+          </a:solidFill>
+        </p:spPr>
+        <p:txBody>
+          <a:bodyPr wrap="square" rtlCol="0">
+            <a:spAutoFit/>
+          </a:bodyPr>
+          <a:lstStyle>
+            <a:defPPr>
+              <a:defRPr lang="en-US"/>
+            </a:defPPr>
+            <a:lvl1pPr>
+              <a:defRPr b="1">
+                <a:solidFill>
+                  <a:schemeClr val="accent2">
+                    <a:lumMod val="75000"/>
+                  </a:schemeClr>
+                </a:solidFill>
+                <a:latin typeface="Courier New" panose="02070309020205020404" pitchFamily="49" charset="0"/>
+                <a:cs typeface="Courier New" panose="02070309020205020404" pitchFamily="49" charset="0"/>
+              </a:defRPr>
+            </a:lvl1pPr>
+          </a:lstStyle>
+          <a:p>
+            <a:r>
+              <a:rPr lang="en-US" dirty="0" err="1"/>
+              <a:t>subClassOf</a:t>
+            </a:r>
+            <a:endParaRPr lang="en-US" dirty="0"/>
+          </a:p>
+        </p:txBody>
+      </p:sp>
+      <p:sp>
+        <p:nvSpPr>
+          <p:cNvPr id="45" name="TextBox 44">
+            <a:extLst>
+              <a:ext uri="{FF2B5EF4-FFF2-40B4-BE49-F238E27FC236}">
+                <a16:creationId xmlns:a16="http://schemas.microsoft.com/office/drawing/2014/main" id="{DCEB2144-B3F4-48FC-863E-2B0381C57201}"/>
+              </a:ext>
+            </a:extLst>
+          </p:cNvPr>
+          <p:cNvSpPr txBox="1"/>
+          <p:nvPr/>
+        </p:nvSpPr>
+        <p:spPr>
+          <a:xfrm>
+            <a:off x="603175" y="837054"/>
+            <a:ext cx="4975721" cy="3139321"/>
           </a:xfrm>
           <a:prstGeom prst="rect">
             <a:avLst/>
@@ -7641,363 +7251,136 @@
           <a:lstStyle/>
           <a:p>
             <a:r>
-              <a:rPr lang="en-US" sz="2400" b="1" dirty="0">
-                <a:solidFill>
-                  <a:schemeClr val="accent6">
-                    <a:lumMod val="50000"/>
-                  </a:schemeClr>
-                </a:solidFill>
-              </a:rPr>
-              <a:t>SD1002Shape</a:t>
-            </a:r>
-          </a:p>
-        </p:txBody>
-      </p:sp>
-      <p:sp>
-        <p:nvSpPr>
-          <p:cNvPr id="21" name="TextBox 20">
-            <a:extLst>
-              <a:ext uri="{FF2B5EF4-FFF2-40B4-BE49-F238E27FC236}">
-                <a16:creationId xmlns:a16="http://schemas.microsoft.com/office/drawing/2014/main" id="{83A70331-5F59-4C46-A0E7-1DE702D8904E}"/>
-              </a:ext>
-            </a:extLst>
-          </p:cNvPr>
-          <p:cNvSpPr txBox="1"/>
-          <p:nvPr/>
-        </p:nvSpPr>
-        <p:spPr>
-          <a:xfrm>
-            <a:off x="7235686" y="4181061"/>
-            <a:ext cx="2004075" cy="461665"/>
-          </a:xfrm>
-          <a:prstGeom prst="rect">
-            <a:avLst/>
-          </a:prstGeom>
-          <a:noFill/>
-        </p:spPr>
-        <p:txBody>
-          <a:bodyPr wrap="none" rtlCol="0">
-            <a:spAutoFit/>
-          </a:bodyPr>
-          <a:lstStyle/>
-          <a:p>
-            <a:r>
-              <a:rPr lang="en-US" sz="2400" i="1" dirty="0">
-                <a:solidFill>
-                  <a:schemeClr val="bg1">
-                    <a:lumMod val="65000"/>
-                  </a:schemeClr>
-                </a:solidFill>
-              </a:rPr>
-              <a:t>...more shapes</a:t>
-            </a:r>
-          </a:p>
-        </p:txBody>
-      </p:sp>
-      <p:sp>
-        <p:nvSpPr>
-          <p:cNvPr id="22" name="TextBox 21">
-            <a:extLst>
-              <a:ext uri="{FF2B5EF4-FFF2-40B4-BE49-F238E27FC236}">
-                <a16:creationId xmlns:a16="http://schemas.microsoft.com/office/drawing/2014/main" id="{5604566B-9473-44E6-A9F0-16B413C2F315}"/>
-              </a:ext>
-            </a:extLst>
-          </p:cNvPr>
-          <p:cNvSpPr txBox="1"/>
-          <p:nvPr/>
-        </p:nvSpPr>
-        <p:spPr>
-          <a:xfrm>
-            <a:off x="7235686" y="2988364"/>
-            <a:ext cx="1930337" cy="461665"/>
-          </a:xfrm>
-          <a:prstGeom prst="rect">
-            <a:avLst/>
-          </a:prstGeom>
-          <a:noFill/>
-        </p:spPr>
-        <p:txBody>
-          <a:bodyPr wrap="none" rtlCol="0">
-            <a:spAutoFit/>
-          </a:bodyPr>
-          <a:lstStyle/>
-          <a:p>
-            <a:r>
-              <a:rPr lang="en-US" sz="2400" b="1" dirty="0">
-                <a:solidFill>
-                  <a:schemeClr val="accent1">
-                    <a:lumMod val="75000"/>
-                  </a:schemeClr>
-                </a:solidFill>
-              </a:rPr>
-              <a:t>SD1001Shape</a:t>
-            </a:r>
-          </a:p>
-        </p:txBody>
-      </p:sp>
-      <p:sp>
-        <p:nvSpPr>
-          <p:cNvPr id="23" name="TextBox 22">
-            <a:extLst>
-              <a:ext uri="{FF2B5EF4-FFF2-40B4-BE49-F238E27FC236}">
-                <a16:creationId xmlns:a16="http://schemas.microsoft.com/office/drawing/2014/main" id="{CD7F6E51-1BA6-4815-8455-7C3C94C69EA6}"/>
-              </a:ext>
-            </a:extLst>
-          </p:cNvPr>
-          <p:cNvSpPr txBox="1"/>
-          <p:nvPr/>
-        </p:nvSpPr>
-        <p:spPr>
-          <a:xfrm>
-            <a:off x="7235686" y="3637721"/>
-            <a:ext cx="1930337" cy="461665"/>
-          </a:xfrm>
-          <a:prstGeom prst="rect">
-            <a:avLst/>
-          </a:prstGeom>
-          <a:noFill/>
-        </p:spPr>
-        <p:txBody>
-          <a:bodyPr wrap="none" rtlCol="0">
-            <a:spAutoFit/>
-          </a:bodyPr>
-          <a:lstStyle/>
-          <a:p>
-            <a:r>
-              <a:rPr lang="en-US" sz="2400" b="1" dirty="0">
-                <a:solidFill>
-                  <a:schemeClr val="accent2">
-                    <a:lumMod val="75000"/>
-                  </a:schemeClr>
-                </a:solidFill>
-              </a:rPr>
-              <a:t>SD0083Shape</a:t>
-            </a:r>
-          </a:p>
-        </p:txBody>
-      </p:sp>
-      <p:sp>
-        <p:nvSpPr>
-          <p:cNvPr id="45" name="TextBox 44">
-            <a:extLst>
-              <a:ext uri="{FF2B5EF4-FFF2-40B4-BE49-F238E27FC236}">
-                <a16:creationId xmlns:a16="http://schemas.microsoft.com/office/drawing/2014/main" id="{DCEB2144-B3F4-48FC-863E-2B0381C57201}"/>
-              </a:ext>
-            </a:extLst>
-          </p:cNvPr>
-          <p:cNvSpPr txBox="1"/>
-          <p:nvPr/>
-        </p:nvSpPr>
-        <p:spPr>
-          <a:xfrm>
-            <a:off x="690260" y="817724"/>
-            <a:ext cx="6543266" cy="4047262"/>
-          </a:xfrm>
-          <a:prstGeom prst="rect">
-            <a:avLst/>
-          </a:prstGeom>
-          <a:noFill/>
-        </p:spPr>
-        <p:txBody>
-          <a:bodyPr wrap="square" rtlCol="0">
-            <a:spAutoFit/>
-          </a:bodyPr>
-          <a:lstStyle/>
-          <a:p>
-            <a:pPr>
-              <a:spcBef>
-                <a:spcPts val="600"/>
-              </a:spcBef>
-              <a:spcAft>
-                <a:spcPts val="600"/>
-              </a:spcAft>
-            </a:pPr>
-            <a:r>
-              <a:rPr lang="en-US" sz="2400" dirty="0"/>
+              <a:rPr lang="en-US" dirty="0"/>
               <a:t>study:Subject_CJ16050_00M01</a:t>
             </a:r>
           </a:p>
           <a:p>
-            <a:pPr>
-              <a:lnSpc>
-                <a:spcPct val="150000"/>
-              </a:lnSpc>
-            </a:pPr>
-            <a:r>
-              <a:rPr lang="en-US" sz="2400" dirty="0"/>
+            <a:r>
+              <a:rPr lang="en-US" dirty="0"/>
               <a:t>    a                           </a:t>
             </a:r>
             <a:r>
-              <a:rPr lang="en-US" sz="2400" dirty="0" err="1"/>
-              <a:t>study:AnimalSubject</a:t>
-            </a:r>
-            <a:r>
-              <a:rPr lang="en-US" sz="2400" dirty="0"/>
+              <a:rPr lang="en-US" dirty="0" err="1"/>
+              <a:t>study:StudySubject</a:t>
+            </a:r>
+            <a:r>
+              <a:rPr lang="en-US" dirty="0"/>
               <a:t> ;</a:t>
             </a:r>
           </a:p>
           <a:p>
-            <a:pPr>
-              <a:lnSpc>
-                <a:spcPct val="150000"/>
-              </a:lnSpc>
-            </a:pPr>
-            <a:r>
-              <a:rPr lang="en-US" sz="2400" dirty="0"/>
+            <a:r>
+              <a:rPr lang="en-US" dirty="0"/>
               <a:t>    </a:t>
             </a:r>
             <a:r>
-              <a:rPr lang="en-US" sz="2400" dirty="0" err="1"/>
+              <a:rPr lang="en-US" dirty="0" err="1"/>
               <a:t>study:rfendtc</a:t>
             </a:r>
             <a:r>
-              <a:rPr lang="en-US" sz="2400" dirty="0"/>
+              <a:rPr lang="en-US" dirty="0"/>
               <a:t>      "2016-12-07"^^</a:t>
             </a:r>
             <a:r>
-              <a:rPr lang="en-US" sz="2400" dirty="0" err="1"/>
+              <a:rPr lang="en-US" dirty="0" err="1"/>
               <a:t>xsd:date</a:t>
             </a:r>
             <a:r>
-              <a:rPr lang="en-US" sz="2400" dirty="0"/>
+              <a:rPr lang="en-US" dirty="0"/>
               <a:t> ;</a:t>
             </a:r>
           </a:p>
           <a:p>
-            <a:pPr>
-              <a:lnSpc>
-                <a:spcPct val="150000"/>
-              </a:lnSpc>
-            </a:pPr>
-            <a:r>
-              <a:rPr lang="en-US" sz="2400" dirty="0"/>
+            <a:r>
+              <a:rPr lang="en-US" dirty="0"/>
               <a:t>    </a:t>
             </a:r>
             <a:r>
-              <a:rPr lang="en-US" sz="2400" dirty="0" err="1"/>
+              <a:rPr lang="en-US" dirty="0" err="1"/>
               <a:t>study:rfstdtc</a:t>
             </a:r>
             <a:r>
-              <a:rPr lang="en-US" sz="2400" dirty="0"/>
+              <a:rPr lang="en-US" dirty="0"/>
               <a:t>       "2016-12-07"^^</a:t>
             </a:r>
             <a:r>
-              <a:rPr lang="en-US" sz="2400" dirty="0" err="1"/>
+              <a:rPr lang="en-US" dirty="0" err="1"/>
               <a:t>xsd:date</a:t>
             </a:r>
             <a:r>
-              <a:rPr lang="en-US" sz="2400" dirty="0"/>
+              <a:rPr lang="en-US" dirty="0"/>
               <a:t>  ;</a:t>
             </a:r>
           </a:p>
           <a:p>
-            <a:pPr>
-              <a:lnSpc>
-                <a:spcPct val="150000"/>
-              </a:lnSpc>
-            </a:pPr>
-            <a:r>
-              <a:rPr lang="en-US" sz="2400" dirty="0"/>
+            <a:r>
+              <a:rPr lang="en-US" dirty="0"/>
               <a:t>    </a:t>
             </a:r>
             <a:r>
-              <a:rPr lang="en-US" sz="2400" dirty="0" err="1"/>
+              <a:rPr lang="en-US" dirty="0" err="1"/>
               <a:t>study:subjid</a:t>
             </a:r>
             <a:r>
-              <a:rPr lang="en-US" sz="2400" dirty="0"/>
-              <a:t>        “00M01"^^</a:t>
-            </a:r>
-            <a:r>
-              <a:rPr lang="en-US" sz="2400" dirty="0" err="1"/>
+              <a:rPr lang="en-US" dirty="0"/>
+              <a:t>        “CJ16050_00M01"^^</a:t>
+            </a:r>
+            <a:r>
+              <a:rPr lang="en-US" dirty="0" err="1"/>
               <a:t>xsd:string</a:t>
             </a:r>
             <a:r>
-              <a:rPr lang="en-US" sz="2400" dirty="0"/>
+              <a:rPr lang="en-US" dirty="0"/>
               <a:t> ;</a:t>
             </a:r>
           </a:p>
           <a:p>
-            <a:pPr>
-              <a:lnSpc>
-                <a:spcPct val="150000"/>
-              </a:lnSpc>
-            </a:pPr>
-            <a:r>
-              <a:rPr lang="en-US" sz="2400" dirty="0"/>
+            <a:r>
+              <a:rPr lang="en-US" dirty="0"/>
               <a:t>    </a:t>
             </a:r>
             <a:r>
-              <a:rPr lang="en-US" sz="2400" dirty="0" err="1"/>
+              <a:rPr lang="en-US" dirty="0" err="1"/>
               <a:t>study:usubjid</a:t>
             </a:r>
             <a:r>
-              <a:rPr lang="en-US" sz="2400" dirty="0"/>
+              <a:rPr lang="en-US" dirty="0"/>
               <a:t>     “CJ16050_00M01” ^^</a:t>
             </a:r>
             <a:r>
-              <a:rPr lang="en-US" sz="2400" dirty="0" err="1"/>
+              <a:rPr lang="en-US" dirty="0" err="1"/>
               <a:t>xsd:string</a:t>
             </a:r>
             <a:r>
-              <a:rPr lang="en-US" sz="2400" dirty="0"/>
+              <a:rPr lang="en-US" dirty="0"/>
               <a:t> ;</a:t>
             </a:r>
           </a:p>
           <a:p>
-            <a:endParaRPr lang="en-US" sz="2400" dirty="0"/>
-          </a:p>
-          <a:p>
-            <a:endParaRPr lang="en-US" sz="2400" dirty="0"/>
-          </a:p>
-        </p:txBody>
-      </p:sp>
-      <p:sp>
-        <p:nvSpPr>
-          <p:cNvPr id="13" name="TextBox 12">
-            <a:extLst>
-              <a:ext uri="{FF2B5EF4-FFF2-40B4-BE49-F238E27FC236}">
-                <a16:creationId xmlns:a16="http://schemas.microsoft.com/office/drawing/2014/main" id="{47A2AA95-FF59-4D21-BCDB-A931A9C8AB84}"/>
-              </a:ext>
-            </a:extLst>
-          </p:cNvPr>
-          <p:cNvSpPr txBox="1"/>
-          <p:nvPr/>
-        </p:nvSpPr>
-        <p:spPr>
-          <a:xfrm>
-            <a:off x="877558" y="4174965"/>
-            <a:ext cx="1714508" cy="461665"/>
-          </a:xfrm>
-          <a:prstGeom prst="rect">
-            <a:avLst/>
-          </a:prstGeom>
-          <a:noFill/>
-        </p:spPr>
-        <p:txBody>
-          <a:bodyPr wrap="none" rtlCol="0">
-            <a:spAutoFit/>
-          </a:bodyPr>
-          <a:lstStyle/>
-          <a:p>
-            <a:r>
-              <a:rPr lang="en-US" sz="2400" i="1" dirty="0">
-                <a:solidFill>
-                  <a:schemeClr val="tx1">
-                    <a:lumMod val="50000"/>
-                    <a:lumOff val="50000"/>
-                  </a:schemeClr>
-                </a:solidFill>
-              </a:rPr>
-              <a:t>...more data</a:t>
-            </a:r>
+            <a:r>
+              <a:rPr lang="en-US" dirty="0"/>
+              <a:t>.</a:t>
+            </a:r>
+          </a:p>
+          <a:p>
+            <a:endParaRPr lang="en-US" dirty="0"/>
+          </a:p>
+          <a:p>
+            <a:endParaRPr lang="en-US" dirty="0"/>
+          </a:p>
+          <a:p>
+            <a:endParaRPr lang="en-US" dirty="0"/>
+          </a:p>
+          <a:p>
+            <a:endParaRPr lang="en-US" dirty="0"/>
           </a:p>
         </p:txBody>
       </p:sp>
     </p:spTree>
     <p:extLst>
       <p:ext uri="{BB962C8B-B14F-4D97-AF65-F5344CB8AC3E}">
-        <p14:creationId xmlns:p14="http://schemas.microsoft.com/office/powerpoint/2010/main" val="3442749000"/>
+        <p14:creationId xmlns:p14="http://schemas.microsoft.com/office/powerpoint/2010/main" val="2932786974"/>
       </p:ext>
     </p:extLst>
   </p:cSld>
@@ -8038,8 +7421,8 @@
         </p:nvSpPr>
         <p:spPr>
           <a:xfrm>
-            <a:off x="318052" y="1264951"/>
-            <a:ext cx="8746435" cy="2750458"/>
+            <a:off x="357810" y="648361"/>
+            <a:ext cx="9044608" cy="4576782"/>
           </a:xfrm>
           <a:prstGeom prst="roundRect">
             <a:avLst/>
@@ -8086,272 +7469,20 @@
       </p:sp>
       <p:sp>
         <p:nvSpPr>
-          <p:cNvPr id="19" name="TextBox 18">
-            <a:extLst>
-              <a:ext uri="{FF2B5EF4-FFF2-40B4-BE49-F238E27FC236}">
-                <a16:creationId xmlns:a16="http://schemas.microsoft.com/office/drawing/2014/main" id="{4F329E82-4FE1-4EE2-909E-1739258B41D6}"/>
-              </a:ext>
-            </a:extLst>
-          </p:cNvPr>
-          <p:cNvSpPr txBox="1"/>
-          <p:nvPr/>
-        </p:nvSpPr>
-        <p:spPr>
-          <a:xfrm>
-            <a:off x="5690268" y="3215821"/>
-            <a:ext cx="1930337" cy="461665"/>
-          </a:xfrm>
-          <a:prstGeom prst="rect">
-            <a:avLst/>
-          </a:prstGeom>
-          <a:noFill/>
-        </p:spPr>
-        <p:txBody>
-          <a:bodyPr wrap="none" rtlCol="0">
-            <a:spAutoFit/>
-          </a:bodyPr>
-          <a:lstStyle/>
-          <a:p>
-            <a:r>
-              <a:rPr lang="en-US" sz="2400" b="1" dirty="0">
-                <a:solidFill>
-                  <a:srgbClr val="996699"/>
-                </a:solidFill>
-              </a:rPr>
-              <a:t>SD1002Shape</a:t>
-            </a:r>
-          </a:p>
-        </p:txBody>
-      </p:sp>
-      <p:sp>
-        <p:nvSpPr>
-          <p:cNvPr id="22" name="TextBox 21">
-            <a:extLst>
-              <a:ext uri="{FF2B5EF4-FFF2-40B4-BE49-F238E27FC236}">
-                <a16:creationId xmlns:a16="http://schemas.microsoft.com/office/drawing/2014/main" id="{5604566B-9473-44E6-A9F0-16B413C2F315}"/>
-              </a:ext>
-            </a:extLst>
-          </p:cNvPr>
-          <p:cNvSpPr txBox="1"/>
-          <p:nvPr/>
-        </p:nvSpPr>
-        <p:spPr>
-          <a:xfrm>
-            <a:off x="6950450" y="1971165"/>
-            <a:ext cx="1792927" cy="461665"/>
-          </a:xfrm>
-          <a:prstGeom prst="rect">
-            <a:avLst/>
-          </a:prstGeom>
-          <a:noFill/>
-        </p:spPr>
-        <p:txBody>
-          <a:bodyPr wrap="none" rtlCol="0">
-            <a:spAutoFit/>
-          </a:bodyPr>
-          <a:lstStyle/>
-          <a:p>
-            <a:r>
-              <a:rPr lang="en-US" sz="2400" b="1" dirty="0" err="1">
-                <a:solidFill>
-                  <a:schemeClr val="accent1">
-                    <a:lumMod val="75000"/>
-                  </a:schemeClr>
-                </a:solidFill>
-              </a:rPr>
-              <a:t>rfstdtcShape</a:t>
-            </a:r>
-            <a:endParaRPr lang="en-US" sz="2400" b="1" dirty="0">
-              <a:solidFill>
-                <a:schemeClr val="accent1">
-                  <a:lumMod val="75000"/>
-                </a:schemeClr>
-              </a:solidFill>
-            </a:endParaRPr>
-          </a:p>
-        </p:txBody>
-      </p:sp>
-      <p:sp>
-        <p:nvSpPr>
-          <p:cNvPr id="23" name="TextBox 22">
-            <a:extLst>
-              <a:ext uri="{FF2B5EF4-FFF2-40B4-BE49-F238E27FC236}">
-                <a16:creationId xmlns:a16="http://schemas.microsoft.com/office/drawing/2014/main" id="{CD7F6E51-1BA6-4815-8455-7C3C94C69EA6}"/>
-              </a:ext>
-            </a:extLst>
-          </p:cNvPr>
-          <p:cNvSpPr txBox="1"/>
-          <p:nvPr/>
-        </p:nvSpPr>
-        <p:spPr>
-          <a:xfrm>
-            <a:off x="5900372" y="854765"/>
-            <a:ext cx="2818400" cy="461665"/>
-          </a:xfrm>
-          <a:prstGeom prst="rect">
-            <a:avLst/>
-          </a:prstGeom>
-          <a:noFill/>
-        </p:spPr>
-        <p:txBody>
-          <a:bodyPr wrap="none" rtlCol="0">
-            <a:spAutoFit/>
-          </a:bodyPr>
-          <a:lstStyle/>
-          <a:p>
-            <a:r>
-              <a:rPr lang="en-US" sz="2400" b="1" dirty="0" err="1">
-                <a:solidFill>
-                  <a:schemeClr val="bg1">
-                    <a:lumMod val="50000"/>
-                  </a:schemeClr>
-                </a:solidFill>
-              </a:rPr>
-              <a:t>AnimalSubjectShape</a:t>
-            </a:r>
-            <a:endParaRPr lang="en-US" sz="2400" b="1" dirty="0">
-              <a:solidFill>
-                <a:schemeClr val="bg1">
-                  <a:lumMod val="50000"/>
-                </a:schemeClr>
-              </a:solidFill>
-            </a:endParaRPr>
-          </a:p>
-        </p:txBody>
-      </p:sp>
-      <p:sp>
-        <p:nvSpPr>
-          <p:cNvPr id="16" name="TextBox 15">
-            <a:extLst>
-              <a:ext uri="{FF2B5EF4-FFF2-40B4-BE49-F238E27FC236}">
-                <a16:creationId xmlns:a16="http://schemas.microsoft.com/office/drawing/2014/main" id="{7B8C2949-0D96-4A00-AB8F-339207DADC4C}"/>
-              </a:ext>
-            </a:extLst>
-          </p:cNvPr>
-          <p:cNvSpPr txBox="1"/>
-          <p:nvPr/>
-        </p:nvSpPr>
-        <p:spPr>
-          <a:xfrm>
-            <a:off x="6950450" y="2513620"/>
-            <a:ext cx="1887248" cy="461665"/>
-          </a:xfrm>
-          <a:prstGeom prst="rect">
-            <a:avLst/>
-          </a:prstGeom>
-          <a:noFill/>
-        </p:spPr>
-        <p:txBody>
-          <a:bodyPr wrap="none" rtlCol="0">
-            <a:spAutoFit/>
-          </a:bodyPr>
-          <a:lstStyle/>
-          <a:p>
-            <a:r>
-              <a:rPr lang="en-US" sz="2400" b="1" dirty="0" err="1">
-                <a:solidFill>
-                  <a:schemeClr val="accent1">
-                    <a:lumMod val="50000"/>
-                  </a:schemeClr>
-                </a:solidFill>
-              </a:rPr>
-              <a:t>rfendtcShape</a:t>
-            </a:r>
-            <a:endParaRPr lang="en-US" sz="2400" b="1" dirty="0">
-              <a:solidFill>
-                <a:schemeClr val="accent1">
-                  <a:lumMod val="50000"/>
-                </a:schemeClr>
-              </a:solidFill>
-            </a:endParaRPr>
-          </a:p>
-        </p:txBody>
-      </p:sp>
-      <p:sp>
-        <p:nvSpPr>
-          <p:cNvPr id="20" name="Rectangle: Rounded Corners 19">
-            <a:extLst>
-              <a:ext uri="{FF2B5EF4-FFF2-40B4-BE49-F238E27FC236}">
-                <a16:creationId xmlns:a16="http://schemas.microsoft.com/office/drawing/2014/main" id="{CC5B69B4-0616-4076-B15C-CB2DDC286FF3}"/>
-              </a:ext>
-            </a:extLst>
-          </p:cNvPr>
+          <p:cNvPr id="4" name="Rectangle: Rounded Corners 3"/>
           <p:cNvSpPr/>
           <p:nvPr/>
         </p:nvSpPr>
         <p:spPr>
           <a:xfrm>
-            <a:off x="876754" y="1965425"/>
-            <a:ext cx="6035040" cy="475488"/>
+            <a:off x="814595" y="1959429"/>
+            <a:ext cx="6400800" cy="957942"/>
           </a:xfrm>
           <a:prstGeom prst="roundRect">
             <a:avLst/>
           </a:prstGeom>
           <a:solidFill>
-            <a:schemeClr val="accent1">
-              <a:lumMod val="20000"/>
-              <a:lumOff val="80000"/>
-            </a:schemeClr>
-          </a:solidFill>
-          <a:ln>
-            <a:solidFill>
-              <a:schemeClr val="tx1"/>
-            </a:solidFill>
-          </a:ln>
-        </p:spPr>
-        <p:style>
-          <a:lnRef idx="2">
-            <a:schemeClr val="accent1">
-              <a:shade val="50000"/>
-            </a:schemeClr>
-          </a:lnRef>
-          <a:fillRef idx="1">
-            <a:schemeClr val="accent1"/>
-          </a:fillRef>
-          <a:effectRef idx="0">
-            <a:schemeClr val="accent1"/>
-          </a:effectRef>
-          <a:fontRef idx="minor">
-            <a:schemeClr val="lt1"/>
-          </a:fontRef>
-        </p:style>
-        <p:txBody>
-          <a:bodyPr rtlCol="0" anchor="ctr"/>
-          <a:lstStyle/>
-          <a:p>
-            <a:pPr algn="ctr"/>
-            <a:endParaRPr lang="en-US" b="1" dirty="0">
-              <a:solidFill>
-                <a:schemeClr val="accent1">
-                  <a:lumMod val="75000"/>
-                </a:schemeClr>
-              </a:solidFill>
-            </a:endParaRPr>
-          </a:p>
-        </p:txBody>
-      </p:sp>
-      <p:sp>
-        <p:nvSpPr>
-          <p:cNvPr id="24" name="Rectangle: Rounded Corners 23">
-            <a:extLst>
-              <a:ext uri="{FF2B5EF4-FFF2-40B4-BE49-F238E27FC236}">
-                <a16:creationId xmlns:a16="http://schemas.microsoft.com/office/drawing/2014/main" id="{7E3CBDAE-A66B-4331-9011-2CEB90F3E6B3}"/>
-              </a:ext>
-            </a:extLst>
-          </p:cNvPr>
-          <p:cNvSpPr/>
-          <p:nvPr/>
-        </p:nvSpPr>
-        <p:spPr>
-          <a:xfrm>
-            <a:off x="876754" y="2515390"/>
-            <a:ext cx="6035040" cy="475488"/>
-          </a:xfrm>
-          <a:prstGeom prst="roundRect">
-            <a:avLst/>
-          </a:prstGeom>
-          <a:solidFill>
-            <a:schemeClr val="accent5">
+            <a:schemeClr val="accent6">
               <a:lumMod val="40000"/>
               <a:lumOff val="60000"/>
             </a:schemeClr>
@@ -8395,30 +7526,25 @@
       </p:sp>
       <p:sp>
         <p:nvSpPr>
-          <p:cNvPr id="25" name="Rectangle: Rounded Corners 24">
-            <a:extLst>
-              <a:ext uri="{FF2B5EF4-FFF2-40B4-BE49-F238E27FC236}">
-                <a16:creationId xmlns:a16="http://schemas.microsoft.com/office/drawing/2014/main" id="{E43946E1-CE9B-4688-8035-380A1B4A0174}"/>
-              </a:ext>
-            </a:extLst>
-          </p:cNvPr>
+          <p:cNvPr id="5" name="Rectangle: Rounded Corners 4"/>
           <p:cNvSpPr/>
           <p:nvPr/>
         </p:nvSpPr>
         <p:spPr>
           <a:xfrm>
-            <a:off x="834887" y="1888435"/>
-            <a:ext cx="5764695" cy="1350066"/>
+            <a:off x="814595" y="3596046"/>
+            <a:ext cx="6400800" cy="478998"/>
           </a:xfrm>
           <a:prstGeom prst="roundRect">
             <a:avLst/>
           </a:prstGeom>
-          <a:noFill/>
-          <a:ln w="57150">
+          <a:solidFill>
+            <a:srgbClr val="E1AD48"/>
+          </a:solidFill>
+          <a:ln>
             <a:solidFill>
-              <a:srgbClr val="996699"/>
+              <a:schemeClr val="tx1"/>
             </a:solidFill>
-            <a:prstDash val="sysDash"/>
           </a:ln>
         </p:spPr>
         <p:style>
@@ -8444,9 +7570,7 @@
             <a:pPr algn="ctr"/>
             <a:endParaRPr lang="en-US" b="1" dirty="0">
               <a:solidFill>
-                <a:schemeClr val="accent1">
-                  <a:lumMod val="75000"/>
-                </a:schemeClr>
+                <a:schemeClr val="tx1"/>
               </a:solidFill>
             </a:endParaRPr>
           </a:p>
@@ -8454,6 +7578,291 @@
       </p:sp>
       <p:sp>
         <p:nvSpPr>
+          <p:cNvPr id="17" name="Rectangle: Rounded Corners 16">
+            <a:extLst>
+              <a:ext uri="{FF2B5EF4-FFF2-40B4-BE49-F238E27FC236}">
+                <a16:creationId xmlns:a16="http://schemas.microsoft.com/office/drawing/2014/main" id="{02929941-0200-42D9-8465-064446A2AC2E}"/>
+              </a:ext>
+            </a:extLst>
+          </p:cNvPr>
+          <p:cNvSpPr/>
+          <p:nvPr/>
+        </p:nvSpPr>
+        <p:spPr>
+          <a:xfrm>
+            <a:off x="814595" y="3028094"/>
+            <a:ext cx="6400800" cy="457001"/>
+          </a:xfrm>
+          <a:prstGeom prst="roundRect">
+            <a:avLst/>
+          </a:prstGeom>
+          <a:solidFill>
+            <a:schemeClr val="accent1">
+              <a:lumMod val="40000"/>
+              <a:lumOff val="60000"/>
+            </a:schemeClr>
+          </a:solidFill>
+          <a:ln>
+            <a:solidFill>
+              <a:schemeClr val="tx1"/>
+            </a:solidFill>
+          </a:ln>
+        </p:spPr>
+        <p:style>
+          <a:lnRef idx="2">
+            <a:schemeClr val="accent1">
+              <a:shade val="50000"/>
+            </a:schemeClr>
+          </a:lnRef>
+          <a:fillRef idx="1">
+            <a:schemeClr val="accent1"/>
+          </a:fillRef>
+          <a:effectRef idx="0">
+            <a:schemeClr val="accent1"/>
+          </a:effectRef>
+          <a:fontRef idx="minor">
+            <a:schemeClr val="lt1"/>
+          </a:fontRef>
+        </p:style>
+        <p:txBody>
+          <a:bodyPr rtlCol="0" anchor="ctr"/>
+          <a:lstStyle/>
+          <a:p>
+            <a:pPr algn="ctr"/>
+            <a:endParaRPr lang="en-US" b="1" dirty="0">
+              <a:solidFill>
+                <a:schemeClr val="tx1"/>
+              </a:solidFill>
+            </a:endParaRPr>
+          </a:p>
+        </p:txBody>
+      </p:sp>
+      <p:sp>
+        <p:nvSpPr>
+          <p:cNvPr id="18" name="Rectangle: Rounded Corners 17">
+            <a:extLst>
+              <a:ext uri="{FF2B5EF4-FFF2-40B4-BE49-F238E27FC236}">
+                <a16:creationId xmlns:a16="http://schemas.microsoft.com/office/drawing/2014/main" id="{A5947EC4-2512-4FDD-A2AE-6E8E1DF5BBDA}"/>
+              </a:ext>
+            </a:extLst>
+          </p:cNvPr>
+          <p:cNvSpPr/>
+          <p:nvPr/>
+        </p:nvSpPr>
+        <p:spPr>
+          <a:xfrm>
+            <a:off x="814595" y="4165889"/>
+            <a:ext cx="6400800" cy="478998"/>
+          </a:xfrm>
+          <a:prstGeom prst="roundRect">
+            <a:avLst/>
+          </a:prstGeom>
+          <a:solidFill>
+            <a:schemeClr val="bg1">
+              <a:lumMod val="75000"/>
+            </a:schemeClr>
+          </a:solidFill>
+          <a:ln>
+            <a:solidFill>
+              <a:schemeClr val="tx1"/>
+            </a:solidFill>
+          </a:ln>
+        </p:spPr>
+        <p:style>
+          <a:lnRef idx="2">
+            <a:schemeClr val="accent1">
+              <a:shade val="50000"/>
+            </a:schemeClr>
+          </a:lnRef>
+          <a:fillRef idx="1">
+            <a:schemeClr val="accent1"/>
+          </a:fillRef>
+          <a:effectRef idx="0">
+            <a:schemeClr val="accent1"/>
+          </a:effectRef>
+          <a:fontRef idx="minor">
+            <a:schemeClr val="lt1"/>
+          </a:fontRef>
+        </p:style>
+        <p:txBody>
+          <a:bodyPr rtlCol="0" anchor="ctr"/>
+          <a:lstStyle/>
+          <a:p>
+            <a:pPr algn="ctr"/>
+            <a:endParaRPr lang="en-US" b="1" dirty="0">
+              <a:solidFill>
+                <a:schemeClr val="tx1"/>
+              </a:solidFill>
+            </a:endParaRPr>
+          </a:p>
+        </p:txBody>
+      </p:sp>
+      <p:sp>
+        <p:nvSpPr>
+          <p:cNvPr id="19" name="TextBox 18">
+            <a:extLst>
+              <a:ext uri="{FF2B5EF4-FFF2-40B4-BE49-F238E27FC236}">
+                <a16:creationId xmlns:a16="http://schemas.microsoft.com/office/drawing/2014/main" id="{4F329E82-4FE1-4EE2-909E-1739258B41D6}"/>
+              </a:ext>
+            </a:extLst>
+          </p:cNvPr>
+          <p:cNvSpPr txBox="1"/>
+          <p:nvPr/>
+        </p:nvSpPr>
+        <p:spPr>
+          <a:xfrm>
+            <a:off x="7235686" y="2219738"/>
+            <a:ext cx="1930337" cy="461665"/>
+          </a:xfrm>
+          <a:prstGeom prst="rect">
+            <a:avLst/>
+          </a:prstGeom>
+          <a:noFill/>
+        </p:spPr>
+        <p:txBody>
+          <a:bodyPr wrap="none" rtlCol="0">
+            <a:spAutoFit/>
+          </a:bodyPr>
+          <a:lstStyle/>
+          <a:p>
+            <a:r>
+              <a:rPr lang="en-US" sz="2400" b="1" dirty="0">
+                <a:solidFill>
+                  <a:schemeClr val="accent6">
+                    <a:lumMod val="50000"/>
+                  </a:schemeClr>
+                </a:solidFill>
+              </a:rPr>
+              <a:t>SD1002Shape</a:t>
+            </a:r>
+          </a:p>
+        </p:txBody>
+      </p:sp>
+      <p:sp>
+        <p:nvSpPr>
+          <p:cNvPr id="21" name="TextBox 20">
+            <a:extLst>
+              <a:ext uri="{FF2B5EF4-FFF2-40B4-BE49-F238E27FC236}">
+                <a16:creationId xmlns:a16="http://schemas.microsoft.com/office/drawing/2014/main" id="{83A70331-5F59-4C46-A0E7-1DE702D8904E}"/>
+              </a:ext>
+            </a:extLst>
+          </p:cNvPr>
+          <p:cNvSpPr txBox="1"/>
+          <p:nvPr/>
+        </p:nvSpPr>
+        <p:spPr>
+          <a:xfrm>
+            <a:off x="7235686" y="4181061"/>
+            <a:ext cx="2004075" cy="461665"/>
+          </a:xfrm>
+          <a:prstGeom prst="rect">
+            <a:avLst/>
+          </a:prstGeom>
+          <a:noFill/>
+        </p:spPr>
+        <p:txBody>
+          <a:bodyPr wrap="none" rtlCol="0">
+            <a:spAutoFit/>
+          </a:bodyPr>
+          <a:lstStyle/>
+          <a:p>
+            <a:r>
+              <a:rPr lang="en-US" sz="2400" i="1" dirty="0">
+                <a:solidFill>
+                  <a:schemeClr val="bg1">
+                    <a:lumMod val="65000"/>
+                  </a:schemeClr>
+                </a:solidFill>
+              </a:rPr>
+              <a:t>...more shapes</a:t>
+            </a:r>
+          </a:p>
+        </p:txBody>
+      </p:sp>
+      <p:sp>
+        <p:nvSpPr>
+          <p:cNvPr id="22" name="TextBox 21">
+            <a:extLst>
+              <a:ext uri="{FF2B5EF4-FFF2-40B4-BE49-F238E27FC236}">
+                <a16:creationId xmlns:a16="http://schemas.microsoft.com/office/drawing/2014/main" id="{5604566B-9473-44E6-A9F0-16B413C2F315}"/>
+              </a:ext>
+            </a:extLst>
+          </p:cNvPr>
+          <p:cNvSpPr txBox="1"/>
+          <p:nvPr/>
+        </p:nvSpPr>
+        <p:spPr>
+          <a:xfrm>
+            <a:off x="7235686" y="2988364"/>
+            <a:ext cx="1930337" cy="461665"/>
+          </a:xfrm>
+          <a:prstGeom prst="rect">
+            <a:avLst/>
+          </a:prstGeom>
+          <a:noFill/>
+        </p:spPr>
+        <p:txBody>
+          <a:bodyPr wrap="none" rtlCol="0">
+            <a:spAutoFit/>
+          </a:bodyPr>
+          <a:lstStyle/>
+          <a:p>
+            <a:r>
+              <a:rPr lang="en-US" sz="2400" b="1" dirty="0">
+                <a:solidFill>
+                  <a:schemeClr val="accent1">
+                    <a:lumMod val="75000"/>
+                  </a:schemeClr>
+                </a:solidFill>
+              </a:rPr>
+              <a:t>SD1001Shape</a:t>
+            </a:r>
+          </a:p>
+        </p:txBody>
+      </p:sp>
+      <p:sp>
+        <p:nvSpPr>
+          <p:cNvPr id="23" name="TextBox 22">
+            <a:extLst>
+              <a:ext uri="{FF2B5EF4-FFF2-40B4-BE49-F238E27FC236}">
+                <a16:creationId xmlns:a16="http://schemas.microsoft.com/office/drawing/2014/main" id="{CD7F6E51-1BA6-4815-8455-7C3C94C69EA6}"/>
+              </a:ext>
+            </a:extLst>
+          </p:cNvPr>
+          <p:cNvSpPr txBox="1"/>
+          <p:nvPr/>
+        </p:nvSpPr>
+        <p:spPr>
+          <a:xfrm>
+            <a:off x="7235686" y="3637721"/>
+            <a:ext cx="1930337" cy="461665"/>
+          </a:xfrm>
+          <a:prstGeom prst="rect">
+            <a:avLst/>
+          </a:prstGeom>
+          <a:noFill/>
+        </p:spPr>
+        <p:txBody>
+          <a:bodyPr wrap="none" rtlCol="0">
+            <a:spAutoFit/>
+          </a:bodyPr>
+          <a:lstStyle/>
+          <a:p>
+            <a:r>
+              <a:rPr lang="en-US" sz="2400" b="1" dirty="0">
+                <a:solidFill>
+                  <a:schemeClr val="accent2">
+                    <a:lumMod val="75000"/>
+                  </a:schemeClr>
+                </a:solidFill>
+              </a:rPr>
+              <a:t>SD0083Shape</a:t>
+            </a:r>
+          </a:p>
+        </p:txBody>
+      </p:sp>
+      <p:sp>
+        <p:nvSpPr>
           <p:cNvPr id="45" name="TextBox 44">
             <a:extLst>
               <a:ext uri="{FF2B5EF4-FFF2-40B4-BE49-F238E27FC236}">
@@ -8466,8 +7875,8 @@
         </p:nvSpPr>
         <p:spPr>
           <a:xfrm>
-            <a:off x="690259" y="817724"/>
-            <a:ext cx="6233055" cy="3123932"/>
+            <a:off x="690260" y="817724"/>
+            <a:ext cx="6543266" cy="4047262"/>
           </a:xfrm>
           <a:prstGeom prst="rect">
             <a:avLst/>
@@ -8505,15 +7914,7 @@
             </a:r>
             <a:r>
               <a:rPr lang="en-US" sz="2400" dirty="0" err="1"/>
-              <a:t>study:</a:t>
-            </a:r>
-            <a:r>
-              <a:rPr lang="en-US" sz="2400" dirty="0" err="1">
-                <a:solidFill>
-                  <a:srgbClr val="0033CC"/>
-                </a:solidFill>
-              </a:rPr>
-              <a:t>AnimalSubject</a:t>
+              <a:t>study:AnimalSubject</a:t>
             </a:r>
             <a:r>
               <a:rPr lang="en-US" sz="2400" dirty="0"/>
@@ -8571,7 +7972,7 @@
             </a:r>
             <a:r>
               <a:rPr lang="en-US" sz="2400" dirty="0"/>
-              <a:t> ;</a:t>
+              <a:t>  ;</a:t>
             </a:r>
           </a:p>
           <a:p>
@@ -8584,16 +7985,104 @@
               <a:rPr lang="en-US" sz="2400" dirty="0"/>
               <a:t>    </a:t>
             </a:r>
+            <a:r>
+              <a:rPr lang="en-US" sz="2400" dirty="0" err="1"/>
+              <a:t>study:subjid</a:t>
+            </a:r>
+            <a:r>
+              <a:rPr lang="en-US" sz="2400" dirty="0"/>
+              <a:t>        “00M01"^^</a:t>
+            </a:r>
+            <a:r>
+              <a:rPr lang="en-US" sz="2400" dirty="0" err="1"/>
+              <a:t>xsd:string</a:t>
+            </a:r>
+            <a:r>
+              <a:rPr lang="en-US" sz="2400" dirty="0"/>
+              <a:t> ;</a:t>
+            </a:r>
+          </a:p>
+          <a:p>
+            <a:pPr>
+              <a:lnSpc>
+                <a:spcPct val="150000"/>
+              </a:lnSpc>
+            </a:pPr>
+            <a:r>
+              <a:rPr lang="en-US" sz="2400" dirty="0"/>
+              <a:t>    </a:t>
+            </a:r>
+            <a:r>
+              <a:rPr lang="en-US" sz="2400" dirty="0" err="1"/>
+              <a:t>study:usubjid</a:t>
+            </a:r>
+            <a:r>
+              <a:rPr lang="en-US" sz="2400" dirty="0"/>
+              <a:t>     “CJ16050_00M01” ^^</a:t>
+            </a:r>
+            <a:r>
+              <a:rPr lang="en-US" sz="2400" dirty="0" err="1"/>
+              <a:t>xsd:string</a:t>
+            </a:r>
+            <a:r>
+              <a:rPr lang="en-US" sz="2400" dirty="0"/>
+              <a:t> ;</a:t>
+            </a:r>
           </a:p>
           <a:p>
             <a:endParaRPr lang="en-US" sz="2400" dirty="0"/>
+          </a:p>
+          <a:p>
+            <a:endParaRPr lang="en-US" sz="2400" dirty="0"/>
+          </a:p>
+        </p:txBody>
+      </p:sp>
+      <p:sp>
+        <p:nvSpPr>
+          <p:cNvPr id="13" name="TextBox 12">
+            <a:extLst>
+              <a:ext uri="{FF2B5EF4-FFF2-40B4-BE49-F238E27FC236}">
+                <a16:creationId xmlns:a16="http://schemas.microsoft.com/office/drawing/2014/main" id="{47A2AA95-FF59-4D21-BCDB-A931A9C8AB84}"/>
+              </a:ext>
+            </a:extLst>
+          </p:cNvPr>
+          <p:cNvSpPr txBox="1"/>
+          <p:nvPr/>
+        </p:nvSpPr>
+        <p:spPr>
+          <a:xfrm>
+            <a:off x="877558" y="4174965"/>
+            <a:ext cx="1714508" cy="461665"/>
+          </a:xfrm>
+          <a:prstGeom prst="rect">
+            <a:avLst/>
+          </a:prstGeom>
+          <a:noFill/>
+        </p:spPr>
+        <p:txBody>
+          <a:bodyPr wrap="none" rtlCol="0">
+            <a:spAutoFit/>
+          </a:bodyPr>
+          <a:lstStyle/>
+          <a:p>
+            <a:r>
+              <a:rPr lang="en-US" sz="2400" i="1" dirty="0">
+                <a:solidFill>
+                  <a:schemeClr val="tx1">
+                    <a:lumMod val="50000"/>
+                    <a:lumOff val="50000"/>
+                  </a:schemeClr>
+                </a:solidFill>
+              </a:rPr>
+              <a:t>...more data</a:t>
+            </a:r>
           </a:p>
         </p:txBody>
       </p:sp>
     </p:spTree>
     <p:extLst>
       <p:ext uri="{BB962C8B-B14F-4D97-AF65-F5344CB8AC3E}">
-        <p14:creationId xmlns:p14="http://schemas.microsoft.com/office/powerpoint/2010/main" val="2881235337"/>
+        <p14:creationId xmlns:p14="http://schemas.microsoft.com/office/powerpoint/2010/main" val="3442749000"/>
       </p:ext>
     </p:extLst>
   </p:cSld>
@@ -8622,6 +8111,602 @@
       </p:grpSpPr>
       <p:sp>
         <p:nvSpPr>
+          <p:cNvPr id="15" name="Rectangle: Rounded Corners 14">
+            <a:extLst>
+              <a:ext uri="{FF2B5EF4-FFF2-40B4-BE49-F238E27FC236}">
+                <a16:creationId xmlns:a16="http://schemas.microsoft.com/office/drawing/2014/main" id="{FA40E339-40A8-448E-A741-015329DCA7D1}"/>
+              </a:ext>
+            </a:extLst>
+          </p:cNvPr>
+          <p:cNvSpPr/>
+          <p:nvPr/>
+        </p:nvSpPr>
+        <p:spPr>
+          <a:xfrm>
+            <a:off x="318052" y="1264951"/>
+            <a:ext cx="8746435" cy="2750458"/>
+          </a:xfrm>
+          <a:prstGeom prst="roundRect">
+            <a:avLst/>
+          </a:prstGeom>
+          <a:solidFill>
+            <a:schemeClr val="bg1">
+              <a:lumMod val="95000"/>
+            </a:schemeClr>
+          </a:solidFill>
+          <a:ln>
+            <a:solidFill>
+              <a:schemeClr val="tx1"/>
+            </a:solidFill>
+          </a:ln>
+        </p:spPr>
+        <p:style>
+          <a:lnRef idx="2">
+            <a:schemeClr val="accent1">
+              <a:shade val="50000"/>
+            </a:schemeClr>
+          </a:lnRef>
+          <a:fillRef idx="1">
+            <a:schemeClr val="accent1"/>
+          </a:fillRef>
+          <a:effectRef idx="0">
+            <a:schemeClr val="accent1"/>
+          </a:effectRef>
+          <a:fontRef idx="minor">
+            <a:schemeClr val="lt1"/>
+          </a:fontRef>
+        </p:style>
+        <p:txBody>
+          <a:bodyPr rtlCol="0" anchor="ctr"/>
+          <a:lstStyle/>
+          <a:p>
+            <a:pPr algn="ctr"/>
+            <a:endParaRPr lang="en-US" b="1" dirty="0">
+              <a:solidFill>
+                <a:schemeClr val="tx1"/>
+              </a:solidFill>
+            </a:endParaRPr>
+          </a:p>
+        </p:txBody>
+      </p:sp>
+      <p:sp>
+        <p:nvSpPr>
+          <p:cNvPr id="19" name="TextBox 18">
+            <a:extLst>
+              <a:ext uri="{FF2B5EF4-FFF2-40B4-BE49-F238E27FC236}">
+                <a16:creationId xmlns:a16="http://schemas.microsoft.com/office/drawing/2014/main" id="{4F329E82-4FE1-4EE2-909E-1739258B41D6}"/>
+              </a:ext>
+            </a:extLst>
+          </p:cNvPr>
+          <p:cNvSpPr txBox="1"/>
+          <p:nvPr/>
+        </p:nvSpPr>
+        <p:spPr>
+          <a:xfrm>
+            <a:off x="5690268" y="3215821"/>
+            <a:ext cx="1930337" cy="461665"/>
+          </a:xfrm>
+          <a:prstGeom prst="rect">
+            <a:avLst/>
+          </a:prstGeom>
+          <a:noFill/>
+        </p:spPr>
+        <p:txBody>
+          <a:bodyPr wrap="none" rtlCol="0">
+            <a:spAutoFit/>
+          </a:bodyPr>
+          <a:lstStyle/>
+          <a:p>
+            <a:r>
+              <a:rPr lang="en-US" sz="2400" b="1" dirty="0">
+                <a:solidFill>
+                  <a:srgbClr val="996699"/>
+                </a:solidFill>
+              </a:rPr>
+              <a:t>SD1002Shape</a:t>
+            </a:r>
+          </a:p>
+        </p:txBody>
+      </p:sp>
+      <p:sp>
+        <p:nvSpPr>
+          <p:cNvPr id="22" name="TextBox 21">
+            <a:extLst>
+              <a:ext uri="{FF2B5EF4-FFF2-40B4-BE49-F238E27FC236}">
+                <a16:creationId xmlns:a16="http://schemas.microsoft.com/office/drawing/2014/main" id="{5604566B-9473-44E6-A9F0-16B413C2F315}"/>
+              </a:ext>
+            </a:extLst>
+          </p:cNvPr>
+          <p:cNvSpPr txBox="1"/>
+          <p:nvPr/>
+        </p:nvSpPr>
+        <p:spPr>
+          <a:xfrm>
+            <a:off x="6950450" y="1971165"/>
+            <a:ext cx="1792927" cy="461665"/>
+          </a:xfrm>
+          <a:prstGeom prst="rect">
+            <a:avLst/>
+          </a:prstGeom>
+          <a:noFill/>
+        </p:spPr>
+        <p:txBody>
+          <a:bodyPr wrap="none" rtlCol="0">
+            <a:spAutoFit/>
+          </a:bodyPr>
+          <a:lstStyle/>
+          <a:p>
+            <a:r>
+              <a:rPr lang="en-US" sz="2400" b="1" dirty="0" err="1">
+                <a:solidFill>
+                  <a:schemeClr val="accent1">
+                    <a:lumMod val="75000"/>
+                  </a:schemeClr>
+                </a:solidFill>
+              </a:rPr>
+              <a:t>rfstdtcShape</a:t>
+            </a:r>
+            <a:endParaRPr lang="en-US" sz="2400" b="1" dirty="0">
+              <a:solidFill>
+                <a:schemeClr val="accent1">
+                  <a:lumMod val="75000"/>
+                </a:schemeClr>
+              </a:solidFill>
+            </a:endParaRPr>
+          </a:p>
+        </p:txBody>
+      </p:sp>
+      <p:sp>
+        <p:nvSpPr>
+          <p:cNvPr id="23" name="TextBox 22">
+            <a:extLst>
+              <a:ext uri="{FF2B5EF4-FFF2-40B4-BE49-F238E27FC236}">
+                <a16:creationId xmlns:a16="http://schemas.microsoft.com/office/drawing/2014/main" id="{CD7F6E51-1BA6-4815-8455-7C3C94C69EA6}"/>
+              </a:ext>
+            </a:extLst>
+          </p:cNvPr>
+          <p:cNvSpPr txBox="1"/>
+          <p:nvPr/>
+        </p:nvSpPr>
+        <p:spPr>
+          <a:xfrm>
+            <a:off x="5900372" y="854765"/>
+            <a:ext cx="2818400" cy="461665"/>
+          </a:xfrm>
+          <a:prstGeom prst="rect">
+            <a:avLst/>
+          </a:prstGeom>
+          <a:noFill/>
+        </p:spPr>
+        <p:txBody>
+          <a:bodyPr wrap="none" rtlCol="0">
+            <a:spAutoFit/>
+          </a:bodyPr>
+          <a:lstStyle/>
+          <a:p>
+            <a:r>
+              <a:rPr lang="en-US" sz="2400" b="1" dirty="0" err="1">
+                <a:solidFill>
+                  <a:schemeClr val="bg1">
+                    <a:lumMod val="50000"/>
+                  </a:schemeClr>
+                </a:solidFill>
+              </a:rPr>
+              <a:t>AnimalSubjectShape</a:t>
+            </a:r>
+            <a:endParaRPr lang="en-US" sz="2400" b="1" dirty="0">
+              <a:solidFill>
+                <a:schemeClr val="bg1">
+                  <a:lumMod val="50000"/>
+                </a:schemeClr>
+              </a:solidFill>
+            </a:endParaRPr>
+          </a:p>
+        </p:txBody>
+      </p:sp>
+      <p:sp>
+        <p:nvSpPr>
+          <p:cNvPr id="16" name="TextBox 15">
+            <a:extLst>
+              <a:ext uri="{FF2B5EF4-FFF2-40B4-BE49-F238E27FC236}">
+                <a16:creationId xmlns:a16="http://schemas.microsoft.com/office/drawing/2014/main" id="{7B8C2949-0D96-4A00-AB8F-339207DADC4C}"/>
+              </a:ext>
+            </a:extLst>
+          </p:cNvPr>
+          <p:cNvSpPr txBox="1"/>
+          <p:nvPr/>
+        </p:nvSpPr>
+        <p:spPr>
+          <a:xfrm>
+            <a:off x="6950450" y="2513620"/>
+            <a:ext cx="1887248" cy="461665"/>
+          </a:xfrm>
+          <a:prstGeom prst="rect">
+            <a:avLst/>
+          </a:prstGeom>
+          <a:noFill/>
+        </p:spPr>
+        <p:txBody>
+          <a:bodyPr wrap="none" rtlCol="0">
+            <a:spAutoFit/>
+          </a:bodyPr>
+          <a:lstStyle/>
+          <a:p>
+            <a:r>
+              <a:rPr lang="en-US" sz="2400" b="1" dirty="0" err="1">
+                <a:solidFill>
+                  <a:schemeClr val="accent1">
+                    <a:lumMod val="50000"/>
+                  </a:schemeClr>
+                </a:solidFill>
+              </a:rPr>
+              <a:t>rfendtcShape</a:t>
+            </a:r>
+            <a:endParaRPr lang="en-US" sz="2400" b="1" dirty="0">
+              <a:solidFill>
+                <a:schemeClr val="accent1">
+                  <a:lumMod val="50000"/>
+                </a:schemeClr>
+              </a:solidFill>
+            </a:endParaRPr>
+          </a:p>
+        </p:txBody>
+      </p:sp>
+      <p:sp>
+        <p:nvSpPr>
+          <p:cNvPr id="20" name="Rectangle: Rounded Corners 19">
+            <a:extLst>
+              <a:ext uri="{FF2B5EF4-FFF2-40B4-BE49-F238E27FC236}">
+                <a16:creationId xmlns:a16="http://schemas.microsoft.com/office/drawing/2014/main" id="{CC5B69B4-0616-4076-B15C-CB2DDC286FF3}"/>
+              </a:ext>
+            </a:extLst>
+          </p:cNvPr>
+          <p:cNvSpPr/>
+          <p:nvPr/>
+        </p:nvSpPr>
+        <p:spPr>
+          <a:xfrm>
+            <a:off x="876754" y="1965425"/>
+            <a:ext cx="6035040" cy="475488"/>
+          </a:xfrm>
+          <a:prstGeom prst="roundRect">
+            <a:avLst/>
+          </a:prstGeom>
+          <a:solidFill>
+            <a:schemeClr val="accent1">
+              <a:lumMod val="20000"/>
+              <a:lumOff val="80000"/>
+            </a:schemeClr>
+          </a:solidFill>
+          <a:ln>
+            <a:solidFill>
+              <a:schemeClr val="tx1"/>
+            </a:solidFill>
+          </a:ln>
+        </p:spPr>
+        <p:style>
+          <a:lnRef idx="2">
+            <a:schemeClr val="accent1">
+              <a:shade val="50000"/>
+            </a:schemeClr>
+          </a:lnRef>
+          <a:fillRef idx="1">
+            <a:schemeClr val="accent1"/>
+          </a:fillRef>
+          <a:effectRef idx="0">
+            <a:schemeClr val="accent1"/>
+          </a:effectRef>
+          <a:fontRef idx="minor">
+            <a:schemeClr val="lt1"/>
+          </a:fontRef>
+        </p:style>
+        <p:txBody>
+          <a:bodyPr rtlCol="0" anchor="ctr"/>
+          <a:lstStyle/>
+          <a:p>
+            <a:pPr algn="ctr"/>
+            <a:endParaRPr lang="en-US" b="1" dirty="0">
+              <a:solidFill>
+                <a:schemeClr val="accent1">
+                  <a:lumMod val="75000"/>
+                </a:schemeClr>
+              </a:solidFill>
+            </a:endParaRPr>
+          </a:p>
+        </p:txBody>
+      </p:sp>
+      <p:sp>
+        <p:nvSpPr>
+          <p:cNvPr id="24" name="Rectangle: Rounded Corners 23">
+            <a:extLst>
+              <a:ext uri="{FF2B5EF4-FFF2-40B4-BE49-F238E27FC236}">
+                <a16:creationId xmlns:a16="http://schemas.microsoft.com/office/drawing/2014/main" id="{7E3CBDAE-A66B-4331-9011-2CEB90F3E6B3}"/>
+              </a:ext>
+            </a:extLst>
+          </p:cNvPr>
+          <p:cNvSpPr/>
+          <p:nvPr/>
+        </p:nvSpPr>
+        <p:spPr>
+          <a:xfrm>
+            <a:off x="876754" y="2515390"/>
+            <a:ext cx="6035040" cy="475488"/>
+          </a:xfrm>
+          <a:prstGeom prst="roundRect">
+            <a:avLst/>
+          </a:prstGeom>
+          <a:solidFill>
+            <a:schemeClr val="accent5">
+              <a:lumMod val="40000"/>
+              <a:lumOff val="60000"/>
+            </a:schemeClr>
+          </a:solidFill>
+          <a:ln>
+            <a:solidFill>
+              <a:schemeClr val="tx1"/>
+            </a:solidFill>
+          </a:ln>
+        </p:spPr>
+        <p:style>
+          <a:lnRef idx="2">
+            <a:schemeClr val="accent1">
+              <a:shade val="50000"/>
+            </a:schemeClr>
+          </a:lnRef>
+          <a:fillRef idx="1">
+            <a:schemeClr val="accent1"/>
+          </a:fillRef>
+          <a:effectRef idx="0">
+            <a:schemeClr val="accent1"/>
+          </a:effectRef>
+          <a:fontRef idx="minor">
+            <a:schemeClr val="lt1"/>
+          </a:fontRef>
+        </p:style>
+        <p:txBody>
+          <a:bodyPr rtlCol="0" anchor="ctr"/>
+          <a:lstStyle/>
+          <a:p>
+            <a:pPr algn="ctr"/>
+            <a:endParaRPr lang="en-US" b="1" dirty="0">
+              <a:solidFill>
+                <a:schemeClr val="accent1">
+                  <a:lumMod val="75000"/>
+                </a:schemeClr>
+              </a:solidFill>
+            </a:endParaRPr>
+          </a:p>
+        </p:txBody>
+      </p:sp>
+      <p:sp>
+        <p:nvSpPr>
+          <p:cNvPr id="25" name="Rectangle: Rounded Corners 24">
+            <a:extLst>
+              <a:ext uri="{FF2B5EF4-FFF2-40B4-BE49-F238E27FC236}">
+                <a16:creationId xmlns:a16="http://schemas.microsoft.com/office/drawing/2014/main" id="{E43946E1-CE9B-4688-8035-380A1B4A0174}"/>
+              </a:ext>
+            </a:extLst>
+          </p:cNvPr>
+          <p:cNvSpPr/>
+          <p:nvPr/>
+        </p:nvSpPr>
+        <p:spPr>
+          <a:xfrm>
+            <a:off x="834887" y="1888435"/>
+            <a:ext cx="5764695" cy="1350066"/>
+          </a:xfrm>
+          <a:prstGeom prst="roundRect">
+            <a:avLst/>
+          </a:prstGeom>
+          <a:noFill/>
+          <a:ln w="57150">
+            <a:solidFill>
+              <a:srgbClr val="996699"/>
+            </a:solidFill>
+            <a:prstDash val="sysDash"/>
+          </a:ln>
+        </p:spPr>
+        <p:style>
+          <a:lnRef idx="2">
+            <a:schemeClr val="accent1">
+              <a:shade val="50000"/>
+            </a:schemeClr>
+          </a:lnRef>
+          <a:fillRef idx="1">
+            <a:schemeClr val="accent1"/>
+          </a:fillRef>
+          <a:effectRef idx="0">
+            <a:schemeClr val="accent1"/>
+          </a:effectRef>
+          <a:fontRef idx="minor">
+            <a:schemeClr val="lt1"/>
+          </a:fontRef>
+        </p:style>
+        <p:txBody>
+          <a:bodyPr rtlCol="0" anchor="ctr"/>
+          <a:lstStyle/>
+          <a:p>
+            <a:pPr algn="ctr"/>
+            <a:endParaRPr lang="en-US" b="1" dirty="0">
+              <a:solidFill>
+                <a:schemeClr val="accent1">
+                  <a:lumMod val="75000"/>
+                </a:schemeClr>
+              </a:solidFill>
+            </a:endParaRPr>
+          </a:p>
+        </p:txBody>
+      </p:sp>
+      <p:sp>
+        <p:nvSpPr>
+          <p:cNvPr id="45" name="TextBox 44">
+            <a:extLst>
+              <a:ext uri="{FF2B5EF4-FFF2-40B4-BE49-F238E27FC236}">
+                <a16:creationId xmlns:a16="http://schemas.microsoft.com/office/drawing/2014/main" id="{DCEB2144-B3F4-48FC-863E-2B0381C57201}"/>
+              </a:ext>
+            </a:extLst>
+          </p:cNvPr>
+          <p:cNvSpPr txBox="1"/>
+          <p:nvPr/>
+        </p:nvSpPr>
+        <p:spPr>
+          <a:xfrm>
+            <a:off x="690259" y="817724"/>
+            <a:ext cx="6233055" cy="3123932"/>
+          </a:xfrm>
+          <a:prstGeom prst="rect">
+            <a:avLst/>
+          </a:prstGeom>
+          <a:noFill/>
+        </p:spPr>
+        <p:txBody>
+          <a:bodyPr wrap="square" rtlCol="0">
+            <a:spAutoFit/>
+          </a:bodyPr>
+          <a:lstStyle/>
+          <a:p>
+            <a:pPr>
+              <a:spcBef>
+                <a:spcPts val="600"/>
+              </a:spcBef>
+              <a:spcAft>
+                <a:spcPts val="600"/>
+              </a:spcAft>
+            </a:pPr>
+            <a:r>
+              <a:rPr lang="en-US" sz="2400" dirty="0"/>
+              <a:t>study:Subject_CJ16050_00M01</a:t>
+            </a:r>
+          </a:p>
+          <a:p>
+            <a:pPr>
+              <a:lnSpc>
+                <a:spcPct val="150000"/>
+              </a:lnSpc>
+            </a:pPr>
+            <a:r>
+              <a:rPr lang="en-US" sz="2400" dirty="0"/>
+              <a:t>    a                           </a:t>
+            </a:r>
+            <a:r>
+              <a:rPr lang="en-US" sz="2400" dirty="0" err="1"/>
+              <a:t>study:</a:t>
+            </a:r>
+            <a:r>
+              <a:rPr lang="en-US" sz="2400" dirty="0" err="1">
+                <a:solidFill>
+                  <a:srgbClr val="0033CC"/>
+                </a:solidFill>
+              </a:rPr>
+              <a:t>AnimalSubject</a:t>
+            </a:r>
+            <a:r>
+              <a:rPr lang="en-US" sz="2400" dirty="0"/>
+              <a:t> ;</a:t>
+            </a:r>
+          </a:p>
+          <a:p>
+            <a:pPr>
+              <a:lnSpc>
+                <a:spcPct val="150000"/>
+              </a:lnSpc>
+            </a:pPr>
+            <a:r>
+              <a:rPr lang="en-US" sz="2400" dirty="0"/>
+              <a:t>    </a:t>
+            </a:r>
+            <a:r>
+              <a:rPr lang="en-US" sz="2400" dirty="0" err="1"/>
+              <a:t>study:rfendtc</a:t>
+            </a:r>
+            <a:r>
+              <a:rPr lang="en-US" sz="2400" dirty="0"/>
+              <a:t>      "2016-12-07"^^</a:t>
+            </a:r>
+            <a:r>
+              <a:rPr lang="en-US" sz="2400" dirty="0" err="1"/>
+              <a:t>xsd:date</a:t>
+            </a:r>
+            <a:r>
+              <a:rPr lang="en-US" sz="2400" dirty="0"/>
+              <a:t> ;</a:t>
+            </a:r>
+          </a:p>
+          <a:p>
+            <a:pPr>
+              <a:lnSpc>
+                <a:spcPct val="150000"/>
+              </a:lnSpc>
+            </a:pPr>
+            <a:r>
+              <a:rPr lang="en-US" sz="2400" dirty="0"/>
+              <a:t>    </a:t>
+            </a:r>
+            <a:r>
+              <a:rPr lang="en-US" sz="2400" dirty="0" err="1"/>
+              <a:t>study:rfstdtc</a:t>
+            </a:r>
+            <a:r>
+              <a:rPr lang="en-US" sz="2400" dirty="0"/>
+              <a:t>       "2016-12-07"^^</a:t>
+            </a:r>
+            <a:r>
+              <a:rPr lang="en-US" sz="2400" dirty="0" err="1"/>
+              <a:t>xsd:date</a:t>
+            </a:r>
+            <a:r>
+              <a:rPr lang="en-US" sz="2400" dirty="0"/>
+              <a:t> ;</a:t>
+            </a:r>
+          </a:p>
+          <a:p>
+            <a:pPr>
+              <a:lnSpc>
+                <a:spcPct val="150000"/>
+              </a:lnSpc>
+            </a:pPr>
+            <a:r>
+              <a:rPr lang="en-US" sz="2400" dirty="0"/>
+              <a:t>    </a:t>
+            </a:r>
+          </a:p>
+          <a:p>
+            <a:endParaRPr lang="en-US" sz="2400" dirty="0"/>
+          </a:p>
+        </p:txBody>
+      </p:sp>
+    </p:spTree>
+    <p:extLst>
+      <p:ext uri="{BB962C8B-B14F-4D97-AF65-F5344CB8AC3E}">
+        <p14:creationId xmlns:p14="http://schemas.microsoft.com/office/powerpoint/2010/main" val="2881235337"/>
+      </p:ext>
+    </p:extLst>
+  </p:cSld>
+  <p:clrMapOvr>
+    <a:masterClrMapping/>
+  </p:clrMapOvr>
+</p:sld>
+</file>
+
+<file path=ppt/slides/slide15.xml><?xml version="1.0" encoding="utf-8"?>
+<p:sld xmlns:a="http://schemas.openxmlformats.org/drawingml/2006/main" xmlns:r="http://schemas.openxmlformats.org/officeDocument/2006/relationships" xmlns:p="http://schemas.openxmlformats.org/presentationml/2006/main">
+  <p:cSld>
+    <p:spTree>
+      <p:nvGrpSpPr>
+        <p:cNvPr id="1" name=""/>
+        <p:cNvGrpSpPr/>
+        <p:nvPr/>
+      </p:nvGrpSpPr>
+      <p:grpSpPr>
+        <a:xfrm>
+          <a:off x="0" y="0"/>
+          <a:ext cx="0" cy="0"/>
+          <a:chOff x="0" y="0"/>
+          <a:chExt cx="0" cy="0"/>
+        </a:xfrm>
+      </p:grpSpPr>
+      <p:sp>
+        <p:nvSpPr>
           <p:cNvPr id="4" name="Rectangle: Rounded Corners 3"/>
           <p:cNvSpPr/>
           <p:nvPr/>
@@ -9535,6 +9620,2516 @@
 </file>
 
 <file path=ppt/slides/slide2.xml><?xml version="1.0" encoding="utf-8"?>
+<p:sld xmlns:a="http://schemas.openxmlformats.org/drawingml/2006/main" xmlns:r="http://schemas.openxmlformats.org/officeDocument/2006/relationships" xmlns:p="http://schemas.openxmlformats.org/presentationml/2006/main">
+  <p:cSld>
+    <p:spTree>
+      <p:nvGrpSpPr>
+        <p:cNvPr id="1" name=""/>
+        <p:cNvGrpSpPr/>
+        <p:nvPr/>
+      </p:nvGrpSpPr>
+      <p:grpSpPr>
+        <a:xfrm>
+          <a:off x="0" y="0"/>
+          <a:ext cx="0" cy="0"/>
+          <a:chOff x="0" y="0"/>
+          <a:chExt cx="0" cy="0"/>
+        </a:xfrm>
+      </p:grpSpPr>
+      <p:sp>
+        <p:nvSpPr>
+          <p:cNvPr id="28" name="Rectangle: Rounded Corners 27">
+            <a:extLst>
+              <a:ext uri="{FF2B5EF4-FFF2-40B4-BE49-F238E27FC236}">
+                <a16:creationId xmlns:a16="http://schemas.microsoft.com/office/drawing/2014/main" id="{F89B4A59-EF56-4504-9607-3D8D9E715D40}"/>
+              </a:ext>
+            </a:extLst>
+          </p:cNvPr>
+          <p:cNvSpPr/>
+          <p:nvPr/>
+        </p:nvSpPr>
+        <p:spPr>
+          <a:xfrm>
+            <a:off x="1083675" y="270309"/>
+            <a:ext cx="1554480" cy="274320"/>
+          </a:xfrm>
+          <a:prstGeom prst="roundRect">
+            <a:avLst/>
+          </a:prstGeom>
+          <a:solidFill>
+            <a:srgbClr val="E4ECF8"/>
+          </a:solidFill>
+          <a:ln w="38100">
+            <a:solidFill>
+              <a:schemeClr val="accent1">
+                <a:lumMod val="75000"/>
+              </a:schemeClr>
+            </a:solidFill>
+          </a:ln>
+        </p:spPr>
+        <p:style>
+          <a:lnRef idx="2">
+            <a:schemeClr val="accent1">
+              <a:shade val="50000"/>
+            </a:schemeClr>
+          </a:lnRef>
+          <a:fillRef idx="1">
+            <a:schemeClr val="accent1"/>
+          </a:fillRef>
+          <a:effectRef idx="0">
+            <a:schemeClr val="accent1"/>
+          </a:effectRef>
+          <a:fontRef idx="minor">
+            <a:schemeClr val="lt1"/>
+          </a:fontRef>
+        </p:style>
+        <p:txBody>
+          <a:bodyPr lIns="9144" tIns="9144" rIns="9144" bIns="9144" rtlCol="0" anchor="ctr"/>
+          <a:lstStyle/>
+          <a:p>
+            <a:pPr algn="ctr"/>
+            <a:r>
+              <a:rPr lang="en-US" sz="1200" dirty="0" err="1">
+                <a:solidFill>
+                  <a:schemeClr val="tx1"/>
+                </a:solidFill>
+              </a:rPr>
+              <a:t>sh:</a:t>
+            </a:r>
+            <a:r>
+              <a:rPr lang="en-US" sz="1200" b="1" dirty="0" err="1">
+                <a:solidFill>
+                  <a:schemeClr val="tx1"/>
+                </a:solidFill>
+              </a:rPr>
+              <a:t>ValidationResult</a:t>
+            </a:r>
+            <a:endParaRPr lang="en-US" sz="1200" b="1" dirty="0">
+              <a:solidFill>
+                <a:schemeClr val="tx1"/>
+              </a:solidFill>
+            </a:endParaRPr>
+          </a:p>
+        </p:txBody>
+      </p:sp>
+      <p:sp>
+        <p:nvSpPr>
+          <p:cNvPr id="33" name="Rectangle: Rounded Corners 32">
+            <a:extLst>
+              <a:ext uri="{FF2B5EF4-FFF2-40B4-BE49-F238E27FC236}">
+                <a16:creationId xmlns:a16="http://schemas.microsoft.com/office/drawing/2014/main" id="{ED006A42-0A40-4B83-9BDD-5BC794985ECB}"/>
+              </a:ext>
+            </a:extLst>
+          </p:cNvPr>
+          <p:cNvSpPr/>
+          <p:nvPr/>
+        </p:nvSpPr>
+        <p:spPr>
+          <a:xfrm>
+            <a:off x="1884300" y="1075186"/>
+            <a:ext cx="2971800" cy="274320"/>
+          </a:xfrm>
+          <a:prstGeom prst="roundRect">
+            <a:avLst/>
+          </a:prstGeom>
+          <a:solidFill>
+            <a:schemeClr val="bg1"/>
+          </a:solidFill>
+          <a:ln w="19050">
+            <a:solidFill>
+              <a:schemeClr val="bg1">
+                <a:lumMod val="50000"/>
+              </a:schemeClr>
+            </a:solidFill>
+          </a:ln>
+        </p:spPr>
+        <p:style>
+          <a:lnRef idx="2">
+            <a:schemeClr val="accent1">
+              <a:shade val="50000"/>
+            </a:schemeClr>
+          </a:lnRef>
+          <a:fillRef idx="1">
+            <a:schemeClr val="accent1"/>
+          </a:fillRef>
+          <a:effectRef idx="0">
+            <a:schemeClr val="accent1"/>
+          </a:effectRef>
+          <a:fontRef idx="minor">
+            <a:schemeClr val="lt1"/>
+          </a:fontRef>
+        </p:style>
+        <p:txBody>
+          <a:bodyPr lIns="9144" tIns="9144" rIns="9144" bIns="9144" rtlCol="0" anchor="ctr"/>
+          <a:lstStyle/>
+          <a:p>
+            <a:pPr algn="ctr"/>
+            <a:r>
+              <a:rPr lang="en-US" sz="1200" dirty="0">
+                <a:solidFill>
+                  <a:schemeClr val="tx1"/>
+                </a:solidFill>
+              </a:rPr>
+              <a:t>“Subject --&gt; USUBJID violation [SD0083]"</a:t>
+            </a:r>
+            <a:endParaRPr lang="en-US" sz="1200" b="1" dirty="0">
+              <a:solidFill>
+                <a:schemeClr val="tx1"/>
+              </a:solidFill>
+            </a:endParaRPr>
+          </a:p>
+        </p:txBody>
+      </p:sp>
+      <p:sp>
+        <p:nvSpPr>
+          <p:cNvPr id="34" name="Rectangle: Rounded Corners 33">
+            <a:extLst>
+              <a:ext uri="{FF2B5EF4-FFF2-40B4-BE49-F238E27FC236}">
+                <a16:creationId xmlns:a16="http://schemas.microsoft.com/office/drawing/2014/main" id="{9C7E2438-F732-4531-B865-F76DE438ECE0}"/>
+              </a:ext>
+            </a:extLst>
+          </p:cNvPr>
+          <p:cNvSpPr/>
+          <p:nvPr/>
+        </p:nvSpPr>
+        <p:spPr>
+          <a:xfrm>
+            <a:off x="1884300" y="2301670"/>
+            <a:ext cx="1645920" cy="274320"/>
+          </a:xfrm>
+          <a:prstGeom prst="roundRect">
+            <a:avLst/>
+          </a:prstGeom>
+          <a:solidFill>
+            <a:srgbClr val="EEEEBB"/>
+          </a:solidFill>
+          <a:ln w="38100">
+            <a:solidFill>
+              <a:srgbClr val="9E9E27"/>
+            </a:solidFill>
+          </a:ln>
+        </p:spPr>
+        <p:style>
+          <a:lnRef idx="2">
+            <a:schemeClr val="accent1">
+              <a:shade val="50000"/>
+            </a:schemeClr>
+          </a:lnRef>
+          <a:fillRef idx="1">
+            <a:schemeClr val="accent1"/>
+          </a:fillRef>
+          <a:effectRef idx="0">
+            <a:schemeClr val="accent1"/>
+          </a:effectRef>
+          <a:fontRef idx="minor">
+            <a:schemeClr val="lt1"/>
+          </a:fontRef>
+        </p:style>
+        <p:txBody>
+          <a:bodyPr lIns="9144" tIns="9144" rIns="9144" bIns="9144" rtlCol="0" anchor="ctr"/>
+          <a:lstStyle/>
+          <a:p>
+            <a:pPr algn="ctr"/>
+            <a:r>
+              <a:rPr lang="en-US" sz="1200" dirty="0">
+                <a:solidFill>
+                  <a:schemeClr val="tx1"/>
+                </a:solidFill>
+              </a:rPr>
+              <a:t>cj16050:</a:t>
+            </a:r>
+            <a:r>
+              <a:rPr lang="en-US" sz="1200" b="1" dirty="0">
+                <a:solidFill>
+                  <a:schemeClr val="tx1"/>
+                </a:solidFill>
+              </a:rPr>
+              <a:t>Animal_</a:t>
+            </a:r>
+            <a:r>
+              <a:rPr lang="en-US" sz="1200" b="1" dirty="0">
+                <a:solidFill>
+                  <a:schemeClr val="bg1">
+                    <a:lumMod val="65000"/>
+                  </a:schemeClr>
+                </a:solidFill>
+              </a:rPr>
+              <a:t>xxxx</a:t>
+            </a:r>
+          </a:p>
+        </p:txBody>
+      </p:sp>
+      <p:sp>
+        <p:nvSpPr>
+          <p:cNvPr id="37" name="TextBox 36">
+            <a:extLst>
+              <a:ext uri="{FF2B5EF4-FFF2-40B4-BE49-F238E27FC236}">
+                <a16:creationId xmlns:a16="http://schemas.microsoft.com/office/drawing/2014/main" id="{117712A8-FB7D-4DFC-9FA6-9D5C6CC9333C}"/>
+              </a:ext>
+            </a:extLst>
+          </p:cNvPr>
+          <p:cNvSpPr txBox="1"/>
+          <p:nvPr/>
+        </p:nvSpPr>
+        <p:spPr>
+          <a:xfrm flipH="1">
+            <a:off x="182880" y="1113038"/>
+            <a:ext cx="1645920" cy="182881"/>
+          </a:xfrm>
+          <a:prstGeom prst="rect">
+            <a:avLst/>
+          </a:prstGeom>
+          <a:solidFill>
+            <a:schemeClr val="bg1"/>
+          </a:solidFill>
+        </p:spPr>
+        <p:txBody>
+          <a:bodyPr wrap="square" lIns="9144" tIns="9144" rIns="9144" bIns="9144" rtlCol="0">
+            <a:spAutoFit/>
+          </a:bodyPr>
+          <a:lstStyle>
+            <a:defPPr>
+              <a:defRPr lang="en-US"/>
+            </a:defPPr>
+            <a:lvl1pPr>
+              <a:defRPr b="1">
+                <a:solidFill>
+                  <a:schemeClr val="accent2">
+                    <a:lumMod val="75000"/>
+                  </a:schemeClr>
+                </a:solidFill>
+                <a:latin typeface="Courier New" panose="02070309020205020404" pitchFamily="49" charset="0"/>
+                <a:cs typeface="Courier New" panose="02070309020205020404" pitchFamily="49" charset="0"/>
+              </a:defRPr>
+            </a:lvl1pPr>
+          </a:lstStyle>
+          <a:p>
+            <a:pPr algn="r"/>
+            <a:r>
+              <a:rPr lang="en-US" sz="1200" dirty="0" err="1"/>
+              <a:t>sh:resultMessage</a:t>
+            </a:r>
+            <a:endParaRPr lang="en-US" sz="1200" dirty="0"/>
+          </a:p>
+        </p:txBody>
+      </p:sp>
+      <p:sp>
+        <p:nvSpPr>
+          <p:cNvPr id="41" name="TextBox 40">
+            <a:extLst>
+              <a:ext uri="{FF2B5EF4-FFF2-40B4-BE49-F238E27FC236}">
+                <a16:creationId xmlns:a16="http://schemas.microsoft.com/office/drawing/2014/main" id="{5156DCD5-EB54-466C-B2D5-6B62C3672278}"/>
+              </a:ext>
+            </a:extLst>
+          </p:cNvPr>
+          <p:cNvSpPr txBox="1"/>
+          <p:nvPr/>
+        </p:nvSpPr>
+        <p:spPr>
+          <a:xfrm flipH="1">
+            <a:off x="640080" y="2335167"/>
+            <a:ext cx="1188720" cy="182880"/>
+          </a:xfrm>
+          <a:prstGeom prst="rect">
+            <a:avLst/>
+          </a:prstGeom>
+          <a:solidFill>
+            <a:schemeClr val="bg1"/>
+          </a:solidFill>
+        </p:spPr>
+        <p:txBody>
+          <a:bodyPr wrap="square" lIns="9144" tIns="9144" rIns="9144" bIns="9144" rtlCol="0">
+            <a:spAutoFit/>
+          </a:bodyPr>
+          <a:lstStyle>
+            <a:defPPr>
+              <a:defRPr lang="en-US"/>
+            </a:defPPr>
+            <a:lvl1pPr>
+              <a:defRPr b="1">
+                <a:solidFill>
+                  <a:schemeClr val="accent2">
+                    <a:lumMod val="75000"/>
+                  </a:schemeClr>
+                </a:solidFill>
+                <a:latin typeface="Courier New" panose="02070309020205020404" pitchFamily="49" charset="0"/>
+                <a:cs typeface="Courier New" panose="02070309020205020404" pitchFamily="49" charset="0"/>
+              </a:defRPr>
+            </a:lvl1pPr>
+          </a:lstStyle>
+          <a:p>
+            <a:r>
+              <a:rPr lang="en-US" sz="1200" dirty="0" err="1"/>
+              <a:t>sh:focusNode</a:t>
+            </a:r>
+            <a:endParaRPr lang="en-US" sz="1200" dirty="0"/>
+          </a:p>
+        </p:txBody>
+      </p:sp>
+      <p:sp>
+        <p:nvSpPr>
+          <p:cNvPr id="43" name="Rectangle: Rounded Corners 42">
+            <a:extLst>
+              <a:ext uri="{FF2B5EF4-FFF2-40B4-BE49-F238E27FC236}">
+                <a16:creationId xmlns:a16="http://schemas.microsoft.com/office/drawing/2014/main" id="{9D1EB77C-D848-457E-B140-9B6FD4B7BFFA}"/>
+              </a:ext>
+            </a:extLst>
+          </p:cNvPr>
+          <p:cNvSpPr/>
+          <p:nvPr/>
+        </p:nvSpPr>
+        <p:spPr>
+          <a:xfrm>
+            <a:off x="1884300" y="1903983"/>
+            <a:ext cx="2377440" cy="274320"/>
+          </a:xfrm>
+          <a:prstGeom prst="roundRect">
+            <a:avLst/>
+          </a:prstGeom>
+          <a:solidFill>
+            <a:srgbClr val="E4ECF8"/>
+          </a:solidFill>
+          <a:ln w="38100">
+            <a:solidFill>
+              <a:schemeClr val="accent1">
+                <a:lumMod val="75000"/>
+              </a:schemeClr>
+            </a:solidFill>
+          </a:ln>
+        </p:spPr>
+        <p:style>
+          <a:lnRef idx="2">
+            <a:schemeClr val="accent1">
+              <a:shade val="50000"/>
+            </a:schemeClr>
+          </a:lnRef>
+          <a:fillRef idx="1">
+            <a:schemeClr val="accent1"/>
+          </a:fillRef>
+          <a:effectRef idx="0">
+            <a:schemeClr val="accent1"/>
+          </a:effectRef>
+          <a:fontRef idx="minor">
+            <a:schemeClr val="lt1"/>
+          </a:fontRef>
+        </p:style>
+        <p:txBody>
+          <a:bodyPr lIns="9144" tIns="9144" rIns="9144" bIns="9144" rtlCol="0" anchor="ctr"/>
+          <a:lstStyle/>
+          <a:p>
+            <a:pPr algn="ctr"/>
+            <a:r>
+              <a:rPr lang="en-US" sz="1200" dirty="0">
+                <a:solidFill>
+                  <a:schemeClr val="tx1"/>
+                </a:solidFill>
+              </a:rPr>
+              <a:t>study:hasMin1Max1Shape-USubjidID</a:t>
+            </a:r>
+            <a:endParaRPr lang="en-US" sz="1200" b="1" dirty="0">
+              <a:solidFill>
+                <a:schemeClr val="tx1"/>
+              </a:solidFill>
+            </a:endParaRPr>
+          </a:p>
+        </p:txBody>
+      </p:sp>
+      <p:sp>
+        <p:nvSpPr>
+          <p:cNvPr id="45" name="TextBox 44">
+            <a:extLst>
+              <a:ext uri="{FF2B5EF4-FFF2-40B4-BE49-F238E27FC236}">
+                <a16:creationId xmlns:a16="http://schemas.microsoft.com/office/drawing/2014/main" id="{D9C64800-CB49-485B-9DB7-5A5C9600321F}"/>
+              </a:ext>
+            </a:extLst>
+          </p:cNvPr>
+          <p:cNvSpPr txBox="1"/>
+          <p:nvPr/>
+        </p:nvSpPr>
+        <p:spPr>
+          <a:xfrm flipH="1">
+            <a:off x="0" y="713040"/>
+            <a:ext cx="1828800" cy="203133"/>
+          </a:xfrm>
+          <a:prstGeom prst="rect">
+            <a:avLst/>
+          </a:prstGeom>
+          <a:solidFill>
+            <a:schemeClr val="bg1"/>
+          </a:solidFill>
+        </p:spPr>
+        <p:txBody>
+          <a:bodyPr wrap="square" lIns="9144" tIns="9144" rIns="9144" bIns="9144" rtlCol="0">
+            <a:spAutoFit/>
+          </a:bodyPr>
+          <a:lstStyle>
+            <a:defPPr>
+              <a:defRPr lang="en-US"/>
+            </a:defPPr>
+            <a:lvl1pPr>
+              <a:defRPr b="1">
+                <a:solidFill>
+                  <a:schemeClr val="accent2">
+                    <a:lumMod val="75000"/>
+                  </a:schemeClr>
+                </a:solidFill>
+                <a:latin typeface="Courier New" panose="02070309020205020404" pitchFamily="49" charset="0"/>
+                <a:cs typeface="Courier New" panose="02070309020205020404" pitchFamily="49" charset="0"/>
+              </a:defRPr>
+            </a:lvl1pPr>
+          </a:lstStyle>
+          <a:p>
+            <a:pPr algn="r"/>
+            <a:r>
+              <a:rPr lang="en-US" sz="1200" dirty="0" err="1"/>
+              <a:t>sh:resultSeverity</a:t>
+            </a:r>
+            <a:endParaRPr lang="en-US" sz="1200" dirty="0"/>
+          </a:p>
+        </p:txBody>
+      </p:sp>
+      <p:sp>
+        <p:nvSpPr>
+          <p:cNvPr id="48" name="Rectangle: Rounded Corners 47">
+            <a:extLst>
+              <a:ext uri="{FF2B5EF4-FFF2-40B4-BE49-F238E27FC236}">
+                <a16:creationId xmlns:a16="http://schemas.microsoft.com/office/drawing/2014/main" id="{72CB5CB9-5932-4C22-ABEE-7C56661ED8BE}"/>
+              </a:ext>
+            </a:extLst>
+          </p:cNvPr>
+          <p:cNvSpPr/>
+          <p:nvPr/>
+        </p:nvSpPr>
+        <p:spPr>
+          <a:xfrm>
+            <a:off x="1884300" y="684364"/>
+            <a:ext cx="1097280" cy="274320"/>
+          </a:xfrm>
+          <a:prstGeom prst="roundRect">
+            <a:avLst/>
+          </a:prstGeom>
+          <a:solidFill>
+            <a:srgbClr val="C00000"/>
+          </a:solidFill>
+          <a:ln w="38100">
+            <a:solidFill>
+              <a:schemeClr val="accent1">
+                <a:lumMod val="75000"/>
+              </a:schemeClr>
+            </a:solidFill>
+          </a:ln>
+        </p:spPr>
+        <p:style>
+          <a:lnRef idx="2">
+            <a:schemeClr val="accent1">
+              <a:shade val="50000"/>
+            </a:schemeClr>
+          </a:lnRef>
+          <a:fillRef idx="1">
+            <a:schemeClr val="accent1"/>
+          </a:fillRef>
+          <a:effectRef idx="0">
+            <a:schemeClr val="accent1"/>
+          </a:effectRef>
+          <a:fontRef idx="minor">
+            <a:schemeClr val="lt1"/>
+          </a:fontRef>
+        </p:style>
+        <p:txBody>
+          <a:bodyPr rtlCol="0" anchor="ctr"/>
+          <a:lstStyle/>
+          <a:p>
+            <a:pPr algn="ctr"/>
+            <a:r>
+              <a:rPr lang="en-US" sz="1200" dirty="0" err="1">
+                <a:solidFill>
+                  <a:schemeClr val="bg1"/>
+                </a:solidFill>
+              </a:rPr>
+              <a:t>sh:</a:t>
+            </a:r>
+            <a:r>
+              <a:rPr lang="en-US" sz="1200" b="1" dirty="0" err="1">
+                <a:solidFill>
+                  <a:schemeClr val="bg1"/>
+                </a:solidFill>
+              </a:rPr>
+              <a:t>Violation</a:t>
+            </a:r>
+            <a:endParaRPr lang="en-US" sz="1200" b="1" dirty="0">
+              <a:solidFill>
+                <a:schemeClr val="bg1"/>
+              </a:solidFill>
+            </a:endParaRPr>
+          </a:p>
+        </p:txBody>
+      </p:sp>
+      <p:sp>
+        <p:nvSpPr>
+          <p:cNvPr id="53" name="TextBox 52">
+            <a:extLst>
+              <a:ext uri="{FF2B5EF4-FFF2-40B4-BE49-F238E27FC236}">
+                <a16:creationId xmlns:a16="http://schemas.microsoft.com/office/drawing/2014/main" id="{78C60FF0-8396-481E-B55A-050196B9F28A}"/>
+              </a:ext>
+            </a:extLst>
+          </p:cNvPr>
+          <p:cNvSpPr txBox="1"/>
+          <p:nvPr/>
+        </p:nvSpPr>
+        <p:spPr>
+          <a:xfrm flipH="1">
+            <a:off x="548640" y="1474988"/>
+            <a:ext cx="1280160" cy="203133"/>
+          </a:xfrm>
+          <a:prstGeom prst="rect">
+            <a:avLst/>
+          </a:prstGeom>
+          <a:solidFill>
+            <a:schemeClr val="bg1"/>
+          </a:solidFill>
+        </p:spPr>
+        <p:txBody>
+          <a:bodyPr wrap="square" lIns="9144" tIns="9144" rIns="9144" bIns="9144" rtlCol="0">
+            <a:spAutoFit/>
+          </a:bodyPr>
+          <a:lstStyle>
+            <a:defPPr>
+              <a:defRPr lang="en-US"/>
+            </a:defPPr>
+            <a:lvl1pPr>
+              <a:defRPr b="1">
+                <a:solidFill>
+                  <a:schemeClr val="accent2">
+                    <a:lumMod val="75000"/>
+                  </a:schemeClr>
+                </a:solidFill>
+                <a:latin typeface="Courier New" panose="02070309020205020404" pitchFamily="49" charset="0"/>
+                <a:cs typeface="Courier New" panose="02070309020205020404" pitchFamily="49" charset="0"/>
+              </a:defRPr>
+            </a:lvl1pPr>
+          </a:lstStyle>
+          <a:p>
+            <a:pPr algn="r"/>
+            <a:r>
+              <a:rPr lang="en-US" sz="1200" dirty="0" err="1"/>
+              <a:t>sh:resultPath</a:t>
+            </a:r>
+            <a:endParaRPr lang="en-US" sz="1200" dirty="0"/>
+          </a:p>
+        </p:txBody>
+      </p:sp>
+      <p:sp>
+        <p:nvSpPr>
+          <p:cNvPr id="54" name="Rectangle: Rounded Corners 53">
+            <a:extLst>
+              <a:ext uri="{FF2B5EF4-FFF2-40B4-BE49-F238E27FC236}">
+                <a16:creationId xmlns:a16="http://schemas.microsoft.com/office/drawing/2014/main" id="{EFBC9848-33E0-4963-9F75-8E8F96853B84}"/>
+              </a:ext>
+            </a:extLst>
+          </p:cNvPr>
+          <p:cNvSpPr/>
+          <p:nvPr/>
+        </p:nvSpPr>
+        <p:spPr>
+          <a:xfrm>
+            <a:off x="1884300" y="1463470"/>
+            <a:ext cx="1828800" cy="274320"/>
+          </a:xfrm>
+          <a:prstGeom prst="roundRect">
+            <a:avLst/>
+          </a:prstGeom>
+          <a:solidFill>
+            <a:schemeClr val="bg1"/>
+          </a:solidFill>
+          <a:ln w="38100">
+            <a:solidFill>
+              <a:schemeClr val="tx1">
+                <a:lumMod val="50000"/>
+                <a:lumOff val="50000"/>
+              </a:schemeClr>
+            </a:solidFill>
+          </a:ln>
+        </p:spPr>
+        <p:style>
+          <a:lnRef idx="2">
+            <a:schemeClr val="accent1">
+              <a:shade val="50000"/>
+            </a:schemeClr>
+          </a:lnRef>
+          <a:fillRef idx="1">
+            <a:schemeClr val="accent1"/>
+          </a:fillRef>
+          <a:effectRef idx="0">
+            <a:schemeClr val="accent1"/>
+          </a:effectRef>
+          <a:fontRef idx="minor">
+            <a:schemeClr val="lt1"/>
+          </a:fontRef>
+        </p:style>
+        <p:txBody>
+          <a:bodyPr lIns="9144" tIns="9144" rIns="9144" bIns="9144" rtlCol="0" anchor="ctr"/>
+          <a:lstStyle/>
+          <a:p>
+            <a:pPr algn="ctr"/>
+            <a:r>
+              <a:rPr lang="en-US" sz="1200" dirty="0" err="1">
+                <a:solidFill>
+                  <a:schemeClr val="accent2">
+                    <a:lumMod val="50000"/>
+                  </a:schemeClr>
+                </a:solidFill>
+              </a:rPr>
+              <a:t>study:hasUniqueSubjectID</a:t>
+            </a:r>
+            <a:endParaRPr lang="en-US" sz="1200" b="1" dirty="0">
+              <a:solidFill>
+                <a:schemeClr val="accent2">
+                  <a:lumMod val="50000"/>
+                </a:schemeClr>
+              </a:solidFill>
+            </a:endParaRPr>
+          </a:p>
+        </p:txBody>
+      </p:sp>
+      <p:sp>
+        <p:nvSpPr>
+          <p:cNvPr id="55" name="TextBox 54">
+            <a:extLst>
+              <a:ext uri="{FF2B5EF4-FFF2-40B4-BE49-F238E27FC236}">
+                <a16:creationId xmlns:a16="http://schemas.microsoft.com/office/drawing/2014/main" id="{299D695F-FE01-4620-9E4E-606CB2867EE9}"/>
+              </a:ext>
+            </a:extLst>
+          </p:cNvPr>
+          <p:cNvSpPr txBox="1"/>
+          <p:nvPr/>
+        </p:nvSpPr>
+        <p:spPr>
+          <a:xfrm flipH="1">
+            <a:off x="457200" y="1932188"/>
+            <a:ext cx="1371600" cy="203133"/>
+          </a:xfrm>
+          <a:prstGeom prst="rect">
+            <a:avLst/>
+          </a:prstGeom>
+          <a:solidFill>
+            <a:schemeClr val="bg1"/>
+          </a:solidFill>
+        </p:spPr>
+        <p:txBody>
+          <a:bodyPr wrap="square" lIns="9144" tIns="9144" rIns="9144" bIns="9144" rtlCol="0">
+            <a:spAutoFit/>
+          </a:bodyPr>
+          <a:lstStyle>
+            <a:defPPr>
+              <a:defRPr lang="en-US"/>
+            </a:defPPr>
+            <a:lvl1pPr>
+              <a:defRPr b="1">
+                <a:solidFill>
+                  <a:schemeClr val="accent2">
+                    <a:lumMod val="75000"/>
+                  </a:schemeClr>
+                </a:solidFill>
+                <a:latin typeface="Courier New" panose="02070309020205020404" pitchFamily="49" charset="0"/>
+                <a:cs typeface="Courier New" panose="02070309020205020404" pitchFamily="49" charset="0"/>
+              </a:defRPr>
+            </a:lvl1pPr>
+          </a:lstStyle>
+          <a:p>
+            <a:pPr algn="r"/>
+            <a:r>
+              <a:rPr lang="en-US" sz="1200" dirty="0" err="1"/>
+              <a:t>sh:sourceShape</a:t>
+            </a:r>
+            <a:endParaRPr lang="en-US" sz="1200" dirty="0"/>
+          </a:p>
+        </p:txBody>
+      </p:sp>
+      <p:sp>
+        <p:nvSpPr>
+          <p:cNvPr id="56" name="Rectangle: Rounded Corners 55">
+            <a:extLst>
+              <a:ext uri="{FF2B5EF4-FFF2-40B4-BE49-F238E27FC236}">
+                <a16:creationId xmlns:a16="http://schemas.microsoft.com/office/drawing/2014/main" id="{D9B80268-A94C-4F55-BF9B-BF13E527D52A}"/>
+              </a:ext>
+            </a:extLst>
+          </p:cNvPr>
+          <p:cNvSpPr/>
+          <p:nvPr/>
+        </p:nvSpPr>
+        <p:spPr>
+          <a:xfrm>
+            <a:off x="3151125" y="3930445"/>
+            <a:ext cx="1645920" cy="274320"/>
+          </a:xfrm>
+          <a:prstGeom prst="roundRect">
+            <a:avLst/>
+          </a:prstGeom>
+          <a:solidFill>
+            <a:srgbClr val="EEEEBB"/>
+          </a:solidFill>
+          <a:ln w="38100">
+            <a:solidFill>
+              <a:srgbClr val="9E9E27"/>
+            </a:solidFill>
+          </a:ln>
+        </p:spPr>
+        <p:style>
+          <a:lnRef idx="2">
+            <a:schemeClr val="accent1">
+              <a:shade val="50000"/>
+            </a:schemeClr>
+          </a:lnRef>
+          <a:fillRef idx="1">
+            <a:schemeClr val="accent1"/>
+          </a:fillRef>
+          <a:effectRef idx="0">
+            <a:schemeClr val="accent1"/>
+          </a:effectRef>
+          <a:fontRef idx="minor">
+            <a:schemeClr val="lt1"/>
+          </a:fontRef>
+        </p:style>
+        <p:txBody>
+          <a:bodyPr lIns="9144" tIns="9144" rIns="9144" bIns="9144" rtlCol="0" anchor="ctr"/>
+          <a:lstStyle/>
+          <a:p>
+            <a:pPr algn="ctr"/>
+            <a:r>
+              <a:rPr lang="en-US" sz="1200" dirty="0">
+                <a:solidFill>
+                  <a:schemeClr val="tx1"/>
+                </a:solidFill>
+              </a:rPr>
+              <a:t>cj16050:</a:t>
+            </a:r>
+            <a:r>
+              <a:rPr lang="en-US" sz="1200" b="1" dirty="0">
+                <a:solidFill>
+                  <a:schemeClr val="tx1"/>
+                </a:solidFill>
+              </a:rPr>
+              <a:t>Animal_</a:t>
+            </a:r>
+            <a:r>
+              <a:rPr lang="en-US" sz="1200" b="1" dirty="0">
+                <a:solidFill>
+                  <a:schemeClr val="bg1">
+                    <a:lumMod val="65000"/>
+                  </a:schemeClr>
+                </a:solidFill>
+              </a:rPr>
+              <a:t>xxxx</a:t>
+            </a:r>
+          </a:p>
+        </p:txBody>
+      </p:sp>
+      <p:sp>
+        <p:nvSpPr>
+          <p:cNvPr id="57" name="TextBox 56">
+            <a:extLst>
+              <a:ext uri="{FF2B5EF4-FFF2-40B4-BE49-F238E27FC236}">
+                <a16:creationId xmlns:a16="http://schemas.microsoft.com/office/drawing/2014/main" id="{27DC90E1-355E-42B8-A360-1EF2917DA208}"/>
+              </a:ext>
+            </a:extLst>
+          </p:cNvPr>
+          <p:cNvSpPr txBox="1"/>
+          <p:nvPr/>
+        </p:nvSpPr>
+        <p:spPr>
+          <a:xfrm flipH="1">
+            <a:off x="3505200" y="4313490"/>
+            <a:ext cx="91440" cy="182880"/>
+          </a:xfrm>
+          <a:prstGeom prst="rect">
+            <a:avLst/>
+          </a:prstGeom>
+          <a:solidFill>
+            <a:schemeClr val="bg1"/>
+          </a:solidFill>
+        </p:spPr>
+        <p:txBody>
+          <a:bodyPr wrap="square" lIns="9144" tIns="9144" rIns="9144" bIns="9144" rtlCol="0">
+            <a:spAutoFit/>
+          </a:bodyPr>
+          <a:lstStyle>
+            <a:defPPr>
+              <a:defRPr lang="en-US"/>
+            </a:defPPr>
+            <a:lvl1pPr>
+              <a:defRPr b="1">
+                <a:solidFill>
+                  <a:schemeClr val="accent2">
+                    <a:lumMod val="75000"/>
+                  </a:schemeClr>
+                </a:solidFill>
+                <a:latin typeface="Courier New" panose="02070309020205020404" pitchFamily="49" charset="0"/>
+                <a:cs typeface="Courier New" panose="02070309020205020404" pitchFamily="49" charset="0"/>
+              </a:defRPr>
+            </a:lvl1pPr>
+          </a:lstStyle>
+          <a:p>
+            <a:pPr algn="r"/>
+            <a:r>
+              <a:rPr lang="en-US" sz="1200" dirty="0"/>
+              <a:t>a</a:t>
+            </a:r>
+          </a:p>
+        </p:txBody>
+      </p:sp>
+      <p:sp>
+        <p:nvSpPr>
+          <p:cNvPr id="58" name="Rectangle: Rounded Corners 57">
+            <a:extLst>
+              <a:ext uri="{FF2B5EF4-FFF2-40B4-BE49-F238E27FC236}">
+                <a16:creationId xmlns:a16="http://schemas.microsoft.com/office/drawing/2014/main" id="{65FF6FBD-D61A-4422-A91B-DF4388D1A66E}"/>
+              </a:ext>
+            </a:extLst>
+          </p:cNvPr>
+          <p:cNvSpPr/>
+          <p:nvPr/>
+        </p:nvSpPr>
+        <p:spPr>
+          <a:xfrm>
+            <a:off x="6503925" y="1949245"/>
+            <a:ext cx="1645920" cy="274320"/>
+          </a:xfrm>
+          <a:prstGeom prst="roundRect">
+            <a:avLst/>
+          </a:prstGeom>
+          <a:solidFill>
+            <a:srgbClr val="FFC000"/>
+          </a:solidFill>
+          <a:ln w="38100">
+            <a:solidFill>
+              <a:schemeClr val="accent4">
+                <a:lumMod val="75000"/>
+              </a:schemeClr>
+            </a:solidFill>
+          </a:ln>
+        </p:spPr>
+        <p:style>
+          <a:lnRef idx="2">
+            <a:schemeClr val="accent1">
+              <a:shade val="50000"/>
+            </a:schemeClr>
+          </a:lnRef>
+          <a:fillRef idx="1">
+            <a:schemeClr val="accent1"/>
+          </a:fillRef>
+          <a:effectRef idx="0">
+            <a:schemeClr val="accent1"/>
+          </a:effectRef>
+          <a:fontRef idx="minor">
+            <a:schemeClr val="lt1"/>
+          </a:fontRef>
+        </p:style>
+        <p:txBody>
+          <a:bodyPr lIns="9144" tIns="9144" rIns="9144" bIns="9144" rtlCol="0" anchor="ctr"/>
+          <a:lstStyle/>
+          <a:p>
+            <a:pPr algn="ctr"/>
+            <a:r>
+              <a:rPr lang="en-US" sz="1200" dirty="0" err="1">
+                <a:solidFill>
+                  <a:schemeClr val="tx1"/>
+                </a:solidFill>
+              </a:rPr>
+              <a:t>sh:PropertyShape</a:t>
+            </a:r>
+            <a:endParaRPr lang="en-US" sz="1200" dirty="0">
+              <a:solidFill>
+                <a:schemeClr val="bg1">
+                  <a:lumMod val="65000"/>
+                </a:schemeClr>
+              </a:solidFill>
+            </a:endParaRPr>
+          </a:p>
+        </p:txBody>
+      </p:sp>
+      <p:sp>
+        <p:nvSpPr>
+          <p:cNvPr id="59" name="TextBox 58">
+            <a:extLst>
+              <a:ext uri="{FF2B5EF4-FFF2-40B4-BE49-F238E27FC236}">
+                <a16:creationId xmlns:a16="http://schemas.microsoft.com/office/drawing/2014/main" id="{996AA641-5A72-4230-BF70-B5930B25063E}"/>
+              </a:ext>
+            </a:extLst>
+          </p:cNvPr>
+          <p:cNvSpPr txBox="1"/>
+          <p:nvPr/>
+        </p:nvSpPr>
+        <p:spPr>
+          <a:xfrm flipH="1">
+            <a:off x="1333500" y="4618290"/>
+            <a:ext cx="2286000" cy="182880"/>
+          </a:xfrm>
+          <a:prstGeom prst="rect">
+            <a:avLst/>
+          </a:prstGeom>
+          <a:solidFill>
+            <a:schemeClr val="bg1"/>
+          </a:solidFill>
+        </p:spPr>
+        <p:txBody>
+          <a:bodyPr wrap="square" lIns="9144" tIns="9144" rIns="9144" bIns="9144" rtlCol="0">
+            <a:noAutofit/>
+          </a:bodyPr>
+          <a:lstStyle>
+            <a:defPPr>
+              <a:defRPr lang="en-US"/>
+            </a:defPPr>
+            <a:lvl1pPr>
+              <a:defRPr b="1">
+                <a:solidFill>
+                  <a:schemeClr val="accent2">
+                    <a:lumMod val="75000"/>
+                  </a:schemeClr>
+                </a:solidFill>
+                <a:latin typeface="Courier New" panose="02070309020205020404" pitchFamily="49" charset="0"/>
+                <a:cs typeface="Courier New" panose="02070309020205020404" pitchFamily="49" charset="0"/>
+              </a:defRPr>
+            </a:lvl1pPr>
+          </a:lstStyle>
+          <a:p>
+            <a:pPr algn="r"/>
+            <a:r>
+              <a:rPr lang="en-US" sz="1200" dirty="0" err="1"/>
+              <a:t>study:hasUniqueSubjectID</a:t>
+            </a:r>
+            <a:endParaRPr lang="en-US" sz="1200" dirty="0"/>
+          </a:p>
+        </p:txBody>
+      </p:sp>
+      <p:sp>
+        <p:nvSpPr>
+          <p:cNvPr id="60" name="Rectangle: Rounded Corners 59">
+            <a:extLst>
+              <a:ext uri="{FF2B5EF4-FFF2-40B4-BE49-F238E27FC236}">
+                <a16:creationId xmlns:a16="http://schemas.microsoft.com/office/drawing/2014/main" id="{982EC43A-225A-4729-AE71-AAB7E2A4B265}"/>
+              </a:ext>
+            </a:extLst>
+          </p:cNvPr>
+          <p:cNvSpPr/>
+          <p:nvPr/>
+        </p:nvSpPr>
+        <p:spPr>
+          <a:xfrm>
+            <a:off x="3827400" y="4673395"/>
+            <a:ext cx="1645920" cy="274320"/>
+          </a:xfrm>
+          <a:prstGeom prst="roundRect">
+            <a:avLst/>
+          </a:prstGeom>
+          <a:solidFill>
+            <a:srgbClr val="EEEEBB"/>
+          </a:solidFill>
+          <a:ln w="38100">
+            <a:solidFill>
+              <a:srgbClr val="9E9E27"/>
+            </a:solidFill>
+          </a:ln>
+        </p:spPr>
+        <p:style>
+          <a:lnRef idx="2">
+            <a:schemeClr val="accent1">
+              <a:shade val="50000"/>
+            </a:schemeClr>
+          </a:lnRef>
+          <a:fillRef idx="1">
+            <a:schemeClr val="accent1"/>
+          </a:fillRef>
+          <a:effectRef idx="0">
+            <a:schemeClr val="accent1"/>
+          </a:effectRef>
+          <a:fontRef idx="minor">
+            <a:schemeClr val="lt1"/>
+          </a:fontRef>
+        </p:style>
+        <p:txBody>
+          <a:bodyPr lIns="9144" tIns="9144" rIns="9144" bIns="9144" rtlCol="0" anchor="ctr"/>
+          <a:lstStyle/>
+          <a:p>
+            <a:pPr algn="ctr"/>
+            <a:r>
+              <a:rPr lang="en-US" sz="1200" dirty="0">
+                <a:solidFill>
+                  <a:schemeClr val="tx1"/>
+                </a:solidFill>
+              </a:rPr>
+              <a:t>:USUBJID_</a:t>
+            </a:r>
+            <a:r>
+              <a:rPr lang="en-US" sz="1200" dirty="0">
+                <a:solidFill>
+                  <a:schemeClr val="bg1">
+                    <a:lumMod val="50000"/>
+                  </a:schemeClr>
+                </a:solidFill>
+              </a:rPr>
+              <a:t>xxxx</a:t>
+            </a:r>
+            <a:r>
+              <a:rPr lang="en-US" sz="1200" b="1" dirty="0">
+                <a:solidFill>
+                  <a:srgbClr val="C00000"/>
+                </a:solidFill>
+              </a:rPr>
+              <a:t>1</a:t>
+            </a:r>
+          </a:p>
+        </p:txBody>
+      </p:sp>
+      <p:sp>
+        <p:nvSpPr>
+          <p:cNvPr id="62" name="TextBox 61">
+            <a:extLst>
+              <a:ext uri="{FF2B5EF4-FFF2-40B4-BE49-F238E27FC236}">
+                <a16:creationId xmlns:a16="http://schemas.microsoft.com/office/drawing/2014/main" id="{53876CAA-68D0-41F4-83A5-A0A8C5E17751}"/>
+              </a:ext>
+            </a:extLst>
+          </p:cNvPr>
+          <p:cNvSpPr txBox="1"/>
+          <p:nvPr/>
+        </p:nvSpPr>
+        <p:spPr>
+          <a:xfrm flipH="1">
+            <a:off x="1362075" y="5351715"/>
+            <a:ext cx="2286000" cy="182880"/>
+          </a:xfrm>
+          <a:prstGeom prst="rect">
+            <a:avLst/>
+          </a:prstGeom>
+          <a:solidFill>
+            <a:schemeClr val="bg1"/>
+          </a:solidFill>
+        </p:spPr>
+        <p:txBody>
+          <a:bodyPr wrap="square" lIns="9144" tIns="9144" rIns="9144" bIns="9144" rtlCol="0">
+            <a:noAutofit/>
+          </a:bodyPr>
+          <a:lstStyle>
+            <a:defPPr>
+              <a:defRPr lang="en-US"/>
+            </a:defPPr>
+            <a:lvl1pPr>
+              <a:defRPr b="1">
+                <a:solidFill>
+                  <a:schemeClr val="accent2">
+                    <a:lumMod val="75000"/>
+                  </a:schemeClr>
+                </a:solidFill>
+                <a:latin typeface="Courier New" panose="02070309020205020404" pitchFamily="49" charset="0"/>
+                <a:cs typeface="Courier New" panose="02070309020205020404" pitchFamily="49" charset="0"/>
+              </a:defRPr>
+            </a:lvl1pPr>
+          </a:lstStyle>
+          <a:p>
+            <a:pPr algn="r"/>
+            <a:r>
+              <a:rPr lang="en-US" sz="1200" dirty="0" err="1"/>
+              <a:t>study:hasUniqueSubjectID</a:t>
+            </a:r>
+            <a:endParaRPr lang="en-US" sz="1200" dirty="0"/>
+          </a:p>
+        </p:txBody>
+      </p:sp>
+      <p:sp>
+        <p:nvSpPr>
+          <p:cNvPr id="63" name="Rectangle: Rounded Corners 62">
+            <a:extLst>
+              <a:ext uri="{FF2B5EF4-FFF2-40B4-BE49-F238E27FC236}">
+                <a16:creationId xmlns:a16="http://schemas.microsoft.com/office/drawing/2014/main" id="{5E1D2887-69B3-4E50-9B76-02B10F50698B}"/>
+              </a:ext>
+            </a:extLst>
+          </p:cNvPr>
+          <p:cNvSpPr/>
+          <p:nvPr/>
+        </p:nvSpPr>
+        <p:spPr>
+          <a:xfrm>
+            <a:off x="3913125" y="5359195"/>
+            <a:ext cx="1645920" cy="274320"/>
+          </a:xfrm>
+          <a:prstGeom prst="roundRect">
+            <a:avLst/>
+          </a:prstGeom>
+          <a:solidFill>
+            <a:srgbClr val="EEEEBB"/>
+          </a:solidFill>
+          <a:ln w="38100">
+            <a:solidFill>
+              <a:srgbClr val="9E9E27"/>
+            </a:solidFill>
+          </a:ln>
+        </p:spPr>
+        <p:style>
+          <a:lnRef idx="2">
+            <a:schemeClr val="accent1">
+              <a:shade val="50000"/>
+            </a:schemeClr>
+          </a:lnRef>
+          <a:fillRef idx="1">
+            <a:schemeClr val="accent1"/>
+          </a:fillRef>
+          <a:effectRef idx="0">
+            <a:schemeClr val="accent1"/>
+          </a:effectRef>
+          <a:fontRef idx="minor">
+            <a:schemeClr val="lt1"/>
+          </a:fontRef>
+        </p:style>
+        <p:txBody>
+          <a:bodyPr lIns="9144" tIns="9144" rIns="9144" bIns="9144" rtlCol="0" anchor="ctr"/>
+          <a:lstStyle/>
+          <a:p>
+            <a:pPr algn="ctr"/>
+            <a:r>
+              <a:rPr lang="en-US" sz="1200" dirty="0">
+                <a:solidFill>
+                  <a:schemeClr val="tx1"/>
+                </a:solidFill>
+              </a:rPr>
+              <a:t>:USUBJID_</a:t>
+            </a:r>
+            <a:r>
+              <a:rPr lang="en-US" sz="1200" dirty="0">
+                <a:solidFill>
+                  <a:schemeClr val="bg1">
+                    <a:lumMod val="50000"/>
+                  </a:schemeClr>
+                </a:solidFill>
+              </a:rPr>
+              <a:t>xxxx</a:t>
+            </a:r>
+            <a:r>
+              <a:rPr lang="en-US" sz="1200" b="1" dirty="0">
+                <a:solidFill>
+                  <a:srgbClr val="C00000"/>
+                </a:solidFill>
+              </a:rPr>
+              <a:t>2</a:t>
+            </a:r>
+          </a:p>
+        </p:txBody>
+      </p:sp>
+      <p:cxnSp>
+        <p:nvCxnSpPr>
+          <p:cNvPr id="18" name="Connector: Elbow 17">
+            <a:extLst>
+              <a:ext uri="{FF2B5EF4-FFF2-40B4-BE49-F238E27FC236}">
+                <a16:creationId xmlns:a16="http://schemas.microsoft.com/office/drawing/2014/main" id="{857E3B87-F3EF-4C3E-970F-28E903C064C5}"/>
+              </a:ext>
+            </a:extLst>
+          </p:cNvPr>
+          <p:cNvCxnSpPr>
+            <a:stCxn id="54" idx="3"/>
+            <a:endCxn id="59" idx="0"/>
+          </p:cNvCxnSpPr>
+          <p:nvPr/>
+        </p:nvCxnSpPr>
+        <p:spPr>
+          <a:xfrm flipH="1">
+            <a:off x="2476500" y="1600630"/>
+            <a:ext cx="1236600" cy="3017660"/>
+          </a:xfrm>
+          <a:prstGeom prst="bentConnector4">
+            <a:avLst>
+              <a:gd name="adj1" fmla="val -63931"/>
+              <a:gd name="adj2" fmla="val 52273"/>
+            </a:avLst>
+          </a:prstGeom>
+          <a:ln>
+            <a:tailEnd type="triangle"/>
+          </a:ln>
+        </p:spPr>
+        <p:style>
+          <a:lnRef idx="1">
+            <a:schemeClr val="accent1"/>
+          </a:lnRef>
+          <a:fillRef idx="0">
+            <a:schemeClr val="accent1"/>
+          </a:fillRef>
+          <a:effectRef idx="0">
+            <a:schemeClr val="accent1"/>
+          </a:effectRef>
+          <a:fontRef idx="minor">
+            <a:schemeClr val="tx1"/>
+          </a:fontRef>
+        </p:style>
+      </p:cxnSp>
+      <p:sp>
+        <p:nvSpPr>
+          <p:cNvPr id="66" name="TextBox 65">
+            <a:extLst>
+              <a:ext uri="{FF2B5EF4-FFF2-40B4-BE49-F238E27FC236}">
+                <a16:creationId xmlns:a16="http://schemas.microsoft.com/office/drawing/2014/main" id="{65EDD940-D350-4DE5-AEBA-7B0572A3790B}"/>
+              </a:ext>
+            </a:extLst>
+          </p:cNvPr>
+          <p:cNvSpPr txBox="1"/>
+          <p:nvPr/>
+        </p:nvSpPr>
+        <p:spPr>
+          <a:xfrm flipH="1">
+            <a:off x="3686175" y="5027813"/>
+            <a:ext cx="1371600" cy="203133"/>
+          </a:xfrm>
+          <a:prstGeom prst="rect">
+            <a:avLst/>
+          </a:prstGeom>
+          <a:solidFill>
+            <a:schemeClr val="bg1"/>
+          </a:solidFill>
+        </p:spPr>
+        <p:txBody>
+          <a:bodyPr wrap="square" lIns="9144" tIns="9144" rIns="9144" bIns="9144" rtlCol="0">
+            <a:spAutoFit/>
+          </a:bodyPr>
+          <a:lstStyle>
+            <a:defPPr>
+              <a:defRPr lang="en-US"/>
+            </a:defPPr>
+            <a:lvl1pPr>
+              <a:defRPr b="1">
+                <a:solidFill>
+                  <a:schemeClr val="accent2">
+                    <a:lumMod val="75000"/>
+                  </a:schemeClr>
+                </a:solidFill>
+                <a:latin typeface="Courier New" panose="02070309020205020404" pitchFamily="49" charset="0"/>
+                <a:cs typeface="Courier New" panose="02070309020205020404" pitchFamily="49" charset="0"/>
+              </a:defRPr>
+            </a:lvl1pPr>
+          </a:lstStyle>
+          <a:p>
+            <a:pPr algn="r"/>
+            <a:r>
+              <a:rPr lang="en-US" sz="1200" dirty="0" err="1"/>
+              <a:t>skos:prefLabel</a:t>
+            </a:r>
+            <a:endParaRPr lang="en-US" sz="1200" dirty="0"/>
+          </a:p>
+        </p:txBody>
+      </p:sp>
+      <p:sp>
+        <p:nvSpPr>
+          <p:cNvPr id="67" name="Rectangle: Rounded Corners 66">
+            <a:extLst>
+              <a:ext uri="{FF2B5EF4-FFF2-40B4-BE49-F238E27FC236}">
+                <a16:creationId xmlns:a16="http://schemas.microsoft.com/office/drawing/2014/main" id="{5ECF74E8-E10A-4027-9F3F-E5F82DA41D69}"/>
+              </a:ext>
+            </a:extLst>
+          </p:cNvPr>
+          <p:cNvSpPr/>
+          <p:nvPr/>
+        </p:nvSpPr>
+        <p:spPr>
+          <a:xfrm>
+            <a:off x="5151375" y="5009011"/>
+            <a:ext cx="1097280" cy="274320"/>
+          </a:xfrm>
+          <a:prstGeom prst="roundRect">
+            <a:avLst/>
+          </a:prstGeom>
+          <a:solidFill>
+            <a:schemeClr val="bg1"/>
+          </a:solidFill>
+          <a:ln w="19050">
+            <a:solidFill>
+              <a:schemeClr val="bg1">
+                <a:lumMod val="50000"/>
+              </a:schemeClr>
+            </a:solidFill>
+          </a:ln>
+        </p:spPr>
+        <p:style>
+          <a:lnRef idx="2">
+            <a:schemeClr val="accent1">
+              <a:shade val="50000"/>
+            </a:schemeClr>
+          </a:lnRef>
+          <a:fillRef idx="1">
+            <a:schemeClr val="accent1"/>
+          </a:fillRef>
+          <a:effectRef idx="0">
+            <a:schemeClr val="accent1"/>
+          </a:effectRef>
+          <a:fontRef idx="minor">
+            <a:schemeClr val="lt1"/>
+          </a:fontRef>
+        </p:style>
+        <p:txBody>
+          <a:bodyPr lIns="9144" tIns="9144" rIns="9144" bIns="9144" rtlCol="0" anchor="ctr"/>
+          <a:lstStyle/>
+          <a:p>
+            <a:pPr algn="ctr"/>
+            <a:r>
+              <a:rPr lang="en-US" sz="1200" dirty="0">
+                <a:solidFill>
+                  <a:schemeClr val="tx1"/>
+                </a:solidFill>
+              </a:rPr>
+              <a:t>“CJ16050_99T</a:t>
+            </a:r>
+            <a:r>
+              <a:rPr lang="en-US" sz="1200" b="1" dirty="0">
+                <a:solidFill>
+                  <a:srgbClr val="C00000"/>
+                </a:solidFill>
+              </a:rPr>
+              <a:t>1</a:t>
+            </a:r>
+          </a:p>
+        </p:txBody>
+      </p:sp>
+      <p:sp>
+        <p:nvSpPr>
+          <p:cNvPr id="68" name="TextBox 67">
+            <a:extLst>
+              <a:ext uri="{FF2B5EF4-FFF2-40B4-BE49-F238E27FC236}">
+                <a16:creationId xmlns:a16="http://schemas.microsoft.com/office/drawing/2014/main" id="{F0FC6E14-73D7-464F-A66F-5D92AC59C6BE}"/>
+              </a:ext>
+            </a:extLst>
+          </p:cNvPr>
+          <p:cNvSpPr txBox="1"/>
+          <p:nvPr/>
+        </p:nvSpPr>
+        <p:spPr>
+          <a:xfrm flipH="1">
+            <a:off x="3667125" y="5789813"/>
+            <a:ext cx="1371600" cy="203133"/>
+          </a:xfrm>
+          <a:prstGeom prst="rect">
+            <a:avLst/>
+          </a:prstGeom>
+          <a:solidFill>
+            <a:schemeClr val="bg1"/>
+          </a:solidFill>
+        </p:spPr>
+        <p:txBody>
+          <a:bodyPr wrap="square" lIns="9144" tIns="9144" rIns="9144" bIns="9144" rtlCol="0">
+            <a:spAutoFit/>
+          </a:bodyPr>
+          <a:lstStyle>
+            <a:defPPr>
+              <a:defRPr lang="en-US"/>
+            </a:defPPr>
+            <a:lvl1pPr>
+              <a:defRPr b="1">
+                <a:solidFill>
+                  <a:schemeClr val="accent2">
+                    <a:lumMod val="75000"/>
+                  </a:schemeClr>
+                </a:solidFill>
+                <a:latin typeface="Courier New" panose="02070309020205020404" pitchFamily="49" charset="0"/>
+                <a:cs typeface="Courier New" panose="02070309020205020404" pitchFamily="49" charset="0"/>
+              </a:defRPr>
+            </a:lvl1pPr>
+          </a:lstStyle>
+          <a:p>
+            <a:pPr algn="r"/>
+            <a:r>
+              <a:rPr lang="en-US" sz="1200" dirty="0" err="1"/>
+              <a:t>skos:prefLabel</a:t>
+            </a:r>
+            <a:endParaRPr lang="en-US" sz="1200" dirty="0"/>
+          </a:p>
+        </p:txBody>
+      </p:sp>
+      <p:sp>
+        <p:nvSpPr>
+          <p:cNvPr id="69" name="Rectangle: Rounded Corners 68">
+            <a:extLst>
+              <a:ext uri="{FF2B5EF4-FFF2-40B4-BE49-F238E27FC236}">
+                <a16:creationId xmlns:a16="http://schemas.microsoft.com/office/drawing/2014/main" id="{CCBF73F8-BD05-4A46-B013-76751CEFD603}"/>
+              </a:ext>
+            </a:extLst>
+          </p:cNvPr>
+          <p:cNvSpPr/>
+          <p:nvPr/>
+        </p:nvSpPr>
+        <p:spPr>
+          <a:xfrm>
+            <a:off x="5132325" y="5771011"/>
+            <a:ext cx="1097280" cy="274320"/>
+          </a:xfrm>
+          <a:prstGeom prst="roundRect">
+            <a:avLst/>
+          </a:prstGeom>
+          <a:solidFill>
+            <a:schemeClr val="bg1"/>
+          </a:solidFill>
+          <a:ln w="19050">
+            <a:solidFill>
+              <a:schemeClr val="bg1">
+                <a:lumMod val="50000"/>
+              </a:schemeClr>
+            </a:solidFill>
+          </a:ln>
+        </p:spPr>
+        <p:style>
+          <a:lnRef idx="2">
+            <a:schemeClr val="accent1">
+              <a:shade val="50000"/>
+            </a:schemeClr>
+          </a:lnRef>
+          <a:fillRef idx="1">
+            <a:schemeClr val="accent1"/>
+          </a:fillRef>
+          <a:effectRef idx="0">
+            <a:schemeClr val="accent1"/>
+          </a:effectRef>
+          <a:fontRef idx="minor">
+            <a:schemeClr val="lt1"/>
+          </a:fontRef>
+        </p:style>
+        <p:txBody>
+          <a:bodyPr lIns="9144" tIns="9144" rIns="9144" bIns="9144" rtlCol="0" anchor="ctr"/>
+          <a:lstStyle/>
+          <a:p>
+            <a:pPr algn="ctr"/>
+            <a:r>
+              <a:rPr lang="en-US" sz="1200" dirty="0">
+                <a:solidFill>
+                  <a:schemeClr val="tx1"/>
+                </a:solidFill>
+              </a:rPr>
+              <a:t>“CJ16050_99T</a:t>
+            </a:r>
+            <a:r>
+              <a:rPr lang="en-US" sz="1200" b="1" dirty="0">
+                <a:solidFill>
+                  <a:srgbClr val="C00000"/>
+                </a:solidFill>
+              </a:rPr>
+              <a:t>2</a:t>
+            </a:r>
+          </a:p>
+        </p:txBody>
+      </p:sp>
+      <p:sp>
+        <p:nvSpPr>
+          <p:cNvPr id="71" name="Rectangle: Rounded Corners 70">
+            <a:extLst>
+              <a:ext uri="{FF2B5EF4-FFF2-40B4-BE49-F238E27FC236}">
+                <a16:creationId xmlns:a16="http://schemas.microsoft.com/office/drawing/2014/main" id="{12A14B02-BF7F-4033-86AD-F497F4188F5C}"/>
+              </a:ext>
+            </a:extLst>
+          </p:cNvPr>
+          <p:cNvSpPr/>
+          <p:nvPr/>
+        </p:nvSpPr>
+        <p:spPr>
+          <a:xfrm>
+            <a:off x="5341875" y="1561083"/>
+            <a:ext cx="2377440" cy="274320"/>
+          </a:xfrm>
+          <a:prstGeom prst="roundRect">
+            <a:avLst/>
+          </a:prstGeom>
+          <a:solidFill>
+            <a:srgbClr val="E4ECF8"/>
+          </a:solidFill>
+          <a:ln w="38100">
+            <a:solidFill>
+              <a:schemeClr val="accent1">
+                <a:lumMod val="75000"/>
+              </a:schemeClr>
+            </a:solidFill>
+          </a:ln>
+        </p:spPr>
+        <p:style>
+          <a:lnRef idx="2">
+            <a:schemeClr val="accent1">
+              <a:shade val="50000"/>
+            </a:schemeClr>
+          </a:lnRef>
+          <a:fillRef idx="1">
+            <a:schemeClr val="accent1"/>
+          </a:fillRef>
+          <a:effectRef idx="0">
+            <a:schemeClr val="accent1"/>
+          </a:effectRef>
+          <a:fontRef idx="minor">
+            <a:schemeClr val="lt1"/>
+          </a:fontRef>
+        </p:style>
+        <p:txBody>
+          <a:bodyPr lIns="9144" tIns="9144" rIns="9144" bIns="9144" rtlCol="0" anchor="ctr"/>
+          <a:lstStyle/>
+          <a:p>
+            <a:pPr algn="ctr"/>
+            <a:r>
+              <a:rPr lang="en-US" sz="1200" dirty="0">
+                <a:solidFill>
+                  <a:schemeClr val="tx1"/>
+                </a:solidFill>
+              </a:rPr>
+              <a:t>study:hasMin1Max1Shape-USubjidID</a:t>
+            </a:r>
+            <a:endParaRPr lang="en-US" sz="1200" b="1" dirty="0">
+              <a:solidFill>
+                <a:schemeClr val="tx1"/>
+              </a:solidFill>
+            </a:endParaRPr>
+          </a:p>
+        </p:txBody>
+      </p:sp>
+      <p:sp>
+        <p:nvSpPr>
+          <p:cNvPr id="74" name="TextBox 73">
+            <a:extLst>
+              <a:ext uri="{FF2B5EF4-FFF2-40B4-BE49-F238E27FC236}">
+                <a16:creationId xmlns:a16="http://schemas.microsoft.com/office/drawing/2014/main" id="{73A9E12B-41F1-4F56-8065-3A9D1FCC0CDD}"/>
+              </a:ext>
+            </a:extLst>
+          </p:cNvPr>
+          <p:cNvSpPr txBox="1"/>
+          <p:nvPr/>
+        </p:nvSpPr>
+        <p:spPr>
+          <a:xfrm flipH="1">
+            <a:off x="6334125" y="1951290"/>
+            <a:ext cx="91440" cy="203133"/>
+          </a:xfrm>
+          <a:prstGeom prst="rect">
+            <a:avLst/>
+          </a:prstGeom>
+          <a:solidFill>
+            <a:schemeClr val="bg1"/>
+          </a:solidFill>
+        </p:spPr>
+        <p:txBody>
+          <a:bodyPr wrap="square" lIns="9144" tIns="9144" rIns="9144" bIns="9144" rtlCol="0">
+            <a:spAutoFit/>
+          </a:bodyPr>
+          <a:lstStyle>
+            <a:defPPr>
+              <a:defRPr lang="en-US"/>
+            </a:defPPr>
+            <a:lvl1pPr>
+              <a:defRPr b="1">
+                <a:solidFill>
+                  <a:schemeClr val="accent2">
+                    <a:lumMod val="75000"/>
+                  </a:schemeClr>
+                </a:solidFill>
+                <a:latin typeface="Courier New" panose="02070309020205020404" pitchFamily="49" charset="0"/>
+                <a:cs typeface="Courier New" panose="02070309020205020404" pitchFamily="49" charset="0"/>
+              </a:defRPr>
+            </a:lvl1pPr>
+          </a:lstStyle>
+          <a:p>
+            <a:pPr algn="r"/>
+            <a:r>
+              <a:rPr lang="en-US" sz="1200" dirty="0"/>
+              <a:t>a</a:t>
+            </a:r>
+          </a:p>
+        </p:txBody>
+      </p:sp>
+      <p:sp>
+        <p:nvSpPr>
+          <p:cNvPr id="75" name="TextBox 74">
+            <a:extLst>
+              <a:ext uri="{FF2B5EF4-FFF2-40B4-BE49-F238E27FC236}">
+                <a16:creationId xmlns:a16="http://schemas.microsoft.com/office/drawing/2014/main" id="{EF254B95-6F40-48CE-9290-C054C31527CB}"/>
+              </a:ext>
+            </a:extLst>
+          </p:cNvPr>
+          <p:cNvSpPr txBox="1"/>
+          <p:nvPr/>
+        </p:nvSpPr>
+        <p:spPr>
+          <a:xfrm flipH="1">
+            <a:off x="4962525" y="2313240"/>
+            <a:ext cx="1463040" cy="182880"/>
+          </a:xfrm>
+          <a:prstGeom prst="rect">
+            <a:avLst/>
+          </a:prstGeom>
+          <a:solidFill>
+            <a:schemeClr val="bg1"/>
+          </a:solidFill>
+        </p:spPr>
+        <p:txBody>
+          <a:bodyPr wrap="square" lIns="9144" tIns="9144" rIns="9144" bIns="9144" rtlCol="0">
+            <a:noAutofit/>
+          </a:bodyPr>
+          <a:lstStyle>
+            <a:defPPr>
+              <a:defRPr lang="en-US"/>
+            </a:defPPr>
+            <a:lvl1pPr>
+              <a:defRPr b="1">
+                <a:solidFill>
+                  <a:schemeClr val="accent2">
+                    <a:lumMod val="75000"/>
+                  </a:schemeClr>
+                </a:solidFill>
+                <a:latin typeface="Courier New" panose="02070309020205020404" pitchFamily="49" charset="0"/>
+                <a:cs typeface="Courier New" panose="02070309020205020404" pitchFamily="49" charset="0"/>
+              </a:defRPr>
+            </a:lvl1pPr>
+          </a:lstStyle>
+          <a:p>
+            <a:pPr algn="r"/>
+            <a:r>
+              <a:rPr lang="en-US" sz="1200" dirty="0" err="1"/>
+              <a:t>sh:targetClass</a:t>
+            </a:r>
+            <a:endParaRPr lang="en-US" sz="1200" dirty="0"/>
+          </a:p>
+        </p:txBody>
+      </p:sp>
+      <p:sp>
+        <p:nvSpPr>
+          <p:cNvPr id="77" name="Rectangle: Rounded Corners 76">
+            <a:extLst>
+              <a:ext uri="{FF2B5EF4-FFF2-40B4-BE49-F238E27FC236}">
+                <a16:creationId xmlns:a16="http://schemas.microsoft.com/office/drawing/2014/main" id="{283D9849-D965-45DE-8A42-82CDB09FD3FF}"/>
+              </a:ext>
+            </a:extLst>
+          </p:cNvPr>
+          <p:cNvSpPr/>
+          <p:nvPr/>
+        </p:nvSpPr>
+        <p:spPr>
+          <a:xfrm>
+            <a:off x="3808350" y="4282870"/>
+            <a:ext cx="1645920" cy="274320"/>
+          </a:xfrm>
+          <a:prstGeom prst="roundRect">
+            <a:avLst/>
+          </a:prstGeom>
+          <a:solidFill>
+            <a:srgbClr val="FFC000"/>
+          </a:solidFill>
+          <a:ln w="38100">
+            <a:solidFill>
+              <a:schemeClr val="accent4">
+                <a:lumMod val="75000"/>
+              </a:schemeClr>
+            </a:solidFill>
+          </a:ln>
+        </p:spPr>
+        <p:style>
+          <a:lnRef idx="2">
+            <a:schemeClr val="accent1">
+              <a:shade val="50000"/>
+            </a:schemeClr>
+          </a:lnRef>
+          <a:fillRef idx="1">
+            <a:schemeClr val="accent1"/>
+          </a:fillRef>
+          <a:effectRef idx="0">
+            <a:schemeClr val="accent1"/>
+          </a:effectRef>
+          <a:fontRef idx="minor">
+            <a:schemeClr val="lt1"/>
+          </a:fontRef>
+        </p:style>
+        <p:txBody>
+          <a:bodyPr lIns="9144" tIns="9144" rIns="9144" bIns="9144" rtlCol="0" anchor="ctr"/>
+          <a:lstStyle/>
+          <a:p>
+            <a:pPr algn="ctr"/>
+            <a:r>
+              <a:rPr lang="en-US" sz="1200" dirty="0" err="1">
+                <a:solidFill>
+                  <a:schemeClr val="tx1"/>
+                </a:solidFill>
+              </a:rPr>
+              <a:t>study:AnimalSubject</a:t>
+            </a:r>
+            <a:endParaRPr lang="en-US" sz="1200" dirty="0">
+              <a:solidFill>
+                <a:schemeClr val="bg1">
+                  <a:lumMod val="65000"/>
+                </a:schemeClr>
+              </a:solidFill>
+            </a:endParaRPr>
+          </a:p>
+        </p:txBody>
+      </p:sp>
+      <p:sp>
+        <p:nvSpPr>
+          <p:cNvPr id="78" name="Rectangle: Rounded Corners 77">
+            <a:extLst>
+              <a:ext uri="{FF2B5EF4-FFF2-40B4-BE49-F238E27FC236}">
+                <a16:creationId xmlns:a16="http://schemas.microsoft.com/office/drawing/2014/main" id="{57F23BE1-252F-40DF-B8EC-AB486903F054}"/>
+              </a:ext>
+            </a:extLst>
+          </p:cNvPr>
+          <p:cNvSpPr/>
+          <p:nvPr/>
+        </p:nvSpPr>
+        <p:spPr>
+          <a:xfrm>
+            <a:off x="6503925" y="2282620"/>
+            <a:ext cx="1645920" cy="274320"/>
+          </a:xfrm>
+          <a:prstGeom prst="roundRect">
+            <a:avLst/>
+          </a:prstGeom>
+          <a:solidFill>
+            <a:srgbClr val="FFC000"/>
+          </a:solidFill>
+          <a:ln w="38100">
+            <a:solidFill>
+              <a:schemeClr val="accent4">
+                <a:lumMod val="75000"/>
+              </a:schemeClr>
+            </a:solidFill>
+          </a:ln>
+        </p:spPr>
+        <p:style>
+          <a:lnRef idx="2">
+            <a:schemeClr val="accent1">
+              <a:shade val="50000"/>
+            </a:schemeClr>
+          </a:lnRef>
+          <a:fillRef idx="1">
+            <a:schemeClr val="accent1"/>
+          </a:fillRef>
+          <a:effectRef idx="0">
+            <a:schemeClr val="accent1"/>
+          </a:effectRef>
+          <a:fontRef idx="minor">
+            <a:schemeClr val="lt1"/>
+          </a:fontRef>
+        </p:style>
+        <p:txBody>
+          <a:bodyPr lIns="9144" tIns="9144" rIns="9144" bIns="9144" rtlCol="0" anchor="ctr"/>
+          <a:lstStyle/>
+          <a:p>
+            <a:pPr algn="ctr"/>
+            <a:r>
+              <a:rPr lang="en-US" sz="1200" dirty="0" err="1">
+                <a:solidFill>
+                  <a:schemeClr val="tx1"/>
+                </a:solidFill>
+              </a:rPr>
+              <a:t>study:AnimalSubject</a:t>
+            </a:r>
+            <a:endParaRPr lang="en-US" sz="1200" dirty="0">
+              <a:solidFill>
+                <a:schemeClr val="bg1">
+                  <a:lumMod val="65000"/>
+                </a:schemeClr>
+              </a:solidFill>
+            </a:endParaRPr>
+          </a:p>
+        </p:txBody>
+      </p:sp>
+      <p:sp>
+        <p:nvSpPr>
+          <p:cNvPr id="79" name="Rectangle: Rounded Corners 78">
+            <a:extLst>
+              <a:ext uri="{FF2B5EF4-FFF2-40B4-BE49-F238E27FC236}">
+                <a16:creationId xmlns:a16="http://schemas.microsoft.com/office/drawing/2014/main" id="{4C49B910-12EF-425D-BE2D-EDB8007FE8EB}"/>
+              </a:ext>
+            </a:extLst>
+          </p:cNvPr>
+          <p:cNvSpPr/>
+          <p:nvPr/>
+        </p:nvSpPr>
+        <p:spPr>
+          <a:xfrm>
+            <a:off x="6503925" y="2646811"/>
+            <a:ext cx="2971800" cy="274320"/>
+          </a:xfrm>
+          <a:prstGeom prst="roundRect">
+            <a:avLst/>
+          </a:prstGeom>
+          <a:solidFill>
+            <a:schemeClr val="bg1"/>
+          </a:solidFill>
+          <a:ln w="19050">
+            <a:solidFill>
+              <a:schemeClr val="bg1">
+                <a:lumMod val="50000"/>
+              </a:schemeClr>
+            </a:solidFill>
+          </a:ln>
+        </p:spPr>
+        <p:style>
+          <a:lnRef idx="2">
+            <a:schemeClr val="accent1">
+              <a:shade val="50000"/>
+            </a:schemeClr>
+          </a:lnRef>
+          <a:fillRef idx="1">
+            <a:schemeClr val="accent1"/>
+          </a:fillRef>
+          <a:effectRef idx="0">
+            <a:schemeClr val="accent1"/>
+          </a:effectRef>
+          <a:fontRef idx="minor">
+            <a:schemeClr val="lt1"/>
+          </a:fontRef>
+        </p:style>
+        <p:txBody>
+          <a:bodyPr lIns="9144" tIns="9144" rIns="9144" bIns="9144" rtlCol="0" anchor="ctr"/>
+          <a:lstStyle/>
+          <a:p>
+            <a:pPr algn="ctr"/>
+            <a:r>
+              <a:rPr lang="en-US" sz="1200" dirty="0">
+                <a:solidFill>
+                  <a:schemeClr val="tx1"/>
+                </a:solidFill>
+              </a:rPr>
+              <a:t>“Subject --&gt; USUBJID violation [SD0083]"</a:t>
+            </a:r>
+            <a:endParaRPr lang="en-US" sz="1200" b="1" dirty="0">
+              <a:solidFill>
+                <a:schemeClr val="tx1"/>
+              </a:solidFill>
+            </a:endParaRPr>
+          </a:p>
+        </p:txBody>
+      </p:sp>
+      <p:sp>
+        <p:nvSpPr>
+          <p:cNvPr id="80" name="TextBox 79">
+            <a:extLst>
+              <a:ext uri="{FF2B5EF4-FFF2-40B4-BE49-F238E27FC236}">
+                <a16:creationId xmlns:a16="http://schemas.microsoft.com/office/drawing/2014/main" id="{29F50897-D141-4A19-9A15-33FB2383F562}"/>
+              </a:ext>
+            </a:extLst>
+          </p:cNvPr>
+          <p:cNvSpPr txBox="1"/>
+          <p:nvPr/>
+        </p:nvSpPr>
+        <p:spPr>
+          <a:xfrm flipH="1">
+            <a:off x="4779645" y="2684663"/>
+            <a:ext cx="1645920" cy="203133"/>
+          </a:xfrm>
+          <a:prstGeom prst="rect">
+            <a:avLst/>
+          </a:prstGeom>
+          <a:solidFill>
+            <a:schemeClr val="bg1"/>
+          </a:solidFill>
+        </p:spPr>
+        <p:txBody>
+          <a:bodyPr wrap="square" lIns="9144" tIns="9144" rIns="9144" bIns="9144" rtlCol="0">
+            <a:spAutoFit/>
+          </a:bodyPr>
+          <a:lstStyle>
+            <a:defPPr>
+              <a:defRPr lang="en-US"/>
+            </a:defPPr>
+            <a:lvl1pPr>
+              <a:defRPr b="1">
+                <a:solidFill>
+                  <a:schemeClr val="accent2">
+                    <a:lumMod val="75000"/>
+                  </a:schemeClr>
+                </a:solidFill>
+                <a:latin typeface="Courier New" panose="02070309020205020404" pitchFamily="49" charset="0"/>
+                <a:cs typeface="Courier New" panose="02070309020205020404" pitchFamily="49" charset="0"/>
+              </a:defRPr>
+            </a:lvl1pPr>
+          </a:lstStyle>
+          <a:p>
+            <a:pPr algn="r"/>
+            <a:r>
+              <a:rPr lang="en-US" sz="1200" dirty="0" err="1"/>
+              <a:t>sh:Message</a:t>
+            </a:r>
+            <a:endParaRPr lang="en-US" sz="1200" dirty="0"/>
+          </a:p>
+        </p:txBody>
+      </p:sp>
+      <p:sp>
+        <p:nvSpPr>
+          <p:cNvPr id="83" name="TextBox 82">
+            <a:extLst>
+              <a:ext uri="{FF2B5EF4-FFF2-40B4-BE49-F238E27FC236}">
+                <a16:creationId xmlns:a16="http://schemas.microsoft.com/office/drawing/2014/main" id="{00BD07F7-52B2-4088-B9D1-358885C37FCC}"/>
+              </a:ext>
+            </a:extLst>
+          </p:cNvPr>
+          <p:cNvSpPr txBox="1"/>
+          <p:nvPr/>
+        </p:nvSpPr>
+        <p:spPr>
+          <a:xfrm flipH="1">
+            <a:off x="5145405" y="3018038"/>
+            <a:ext cx="1280160" cy="203133"/>
+          </a:xfrm>
+          <a:prstGeom prst="rect">
+            <a:avLst/>
+          </a:prstGeom>
+          <a:solidFill>
+            <a:schemeClr val="bg1"/>
+          </a:solidFill>
+        </p:spPr>
+        <p:txBody>
+          <a:bodyPr wrap="square" lIns="9144" tIns="9144" rIns="9144" bIns="9144" rtlCol="0">
+            <a:spAutoFit/>
+          </a:bodyPr>
+          <a:lstStyle>
+            <a:defPPr>
+              <a:defRPr lang="en-US"/>
+            </a:defPPr>
+            <a:lvl1pPr>
+              <a:defRPr b="1">
+                <a:solidFill>
+                  <a:schemeClr val="accent2">
+                    <a:lumMod val="75000"/>
+                  </a:schemeClr>
+                </a:solidFill>
+                <a:latin typeface="Courier New" panose="02070309020205020404" pitchFamily="49" charset="0"/>
+                <a:cs typeface="Courier New" panose="02070309020205020404" pitchFamily="49" charset="0"/>
+              </a:defRPr>
+            </a:lvl1pPr>
+          </a:lstStyle>
+          <a:p>
+            <a:pPr algn="r"/>
+            <a:r>
+              <a:rPr lang="en-US" sz="1200" dirty="0" err="1"/>
+              <a:t>sh:path</a:t>
+            </a:r>
+            <a:endParaRPr lang="en-US" sz="1200" dirty="0"/>
+          </a:p>
+        </p:txBody>
+      </p:sp>
+      <p:sp>
+        <p:nvSpPr>
+          <p:cNvPr id="84" name="TextBox 83">
+            <a:extLst>
+              <a:ext uri="{FF2B5EF4-FFF2-40B4-BE49-F238E27FC236}">
+                <a16:creationId xmlns:a16="http://schemas.microsoft.com/office/drawing/2014/main" id="{A98281F4-A0EA-45AE-B5A9-B92DCDD0DD18}"/>
+              </a:ext>
+            </a:extLst>
+          </p:cNvPr>
+          <p:cNvSpPr txBox="1"/>
+          <p:nvPr/>
+        </p:nvSpPr>
+        <p:spPr>
+          <a:xfrm flipH="1">
+            <a:off x="6503925" y="3028164"/>
+            <a:ext cx="2286000" cy="182880"/>
+          </a:xfrm>
+          <a:prstGeom prst="rect">
+            <a:avLst/>
+          </a:prstGeom>
+          <a:solidFill>
+            <a:schemeClr val="bg1"/>
+          </a:solidFill>
+        </p:spPr>
+        <p:txBody>
+          <a:bodyPr wrap="square" lIns="9144" tIns="9144" rIns="9144" bIns="9144" rtlCol="0">
+            <a:noAutofit/>
+          </a:bodyPr>
+          <a:lstStyle>
+            <a:defPPr>
+              <a:defRPr lang="en-US"/>
+            </a:defPPr>
+            <a:lvl1pPr>
+              <a:defRPr b="1">
+                <a:solidFill>
+                  <a:schemeClr val="accent2">
+                    <a:lumMod val="75000"/>
+                  </a:schemeClr>
+                </a:solidFill>
+                <a:latin typeface="Courier New" panose="02070309020205020404" pitchFamily="49" charset="0"/>
+                <a:cs typeface="Courier New" panose="02070309020205020404" pitchFamily="49" charset="0"/>
+              </a:defRPr>
+            </a:lvl1pPr>
+          </a:lstStyle>
+          <a:p>
+            <a:pPr algn="r"/>
+            <a:r>
+              <a:rPr lang="en-US" sz="1200" dirty="0" err="1"/>
+              <a:t>study:hasUniqueSubjectID</a:t>
+            </a:r>
+            <a:endParaRPr lang="en-US" sz="1200" dirty="0"/>
+          </a:p>
+        </p:txBody>
+      </p:sp>
+      <p:sp>
+        <p:nvSpPr>
+          <p:cNvPr id="85" name="TextBox 84">
+            <a:extLst>
+              <a:ext uri="{FF2B5EF4-FFF2-40B4-BE49-F238E27FC236}">
+                <a16:creationId xmlns:a16="http://schemas.microsoft.com/office/drawing/2014/main" id="{46995980-CEB2-412F-A75C-DF74CE49999F}"/>
+              </a:ext>
+            </a:extLst>
+          </p:cNvPr>
+          <p:cNvSpPr txBox="1"/>
+          <p:nvPr/>
+        </p:nvSpPr>
+        <p:spPr>
+          <a:xfrm flipH="1">
+            <a:off x="5145405" y="3370463"/>
+            <a:ext cx="1280160" cy="203133"/>
+          </a:xfrm>
+          <a:prstGeom prst="rect">
+            <a:avLst/>
+          </a:prstGeom>
+          <a:solidFill>
+            <a:schemeClr val="bg1"/>
+          </a:solidFill>
+        </p:spPr>
+        <p:txBody>
+          <a:bodyPr wrap="square" lIns="9144" tIns="9144" rIns="9144" bIns="9144" rtlCol="0">
+            <a:spAutoFit/>
+          </a:bodyPr>
+          <a:lstStyle>
+            <a:defPPr>
+              <a:defRPr lang="en-US"/>
+            </a:defPPr>
+            <a:lvl1pPr>
+              <a:defRPr b="1">
+                <a:solidFill>
+                  <a:schemeClr val="accent2">
+                    <a:lumMod val="75000"/>
+                  </a:schemeClr>
+                </a:solidFill>
+                <a:latin typeface="Courier New" panose="02070309020205020404" pitchFamily="49" charset="0"/>
+                <a:cs typeface="Courier New" panose="02070309020205020404" pitchFamily="49" charset="0"/>
+              </a:defRPr>
+            </a:lvl1pPr>
+          </a:lstStyle>
+          <a:p>
+            <a:pPr algn="r"/>
+            <a:r>
+              <a:rPr lang="en-US" sz="1200" dirty="0" err="1"/>
+              <a:t>sh:minCount</a:t>
+            </a:r>
+            <a:endParaRPr lang="en-US" sz="1200" dirty="0"/>
+          </a:p>
+        </p:txBody>
+      </p:sp>
+      <p:sp>
+        <p:nvSpPr>
+          <p:cNvPr id="86" name="TextBox 85">
+            <a:extLst>
+              <a:ext uri="{FF2B5EF4-FFF2-40B4-BE49-F238E27FC236}">
+                <a16:creationId xmlns:a16="http://schemas.microsoft.com/office/drawing/2014/main" id="{8104E720-7569-4159-B4AE-B04AB794B042}"/>
+              </a:ext>
+            </a:extLst>
+          </p:cNvPr>
+          <p:cNvSpPr txBox="1"/>
+          <p:nvPr/>
+        </p:nvSpPr>
+        <p:spPr>
+          <a:xfrm flipH="1">
+            <a:off x="5145405" y="3703838"/>
+            <a:ext cx="1280160" cy="203133"/>
+          </a:xfrm>
+          <a:prstGeom prst="rect">
+            <a:avLst/>
+          </a:prstGeom>
+          <a:solidFill>
+            <a:schemeClr val="bg1"/>
+          </a:solidFill>
+        </p:spPr>
+        <p:txBody>
+          <a:bodyPr wrap="square" lIns="9144" tIns="9144" rIns="9144" bIns="9144" rtlCol="0">
+            <a:spAutoFit/>
+          </a:bodyPr>
+          <a:lstStyle>
+            <a:defPPr>
+              <a:defRPr lang="en-US"/>
+            </a:defPPr>
+            <a:lvl1pPr>
+              <a:defRPr b="1">
+                <a:solidFill>
+                  <a:schemeClr val="accent2">
+                    <a:lumMod val="75000"/>
+                  </a:schemeClr>
+                </a:solidFill>
+                <a:latin typeface="Courier New" panose="02070309020205020404" pitchFamily="49" charset="0"/>
+                <a:cs typeface="Courier New" panose="02070309020205020404" pitchFamily="49" charset="0"/>
+              </a:defRPr>
+            </a:lvl1pPr>
+          </a:lstStyle>
+          <a:p>
+            <a:pPr algn="r"/>
+            <a:r>
+              <a:rPr lang="en-US" sz="1200" dirty="0" err="1"/>
+              <a:t>sh:maxCount</a:t>
+            </a:r>
+            <a:endParaRPr lang="en-US" sz="1200" dirty="0"/>
+          </a:p>
+        </p:txBody>
+      </p:sp>
+      <p:sp>
+        <p:nvSpPr>
+          <p:cNvPr id="87" name="Rectangle: Rounded Corners 86">
+            <a:extLst>
+              <a:ext uri="{FF2B5EF4-FFF2-40B4-BE49-F238E27FC236}">
+                <a16:creationId xmlns:a16="http://schemas.microsoft.com/office/drawing/2014/main" id="{8B3C4CD7-C915-4363-AA9E-E2B0441E8C55}"/>
+              </a:ext>
+            </a:extLst>
+          </p:cNvPr>
+          <p:cNvSpPr/>
+          <p:nvPr/>
+        </p:nvSpPr>
+        <p:spPr>
+          <a:xfrm>
+            <a:off x="6503925" y="3332611"/>
+            <a:ext cx="365760" cy="274320"/>
+          </a:xfrm>
+          <a:prstGeom prst="roundRect">
+            <a:avLst/>
+          </a:prstGeom>
+          <a:solidFill>
+            <a:schemeClr val="bg1"/>
+          </a:solidFill>
+          <a:ln w="19050">
+            <a:solidFill>
+              <a:schemeClr val="bg1">
+                <a:lumMod val="50000"/>
+              </a:schemeClr>
+            </a:solidFill>
+          </a:ln>
+        </p:spPr>
+        <p:style>
+          <a:lnRef idx="2">
+            <a:schemeClr val="accent1">
+              <a:shade val="50000"/>
+            </a:schemeClr>
+          </a:lnRef>
+          <a:fillRef idx="1">
+            <a:schemeClr val="accent1"/>
+          </a:fillRef>
+          <a:effectRef idx="0">
+            <a:schemeClr val="accent1"/>
+          </a:effectRef>
+          <a:fontRef idx="minor">
+            <a:schemeClr val="lt1"/>
+          </a:fontRef>
+        </p:style>
+        <p:txBody>
+          <a:bodyPr lIns="9144" tIns="9144" rIns="9144" bIns="9144" rtlCol="0" anchor="ctr"/>
+          <a:lstStyle/>
+          <a:p>
+            <a:pPr algn="ctr"/>
+            <a:r>
+              <a:rPr lang="en-US" sz="1200" dirty="0">
+                <a:solidFill>
+                  <a:schemeClr val="tx1"/>
+                </a:solidFill>
+              </a:rPr>
+              <a:t>1</a:t>
+            </a:r>
+          </a:p>
+        </p:txBody>
+      </p:sp>
+      <p:sp>
+        <p:nvSpPr>
+          <p:cNvPr id="88" name="Rectangle: Rounded Corners 87">
+            <a:extLst>
+              <a:ext uri="{FF2B5EF4-FFF2-40B4-BE49-F238E27FC236}">
+                <a16:creationId xmlns:a16="http://schemas.microsoft.com/office/drawing/2014/main" id="{061FCEAE-0AEB-4844-9EB4-35B279E22939}"/>
+              </a:ext>
+            </a:extLst>
+          </p:cNvPr>
+          <p:cNvSpPr/>
+          <p:nvPr/>
+        </p:nvSpPr>
+        <p:spPr>
+          <a:xfrm>
+            <a:off x="6503925" y="3656461"/>
+            <a:ext cx="365760" cy="274320"/>
+          </a:xfrm>
+          <a:prstGeom prst="roundRect">
+            <a:avLst/>
+          </a:prstGeom>
+          <a:solidFill>
+            <a:schemeClr val="bg1"/>
+          </a:solidFill>
+          <a:ln w="19050">
+            <a:solidFill>
+              <a:schemeClr val="bg1">
+                <a:lumMod val="50000"/>
+              </a:schemeClr>
+            </a:solidFill>
+          </a:ln>
+        </p:spPr>
+        <p:style>
+          <a:lnRef idx="2">
+            <a:schemeClr val="accent1">
+              <a:shade val="50000"/>
+            </a:schemeClr>
+          </a:lnRef>
+          <a:fillRef idx="1">
+            <a:schemeClr val="accent1"/>
+          </a:fillRef>
+          <a:effectRef idx="0">
+            <a:schemeClr val="accent1"/>
+          </a:effectRef>
+          <a:fontRef idx="minor">
+            <a:schemeClr val="lt1"/>
+          </a:fontRef>
+        </p:style>
+        <p:txBody>
+          <a:bodyPr lIns="9144" tIns="9144" rIns="9144" bIns="9144" rtlCol="0" anchor="ctr"/>
+          <a:lstStyle/>
+          <a:p>
+            <a:pPr algn="ctr"/>
+            <a:r>
+              <a:rPr lang="en-US" sz="1200" dirty="0">
+                <a:solidFill>
+                  <a:schemeClr val="tx1"/>
+                </a:solidFill>
+              </a:rPr>
+              <a:t>1</a:t>
+            </a:r>
+          </a:p>
+        </p:txBody>
+      </p:sp>
+      <p:cxnSp>
+        <p:nvCxnSpPr>
+          <p:cNvPr id="89" name="Connector: Elbow 88">
+            <a:extLst>
+              <a:ext uri="{FF2B5EF4-FFF2-40B4-BE49-F238E27FC236}">
+                <a16:creationId xmlns:a16="http://schemas.microsoft.com/office/drawing/2014/main" id="{972C5B8B-C712-4CDE-9BAC-D21B6D83B93F}"/>
+              </a:ext>
+            </a:extLst>
+          </p:cNvPr>
+          <p:cNvCxnSpPr>
+            <a:cxnSpLocks/>
+            <a:stCxn id="54" idx="3"/>
+            <a:endCxn id="62" idx="0"/>
+          </p:cNvCxnSpPr>
+          <p:nvPr/>
+        </p:nvCxnSpPr>
+        <p:spPr>
+          <a:xfrm flipH="1">
+            <a:off x="2505075" y="1600630"/>
+            <a:ext cx="1208025" cy="3751085"/>
+          </a:xfrm>
+          <a:prstGeom prst="bentConnector4">
+            <a:avLst>
+              <a:gd name="adj1" fmla="val -18923"/>
+              <a:gd name="adj2" fmla="val 51828"/>
+            </a:avLst>
+          </a:prstGeom>
+          <a:ln>
+            <a:tailEnd type="triangle"/>
+          </a:ln>
+        </p:spPr>
+        <p:style>
+          <a:lnRef idx="1">
+            <a:schemeClr val="accent1"/>
+          </a:lnRef>
+          <a:fillRef idx="0">
+            <a:schemeClr val="accent1"/>
+          </a:fillRef>
+          <a:effectRef idx="0">
+            <a:schemeClr val="accent1"/>
+          </a:effectRef>
+          <a:fontRef idx="minor">
+            <a:schemeClr val="tx1"/>
+          </a:fontRef>
+        </p:style>
+      </p:cxnSp>
+      <p:cxnSp>
+        <p:nvCxnSpPr>
+          <p:cNvPr id="65" name="Connector: Elbow 64">
+            <a:extLst>
+              <a:ext uri="{FF2B5EF4-FFF2-40B4-BE49-F238E27FC236}">
+                <a16:creationId xmlns:a16="http://schemas.microsoft.com/office/drawing/2014/main" id="{FFCCADC3-3D34-4613-B33B-A1EDAA3689FA}"/>
+              </a:ext>
+            </a:extLst>
+          </p:cNvPr>
+          <p:cNvCxnSpPr>
+            <a:stCxn id="34" idx="2"/>
+            <a:endCxn id="56" idx="0"/>
+          </p:cNvCxnSpPr>
+          <p:nvPr/>
+        </p:nvCxnSpPr>
+        <p:spPr>
+          <a:xfrm rot="16200000" flipH="1">
+            <a:off x="2663445" y="2619804"/>
+            <a:ext cx="1354455" cy="1266825"/>
+          </a:xfrm>
+          <a:prstGeom prst="bentConnector3">
+            <a:avLst/>
+          </a:prstGeom>
+          <a:ln>
+            <a:solidFill>
+              <a:schemeClr val="tx1"/>
+            </a:solidFill>
+            <a:tailEnd type="triangle"/>
+          </a:ln>
+        </p:spPr>
+        <p:style>
+          <a:lnRef idx="1">
+            <a:schemeClr val="accent1"/>
+          </a:lnRef>
+          <a:fillRef idx="0">
+            <a:schemeClr val="accent1"/>
+          </a:fillRef>
+          <a:effectRef idx="0">
+            <a:schemeClr val="accent1"/>
+          </a:effectRef>
+          <a:fontRef idx="minor">
+            <a:schemeClr val="tx1"/>
+          </a:fontRef>
+        </p:style>
+      </p:cxnSp>
+      <p:cxnSp>
+        <p:nvCxnSpPr>
+          <p:cNvPr id="95" name="Connector: Elbow 94">
+            <a:extLst>
+              <a:ext uri="{FF2B5EF4-FFF2-40B4-BE49-F238E27FC236}">
+                <a16:creationId xmlns:a16="http://schemas.microsoft.com/office/drawing/2014/main" id="{95C95A20-B8B0-419A-BAA8-234AA5381B0C}"/>
+              </a:ext>
+            </a:extLst>
+          </p:cNvPr>
+          <p:cNvCxnSpPr>
+            <a:cxnSpLocks/>
+            <a:stCxn id="78" idx="3"/>
+            <a:endCxn id="77" idx="3"/>
+          </p:cNvCxnSpPr>
+          <p:nvPr/>
+        </p:nvCxnSpPr>
+        <p:spPr>
+          <a:xfrm flipH="1">
+            <a:off x="5454270" y="2419780"/>
+            <a:ext cx="2695575" cy="2000250"/>
+          </a:xfrm>
+          <a:prstGeom prst="bentConnector3">
+            <a:avLst>
+              <a:gd name="adj1" fmla="val -72085"/>
+            </a:avLst>
+          </a:prstGeom>
+          <a:ln>
+            <a:solidFill>
+              <a:schemeClr val="tx1"/>
+            </a:solidFill>
+            <a:tailEnd type="triangle"/>
+          </a:ln>
+        </p:spPr>
+        <p:style>
+          <a:lnRef idx="1">
+            <a:schemeClr val="accent1"/>
+          </a:lnRef>
+          <a:fillRef idx="0">
+            <a:schemeClr val="accent1"/>
+          </a:fillRef>
+          <a:effectRef idx="0">
+            <a:schemeClr val="accent1"/>
+          </a:effectRef>
+          <a:fontRef idx="minor">
+            <a:schemeClr val="tx1"/>
+          </a:fontRef>
+        </p:style>
+      </p:cxnSp>
+      <p:cxnSp>
+        <p:nvCxnSpPr>
+          <p:cNvPr id="99" name="Connector: Elbow 98">
+            <a:extLst>
+              <a:ext uri="{FF2B5EF4-FFF2-40B4-BE49-F238E27FC236}">
+                <a16:creationId xmlns:a16="http://schemas.microsoft.com/office/drawing/2014/main" id="{3008957F-BB4A-4D7A-BB50-8127ED978A40}"/>
+              </a:ext>
+            </a:extLst>
+          </p:cNvPr>
+          <p:cNvCxnSpPr>
+            <a:cxnSpLocks/>
+            <a:stCxn id="84" idx="1"/>
+            <a:endCxn id="59" idx="1"/>
+          </p:cNvCxnSpPr>
+          <p:nvPr/>
+        </p:nvCxnSpPr>
+        <p:spPr>
+          <a:xfrm flipH="1">
+            <a:off x="3619500" y="3119604"/>
+            <a:ext cx="5170425" cy="1590126"/>
+          </a:xfrm>
+          <a:prstGeom prst="bentConnector3">
+            <a:avLst>
+              <a:gd name="adj1" fmla="val -4421"/>
+            </a:avLst>
+          </a:prstGeom>
+          <a:ln>
+            <a:tailEnd type="triangle"/>
+          </a:ln>
+        </p:spPr>
+        <p:style>
+          <a:lnRef idx="1">
+            <a:schemeClr val="accent1"/>
+          </a:lnRef>
+          <a:fillRef idx="0">
+            <a:schemeClr val="accent1"/>
+          </a:fillRef>
+          <a:effectRef idx="0">
+            <a:schemeClr val="accent1"/>
+          </a:effectRef>
+          <a:fontRef idx="minor">
+            <a:schemeClr val="tx1"/>
+          </a:fontRef>
+        </p:style>
+      </p:cxnSp>
+      <p:cxnSp>
+        <p:nvCxnSpPr>
+          <p:cNvPr id="102" name="Connector: Elbow 101">
+            <a:extLst>
+              <a:ext uri="{FF2B5EF4-FFF2-40B4-BE49-F238E27FC236}">
+                <a16:creationId xmlns:a16="http://schemas.microsoft.com/office/drawing/2014/main" id="{FA298245-AA2D-406C-8720-09FD188C4281}"/>
+              </a:ext>
+            </a:extLst>
+          </p:cNvPr>
+          <p:cNvCxnSpPr>
+            <a:cxnSpLocks/>
+            <a:stCxn id="84" idx="1"/>
+            <a:endCxn id="62" idx="1"/>
+          </p:cNvCxnSpPr>
+          <p:nvPr/>
+        </p:nvCxnSpPr>
+        <p:spPr>
+          <a:xfrm flipH="1">
+            <a:off x="3648075" y="3119604"/>
+            <a:ext cx="5141850" cy="2323551"/>
+          </a:xfrm>
+          <a:prstGeom prst="bentConnector3">
+            <a:avLst>
+              <a:gd name="adj1" fmla="val -4446"/>
+            </a:avLst>
+          </a:prstGeom>
+          <a:ln>
+            <a:tailEnd type="triangle"/>
+          </a:ln>
+        </p:spPr>
+        <p:style>
+          <a:lnRef idx="1">
+            <a:schemeClr val="accent1"/>
+          </a:lnRef>
+          <a:fillRef idx="0">
+            <a:schemeClr val="accent1"/>
+          </a:fillRef>
+          <a:effectRef idx="0">
+            <a:schemeClr val="accent1"/>
+          </a:effectRef>
+          <a:fontRef idx="minor">
+            <a:schemeClr val="tx1"/>
+          </a:fontRef>
+        </p:style>
+      </p:cxnSp>
+    </p:spTree>
+    <p:extLst>
+      <p:ext uri="{BB962C8B-B14F-4D97-AF65-F5344CB8AC3E}">
+        <p14:creationId xmlns:p14="http://schemas.microsoft.com/office/powerpoint/2010/main" val="981955275"/>
+      </p:ext>
+    </p:extLst>
+  </p:cSld>
+  <p:clrMapOvr>
+    <a:masterClrMapping/>
+  </p:clrMapOvr>
+</p:sld>
+</file>
+
+<file path=ppt/slides/slide3.xml><?xml version="1.0" encoding="utf-8"?>
 <p:sld xmlns:a="http://schemas.openxmlformats.org/drawingml/2006/main" xmlns:r="http://schemas.openxmlformats.org/officeDocument/2006/relationships" xmlns:p="http://schemas.openxmlformats.org/presentationml/2006/main">
   <p:cSld>
     <p:spTree>
@@ -11412,7 +14007,7 @@
 </p:sld>
 </file>
 
-<file path=ppt/slides/slide3.xml><?xml version="1.0" encoding="utf-8"?>
+<file path=ppt/slides/slide4.xml><?xml version="1.0" encoding="utf-8"?>
 <p:sld xmlns:a="http://schemas.openxmlformats.org/drawingml/2006/main" xmlns:r="http://schemas.openxmlformats.org/officeDocument/2006/relationships" xmlns:p="http://schemas.openxmlformats.org/presentationml/2006/main">
   <p:cSld>
     <p:spTree>
@@ -13139,735 +15734,6 @@
 </p:sld>
 </file>
 
-<file path=ppt/slides/slide4.xml><?xml version="1.0" encoding="utf-8"?>
-<p:sld xmlns:a="http://schemas.openxmlformats.org/drawingml/2006/main" xmlns:r="http://schemas.openxmlformats.org/officeDocument/2006/relationships" xmlns:p="http://schemas.openxmlformats.org/presentationml/2006/main">
-  <p:cSld>
-    <p:spTree>
-      <p:nvGrpSpPr>
-        <p:cNvPr id="1" name=""/>
-        <p:cNvGrpSpPr/>
-        <p:nvPr/>
-      </p:nvGrpSpPr>
-      <p:grpSpPr>
-        <a:xfrm>
-          <a:off x="0" y="0"/>
-          <a:ext cx="0" cy="0"/>
-          <a:chOff x="0" y="0"/>
-          <a:chExt cx="0" cy="0"/>
-        </a:xfrm>
-      </p:grpSpPr>
-      <p:sp>
-        <p:nvSpPr>
-          <p:cNvPr id="4" name="Rectangle: Rounded Corners 3"/>
-          <p:cNvSpPr/>
-          <p:nvPr/>
-        </p:nvSpPr>
-        <p:spPr>
-          <a:xfrm>
-            <a:off x="324794" y="602691"/>
-            <a:ext cx="1828800" cy="449588"/>
-          </a:xfrm>
-          <a:prstGeom prst="roundRect">
-            <a:avLst/>
-          </a:prstGeom>
-          <a:solidFill>
-            <a:srgbClr val="EEEEBB"/>
-          </a:solidFill>
-          <a:ln w="38100">
-            <a:solidFill>
-              <a:srgbClr val="9E9E27"/>
-            </a:solidFill>
-          </a:ln>
-        </p:spPr>
-        <p:style>
-          <a:lnRef idx="2">
-            <a:schemeClr val="accent1">
-              <a:shade val="50000"/>
-            </a:schemeClr>
-          </a:lnRef>
-          <a:fillRef idx="1">
-            <a:schemeClr val="accent1"/>
-          </a:fillRef>
-          <a:effectRef idx="0">
-            <a:schemeClr val="accent1"/>
-          </a:effectRef>
-          <a:fontRef idx="minor">
-            <a:schemeClr val="lt1"/>
-          </a:fontRef>
-        </p:style>
-        <p:txBody>
-          <a:bodyPr rtlCol="0" anchor="ctr"/>
-          <a:lstStyle/>
-          <a:p>
-            <a:pPr algn="ctr"/>
-            <a:r>
-              <a:rPr lang="en-US" b="1" dirty="0">
-                <a:solidFill>
-                  <a:schemeClr val="tx1"/>
-                </a:solidFill>
-              </a:rPr>
-              <a:t>:</a:t>
-            </a:r>
-            <a:r>
-              <a:rPr lang="en-US" b="1" dirty="0" err="1">
-                <a:solidFill>
-                  <a:schemeClr val="tx1"/>
-                </a:solidFill>
-              </a:rPr>
-              <a:t>Animal_</a:t>
-            </a:r>
-            <a:r>
-              <a:rPr lang="en-US" dirty="0" err="1">
-                <a:solidFill>
-                  <a:schemeClr val="bg1">
-                    <a:lumMod val="50000"/>
-                  </a:schemeClr>
-                </a:solidFill>
-              </a:rPr>
-              <a:t>xxx</a:t>
-            </a:r>
-            <a:endParaRPr lang="en-US" dirty="0">
-              <a:solidFill>
-                <a:schemeClr val="bg1">
-                  <a:lumMod val="50000"/>
-                </a:schemeClr>
-              </a:solidFill>
-            </a:endParaRPr>
-          </a:p>
-        </p:txBody>
-      </p:sp>
-      <p:cxnSp>
-        <p:nvCxnSpPr>
-          <p:cNvPr id="20" name="Connector: Elbow 19">
-            <a:extLst>
-              <a:ext uri="{FF2B5EF4-FFF2-40B4-BE49-F238E27FC236}">
-                <a16:creationId xmlns:a16="http://schemas.microsoft.com/office/drawing/2014/main" id="{15B8C948-92DD-413C-AF47-55CD80736997}"/>
-              </a:ext>
-            </a:extLst>
-          </p:cNvPr>
-          <p:cNvCxnSpPr>
-            <a:stCxn id="4" idx="2"/>
-            <a:endCxn id="45" idx="1"/>
-          </p:cNvCxnSpPr>
-          <p:nvPr/>
-        </p:nvCxnSpPr>
-        <p:spPr>
-          <a:xfrm rot="16200000" flipH="1">
-            <a:off x="1221135" y="1070337"/>
-            <a:ext cx="610313" cy="574195"/>
-          </a:xfrm>
-          <a:prstGeom prst="bentConnector2">
-            <a:avLst/>
-          </a:prstGeom>
-          <a:ln w="38100">
-            <a:solidFill>
-              <a:schemeClr val="bg1">
-                <a:lumMod val="75000"/>
-              </a:schemeClr>
-            </a:solidFill>
-            <a:tailEnd type="triangle"/>
-          </a:ln>
-        </p:spPr>
-        <p:style>
-          <a:lnRef idx="1">
-            <a:schemeClr val="accent1"/>
-          </a:lnRef>
-          <a:fillRef idx="0">
-            <a:schemeClr val="accent1"/>
-          </a:fillRef>
-          <a:effectRef idx="0">
-            <a:schemeClr val="accent1"/>
-          </a:effectRef>
-          <a:fontRef idx="minor">
-            <a:schemeClr val="tx1"/>
-          </a:fontRef>
-        </p:style>
-      </p:cxnSp>
-      <p:sp>
-        <p:nvSpPr>
-          <p:cNvPr id="37" name="TextBox 36">
-            <a:extLst>
-              <a:ext uri="{FF2B5EF4-FFF2-40B4-BE49-F238E27FC236}">
-                <a16:creationId xmlns:a16="http://schemas.microsoft.com/office/drawing/2014/main" id="{94D1285C-D475-4761-AB59-AAF30FB04556}"/>
-              </a:ext>
-            </a:extLst>
-          </p:cNvPr>
-          <p:cNvSpPr txBox="1"/>
-          <p:nvPr/>
-        </p:nvSpPr>
-        <p:spPr>
-          <a:xfrm>
-            <a:off x="8676518" y="1486639"/>
-            <a:ext cx="3074881" cy="461665"/>
-          </a:xfrm>
-          <a:prstGeom prst="rect">
-            <a:avLst/>
-          </a:prstGeom>
-          <a:noFill/>
-        </p:spPr>
-        <p:txBody>
-          <a:bodyPr wrap="none" rtlCol="0">
-            <a:spAutoFit/>
-          </a:bodyPr>
-          <a:lstStyle/>
-          <a:p>
-            <a:r>
-              <a:rPr lang="en-US" sz="2400" b="1" u="sng" dirty="0">
-                <a:solidFill>
-                  <a:srgbClr val="0033CC"/>
-                </a:solidFill>
-              </a:rPr>
-              <a:t>SEND RULE</a:t>
-            </a:r>
-            <a:r>
-              <a:rPr lang="en-US" sz="2400" b="1" dirty="0">
-                <a:solidFill>
-                  <a:srgbClr val="0033CC"/>
-                </a:solidFill>
-              </a:rPr>
-              <a:t> </a:t>
-            </a:r>
-            <a:r>
-              <a:rPr lang="en-US" sz="2000" dirty="0">
-                <a:solidFill>
-                  <a:srgbClr val="0033CC"/>
-                </a:solidFill>
-              </a:rPr>
-              <a:t>(DM Domain)</a:t>
-            </a:r>
-          </a:p>
-        </p:txBody>
-      </p:sp>
-      <p:sp>
-        <p:nvSpPr>
-          <p:cNvPr id="33" name="TextBox 32">
-            <a:extLst>
-              <a:ext uri="{FF2B5EF4-FFF2-40B4-BE49-F238E27FC236}">
-                <a16:creationId xmlns:a16="http://schemas.microsoft.com/office/drawing/2014/main" id="{62C8A6F8-EA4B-4D89-829A-5E9E2E668D49}"/>
-              </a:ext>
-            </a:extLst>
-          </p:cNvPr>
-          <p:cNvSpPr txBox="1"/>
-          <p:nvPr/>
-        </p:nvSpPr>
-        <p:spPr>
-          <a:xfrm>
-            <a:off x="5478632" y="1486639"/>
-            <a:ext cx="968535" cy="461665"/>
-          </a:xfrm>
-          <a:prstGeom prst="rect">
-            <a:avLst/>
-          </a:prstGeom>
-          <a:noFill/>
-        </p:spPr>
-        <p:txBody>
-          <a:bodyPr wrap="none" rtlCol="0">
-            <a:spAutoFit/>
-          </a:bodyPr>
-          <a:lstStyle/>
-          <a:p>
-            <a:r>
-              <a:rPr lang="en-US" sz="2400" b="1" u="sng" dirty="0">
-                <a:solidFill>
-                  <a:schemeClr val="accent6">
-                    <a:lumMod val="75000"/>
-                  </a:schemeClr>
-                </a:solidFill>
-              </a:rPr>
-              <a:t>Shape</a:t>
-            </a:r>
-            <a:endParaRPr lang="en-US" sz="2000" u="sng" dirty="0">
-              <a:solidFill>
-                <a:schemeClr val="accent6">
-                  <a:lumMod val="75000"/>
-                </a:schemeClr>
-              </a:solidFill>
-            </a:endParaRPr>
-          </a:p>
-        </p:txBody>
-      </p:sp>
-      <p:sp>
-        <p:nvSpPr>
-          <p:cNvPr id="45" name="Rectangle: Rounded Corners 44">
-            <a:extLst>
-              <a:ext uri="{FF2B5EF4-FFF2-40B4-BE49-F238E27FC236}">
-                <a16:creationId xmlns:a16="http://schemas.microsoft.com/office/drawing/2014/main" id="{B9A69A35-10B3-4874-B928-C93C5AEC02C5}"/>
-              </a:ext>
-            </a:extLst>
-          </p:cNvPr>
-          <p:cNvSpPr/>
-          <p:nvPr/>
-        </p:nvSpPr>
-        <p:spPr>
-          <a:xfrm>
-            <a:off x="1813389" y="1434091"/>
-            <a:ext cx="3154680" cy="457001"/>
-          </a:xfrm>
-          <a:prstGeom prst="roundRect">
-            <a:avLst/>
-          </a:prstGeom>
-          <a:solidFill>
-            <a:schemeClr val="bg1">
-              <a:lumMod val="95000"/>
-            </a:schemeClr>
-          </a:solidFill>
-          <a:ln w="38100">
-            <a:solidFill>
-              <a:schemeClr val="bg1">
-                <a:lumMod val="75000"/>
-              </a:schemeClr>
-            </a:solidFill>
-          </a:ln>
-        </p:spPr>
-        <p:style>
-          <a:lnRef idx="2">
-            <a:schemeClr val="accent1">
-              <a:shade val="50000"/>
-            </a:schemeClr>
-          </a:lnRef>
-          <a:fillRef idx="1">
-            <a:schemeClr val="accent1"/>
-          </a:fillRef>
-          <a:effectRef idx="0">
-            <a:schemeClr val="accent1"/>
-          </a:effectRef>
-          <a:fontRef idx="minor">
-            <a:schemeClr val="lt1"/>
-          </a:fontRef>
-        </p:style>
-        <p:txBody>
-          <a:bodyPr rtlCol="0" anchor="ctr"/>
-          <a:lstStyle/>
-          <a:p>
-            <a:pPr algn="ctr"/>
-            <a:endParaRPr lang="en-US" dirty="0">
-              <a:solidFill>
-                <a:schemeClr val="bg1">
-                  <a:lumMod val="50000"/>
-                </a:schemeClr>
-              </a:solidFill>
-            </a:endParaRPr>
-          </a:p>
-        </p:txBody>
-      </p:sp>
-      <p:sp>
-        <p:nvSpPr>
-          <p:cNvPr id="67" name="TextBox 66">
-            <a:extLst>
-              <a:ext uri="{FF2B5EF4-FFF2-40B4-BE49-F238E27FC236}">
-                <a16:creationId xmlns:a16="http://schemas.microsoft.com/office/drawing/2014/main" id="{C9C7BDF3-D3D9-48BD-9F4F-5AD3A12FEAEA}"/>
-              </a:ext>
-            </a:extLst>
-          </p:cNvPr>
-          <p:cNvSpPr txBox="1"/>
-          <p:nvPr/>
-        </p:nvSpPr>
-        <p:spPr>
-          <a:xfrm>
-            <a:off x="8676518" y="1998624"/>
-            <a:ext cx="901209" cy="369332"/>
-          </a:xfrm>
-          <a:prstGeom prst="rect">
-            <a:avLst/>
-          </a:prstGeom>
-          <a:noFill/>
-        </p:spPr>
-        <p:txBody>
-          <a:bodyPr wrap="none" rtlCol="0">
-            <a:spAutoFit/>
-          </a:bodyPr>
-          <a:lstStyle>
-            <a:defPPr>
-              <a:defRPr lang="en-US"/>
-            </a:defPPr>
-            <a:lvl1pPr>
-              <a:defRPr>
-                <a:solidFill>
-                  <a:srgbClr val="0033CC"/>
-                </a:solidFill>
-              </a:defRPr>
-            </a:lvl1pPr>
-          </a:lstStyle>
-          <a:p>
-            <a:r>
-              <a:rPr lang="en-US" dirty="0"/>
-              <a:t>SD1002</a:t>
-            </a:r>
-          </a:p>
-        </p:txBody>
-      </p:sp>
-      <p:sp>
-        <p:nvSpPr>
-          <p:cNvPr id="41" name="Rectangle: Rounded Corners 40">
-            <a:extLst>
-              <a:ext uri="{FF2B5EF4-FFF2-40B4-BE49-F238E27FC236}">
-                <a16:creationId xmlns:a16="http://schemas.microsoft.com/office/drawing/2014/main" id="{96684C95-C42A-41D0-B366-B571197353D3}"/>
-              </a:ext>
-            </a:extLst>
-          </p:cNvPr>
-          <p:cNvSpPr/>
-          <p:nvPr/>
-        </p:nvSpPr>
-        <p:spPr>
-          <a:xfrm>
-            <a:off x="1813389" y="2083997"/>
-            <a:ext cx="3154680" cy="457001"/>
-          </a:xfrm>
-          <a:prstGeom prst="roundRect">
-            <a:avLst/>
-          </a:prstGeom>
-          <a:solidFill>
-            <a:srgbClr val="EEEEBB"/>
-          </a:solidFill>
-          <a:ln w="38100">
-            <a:solidFill>
-              <a:srgbClr val="9E9E27"/>
-            </a:solidFill>
-          </a:ln>
-        </p:spPr>
-        <p:style>
-          <a:lnRef idx="2">
-            <a:schemeClr val="accent1">
-              <a:shade val="50000"/>
-            </a:schemeClr>
-          </a:lnRef>
-          <a:fillRef idx="1">
-            <a:schemeClr val="accent1"/>
-          </a:fillRef>
-          <a:effectRef idx="0">
-            <a:schemeClr val="accent1"/>
-          </a:effectRef>
-          <a:fontRef idx="minor">
-            <a:schemeClr val="lt1"/>
-          </a:fontRef>
-        </p:style>
-        <p:txBody>
-          <a:bodyPr rtlCol="0" anchor="ctr"/>
-          <a:lstStyle/>
-          <a:p>
-            <a:pPr algn="ctr"/>
-            <a:r>
-              <a:rPr lang="en-US" b="1" dirty="0">
-                <a:solidFill>
-                  <a:schemeClr val="tx1"/>
-                </a:solidFill>
-              </a:rPr>
-              <a:t>:Interval_ xxx</a:t>
-            </a:r>
-          </a:p>
-        </p:txBody>
-      </p:sp>
-      <p:sp>
-        <p:nvSpPr>
-          <p:cNvPr id="36" name="TextBox 35">
-            <a:extLst>
-              <a:ext uri="{FF2B5EF4-FFF2-40B4-BE49-F238E27FC236}">
-                <a16:creationId xmlns:a16="http://schemas.microsoft.com/office/drawing/2014/main" id="{37C1B666-B42B-44A1-BCF0-D388A8A4B86C}"/>
-              </a:ext>
-            </a:extLst>
-          </p:cNvPr>
-          <p:cNvSpPr txBox="1"/>
-          <p:nvPr/>
-        </p:nvSpPr>
-        <p:spPr>
-          <a:xfrm>
-            <a:off x="5160580" y="1998624"/>
-            <a:ext cx="3498137" cy="1200329"/>
-          </a:xfrm>
-          <a:prstGeom prst="rect">
-            <a:avLst/>
-          </a:prstGeom>
-          <a:noFill/>
-        </p:spPr>
-        <p:txBody>
-          <a:bodyPr wrap="none" rtlCol="0">
-            <a:spAutoFit/>
-          </a:bodyPr>
-          <a:lstStyle>
-            <a:defPPr>
-              <a:defRPr lang="en-US"/>
-            </a:defPPr>
-            <a:lvl1pPr>
-              <a:defRPr>
-                <a:solidFill>
-                  <a:schemeClr val="accent6">
-                    <a:lumMod val="75000"/>
-                  </a:schemeClr>
-                </a:solidFill>
-              </a:defRPr>
-            </a:lvl1pPr>
-          </a:lstStyle>
-          <a:p>
-            <a:r>
-              <a:rPr lang="en-US" dirty="0" err="1"/>
-              <a:t>hasTypeXsdDateShape</a:t>
-            </a:r>
-            <a:r>
-              <a:rPr lang="en-US" dirty="0"/>
-              <a:t>-</a:t>
-            </a:r>
-            <a:r>
-              <a:rPr lang="en-US" b="1" dirty="0"/>
-              <a:t>Date</a:t>
-            </a:r>
-          </a:p>
-          <a:p>
-            <a:r>
-              <a:rPr lang="en-US" dirty="0"/>
-              <a:t>hasMin1Max1Shape-</a:t>
-            </a:r>
-            <a:r>
-              <a:rPr lang="en-US" b="1" dirty="0"/>
-              <a:t>Interval</a:t>
-            </a:r>
-            <a:r>
-              <a:rPr lang="en-US" dirty="0"/>
-              <a:t> </a:t>
-            </a:r>
-          </a:p>
-          <a:p>
-            <a:r>
-              <a:rPr lang="en-US" dirty="0"/>
-              <a:t>hasMin1Max1Shape-</a:t>
-            </a:r>
-            <a:r>
-              <a:rPr lang="en-US" b="1" dirty="0"/>
-              <a:t>StartEndDates</a:t>
-            </a:r>
-          </a:p>
-          <a:p>
-            <a:r>
-              <a:rPr lang="en-US" dirty="0" err="1"/>
-              <a:t>hasStartLEEndShape</a:t>
-            </a:r>
-            <a:r>
-              <a:rPr lang="en-US" dirty="0"/>
-              <a:t>-</a:t>
-            </a:r>
-            <a:r>
-              <a:rPr lang="en-US" b="1" dirty="0"/>
-              <a:t>Interval</a:t>
-            </a:r>
-          </a:p>
-        </p:txBody>
-      </p:sp>
-      <p:sp>
-        <p:nvSpPr>
-          <p:cNvPr id="15" name="Rectangle: Rounded Corners 14">
-            <a:extLst>
-              <a:ext uri="{FF2B5EF4-FFF2-40B4-BE49-F238E27FC236}">
-                <a16:creationId xmlns:a16="http://schemas.microsoft.com/office/drawing/2014/main" id="{F2D1CDB2-6DA6-45BF-B57E-8A1B3116DAB8}"/>
-              </a:ext>
-            </a:extLst>
-          </p:cNvPr>
-          <p:cNvSpPr/>
-          <p:nvPr/>
-        </p:nvSpPr>
-        <p:spPr>
-          <a:xfrm>
-            <a:off x="1813389" y="2733903"/>
-            <a:ext cx="3154680" cy="457001"/>
-          </a:xfrm>
-          <a:prstGeom prst="roundRect">
-            <a:avLst/>
-          </a:prstGeom>
-          <a:solidFill>
-            <a:schemeClr val="bg1">
-              <a:lumMod val="95000"/>
-            </a:schemeClr>
-          </a:solidFill>
-          <a:ln w="38100">
-            <a:solidFill>
-              <a:schemeClr val="bg1">
-                <a:lumMod val="75000"/>
-              </a:schemeClr>
-            </a:solidFill>
-          </a:ln>
-        </p:spPr>
-        <p:style>
-          <a:lnRef idx="2">
-            <a:schemeClr val="accent1">
-              <a:shade val="50000"/>
-            </a:schemeClr>
-          </a:lnRef>
-          <a:fillRef idx="1">
-            <a:schemeClr val="accent1"/>
-          </a:fillRef>
-          <a:effectRef idx="0">
-            <a:schemeClr val="accent1"/>
-          </a:effectRef>
-          <a:fontRef idx="minor">
-            <a:schemeClr val="lt1"/>
-          </a:fontRef>
-        </p:style>
-        <p:txBody>
-          <a:bodyPr rtlCol="0" anchor="ctr"/>
-          <a:lstStyle/>
-          <a:p>
-            <a:pPr algn="ctr"/>
-            <a:endParaRPr lang="en-US" dirty="0">
-              <a:solidFill>
-                <a:schemeClr val="bg1">
-                  <a:lumMod val="50000"/>
-                </a:schemeClr>
-              </a:solidFill>
-            </a:endParaRPr>
-          </a:p>
-        </p:txBody>
-      </p:sp>
-      <p:cxnSp>
-        <p:nvCxnSpPr>
-          <p:cNvPr id="13" name="Connector: Elbow 12">
-            <a:extLst>
-              <a:ext uri="{FF2B5EF4-FFF2-40B4-BE49-F238E27FC236}">
-                <a16:creationId xmlns:a16="http://schemas.microsoft.com/office/drawing/2014/main" id="{B02F595C-6FA7-487B-8F8B-F2471EB73866}"/>
-              </a:ext>
-            </a:extLst>
-          </p:cNvPr>
-          <p:cNvCxnSpPr>
-            <a:stCxn id="4" idx="2"/>
-            <a:endCxn id="15" idx="1"/>
-          </p:cNvCxnSpPr>
-          <p:nvPr/>
-        </p:nvCxnSpPr>
-        <p:spPr>
-          <a:xfrm rot="16200000" flipH="1">
-            <a:off x="571229" y="1720243"/>
-            <a:ext cx="1910125" cy="574195"/>
-          </a:xfrm>
-          <a:prstGeom prst="bentConnector2">
-            <a:avLst/>
-          </a:prstGeom>
-          <a:ln w="38100">
-            <a:solidFill>
-              <a:schemeClr val="bg1">
-                <a:lumMod val="75000"/>
-              </a:schemeClr>
-            </a:solidFill>
-            <a:tailEnd type="triangle"/>
-          </a:ln>
-        </p:spPr>
-        <p:style>
-          <a:lnRef idx="1">
-            <a:schemeClr val="accent1"/>
-          </a:lnRef>
-          <a:fillRef idx="0">
-            <a:schemeClr val="accent1"/>
-          </a:fillRef>
-          <a:effectRef idx="0">
-            <a:schemeClr val="accent1"/>
-          </a:effectRef>
-          <a:fontRef idx="minor">
-            <a:schemeClr val="tx1"/>
-          </a:fontRef>
-        </p:style>
-      </p:cxnSp>
-      <p:cxnSp>
-        <p:nvCxnSpPr>
-          <p:cNvPr id="18" name="Connector: Elbow 17">
-            <a:extLst>
-              <a:ext uri="{FF2B5EF4-FFF2-40B4-BE49-F238E27FC236}">
-                <a16:creationId xmlns:a16="http://schemas.microsoft.com/office/drawing/2014/main" id="{CD6414D9-631D-433C-88C5-FE1C50A9B1CB}"/>
-              </a:ext>
-            </a:extLst>
-          </p:cNvPr>
-          <p:cNvCxnSpPr>
-            <a:stCxn id="4" idx="2"/>
-            <a:endCxn id="41" idx="1"/>
-          </p:cNvCxnSpPr>
-          <p:nvPr/>
-        </p:nvCxnSpPr>
-        <p:spPr>
-          <a:xfrm rot="16200000" flipH="1">
-            <a:off x="896182" y="1395290"/>
-            <a:ext cx="1260219" cy="574195"/>
-          </a:xfrm>
-          <a:prstGeom prst="bentConnector2">
-            <a:avLst/>
-          </a:prstGeom>
-          <a:ln w="38100">
-            <a:solidFill>
-              <a:schemeClr val="bg1">
-                <a:lumMod val="50000"/>
-              </a:schemeClr>
-            </a:solidFill>
-            <a:tailEnd type="triangle"/>
-          </a:ln>
-        </p:spPr>
-        <p:style>
-          <a:lnRef idx="1">
-            <a:schemeClr val="accent1"/>
-          </a:lnRef>
-          <a:fillRef idx="0">
-            <a:schemeClr val="accent1"/>
-          </a:fillRef>
-          <a:effectRef idx="0">
-            <a:schemeClr val="accent1"/>
-          </a:effectRef>
-          <a:fontRef idx="minor">
-            <a:schemeClr val="tx1"/>
-          </a:fontRef>
-        </p:style>
-      </p:cxnSp>
-      <p:sp>
-        <p:nvSpPr>
-          <p:cNvPr id="14" name="TextBox 13">
-            <a:extLst>
-              <a:ext uri="{FF2B5EF4-FFF2-40B4-BE49-F238E27FC236}">
-                <a16:creationId xmlns:a16="http://schemas.microsoft.com/office/drawing/2014/main" id="{9D1254DF-6E67-4325-968D-CB280B44AA6B}"/>
-              </a:ext>
-            </a:extLst>
-          </p:cNvPr>
-          <p:cNvSpPr txBox="1"/>
-          <p:nvPr/>
-        </p:nvSpPr>
-        <p:spPr>
-          <a:xfrm>
-            <a:off x="9688285" y="6320974"/>
-            <a:ext cx="3185885" cy="369332"/>
-          </a:xfrm>
-          <a:prstGeom prst="rect">
-            <a:avLst/>
-          </a:prstGeom>
-          <a:noFill/>
-        </p:spPr>
-        <p:txBody>
-          <a:bodyPr wrap="square" rtlCol="0">
-            <a:spAutoFit/>
-          </a:bodyPr>
-          <a:lstStyle>
-            <a:defPPr>
-              <a:defRPr lang="en-US"/>
-            </a:defPPr>
-            <a:lvl1pPr>
-              <a:defRPr b="1">
-                <a:solidFill>
-                  <a:srgbClr val="FF0000"/>
-                </a:solidFill>
-              </a:defRPr>
-            </a:lvl1pPr>
-          </a:lstStyle>
-          <a:p>
-            <a:r>
-              <a:rPr lang="en-US" dirty="0"/>
-              <a:t>IntervalStructure.PNG</a:t>
-            </a:r>
-          </a:p>
-        </p:txBody>
-      </p:sp>
-    </p:spTree>
-    <p:extLst>
-      <p:ext uri="{BB962C8B-B14F-4D97-AF65-F5344CB8AC3E}">
-        <p14:creationId xmlns:p14="http://schemas.microsoft.com/office/powerpoint/2010/main" val="2506408065"/>
-      </p:ext>
-    </p:extLst>
-  </p:cSld>
-  <p:clrMapOvr>
-    <a:masterClrMapping/>
-  </p:clrMapOvr>
-</p:sld>
-</file>
-
 <file path=ppt/slides/slide5.xml><?xml version="1.0" encoding="utf-8"?>
 <p:sld xmlns:a="http://schemas.openxmlformats.org/drawingml/2006/main" xmlns:r="http://schemas.openxmlformats.org/officeDocument/2006/relationships" xmlns:p="http://schemas.openxmlformats.org/presentationml/2006/main">
   <p:cSld>
@@ -13887,20 +15753,250 @@
       </p:grpSpPr>
       <p:sp>
         <p:nvSpPr>
-          <p:cNvPr id="19" name="Rectangle: Rounded Corners 18">
-            <a:extLst>
-              <a:ext uri="{FF2B5EF4-FFF2-40B4-BE49-F238E27FC236}">
-                <a16:creationId xmlns:a16="http://schemas.microsoft.com/office/drawing/2014/main" id="{1A2C1608-A407-426E-907C-FD5043DF9366}"/>
-              </a:ext>
-            </a:extLst>
-          </p:cNvPr>
+          <p:cNvPr id="4" name="Rectangle: Rounded Corners 3"/>
           <p:cNvSpPr/>
           <p:nvPr/>
         </p:nvSpPr>
         <p:spPr>
           <a:xfrm>
-            <a:off x="2350829" y="2388160"/>
-            <a:ext cx="2743200" cy="457001"/>
+            <a:off x="324794" y="602691"/>
+            <a:ext cx="1828800" cy="449588"/>
+          </a:xfrm>
+          <a:prstGeom prst="roundRect">
+            <a:avLst/>
+          </a:prstGeom>
+          <a:solidFill>
+            <a:srgbClr val="EEEEBB"/>
+          </a:solidFill>
+          <a:ln w="38100">
+            <a:solidFill>
+              <a:srgbClr val="9E9E27"/>
+            </a:solidFill>
+          </a:ln>
+        </p:spPr>
+        <p:style>
+          <a:lnRef idx="2">
+            <a:schemeClr val="accent1">
+              <a:shade val="50000"/>
+            </a:schemeClr>
+          </a:lnRef>
+          <a:fillRef idx="1">
+            <a:schemeClr val="accent1"/>
+          </a:fillRef>
+          <a:effectRef idx="0">
+            <a:schemeClr val="accent1"/>
+          </a:effectRef>
+          <a:fontRef idx="minor">
+            <a:schemeClr val="lt1"/>
+          </a:fontRef>
+        </p:style>
+        <p:txBody>
+          <a:bodyPr rtlCol="0" anchor="ctr"/>
+          <a:lstStyle/>
+          <a:p>
+            <a:pPr algn="ctr"/>
+            <a:r>
+              <a:rPr lang="en-US" b="1" dirty="0">
+                <a:solidFill>
+                  <a:schemeClr val="tx1"/>
+                </a:solidFill>
+              </a:rPr>
+              <a:t>:</a:t>
+            </a:r>
+            <a:r>
+              <a:rPr lang="en-US" b="1" dirty="0" err="1">
+                <a:solidFill>
+                  <a:schemeClr val="tx1"/>
+                </a:solidFill>
+              </a:rPr>
+              <a:t>Animal_</a:t>
+            </a:r>
+            <a:r>
+              <a:rPr lang="en-US" dirty="0" err="1">
+                <a:solidFill>
+                  <a:schemeClr val="bg1">
+                    <a:lumMod val="50000"/>
+                  </a:schemeClr>
+                </a:solidFill>
+              </a:rPr>
+              <a:t>xxx</a:t>
+            </a:r>
+            <a:endParaRPr lang="en-US" dirty="0">
+              <a:solidFill>
+                <a:schemeClr val="bg1">
+                  <a:lumMod val="50000"/>
+                </a:schemeClr>
+              </a:solidFill>
+            </a:endParaRPr>
+          </a:p>
+        </p:txBody>
+      </p:sp>
+      <p:cxnSp>
+        <p:nvCxnSpPr>
+          <p:cNvPr id="20" name="Connector: Elbow 19">
+            <a:extLst>
+              <a:ext uri="{FF2B5EF4-FFF2-40B4-BE49-F238E27FC236}">
+                <a16:creationId xmlns:a16="http://schemas.microsoft.com/office/drawing/2014/main" id="{15B8C948-92DD-413C-AF47-55CD80736997}"/>
+              </a:ext>
+            </a:extLst>
+          </p:cNvPr>
+          <p:cNvCxnSpPr>
+            <a:stCxn id="4" idx="2"/>
+            <a:endCxn id="45" idx="1"/>
+          </p:cNvCxnSpPr>
+          <p:nvPr/>
+        </p:nvCxnSpPr>
+        <p:spPr>
+          <a:xfrm rot="16200000" flipH="1">
+            <a:off x="1221135" y="1070337"/>
+            <a:ext cx="610313" cy="574195"/>
+          </a:xfrm>
+          <a:prstGeom prst="bentConnector2">
+            <a:avLst/>
+          </a:prstGeom>
+          <a:ln w="38100">
+            <a:solidFill>
+              <a:schemeClr val="bg1">
+                <a:lumMod val="75000"/>
+              </a:schemeClr>
+            </a:solidFill>
+            <a:tailEnd type="triangle"/>
+          </a:ln>
+        </p:spPr>
+        <p:style>
+          <a:lnRef idx="1">
+            <a:schemeClr val="accent1"/>
+          </a:lnRef>
+          <a:fillRef idx="0">
+            <a:schemeClr val="accent1"/>
+          </a:fillRef>
+          <a:effectRef idx="0">
+            <a:schemeClr val="accent1"/>
+          </a:effectRef>
+          <a:fontRef idx="minor">
+            <a:schemeClr val="tx1"/>
+          </a:fontRef>
+        </p:style>
+      </p:cxnSp>
+      <p:sp>
+        <p:nvSpPr>
+          <p:cNvPr id="37" name="TextBox 36">
+            <a:extLst>
+              <a:ext uri="{FF2B5EF4-FFF2-40B4-BE49-F238E27FC236}">
+                <a16:creationId xmlns:a16="http://schemas.microsoft.com/office/drawing/2014/main" id="{94D1285C-D475-4761-AB59-AAF30FB04556}"/>
+              </a:ext>
+            </a:extLst>
+          </p:cNvPr>
+          <p:cNvSpPr txBox="1"/>
+          <p:nvPr/>
+        </p:nvSpPr>
+        <p:spPr>
+          <a:xfrm>
+            <a:off x="8676518" y="1486639"/>
+            <a:ext cx="3074881" cy="461665"/>
+          </a:xfrm>
+          <a:prstGeom prst="rect">
+            <a:avLst/>
+          </a:prstGeom>
+          <a:noFill/>
+        </p:spPr>
+        <p:txBody>
+          <a:bodyPr wrap="none" rtlCol="0">
+            <a:spAutoFit/>
+          </a:bodyPr>
+          <a:lstStyle/>
+          <a:p>
+            <a:r>
+              <a:rPr lang="en-US" sz="2400" b="1" u="sng" dirty="0">
+                <a:solidFill>
+                  <a:srgbClr val="0033CC"/>
+                </a:solidFill>
+              </a:rPr>
+              <a:t>SEND RULE</a:t>
+            </a:r>
+            <a:r>
+              <a:rPr lang="en-US" sz="2400" b="1" dirty="0">
+                <a:solidFill>
+                  <a:srgbClr val="0033CC"/>
+                </a:solidFill>
+              </a:rPr>
+              <a:t> </a:t>
+            </a:r>
+            <a:r>
+              <a:rPr lang="en-US" sz="2000" dirty="0">
+                <a:solidFill>
+                  <a:srgbClr val="0033CC"/>
+                </a:solidFill>
+              </a:rPr>
+              <a:t>(DM Domain)</a:t>
+            </a:r>
+          </a:p>
+        </p:txBody>
+      </p:sp>
+      <p:sp>
+        <p:nvSpPr>
+          <p:cNvPr id="33" name="TextBox 32">
+            <a:extLst>
+              <a:ext uri="{FF2B5EF4-FFF2-40B4-BE49-F238E27FC236}">
+                <a16:creationId xmlns:a16="http://schemas.microsoft.com/office/drawing/2014/main" id="{62C8A6F8-EA4B-4D89-829A-5E9E2E668D49}"/>
+              </a:ext>
+            </a:extLst>
+          </p:cNvPr>
+          <p:cNvSpPr txBox="1"/>
+          <p:nvPr/>
+        </p:nvSpPr>
+        <p:spPr>
+          <a:xfrm>
+            <a:off x="5478632" y="1486639"/>
+            <a:ext cx="968535" cy="461665"/>
+          </a:xfrm>
+          <a:prstGeom prst="rect">
+            <a:avLst/>
+          </a:prstGeom>
+          <a:noFill/>
+        </p:spPr>
+        <p:txBody>
+          <a:bodyPr wrap="none" rtlCol="0">
+            <a:spAutoFit/>
+          </a:bodyPr>
+          <a:lstStyle/>
+          <a:p>
+            <a:r>
+              <a:rPr lang="en-US" sz="2400" b="1" u="sng" dirty="0">
+                <a:solidFill>
+                  <a:schemeClr val="accent6">
+                    <a:lumMod val="75000"/>
+                  </a:schemeClr>
+                </a:solidFill>
+              </a:rPr>
+              <a:t>Shape</a:t>
+            </a:r>
+            <a:endParaRPr lang="en-US" sz="2000" u="sng" dirty="0">
+              <a:solidFill>
+                <a:schemeClr val="accent6">
+                  <a:lumMod val="75000"/>
+                </a:schemeClr>
+              </a:solidFill>
+            </a:endParaRPr>
+          </a:p>
+        </p:txBody>
+      </p:sp>
+      <p:sp>
+        <p:nvSpPr>
+          <p:cNvPr id="45" name="Rectangle: Rounded Corners 44">
+            <a:extLst>
+              <a:ext uri="{FF2B5EF4-FFF2-40B4-BE49-F238E27FC236}">
+                <a16:creationId xmlns:a16="http://schemas.microsoft.com/office/drawing/2014/main" id="{B9A69A35-10B3-4874-B928-C93C5AEC02C5}"/>
+              </a:ext>
+            </a:extLst>
+          </p:cNvPr>
+          <p:cNvSpPr/>
+          <p:nvPr/>
+        </p:nvSpPr>
+        <p:spPr>
+          <a:xfrm>
+            <a:off x="1813389" y="1434091"/>
+            <a:ext cx="3154680" cy="457001"/>
           </a:xfrm>
           <a:prstGeom prst="roundRect">
             <a:avLst/>
@@ -13913,7 +16009,7 @@
           <a:ln w="38100">
             <a:solidFill>
               <a:schemeClr val="bg1">
-                <a:lumMod val="65000"/>
+                <a:lumMod val="75000"/>
               </a:schemeClr>
             </a:solidFill>
           </a:ln>
@@ -13939,22 +16035,10 @@
           <a:lstStyle/>
           <a:p>
             <a:pPr algn="ctr"/>
-            <a:r>
-              <a:rPr lang="en-US" b="1" dirty="0" err="1">
-                <a:solidFill>
-                  <a:schemeClr val="tx1">
-                    <a:lumMod val="50000"/>
-                    <a:lumOff val="50000"/>
-                  </a:schemeClr>
-                </a:solidFill>
-              </a:rPr>
-              <a:t>study:HumanSubject</a:t>
-            </a:r>
             <a:endParaRPr lang="en-US" dirty="0">
               <a:solidFill>
-                <a:schemeClr val="tx1">
+                <a:schemeClr val="bg1">
                   <a:lumMod val="50000"/>
-                  <a:lumOff val="50000"/>
                 </a:schemeClr>
               </a:solidFill>
             </a:endParaRPr>
@@ -13963,10 +16047,56 @@
       </p:sp>
       <p:sp>
         <p:nvSpPr>
-          <p:cNvPr id="21" name="Rectangle: Rounded Corners 20">
-            <a:extLst>
-              <a:ext uri="{FF2B5EF4-FFF2-40B4-BE49-F238E27FC236}">
-                <a16:creationId xmlns:a16="http://schemas.microsoft.com/office/drawing/2014/main" id="{8C8E85FE-0F55-4A00-B762-C24CE31745D5}"/>
+          <p:cNvPr id="67" name="TextBox 66">
+            <a:extLst>
+              <a:ext uri="{FF2B5EF4-FFF2-40B4-BE49-F238E27FC236}">
+                <a16:creationId xmlns:a16="http://schemas.microsoft.com/office/drawing/2014/main" id="{C9C7BDF3-D3D9-48BD-9F4F-5AD3A12FEAEA}"/>
+              </a:ext>
+            </a:extLst>
+          </p:cNvPr>
+          <p:cNvSpPr txBox="1"/>
+          <p:nvPr/>
+        </p:nvSpPr>
+        <p:spPr>
+          <a:xfrm>
+            <a:off x="8676518" y="1998624"/>
+            <a:ext cx="901209" cy="369332"/>
+          </a:xfrm>
+          <a:prstGeom prst="rect">
+            <a:avLst/>
+          </a:prstGeom>
+          <a:noFill/>
+        </p:spPr>
+        <p:txBody>
+          <a:bodyPr wrap="none" rtlCol="0">
+            <a:spAutoFit/>
+          </a:bodyPr>
+          <a:lstStyle>
+            <a:defPPr>
+              <a:defRPr lang="en-US"/>
+            </a:defPPr>
+            <a:lvl1pPr>
+              <a:defRPr>
+                <a:solidFill>
+                  <a:srgbClr val="0033CC"/>
+                </a:solidFill>
+              </a:defRPr>
+            </a:lvl1pPr>
+          </a:lstStyle>
+          <a:p>
+            <a:r>
+              <a:rPr lang="en-US" dirty="0"/>
+              <a:t>SD1002</a:t>
+            </a:r>
+          </a:p>
+        </p:txBody>
+      </p:sp>
+      <p:sp>
+        <p:nvSpPr>
+          <p:cNvPr id="41" name="Rectangle: Rounded Corners 40">
+            <a:extLst>
+              <a:ext uri="{FF2B5EF4-FFF2-40B4-BE49-F238E27FC236}">
+                <a16:creationId xmlns:a16="http://schemas.microsoft.com/office/drawing/2014/main" id="{96684C95-C42A-41D0-B366-B571197353D3}"/>
               </a:ext>
             </a:extLst>
           </p:cNvPr>
@@ -13975,8 +16105,163 @@
         </p:nvSpPr>
         <p:spPr>
           <a:xfrm>
-            <a:off x="5392452" y="3403799"/>
-            <a:ext cx="2743200" cy="457001"/>
+            <a:off x="1813389" y="2083997"/>
+            <a:ext cx="3154680" cy="457001"/>
+          </a:xfrm>
+          <a:prstGeom prst="roundRect">
+            <a:avLst/>
+          </a:prstGeom>
+          <a:solidFill>
+            <a:srgbClr val="EEEEBB"/>
+          </a:solidFill>
+          <a:ln w="38100">
+            <a:solidFill>
+              <a:srgbClr val="9E9E27"/>
+            </a:solidFill>
+          </a:ln>
+        </p:spPr>
+        <p:style>
+          <a:lnRef idx="2">
+            <a:schemeClr val="accent1">
+              <a:shade val="50000"/>
+            </a:schemeClr>
+          </a:lnRef>
+          <a:fillRef idx="1">
+            <a:schemeClr val="accent1"/>
+          </a:fillRef>
+          <a:effectRef idx="0">
+            <a:schemeClr val="accent1"/>
+          </a:effectRef>
+          <a:fontRef idx="minor">
+            <a:schemeClr val="lt1"/>
+          </a:fontRef>
+        </p:style>
+        <p:txBody>
+          <a:bodyPr rtlCol="0" anchor="ctr"/>
+          <a:lstStyle/>
+          <a:p>
+            <a:pPr algn="ctr"/>
+            <a:r>
+              <a:rPr lang="en-US" b="1" dirty="0">
+                <a:solidFill>
+                  <a:schemeClr val="tx1"/>
+                </a:solidFill>
+              </a:rPr>
+              <a:t>:Interval_ xxx</a:t>
+            </a:r>
+          </a:p>
+        </p:txBody>
+      </p:sp>
+      <p:sp>
+        <p:nvSpPr>
+          <p:cNvPr id="36" name="TextBox 35">
+            <a:extLst>
+              <a:ext uri="{FF2B5EF4-FFF2-40B4-BE49-F238E27FC236}">
+                <a16:creationId xmlns:a16="http://schemas.microsoft.com/office/drawing/2014/main" id="{37C1B666-B42B-44A1-BCF0-D388A8A4B86C}"/>
+              </a:ext>
+            </a:extLst>
+          </p:cNvPr>
+          <p:cNvSpPr txBox="1"/>
+          <p:nvPr/>
+        </p:nvSpPr>
+        <p:spPr>
+          <a:xfrm>
+            <a:off x="5160580" y="1998624"/>
+            <a:ext cx="3498137" cy="1200329"/>
+          </a:xfrm>
+          <a:prstGeom prst="rect">
+            <a:avLst/>
+          </a:prstGeom>
+          <a:noFill/>
+        </p:spPr>
+        <p:txBody>
+          <a:bodyPr wrap="none" rtlCol="0">
+            <a:spAutoFit/>
+          </a:bodyPr>
+          <a:lstStyle>
+            <a:defPPr>
+              <a:defRPr lang="en-US"/>
+            </a:defPPr>
+            <a:lvl1pPr>
+              <a:defRPr>
+                <a:solidFill>
+                  <a:schemeClr val="accent6">
+                    <a:lumMod val="75000"/>
+                  </a:schemeClr>
+                </a:solidFill>
+              </a:defRPr>
+            </a:lvl1pPr>
+          </a:lstStyle>
+          <a:p>
+            <a:r>
+              <a:rPr lang="en-US" dirty="0" err="1"/>
+              <a:t>hasTypeXsdDateShape</a:t>
+            </a:r>
+            <a:r>
+              <a:rPr lang="en-US" dirty="0"/>
+              <a:t>-</a:t>
+            </a:r>
+            <a:r>
+              <a:rPr lang="en-US" b="1" dirty="0"/>
+              <a:t>Date</a:t>
+            </a:r>
+          </a:p>
+          <a:p>
+            <a:r>
+              <a:rPr lang="en-US" dirty="0"/>
+              <a:t>hasMin1Max1Shape-</a:t>
+            </a:r>
+            <a:r>
+              <a:rPr lang="en-US" b="1" dirty="0"/>
+              <a:t>Interval</a:t>
+            </a:r>
+            <a:r>
+              <a:rPr lang="en-US" dirty="0"/>
+              <a:t> </a:t>
+            </a:r>
+          </a:p>
+          <a:p>
+            <a:r>
+              <a:rPr lang="en-US" dirty="0"/>
+              <a:t>hasMin1Max1Shape-</a:t>
+            </a:r>
+            <a:r>
+              <a:rPr lang="en-US" b="1" dirty="0"/>
+              <a:t>StartEndDates</a:t>
+            </a:r>
+          </a:p>
+          <a:p>
+            <a:r>
+              <a:rPr lang="en-US" dirty="0" err="1"/>
+              <a:t>hasStartLEEndShape</a:t>
+            </a:r>
+            <a:r>
+              <a:rPr lang="en-US" dirty="0"/>
+              <a:t>-</a:t>
+            </a:r>
+            <a:r>
+              <a:rPr lang="en-US" b="1" dirty="0"/>
+              <a:t>Interval</a:t>
+            </a:r>
+          </a:p>
+        </p:txBody>
+      </p:sp>
+      <p:sp>
+        <p:nvSpPr>
+          <p:cNvPr id="15" name="Rectangle: Rounded Corners 14">
+            <a:extLst>
+              <a:ext uri="{FF2B5EF4-FFF2-40B4-BE49-F238E27FC236}">
+                <a16:creationId xmlns:a16="http://schemas.microsoft.com/office/drawing/2014/main" id="{F2D1CDB2-6DA6-45BF-B57E-8A1B3116DAB8}"/>
+              </a:ext>
+            </a:extLst>
+          </p:cNvPr>
+          <p:cNvSpPr/>
+          <p:nvPr/>
+        </p:nvSpPr>
+        <p:spPr>
+          <a:xfrm>
+            <a:off x="1813389" y="2733903"/>
+            <a:ext cx="3154680" cy="457001"/>
           </a:xfrm>
           <a:prstGeom prst="roundRect">
             <a:avLst/>
@@ -13989,7 +16274,7 @@
           <a:ln w="38100">
             <a:solidFill>
               <a:schemeClr val="bg1">
-                <a:lumMod val="65000"/>
+                <a:lumMod val="75000"/>
               </a:schemeClr>
             </a:solidFill>
           </a:ln>
@@ -14015,22 +16300,10 @@
           <a:lstStyle/>
           <a:p>
             <a:pPr algn="ctr"/>
-            <a:r>
-              <a:rPr lang="en-US" b="1" dirty="0" err="1">
-                <a:solidFill>
-                  <a:schemeClr val="tx1">
-                    <a:lumMod val="50000"/>
-                    <a:lumOff val="50000"/>
-                  </a:schemeClr>
-                </a:solidFill>
-              </a:rPr>
-              <a:t>study:AnimalStudySubject</a:t>
-            </a:r>
-            <a:endParaRPr lang="en-US" b="1" dirty="0">
+            <a:endParaRPr lang="en-US" dirty="0">
               <a:solidFill>
-                <a:schemeClr val="tx1">
+                <a:schemeClr val="bg1">
                   <a:lumMod val="50000"/>
-                  <a:lumOff val="50000"/>
                 </a:schemeClr>
               </a:solidFill>
             </a:endParaRPr>
@@ -14039,24 +16312,23 @@
       </p:sp>
       <p:cxnSp>
         <p:nvCxnSpPr>
-          <p:cNvPr id="38" name="Connector: Elbow 37">
-            <a:extLst>
-              <a:ext uri="{FF2B5EF4-FFF2-40B4-BE49-F238E27FC236}">
-                <a16:creationId xmlns:a16="http://schemas.microsoft.com/office/drawing/2014/main" id="{9009E932-C6B9-49B6-9F6E-27689BA0E87C}"/>
+          <p:cNvPr id="13" name="Connector: Elbow 12">
+            <a:extLst>
+              <a:ext uri="{FF2B5EF4-FFF2-40B4-BE49-F238E27FC236}">
+                <a16:creationId xmlns:a16="http://schemas.microsoft.com/office/drawing/2014/main" id="{B02F595C-6FA7-487B-8F8B-F2471EB73866}"/>
               </a:ext>
             </a:extLst>
           </p:cNvPr>
           <p:cNvCxnSpPr>
-            <a:cxnSpLocks/>
-            <a:stCxn id="45" idx="1"/>
-            <a:endCxn id="19" idx="0"/>
+            <a:stCxn id="4" idx="2"/>
+            <a:endCxn id="15" idx="1"/>
           </p:cNvCxnSpPr>
           <p:nvPr/>
         </p:nvCxnSpPr>
         <p:spPr>
-          <a:xfrm rot="10800000" flipV="1">
-            <a:off x="3722429" y="1648078"/>
-            <a:ext cx="636716" cy="740081"/>
+          <a:xfrm rot="16200000" flipH="1">
+            <a:off x="571229" y="1720243"/>
+            <a:ext cx="1910125" cy="574195"/>
           </a:xfrm>
           <a:prstGeom prst="bentConnector2">
             <a:avLst/>
@@ -14085,12 +16357,59 @@
           </a:fontRef>
         </p:style>
       </p:cxnSp>
-      <p:sp>
-        <p:nvSpPr>
-          <p:cNvPr id="31" name="TextBox 30">
-            <a:extLst>
-              <a:ext uri="{FF2B5EF4-FFF2-40B4-BE49-F238E27FC236}">
-                <a16:creationId xmlns:a16="http://schemas.microsoft.com/office/drawing/2014/main" id="{6683751D-EA79-403D-849F-F258967C9023}"/>
+      <p:cxnSp>
+        <p:nvCxnSpPr>
+          <p:cNvPr id="18" name="Connector: Elbow 17">
+            <a:extLst>
+              <a:ext uri="{FF2B5EF4-FFF2-40B4-BE49-F238E27FC236}">
+                <a16:creationId xmlns:a16="http://schemas.microsoft.com/office/drawing/2014/main" id="{CD6414D9-631D-433C-88C5-FE1C50A9B1CB}"/>
+              </a:ext>
+            </a:extLst>
+          </p:cNvPr>
+          <p:cNvCxnSpPr>
+            <a:stCxn id="4" idx="2"/>
+            <a:endCxn id="41" idx="1"/>
+          </p:cNvCxnSpPr>
+          <p:nvPr/>
+        </p:nvCxnSpPr>
+        <p:spPr>
+          <a:xfrm rot="16200000" flipH="1">
+            <a:off x="896182" y="1395290"/>
+            <a:ext cx="1260219" cy="574195"/>
+          </a:xfrm>
+          <a:prstGeom prst="bentConnector2">
+            <a:avLst/>
+          </a:prstGeom>
+          <a:ln w="38100">
+            <a:solidFill>
+              <a:schemeClr val="bg1">
+                <a:lumMod val="50000"/>
+              </a:schemeClr>
+            </a:solidFill>
+            <a:tailEnd type="triangle"/>
+          </a:ln>
+        </p:spPr>
+        <p:style>
+          <a:lnRef idx="1">
+            <a:schemeClr val="accent1"/>
+          </a:lnRef>
+          <a:fillRef idx="0">
+            <a:schemeClr val="accent1"/>
+          </a:fillRef>
+          <a:effectRef idx="0">
+            <a:schemeClr val="accent1"/>
+          </a:effectRef>
+          <a:fontRef idx="minor">
+            <a:schemeClr val="tx1"/>
+          </a:fontRef>
+        </p:style>
+      </p:cxnSp>
+      <p:sp>
+        <p:nvSpPr>
+          <p:cNvPr id="14" name="TextBox 13">
+            <a:extLst>
+              <a:ext uri="{FF2B5EF4-FFF2-40B4-BE49-F238E27FC236}">
+                <a16:creationId xmlns:a16="http://schemas.microsoft.com/office/drawing/2014/main" id="{9D1254DF-6E67-4325-968D-CB280B44AA6B}"/>
               </a:ext>
             </a:extLst>
           </p:cNvPr>
@@ -14099,59 +16418,8 @@
         </p:nvSpPr>
         <p:spPr>
           <a:xfrm>
-            <a:off x="391887" y="5934670"/>
-            <a:ext cx="5936343" cy="923330"/>
-          </a:xfrm>
-          <a:prstGeom prst="rect">
-            <a:avLst/>
-          </a:prstGeom>
-          <a:noFill/>
-        </p:spPr>
-        <p:txBody>
-          <a:bodyPr wrap="square" rtlCol="0">
-            <a:spAutoFit/>
-          </a:bodyPr>
-          <a:lstStyle/>
-          <a:p>
-            <a:r>
-              <a:rPr lang="en-US" dirty="0"/>
-              <a:t>Structure for defining a rule around </a:t>
-            </a:r>
-            <a:r>
-              <a:rPr lang="en-US" dirty="0" err="1"/>
-              <a:t>AnimalSubject</a:t>
-            </a:r>
-            <a:r>
-              <a:rPr lang="en-US" dirty="0"/>
-              <a:t> IRI can use </a:t>
-            </a:r>
-            <a:r>
-              <a:rPr lang="en-US" dirty="0" err="1"/>
-              <a:t>study:Subject</a:t>
-            </a:r>
-            <a:r>
-              <a:rPr lang="en-US" dirty="0"/>
-              <a:t> for SUBJID, USUBJID because both Animal and Human Study Subjects have these things. </a:t>
-            </a:r>
-          </a:p>
-        </p:txBody>
-      </p:sp>
-      <p:sp>
-        <p:nvSpPr>
-          <p:cNvPr id="43" name="TextBox 42">
-            <a:extLst>
-              <a:ext uri="{FF2B5EF4-FFF2-40B4-BE49-F238E27FC236}">
-                <a16:creationId xmlns:a16="http://schemas.microsoft.com/office/drawing/2014/main" id="{B781ED87-517D-4273-8DF9-A282AE1826BC}"/>
-              </a:ext>
-            </a:extLst>
-          </p:cNvPr>
-          <p:cNvSpPr txBox="1"/>
-          <p:nvPr/>
-        </p:nvSpPr>
-        <p:spPr>
-          <a:xfrm>
-            <a:off x="8606972" y="6488668"/>
-            <a:ext cx="3454400" cy="369332"/>
+            <a:off x="9688285" y="6320974"/>
+            <a:ext cx="3185885" cy="369332"/>
           </a:xfrm>
           <a:prstGeom prst="rect">
             <a:avLst/>
@@ -14177,676 +16445,7 @@
           <a:p>
             <a:r>
               <a:rPr lang="en-US" dirty="0"/>
-              <a:t>AnimalSubjectOWLStructure.PNG</a:t>
-            </a:r>
-          </a:p>
-        </p:txBody>
-      </p:sp>
-      <p:sp>
-        <p:nvSpPr>
-          <p:cNvPr id="48" name="Rectangle: Rounded Corners 47">
-            <a:extLst>
-              <a:ext uri="{FF2B5EF4-FFF2-40B4-BE49-F238E27FC236}">
-                <a16:creationId xmlns:a16="http://schemas.microsoft.com/office/drawing/2014/main" id="{1223A9CE-8691-436F-8532-CED64FCBD85D}"/>
-              </a:ext>
-            </a:extLst>
-          </p:cNvPr>
-          <p:cNvSpPr/>
-          <p:nvPr/>
-        </p:nvSpPr>
-        <p:spPr>
-          <a:xfrm>
-            <a:off x="2350829" y="3403799"/>
-            <a:ext cx="2743200" cy="457001"/>
-          </a:xfrm>
-          <a:prstGeom prst="roundRect">
-            <a:avLst/>
-          </a:prstGeom>
-          <a:solidFill>
-            <a:schemeClr val="bg1">
-              <a:lumMod val="95000"/>
-            </a:schemeClr>
-          </a:solidFill>
-          <a:ln w="38100">
-            <a:solidFill>
-              <a:schemeClr val="bg1">
-                <a:lumMod val="65000"/>
-              </a:schemeClr>
-            </a:solidFill>
-          </a:ln>
-        </p:spPr>
-        <p:style>
-          <a:lnRef idx="2">
-            <a:schemeClr val="accent1">
-              <a:shade val="50000"/>
-            </a:schemeClr>
-          </a:lnRef>
-          <a:fillRef idx="1">
-            <a:schemeClr val="accent1"/>
-          </a:fillRef>
-          <a:effectRef idx="0">
-            <a:schemeClr val="accent1"/>
-          </a:effectRef>
-          <a:fontRef idx="minor">
-            <a:schemeClr val="lt1"/>
-          </a:fontRef>
-        </p:style>
-        <p:txBody>
-          <a:bodyPr rtlCol="0" anchor="ctr"/>
-          <a:lstStyle/>
-          <a:p>
-            <a:pPr algn="ctr"/>
-            <a:r>
-              <a:rPr lang="en-US" b="1" dirty="0" err="1">
-                <a:solidFill>
-                  <a:schemeClr val="tx1">
-                    <a:lumMod val="50000"/>
-                    <a:lumOff val="50000"/>
-                  </a:schemeClr>
-                </a:solidFill>
-              </a:rPr>
-              <a:t>study:HumanStudySubject</a:t>
-            </a:r>
-            <a:endParaRPr lang="en-US" b="1" dirty="0">
-              <a:solidFill>
-                <a:schemeClr val="tx1">
-                  <a:lumMod val="50000"/>
-                  <a:lumOff val="50000"/>
-                </a:schemeClr>
-              </a:solidFill>
-            </a:endParaRPr>
-          </a:p>
-        </p:txBody>
-      </p:sp>
-      <p:sp>
-        <p:nvSpPr>
-          <p:cNvPr id="13" name="Rectangle: Rounded Corners 12">
-            <a:extLst>
-              <a:ext uri="{FF2B5EF4-FFF2-40B4-BE49-F238E27FC236}">
-                <a16:creationId xmlns:a16="http://schemas.microsoft.com/office/drawing/2014/main" id="{F459D007-AF0D-4991-87DF-7CF44E478352}"/>
-              </a:ext>
-            </a:extLst>
-          </p:cNvPr>
-          <p:cNvSpPr/>
-          <p:nvPr/>
-        </p:nvSpPr>
-        <p:spPr>
-          <a:xfrm>
-            <a:off x="7591824" y="1419578"/>
-            <a:ext cx="1828800" cy="457001"/>
-          </a:xfrm>
-          <a:prstGeom prst="roundRect">
-            <a:avLst/>
-          </a:prstGeom>
-          <a:solidFill>
-            <a:srgbClr val="E4ECF8"/>
-          </a:solidFill>
-          <a:ln w="38100">
-            <a:solidFill>
-              <a:schemeClr val="accent1">
-                <a:lumMod val="75000"/>
-              </a:schemeClr>
-            </a:solidFill>
-          </a:ln>
-        </p:spPr>
-        <p:style>
-          <a:lnRef idx="2">
-            <a:schemeClr val="accent1">
-              <a:shade val="50000"/>
-            </a:schemeClr>
-          </a:lnRef>
-          <a:fillRef idx="1">
-            <a:schemeClr val="accent1"/>
-          </a:fillRef>
-          <a:effectRef idx="0">
-            <a:schemeClr val="accent1"/>
-          </a:effectRef>
-          <a:fontRef idx="minor">
-            <a:schemeClr val="lt1"/>
-          </a:fontRef>
-        </p:style>
-        <p:txBody>
-          <a:bodyPr rtlCol="0" anchor="ctr"/>
-          <a:lstStyle/>
-          <a:p>
-            <a:pPr algn="ctr"/>
-            <a:r>
-              <a:rPr lang="en-US" b="1" dirty="0" err="1">
-                <a:solidFill>
-                  <a:schemeClr val="tx1"/>
-                </a:solidFill>
-              </a:rPr>
-              <a:t>study:Animal</a:t>
-            </a:r>
-            <a:endParaRPr lang="en-US" dirty="0">
-              <a:solidFill>
-                <a:schemeClr val="bg1">
-                  <a:lumMod val="50000"/>
-                </a:schemeClr>
-              </a:solidFill>
-            </a:endParaRPr>
-          </a:p>
-        </p:txBody>
-      </p:sp>
-      <p:cxnSp>
-        <p:nvCxnSpPr>
-          <p:cNvPr id="14" name="Connector: Elbow 13">
-            <a:extLst>
-              <a:ext uri="{FF2B5EF4-FFF2-40B4-BE49-F238E27FC236}">
-                <a16:creationId xmlns:a16="http://schemas.microsoft.com/office/drawing/2014/main" id="{E6147DE9-6841-45C5-83B0-4D1CAD973F2D}"/>
-              </a:ext>
-            </a:extLst>
-          </p:cNvPr>
-          <p:cNvCxnSpPr>
-            <a:cxnSpLocks/>
-            <a:stCxn id="13" idx="2"/>
-            <a:endCxn id="22" idx="3"/>
-          </p:cNvCxnSpPr>
-          <p:nvPr/>
-        </p:nvCxnSpPr>
-        <p:spPr>
-          <a:xfrm rot="5400000">
-            <a:off x="7950897" y="2061334"/>
-            <a:ext cx="740082" cy="370572"/>
-          </a:xfrm>
-          <a:prstGeom prst="bentConnector2">
-            <a:avLst/>
-          </a:prstGeom>
-          <a:ln w="38100">
-            <a:solidFill>
-              <a:schemeClr val="bg1">
-                <a:lumMod val="50000"/>
-              </a:schemeClr>
-            </a:solidFill>
-            <a:tailEnd type="triangle"/>
-          </a:ln>
-        </p:spPr>
-        <p:style>
-          <a:lnRef idx="1">
-            <a:schemeClr val="accent1"/>
-          </a:lnRef>
-          <a:fillRef idx="0">
-            <a:schemeClr val="accent1"/>
-          </a:fillRef>
-          <a:effectRef idx="0">
-            <a:schemeClr val="accent1"/>
-          </a:effectRef>
-          <a:fontRef idx="minor">
-            <a:schemeClr val="tx1"/>
-          </a:fontRef>
-        </p:style>
-      </p:cxnSp>
-      <p:sp>
-        <p:nvSpPr>
-          <p:cNvPr id="18" name="Rectangle: Rounded Corners 17">
-            <a:extLst>
-              <a:ext uri="{FF2B5EF4-FFF2-40B4-BE49-F238E27FC236}">
-                <a16:creationId xmlns:a16="http://schemas.microsoft.com/office/drawing/2014/main" id="{F92963CC-E0B2-429E-A830-F8A8175A644F}"/>
-              </a:ext>
-            </a:extLst>
-          </p:cNvPr>
-          <p:cNvSpPr/>
-          <p:nvPr/>
-        </p:nvSpPr>
-        <p:spPr>
-          <a:xfrm>
-            <a:off x="1058226" y="1419578"/>
-            <a:ext cx="1828800" cy="457001"/>
-          </a:xfrm>
-          <a:prstGeom prst="roundRect">
-            <a:avLst/>
-          </a:prstGeom>
-          <a:solidFill>
-            <a:schemeClr val="bg1">
-              <a:lumMod val="95000"/>
-            </a:schemeClr>
-          </a:solidFill>
-          <a:ln w="38100">
-            <a:solidFill>
-              <a:schemeClr val="bg1">
-                <a:lumMod val="65000"/>
-              </a:schemeClr>
-            </a:solidFill>
-          </a:ln>
-        </p:spPr>
-        <p:style>
-          <a:lnRef idx="2">
-            <a:schemeClr val="accent1">
-              <a:shade val="50000"/>
-            </a:schemeClr>
-          </a:lnRef>
-          <a:fillRef idx="1">
-            <a:schemeClr val="accent1"/>
-          </a:fillRef>
-          <a:effectRef idx="0">
-            <a:schemeClr val="accent1"/>
-          </a:effectRef>
-          <a:fontRef idx="minor">
-            <a:schemeClr val="lt1"/>
-          </a:fontRef>
-        </p:style>
-        <p:txBody>
-          <a:bodyPr rtlCol="0" anchor="ctr"/>
-          <a:lstStyle/>
-          <a:p>
-            <a:pPr algn="ctr"/>
-            <a:r>
-              <a:rPr lang="en-US" b="1" dirty="0" err="1">
-                <a:solidFill>
-                  <a:schemeClr val="tx1">
-                    <a:lumMod val="50000"/>
-                    <a:lumOff val="50000"/>
-                  </a:schemeClr>
-                </a:solidFill>
-              </a:rPr>
-              <a:t>study:Person</a:t>
-            </a:r>
-            <a:endParaRPr lang="en-US" b="1" dirty="0">
-              <a:solidFill>
-                <a:schemeClr val="tx1">
-                  <a:lumMod val="50000"/>
-                  <a:lumOff val="50000"/>
-                </a:schemeClr>
-              </a:solidFill>
-            </a:endParaRPr>
-          </a:p>
-        </p:txBody>
-      </p:sp>
-      <p:cxnSp>
-        <p:nvCxnSpPr>
-          <p:cNvPr id="23" name="Connector: Elbow 22">
-            <a:extLst>
-              <a:ext uri="{FF2B5EF4-FFF2-40B4-BE49-F238E27FC236}">
-                <a16:creationId xmlns:a16="http://schemas.microsoft.com/office/drawing/2014/main" id="{0EF4034D-EB2A-45E3-B3A7-A87D9877D19F}"/>
-              </a:ext>
-            </a:extLst>
-          </p:cNvPr>
-          <p:cNvCxnSpPr>
-            <a:cxnSpLocks/>
-            <a:stCxn id="18" idx="2"/>
-            <a:endCxn id="19" idx="1"/>
-          </p:cNvCxnSpPr>
-          <p:nvPr/>
-        </p:nvCxnSpPr>
-        <p:spPr>
-          <a:xfrm rot="16200000" flipH="1">
-            <a:off x="1791686" y="2057518"/>
-            <a:ext cx="740082" cy="378203"/>
-          </a:xfrm>
-          <a:prstGeom prst="bentConnector2">
-            <a:avLst/>
-          </a:prstGeom>
-          <a:ln w="38100">
-            <a:solidFill>
-              <a:schemeClr val="bg1">
-                <a:lumMod val="75000"/>
-              </a:schemeClr>
-            </a:solidFill>
-            <a:tailEnd type="triangle"/>
-          </a:ln>
-        </p:spPr>
-        <p:style>
-          <a:lnRef idx="1">
-            <a:schemeClr val="accent1"/>
-          </a:lnRef>
-          <a:fillRef idx="0">
-            <a:schemeClr val="accent1"/>
-          </a:fillRef>
-          <a:effectRef idx="0">
-            <a:schemeClr val="accent1"/>
-          </a:effectRef>
-          <a:fontRef idx="minor">
-            <a:schemeClr val="tx1"/>
-          </a:fontRef>
-        </p:style>
-      </p:cxnSp>
-      <p:cxnSp>
-        <p:nvCxnSpPr>
-          <p:cNvPr id="32" name="Connector: Elbow 31">
-            <a:extLst>
-              <a:ext uri="{FF2B5EF4-FFF2-40B4-BE49-F238E27FC236}">
-                <a16:creationId xmlns:a16="http://schemas.microsoft.com/office/drawing/2014/main" id="{FE643412-7A2A-4722-ACDE-62E0B1C9A8F2}"/>
-              </a:ext>
-            </a:extLst>
-          </p:cNvPr>
-          <p:cNvCxnSpPr>
-            <a:cxnSpLocks/>
-            <a:stCxn id="45" idx="3"/>
-            <a:endCxn id="22" idx="0"/>
-          </p:cNvCxnSpPr>
-          <p:nvPr/>
-        </p:nvCxnSpPr>
-        <p:spPr>
-          <a:xfrm>
-            <a:off x="6187945" y="1648079"/>
-            <a:ext cx="576107" cy="740081"/>
-          </a:xfrm>
-          <a:prstGeom prst="bentConnector2">
-            <a:avLst/>
-          </a:prstGeom>
-          <a:ln w="38100">
-            <a:solidFill>
-              <a:schemeClr val="bg1">
-                <a:lumMod val="50000"/>
-              </a:schemeClr>
-            </a:solidFill>
-            <a:tailEnd type="triangle"/>
-          </a:ln>
-        </p:spPr>
-        <p:style>
-          <a:lnRef idx="1">
-            <a:schemeClr val="accent1"/>
-          </a:lnRef>
-          <a:fillRef idx="0">
-            <a:schemeClr val="accent1"/>
-          </a:fillRef>
-          <a:effectRef idx="0">
-            <a:schemeClr val="accent1"/>
-          </a:effectRef>
-          <a:fontRef idx="minor">
-            <a:schemeClr val="tx1"/>
-          </a:fontRef>
-        </p:style>
-      </p:cxnSp>
-      <p:cxnSp>
-        <p:nvCxnSpPr>
-          <p:cNvPr id="52" name="Straight Arrow Connector 51">
-            <a:extLst>
-              <a:ext uri="{FF2B5EF4-FFF2-40B4-BE49-F238E27FC236}">
-                <a16:creationId xmlns:a16="http://schemas.microsoft.com/office/drawing/2014/main" id="{F6588316-79CE-4399-918C-582531FCD7AE}"/>
-              </a:ext>
-            </a:extLst>
-          </p:cNvPr>
-          <p:cNvCxnSpPr>
-            <a:stCxn id="19" idx="2"/>
-            <a:endCxn id="48" idx="0"/>
-          </p:cNvCxnSpPr>
-          <p:nvPr/>
-        </p:nvCxnSpPr>
-        <p:spPr>
-          <a:xfrm>
-            <a:off x="3722429" y="2845161"/>
-            <a:ext cx="0" cy="558638"/>
-          </a:xfrm>
-          <a:prstGeom prst="straightConnector1">
-            <a:avLst/>
-          </a:prstGeom>
-          <a:ln w="38100">
-            <a:solidFill>
-              <a:schemeClr val="bg1">
-                <a:lumMod val="75000"/>
-              </a:schemeClr>
-            </a:solidFill>
-            <a:tailEnd type="triangle"/>
-          </a:ln>
-        </p:spPr>
-        <p:style>
-          <a:lnRef idx="1">
-            <a:schemeClr val="accent1"/>
-          </a:lnRef>
-          <a:fillRef idx="0">
-            <a:schemeClr val="accent1"/>
-          </a:fillRef>
-          <a:effectRef idx="0">
-            <a:schemeClr val="accent1"/>
-          </a:effectRef>
-          <a:fontRef idx="minor">
-            <a:schemeClr val="tx1"/>
-          </a:fontRef>
-        </p:style>
-      </p:cxnSp>
-      <p:cxnSp>
-        <p:nvCxnSpPr>
-          <p:cNvPr id="53" name="Straight Arrow Connector 52">
-            <a:extLst>
-              <a:ext uri="{FF2B5EF4-FFF2-40B4-BE49-F238E27FC236}">
-                <a16:creationId xmlns:a16="http://schemas.microsoft.com/office/drawing/2014/main" id="{8AAD4FF1-ADAD-48B4-84FF-5F018684A1DC}"/>
-              </a:ext>
-            </a:extLst>
-          </p:cNvPr>
-          <p:cNvCxnSpPr>
-            <a:cxnSpLocks/>
-            <a:stCxn id="22" idx="2"/>
-            <a:endCxn id="21" idx="0"/>
-          </p:cNvCxnSpPr>
-          <p:nvPr/>
-        </p:nvCxnSpPr>
-        <p:spPr>
-          <a:xfrm>
-            <a:off x="6764052" y="2845161"/>
-            <a:ext cx="0" cy="558638"/>
-          </a:xfrm>
-          <a:prstGeom prst="straightConnector1">
-            <a:avLst/>
-          </a:prstGeom>
-          <a:ln w="38100">
-            <a:solidFill>
-              <a:schemeClr val="bg1">
-                <a:lumMod val="75000"/>
-              </a:schemeClr>
-            </a:solidFill>
-            <a:tailEnd type="triangle"/>
-          </a:ln>
-        </p:spPr>
-        <p:style>
-          <a:lnRef idx="1">
-            <a:schemeClr val="accent1"/>
-          </a:lnRef>
-          <a:fillRef idx="0">
-            <a:schemeClr val="accent1"/>
-          </a:fillRef>
-          <a:effectRef idx="0">
-            <a:schemeClr val="accent1"/>
-          </a:effectRef>
-          <a:fontRef idx="minor">
-            <a:schemeClr val="tx1"/>
-          </a:fontRef>
-        </p:style>
-      </p:cxnSp>
-      <p:sp>
-        <p:nvSpPr>
-          <p:cNvPr id="45" name="Rectangle: Rounded Corners 44">
-            <a:extLst>
-              <a:ext uri="{FF2B5EF4-FFF2-40B4-BE49-F238E27FC236}">
-                <a16:creationId xmlns:a16="http://schemas.microsoft.com/office/drawing/2014/main" id="{B9A69A35-10B3-4874-B928-C93C5AEC02C5}"/>
-              </a:ext>
-            </a:extLst>
-          </p:cNvPr>
-          <p:cNvSpPr/>
-          <p:nvPr/>
-        </p:nvSpPr>
-        <p:spPr>
-          <a:xfrm>
-            <a:off x="4359145" y="1419578"/>
-            <a:ext cx="1828800" cy="457001"/>
-          </a:xfrm>
-          <a:prstGeom prst="roundRect">
-            <a:avLst/>
-          </a:prstGeom>
-          <a:solidFill>
-            <a:srgbClr val="E4ECF8"/>
-          </a:solidFill>
-          <a:ln w="38100">
-            <a:solidFill>
-              <a:schemeClr val="accent1">
-                <a:lumMod val="75000"/>
-              </a:schemeClr>
-            </a:solidFill>
-          </a:ln>
-        </p:spPr>
-        <p:style>
-          <a:lnRef idx="2">
-            <a:schemeClr val="accent1">
-              <a:shade val="50000"/>
-            </a:schemeClr>
-          </a:lnRef>
-          <a:fillRef idx="1">
-            <a:schemeClr val="accent1"/>
-          </a:fillRef>
-          <a:effectRef idx="0">
-            <a:schemeClr val="accent1"/>
-          </a:effectRef>
-          <a:fontRef idx="minor">
-            <a:schemeClr val="lt1"/>
-          </a:fontRef>
-        </p:style>
-        <p:txBody>
-          <a:bodyPr rtlCol="0" anchor="ctr"/>
-          <a:lstStyle/>
-          <a:p>
-            <a:pPr algn="ctr"/>
-            <a:r>
-              <a:rPr lang="en-US" b="1" dirty="0" err="1">
-                <a:solidFill>
-                  <a:schemeClr val="tx1"/>
-                </a:solidFill>
-              </a:rPr>
-              <a:t>study:Subject</a:t>
-            </a:r>
-            <a:endParaRPr lang="en-US" dirty="0">
-              <a:solidFill>
-                <a:schemeClr val="bg1">
-                  <a:lumMod val="50000"/>
-                </a:schemeClr>
-              </a:solidFill>
-            </a:endParaRPr>
-          </a:p>
-        </p:txBody>
-      </p:sp>
-      <p:sp>
-        <p:nvSpPr>
-          <p:cNvPr id="22" name="Rectangle: Rounded Corners 21">
-            <a:extLst>
-              <a:ext uri="{FF2B5EF4-FFF2-40B4-BE49-F238E27FC236}">
-                <a16:creationId xmlns:a16="http://schemas.microsoft.com/office/drawing/2014/main" id="{730C2E2E-7644-4198-9FC8-2000D81E3B1C}"/>
-              </a:ext>
-            </a:extLst>
-          </p:cNvPr>
-          <p:cNvSpPr/>
-          <p:nvPr/>
-        </p:nvSpPr>
-        <p:spPr>
-          <a:xfrm>
-            <a:off x="5392452" y="2388160"/>
-            <a:ext cx="2743200" cy="457001"/>
-          </a:xfrm>
-          <a:prstGeom prst="roundRect">
-            <a:avLst/>
-          </a:prstGeom>
-          <a:solidFill>
-            <a:srgbClr val="E4ECF8"/>
-          </a:solidFill>
-          <a:ln w="38100">
-            <a:solidFill>
-              <a:schemeClr val="accent1">
-                <a:lumMod val="75000"/>
-              </a:schemeClr>
-            </a:solidFill>
-          </a:ln>
-        </p:spPr>
-        <p:style>
-          <a:lnRef idx="2">
-            <a:schemeClr val="accent1">
-              <a:shade val="50000"/>
-            </a:schemeClr>
-          </a:lnRef>
-          <a:fillRef idx="1">
-            <a:schemeClr val="accent1"/>
-          </a:fillRef>
-          <a:effectRef idx="0">
-            <a:schemeClr val="accent1"/>
-          </a:effectRef>
-          <a:fontRef idx="minor">
-            <a:schemeClr val="lt1"/>
-          </a:fontRef>
-        </p:style>
-        <p:txBody>
-          <a:bodyPr rtlCol="0" anchor="ctr"/>
-          <a:lstStyle/>
-          <a:p>
-            <a:pPr algn="ctr"/>
-            <a:r>
-              <a:rPr lang="en-US" b="1" dirty="0" err="1">
-                <a:solidFill>
-                  <a:schemeClr val="tx1"/>
-                </a:solidFill>
-              </a:rPr>
-              <a:t>study:AnimalSubject</a:t>
-            </a:r>
-            <a:endParaRPr lang="en-US" b="1" dirty="0">
-              <a:solidFill>
-                <a:schemeClr val="tx1"/>
-              </a:solidFill>
-            </a:endParaRPr>
-          </a:p>
-        </p:txBody>
-      </p:sp>
-      <p:sp>
-        <p:nvSpPr>
-          <p:cNvPr id="60" name="TextBox 59">
-            <a:extLst>
-              <a:ext uri="{FF2B5EF4-FFF2-40B4-BE49-F238E27FC236}">
-                <a16:creationId xmlns:a16="http://schemas.microsoft.com/office/drawing/2014/main" id="{7589D76B-B4BC-47DC-A225-8FF55D1C25F8}"/>
-              </a:ext>
-            </a:extLst>
-          </p:cNvPr>
-          <p:cNvSpPr txBox="1"/>
-          <p:nvPr/>
-        </p:nvSpPr>
-        <p:spPr>
-          <a:xfrm>
-            <a:off x="8846024" y="2415654"/>
-            <a:ext cx="958917" cy="369332"/>
-          </a:xfrm>
-          <a:prstGeom prst="rect">
-            <a:avLst/>
-          </a:prstGeom>
-          <a:noFill/>
-        </p:spPr>
-        <p:txBody>
-          <a:bodyPr wrap="none" rtlCol="0">
-            <a:spAutoFit/>
-          </a:bodyPr>
-          <a:lstStyle/>
-          <a:p>
-            <a:r>
-              <a:rPr lang="en-US" i="1" dirty="0"/>
-              <a:t>subclass</a:t>
-            </a:r>
-          </a:p>
-        </p:txBody>
-      </p:sp>
-      <p:sp>
-        <p:nvSpPr>
-          <p:cNvPr id="61" name="TextBox 60">
-            <a:extLst>
-              <a:ext uri="{FF2B5EF4-FFF2-40B4-BE49-F238E27FC236}">
-                <a16:creationId xmlns:a16="http://schemas.microsoft.com/office/drawing/2014/main" id="{E12BDFAE-7126-4CC9-ABEC-2B2A8A0926BB}"/>
-              </a:ext>
-            </a:extLst>
-          </p:cNvPr>
-          <p:cNvSpPr txBox="1"/>
-          <p:nvPr/>
-        </p:nvSpPr>
-        <p:spPr>
-          <a:xfrm>
-            <a:off x="8846024" y="3414215"/>
-            <a:ext cx="958917" cy="369332"/>
-          </a:xfrm>
-          <a:prstGeom prst="rect">
-            <a:avLst/>
-          </a:prstGeom>
-          <a:noFill/>
-        </p:spPr>
-        <p:txBody>
-          <a:bodyPr wrap="none" rtlCol="0">
-            <a:spAutoFit/>
-          </a:bodyPr>
-          <a:lstStyle/>
-          <a:p>
-            <a:r>
-              <a:rPr lang="en-US" i="1" dirty="0"/>
-              <a:t>subclass</a:t>
+              <a:t>IntervalStructure.PNG</a:t>
             </a:r>
           </a:p>
         </p:txBody>
@@ -14854,7 +16453,7 @@
     </p:spTree>
     <p:extLst>
       <p:ext uri="{BB962C8B-B14F-4D97-AF65-F5344CB8AC3E}">
-        <p14:creationId xmlns:p14="http://schemas.microsoft.com/office/powerpoint/2010/main" val="459969574"/>
+        <p14:creationId xmlns:p14="http://schemas.microsoft.com/office/powerpoint/2010/main" val="2506408065"/>
       </p:ext>
     </p:extLst>
   </p:cSld>
@@ -14883,6 +16482,1002 @@
       </p:grpSpPr>
       <p:sp>
         <p:nvSpPr>
+          <p:cNvPr id="19" name="Rectangle: Rounded Corners 18">
+            <a:extLst>
+              <a:ext uri="{FF2B5EF4-FFF2-40B4-BE49-F238E27FC236}">
+                <a16:creationId xmlns:a16="http://schemas.microsoft.com/office/drawing/2014/main" id="{1A2C1608-A407-426E-907C-FD5043DF9366}"/>
+              </a:ext>
+            </a:extLst>
+          </p:cNvPr>
+          <p:cNvSpPr/>
+          <p:nvPr/>
+        </p:nvSpPr>
+        <p:spPr>
+          <a:xfrm>
+            <a:off x="2350829" y="2388160"/>
+            <a:ext cx="2743200" cy="457001"/>
+          </a:xfrm>
+          <a:prstGeom prst="roundRect">
+            <a:avLst/>
+          </a:prstGeom>
+          <a:solidFill>
+            <a:schemeClr val="bg1">
+              <a:lumMod val="95000"/>
+            </a:schemeClr>
+          </a:solidFill>
+          <a:ln w="38100">
+            <a:solidFill>
+              <a:schemeClr val="bg1">
+                <a:lumMod val="65000"/>
+              </a:schemeClr>
+            </a:solidFill>
+          </a:ln>
+        </p:spPr>
+        <p:style>
+          <a:lnRef idx="2">
+            <a:schemeClr val="accent1">
+              <a:shade val="50000"/>
+            </a:schemeClr>
+          </a:lnRef>
+          <a:fillRef idx="1">
+            <a:schemeClr val="accent1"/>
+          </a:fillRef>
+          <a:effectRef idx="0">
+            <a:schemeClr val="accent1"/>
+          </a:effectRef>
+          <a:fontRef idx="minor">
+            <a:schemeClr val="lt1"/>
+          </a:fontRef>
+        </p:style>
+        <p:txBody>
+          <a:bodyPr rtlCol="0" anchor="ctr"/>
+          <a:lstStyle/>
+          <a:p>
+            <a:pPr algn="ctr"/>
+            <a:r>
+              <a:rPr lang="en-US" b="1" dirty="0" err="1">
+                <a:solidFill>
+                  <a:schemeClr val="tx1">
+                    <a:lumMod val="50000"/>
+                    <a:lumOff val="50000"/>
+                  </a:schemeClr>
+                </a:solidFill>
+              </a:rPr>
+              <a:t>study:HumanSubject</a:t>
+            </a:r>
+            <a:endParaRPr lang="en-US" dirty="0">
+              <a:solidFill>
+                <a:schemeClr val="tx1">
+                  <a:lumMod val="50000"/>
+                  <a:lumOff val="50000"/>
+                </a:schemeClr>
+              </a:solidFill>
+            </a:endParaRPr>
+          </a:p>
+        </p:txBody>
+      </p:sp>
+      <p:sp>
+        <p:nvSpPr>
+          <p:cNvPr id="21" name="Rectangle: Rounded Corners 20">
+            <a:extLst>
+              <a:ext uri="{FF2B5EF4-FFF2-40B4-BE49-F238E27FC236}">
+                <a16:creationId xmlns:a16="http://schemas.microsoft.com/office/drawing/2014/main" id="{8C8E85FE-0F55-4A00-B762-C24CE31745D5}"/>
+              </a:ext>
+            </a:extLst>
+          </p:cNvPr>
+          <p:cNvSpPr/>
+          <p:nvPr/>
+        </p:nvSpPr>
+        <p:spPr>
+          <a:xfrm>
+            <a:off x="5392452" y="3403799"/>
+            <a:ext cx="2743200" cy="457001"/>
+          </a:xfrm>
+          <a:prstGeom prst="roundRect">
+            <a:avLst/>
+          </a:prstGeom>
+          <a:solidFill>
+            <a:schemeClr val="bg1">
+              <a:lumMod val="95000"/>
+            </a:schemeClr>
+          </a:solidFill>
+          <a:ln w="38100">
+            <a:solidFill>
+              <a:schemeClr val="bg1">
+                <a:lumMod val="65000"/>
+              </a:schemeClr>
+            </a:solidFill>
+          </a:ln>
+        </p:spPr>
+        <p:style>
+          <a:lnRef idx="2">
+            <a:schemeClr val="accent1">
+              <a:shade val="50000"/>
+            </a:schemeClr>
+          </a:lnRef>
+          <a:fillRef idx="1">
+            <a:schemeClr val="accent1"/>
+          </a:fillRef>
+          <a:effectRef idx="0">
+            <a:schemeClr val="accent1"/>
+          </a:effectRef>
+          <a:fontRef idx="minor">
+            <a:schemeClr val="lt1"/>
+          </a:fontRef>
+        </p:style>
+        <p:txBody>
+          <a:bodyPr rtlCol="0" anchor="ctr"/>
+          <a:lstStyle/>
+          <a:p>
+            <a:pPr algn="ctr"/>
+            <a:r>
+              <a:rPr lang="en-US" b="1" dirty="0" err="1">
+                <a:solidFill>
+                  <a:schemeClr val="tx1">
+                    <a:lumMod val="50000"/>
+                    <a:lumOff val="50000"/>
+                  </a:schemeClr>
+                </a:solidFill>
+              </a:rPr>
+              <a:t>study:AnimalStudySubject</a:t>
+            </a:r>
+            <a:endParaRPr lang="en-US" b="1" dirty="0">
+              <a:solidFill>
+                <a:schemeClr val="tx1">
+                  <a:lumMod val="50000"/>
+                  <a:lumOff val="50000"/>
+                </a:schemeClr>
+              </a:solidFill>
+            </a:endParaRPr>
+          </a:p>
+        </p:txBody>
+      </p:sp>
+      <p:cxnSp>
+        <p:nvCxnSpPr>
+          <p:cNvPr id="38" name="Connector: Elbow 37">
+            <a:extLst>
+              <a:ext uri="{FF2B5EF4-FFF2-40B4-BE49-F238E27FC236}">
+                <a16:creationId xmlns:a16="http://schemas.microsoft.com/office/drawing/2014/main" id="{9009E932-C6B9-49B6-9F6E-27689BA0E87C}"/>
+              </a:ext>
+            </a:extLst>
+          </p:cNvPr>
+          <p:cNvCxnSpPr>
+            <a:cxnSpLocks/>
+            <a:stCxn id="45" idx="1"/>
+            <a:endCxn id="19" idx="0"/>
+          </p:cNvCxnSpPr>
+          <p:nvPr/>
+        </p:nvCxnSpPr>
+        <p:spPr>
+          <a:xfrm rot="10800000" flipV="1">
+            <a:off x="3722429" y="1648078"/>
+            <a:ext cx="636716" cy="740081"/>
+          </a:xfrm>
+          <a:prstGeom prst="bentConnector2">
+            <a:avLst/>
+          </a:prstGeom>
+          <a:ln w="38100">
+            <a:solidFill>
+              <a:schemeClr val="bg1">
+                <a:lumMod val="75000"/>
+              </a:schemeClr>
+            </a:solidFill>
+            <a:tailEnd type="triangle"/>
+          </a:ln>
+        </p:spPr>
+        <p:style>
+          <a:lnRef idx="1">
+            <a:schemeClr val="accent1"/>
+          </a:lnRef>
+          <a:fillRef idx="0">
+            <a:schemeClr val="accent1"/>
+          </a:fillRef>
+          <a:effectRef idx="0">
+            <a:schemeClr val="accent1"/>
+          </a:effectRef>
+          <a:fontRef idx="minor">
+            <a:schemeClr val="tx1"/>
+          </a:fontRef>
+        </p:style>
+      </p:cxnSp>
+      <p:sp>
+        <p:nvSpPr>
+          <p:cNvPr id="31" name="TextBox 30">
+            <a:extLst>
+              <a:ext uri="{FF2B5EF4-FFF2-40B4-BE49-F238E27FC236}">
+                <a16:creationId xmlns:a16="http://schemas.microsoft.com/office/drawing/2014/main" id="{6683751D-EA79-403D-849F-F258967C9023}"/>
+              </a:ext>
+            </a:extLst>
+          </p:cNvPr>
+          <p:cNvSpPr txBox="1"/>
+          <p:nvPr/>
+        </p:nvSpPr>
+        <p:spPr>
+          <a:xfrm>
+            <a:off x="391887" y="5934670"/>
+            <a:ext cx="5936343" cy="923330"/>
+          </a:xfrm>
+          <a:prstGeom prst="rect">
+            <a:avLst/>
+          </a:prstGeom>
+          <a:noFill/>
+        </p:spPr>
+        <p:txBody>
+          <a:bodyPr wrap="square" rtlCol="0">
+            <a:spAutoFit/>
+          </a:bodyPr>
+          <a:lstStyle/>
+          <a:p>
+            <a:r>
+              <a:rPr lang="en-US" dirty="0"/>
+              <a:t>Structure for defining a rule around </a:t>
+            </a:r>
+            <a:r>
+              <a:rPr lang="en-US" dirty="0" err="1"/>
+              <a:t>AnimalSubject</a:t>
+            </a:r>
+            <a:r>
+              <a:rPr lang="en-US" dirty="0"/>
+              <a:t> IRI can use </a:t>
+            </a:r>
+            <a:r>
+              <a:rPr lang="en-US" dirty="0" err="1"/>
+              <a:t>study:Subject</a:t>
+            </a:r>
+            <a:r>
+              <a:rPr lang="en-US" dirty="0"/>
+              <a:t> for SUBJID, USUBJID because both Animal and Human Study Subjects have these things. </a:t>
+            </a:r>
+          </a:p>
+        </p:txBody>
+      </p:sp>
+      <p:sp>
+        <p:nvSpPr>
+          <p:cNvPr id="43" name="TextBox 42">
+            <a:extLst>
+              <a:ext uri="{FF2B5EF4-FFF2-40B4-BE49-F238E27FC236}">
+                <a16:creationId xmlns:a16="http://schemas.microsoft.com/office/drawing/2014/main" id="{B781ED87-517D-4273-8DF9-A282AE1826BC}"/>
+              </a:ext>
+            </a:extLst>
+          </p:cNvPr>
+          <p:cNvSpPr txBox="1"/>
+          <p:nvPr/>
+        </p:nvSpPr>
+        <p:spPr>
+          <a:xfrm>
+            <a:off x="8606972" y="6488668"/>
+            <a:ext cx="3454400" cy="369332"/>
+          </a:xfrm>
+          <a:prstGeom prst="rect">
+            <a:avLst/>
+          </a:prstGeom>
+          <a:noFill/>
+        </p:spPr>
+        <p:txBody>
+          <a:bodyPr wrap="square" rtlCol="0">
+            <a:spAutoFit/>
+          </a:bodyPr>
+          <a:lstStyle>
+            <a:defPPr>
+              <a:defRPr lang="en-US"/>
+            </a:defPPr>
+            <a:lvl1pPr>
+              <a:defRPr b="1">
+                <a:solidFill>
+                  <a:srgbClr val="FF0000"/>
+                </a:solidFill>
+              </a:defRPr>
+            </a:lvl1pPr>
+          </a:lstStyle>
+          <a:p>
+            <a:r>
+              <a:rPr lang="en-US" dirty="0"/>
+              <a:t>AnimalSubjectOWLStructure.PNG</a:t>
+            </a:r>
+          </a:p>
+        </p:txBody>
+      </p:sp>
+      <p:sp>
+        <p:nvSpPr>
+          <p:cNvPr id="48" name="Rectangle: Rounded Corners 47">
+            <a:extLst>
+              <a:ext uri="{FF2B5EF4-FFF2-40B4-BE49-F238E27FC236}">
+                <a16:creationId xmlns:a16="http://schemas.microsoft.com/office/drawing/2014/main" id="{1223A9CE-8691-436F-8532-CED64FCBD85D}"/>
+              </a:ext>
+            </a:extLst>
+          </p:cNvPr>
+          <p:cNvSpPr/>
+          <p:nvPr/>
+        </p:nvSpPr>
+        <p:spPr>
+          <a:xfrm>
+            <a:off x="2350829" y="3403799"/>
+            <a:ext cx="2743200" cy="457001"/>
+          </a:xfrm>
+          <a:prstGeom prst="roundRect">
+            <a:avLst/>
+          </a:prstGeom>
+          <a:solidFill>
+            <a:schemeClr val="bg1">
+              <a:lumMod val="95000"/>
+            </a:schemeClr>
+          </a:solidFill>
+          <a:ln w="38100">
+            <a:solidFill>
+              <a:schemeClr val="bg1">
+                <a:lumMod val="65000"/>
+              </a:schemeClr>
+            </a:solidFill>
+          </a:ln>
+        </p:spPr>
+        <p:style>
+          <a:lnRef idx="2">
+            <a:schemeClr val="accent1">
+              <a:shade val="50000"/>
+            </a:schemeClr>
+          </a:lnRef>
+          <a:fillRef idx="1">
+            <a:schemeClr val="accent1"/>
+          </a:fillRef>
+          <a:effectRef idx="0">
+            <a:schemeClr val="accent1"/>
+          </a:effectRef>
+          <a:fontRef idx="minor">
+            <a:schemeClr val="lt1"/>
+          </a:fontRef>
+        </p:style>
+        <p:txBody>
+          <a:bodyPr rtlCol="0" anchor="ctr"/>
+          <a:lstStyle/>
+          <a:p>
+            <a:pPr algn="ctr"/>
+            <a:r>
+              <a:rPr lang="en-US" b="1" dirty="0" err="1">
+                <a:solidFill>
+                  <a:schemeClr val="tx1">
+                    <a:lumMod val="50000"/>
+                    <a:lumOff val="50000"/>
+                  </a:schemeClr>
+                </a:solidFill>
+              </a:rPr>
+              <a:t>study:HumanStudySubject</a:t>
+            </a:r>
+            <a:endParaRPr lang="en-US" b="1" dirty="0">
+              <a:solidFill>
+                <a:schemeClr val="tx1">
+                  <a:lumMod val="50000"/>
+                  <a:lumOff val="50000"/>
+                </a:schemeClr>
+              </a:solidFill>
+            </a:endParaRPr>
+          </a:p>
+        </p:txBody>
+      </p:sp>
+      <p:sp>
+        <p:nvSpPr>
+          <p:cNvPr id="13" name="Rectangle: Rounded Corners 12">
+            <a:extLst>
+              <a:ext uri="{FF2B5EF4-FFF2-40B4-BE49-F238E27FC236}">
+                <a16:creationId xmlns:a16="http://schemas.microsoft.com/office/drawing/2014/main" id="{F459D007-AF0D-4991-87DF-7CF44E478352}"/>
+              </a:ext>
+            </a:extLst>
+          </p:cNvPr>
+          <p:cNvSpPr/>
+          <p:nvPr/>
+        </p:nvSpPr>
+        <p:spPr>
+          <a:xfrm>
+            <a:off x="7591824" y="1419578"/>
+            <a:ext cx="1828800" cy="457001"/>
+          </a:xfrm>
+          <a:prstGeom prst="roundRect">
+            <a:avLst/>
+          </a:prstGeom>
+          <a:solidFill>
+            <a:srgbClr val="E4ECF8"/>
+          </a:solidFill>
+          <a:ln w="38100">
+            <a:solidFill>
+              <a:schemeClr val="accent1">
+                <a:lumMod val="75000"/>
+              </a:schemeClr>
+            </a:solidFill>
+          </a:ln>
+        </p:spPr>
+        <p:style>
+          <a:lnRef idx="2">
+            <a:schemeClr val="accent1">
+              <a:shade val="50000"/>
+            </a:schemeClr>
+          </a:lnRef>
+          <a:fillRef idx="1">
+            <a:schemeClr val="accent1"/>
+          </a:fillRef>
+          <a:effectRef idx="0">
+            <a:schemeClr val="accent1"/>
+          </a:effectRef>
+          <a:fontRef idx="minor">
+            <a:schemeClr val="lt1"/>
+          </a:fontRef>
+        </p:style>
+        <p:txBody>
+          <a:bodyPr rtlCol="0" anchor="ctr"/>
+          <a:lstStyle/>
+          <a:p>
+            <a:pPr algn="ctr"/>
+            <a:r>
+              <a:rPr lang="en-US" b="1" dirty="0" err="1">
+                <a:solidFill>
+                  <a:schemeClr val="tx1"/>
+                </a:solidFill>
+              </a:rPr>
+              <a:t>study:Animal</a:t>
+            </a:r>
+            <a:endParaRPr lang="en-US" dirty="0">
+              <a:solidFill>
+                <a:schemeClr val="bg1">
+                  <a:lumMod val="50000"/>
+                </a:schemeClr>
+              </a:solidFill>
+            </a:endParaRPr>
+          </a:p>
+        </p:txBody>
+      </p:sp>
+      <p:cxnSp>
+        <p:nvCxnSpPr>
+          <p:cNvPr id="14" name="Connector: Elbow 13">
+            <a:extLst>
+              <a:ext uri="{FF2B5EF4-FFF2-40B4-BE49-F238E27FC236}">
+                <a16:creationId xmlns:a16="http://schemas.microsoft.com/office/drawing/2014/main" id="{E6147DE9-6841-45C5-83B0-4D1CAD973F2D}"/>
+              </a:ext>
+            </a:extLst>
+          </p:cNvPr>
+          <p:cNvCxnSpPr>
+            <a:cxnSpLocks/>
+            <a:stCxn id="13" idx="2"/>
+            <a:endCxn id="22" idx="3"/>
+          </p:cNvCxnSpPr>
+          <p:nvPr/>
+        </p:nvCxnSpPr>
+        <p:spPr>
+          <a:xfrm rot="5400000">
+            <a:off x="7950897" y="2061334"/>
+            <a:ext cx="740082" cy="370572"/>
+          </a:xfrm>
+          <a:prstGeom prst="bentConnector2">
+            <a:avLst/>
+          </a:prstGeom>
+          <a:ln w="38100">
+            <a:solidFill>
+              <a:schemeClr val="bg1">
+                <a:lumMod val="50000"/>
+              </a:schemeClr>
+            </a:solidFill>
+            <a:tailEnd type="triangle"/>
+          </a:ln>
+        </p:spPr>
+        <p:style>
+          <a:lnRef idx="1">
+            <a:schemeClr val="accent1"/>
+          </a:lnRef>
+          <a:fillRef idx="0">
+            <a:schemeClr val="accent1"/>
+          </a:fillRef>
+          <a:effectRef idx="0">
+            <a:schemeClr val="accent1"/>
+          </a:effectRef>
+          <a:fontRef idx="minor">
+            <a:schemeClr val="tx1"/>
+          </a:fontRef>
+        </p:style>
+      </p:cxnSp>
+      <p:sp>
+        <p:nvSpPr>
+          <p:cNvPr id="18" name="Rectangle: Rounded Corners 17">
+            <a:extLst>
+              <a:ext uri="{FF2B5EF4-FFF2-40B4-BE49-F238E27FC236}">
+                <a16:creationId xmlns:a16="http://schemas.microsoft.com/office/drawing/2014/main" id="{F92963CC-E0B2-429E-A830-F8A8175A644F}"/>
+              </a:ext>
+            </a:extLst>
+          </p:cNvPr>
+          <p:cNvSpPr/>
+          <p:nvPr/>
+        </p:nvSpPr>
+        <p:spPr>
+          <a:xfrm>
+            <a:off x="1058226" y="1419578"/>
+            <a:ext cx="1828800" cy="457001"/>
+          </a:xfrm>
+          <a:prstGeom prst="roundRect">
+            <a:avLst/>
+          </a:prstGeom>
+          <a:solidFill>
+            <a:schemeClr val="bg1">
+              <a:lumMod val="95000"/>
+            </a:schemeClr>
+          </a:solidFill>
+          <a:ln w="38100">
+            <a:solidFill>
+              <a:schemeClr val="bg1">
+                <a:lumMod val="65000"/>
+              </a:schemeClr>
+            </a:solidFill>
+          </a:ln>
+        </p:spPr>
+        <p:style>
+          <a:lnRef idx="2">
+            <a:schemeClr val="accent1">
+              <a:shade val="50000"/>
+            </a:schemeClr>
+          </a:lnRef>
+          <a:fillRef idx="1">
+            <a:schemeClr val="accent1"/>
+          </a:fillRef>
+          <a:effectRef idx="0">
+            <a:schemeClr val="accent1"/>
+          </a:effectRef>
+          <a:fontRef idx="minor">
+            <a:schemeClr val="lt1"/>
+          </a:fontRef>
+        </p:style>
+        <p:txBody>
+          <a:bodyPr rtlCol="0" anchor="ctr"/>
+          <a:lstStyle/>
+          <a:p>
+            <a:pPr algn="ctr"/>
+            <a:r>
+              <a:rPr lang="en-US" b="1" dirty="0" err="1">
+                <a:solidFill>
+                  <a:schemeClr val="tx1">
+                    <a:lumMod val="50000"/>
+                    <a:lumOff val="50000"/>
+                  </a:schemeClr>
+                </a:solidFill>
+              </a:rPr>
+              <a:t>study:Person</a:t>
+            </a:r>
+            <a:endParaRPr lang="en-US" b="1" dirty="0">
+              <a:solidFill>
+                <a:schemeClr val="tx1">
+                  <a:lumMod val="50000"/>
+                  <a:lumOff val="50000"/>
+                </a:schemeClr>
+              </a:solidFill>
+            </a:endParaRPr>
+          </a:p>
+        </p:txBody>
+      </p:sp>
+      <p:cxnSp>
+        <p:nvCxnSpPr>
+          <p:cNvPr id="23" name="Connector: Elbow 22">
+            <a:extLst>
+              <a:ext uri="{FF2B5EF4-FFF2-40B4-BE49-F238E27FC236}">
+                <a16:creationId xmlns:a16="http://schemas.microsoft.com/office/drawing/2014/main" id="{0EF4034D-EB2A-45E3-B3A7-A87D9877D19F}"/>
+              </a:ext>
+            </a:extLst>
+          </p:cNvPr>
+          <p:cNvCxnSpPr>
+            <a:cxnSpLocks/>
+            <a:stCxn id="18" idx="2"/>
+            <a:endCxn id="19" idx="1"/>
+          </p:cNvCxnSpPr>
+          <p:nvPr/>
+        </p:nvCxnSpPr>
+        <p:spPr>
+          <a:xfrm rot="16200000" flipH="1">
+            <a:off x="1791686" y="2057518"/>
+            <a:ext cx="740082" cy="378203"/>
+          </a:xfrm>
+          <a:prstGeom prst="bentConnector2">
+            <a:avLst/>
+          </a:prstGeom>
+          <a:ln w="38100">
+            <a:solidFill>
+              <a:schemeClr val="bg1">
+                <a:lumMod val="75000"/>
+              </a:schemeClr>
+            </a:solidFill>
+            <a:tailEnd type="triangle"/>
+          </a:ln>
+        </p:spPr>
+        <p:style>
+          <a:lnRef idx="1">
+            <a:schemeClr val="accent1"/>
+          </a:lnRef>
+          <a:fillRef idx="0">
+            <a:schemeClr val="accent1"/>
+          </a:fillRef>
+          <a:effectRef idx="0">
+            <a:schemeClr val="accent1"/>
+          </a:effectRef>
+          <a:fontRef idx="minor">
+            <a:schemeClr val="tx1"/>
+          </a:fontRef>
+        </p:style>
+      </p:cxnSp>
+      <p:cxnSp>
+        <p:nvCxnSpPr>
+          <p:cNvPr id="32" name="Connector: Elbow 31">
+            <a:extLst>
+              <a:ext uri="{FF2B5EF4-FFF2-40B4-BE49-F238E27FC236}">
+                <a16:creationId xmlns:a16="http://schemas.microsoft.com/office/drawing/2014/main" id="{FE643412-7A2A-4722-ACDE-62E0B1C9A8F2}"/>
+              </a:ext>
+            </a:extLst>
+          </p:cNvPr>
+          <p:cNvCxnSpPr>
+            <a:cxnSpLocks/>
+            <a:stCxn id="45" idx="3"/>
+            <a:endCxn id="22" idx="0"/>
+          </p:cNvCxnSpPr>
+          <p:nvPr/>
+        </p:nvCxnSpPr>
+        <p:spPr>
+          <a:xfrm>
+            <a:off x="6187945" y="1648079"/>
+            <a:ext cx="576107" cy="740081"/>
+          </a:xfrm>
+          <a:prstGeom prst="bentConnector2">
+            <a:avLst/>
+          </a:prstGeom>
+          <a:ln w="38100">
+            <a:solidFill>
+              <a:schemeClr val="bg1">
+                <a:lumMod val="50000"/>
+              </a:schemeClr>
+            </a:solidFill>
+            <a:tailEnd type="triangle"/>
+          </a:ln>
+        </p:spPr>
+        <p:style>
+          <a:lnRef idx="1">
+            <a:schemeClr val="accent1"/>
+          </a:lnRef>
+          <a:fillRef idx="0">
+            <a:schemeClr val="accent1"/>
+          </a:fillRef>
+          <a:effectRef idx="0">
+            <a:schemeClr val="accent1"/>
+          </a:effectRef>
+          <a:fontRef idx="minor">
+            <a:schemeClr val="tx1"/>
+          </a:fontRef>
+        </p:style>
+      </p:cxnSp>
+      <p:cxnSp>
+        <p:nvCxnSpPr>
+          <p:cNvPr id="52" name="Straight Arrow Connector 51">
+            <a:extLst>
+              <a:ext uri="{FF2B5EF4-FFF2-40B4-BE49-F238E27FC236}">
+                <a16:creationId xmlns:a16="http://schemas.microsoft.com/office/drawing/2014/main" id="{F6588316-79CE-4399-918C-582531FCD7AE}"/>
+              </a:ext>
+            </a:extLst>
+          </p:cNvPr>
+          <p:cNvCxnSpPr>
+            <a:stCxn id="19" idx="2"/>
+            <a:endCxn id="48" idx="0"/>
+          </p:cNvCxnSpPr>
+          <p:nvPr/>
+        </p:nvCxnSpPr>
+        <p:spPr>
+          <a:xfrm>
+            <a:off x="3722429" y="2845161"/>
+            <a:ext cx="0" cy="558638"/>
+          </a:xfrm>
+          <a:prstGeom prst="straightConnector1">
+            <a:avLst/>
+          </a:prstGeom>
+          <a:ln w="38100">
+            <a:solidFill>
+              <a:schemeClr val="bg1">
+                <a:lumMod val="75000"/>
+              </a:schemeClr>
+            </a:solidFill>
+            <a:tailEnd type="triangle"/>
+          </a:ln>
+        </p:spPr>
+        <p:style>
+          <a:lnRef idx="1">
+            <a:schemeClr val="accent1"/>
+          </a:lnRef>
+          <a:fillRef idx="0">
+            <a:schemeClr val="accent1"/>
+          </a:fillRef>
+          <a:effectRef idx="0">
+            <a:schemeClr val="accent1"/>
+          </a:effectRef>
+          <a:fontRef idx="minor">
+            <a:schemeClr val="tx1"/>
+          </a:fontRef>
+        </p:style>
+      </p:cxnSp>
+      <p:cxnSp>
+        <p:nvCxnSpPr>
+          <p:cNvPr id="53" name="Straight Arrow Connector 52">
+            <a:extLst>
+              <a:ext uri="{FF2B5EF4-FFF2-40B4-BE49-F238E27FC236}">
+                <a16:creationId xmlns:a16="http://schemas.microsoft.com/office/drawing/2014/main" id="{8AAD4FF1-ADAD-48B4-84FF-5F018684A1DC}"/>
+              </a:ext>
+            </a:extLst>
+          </p:cNvPr>
+          <p:cNvCxnSpPr>
+            <a:cxnSpLocks/>
+            <a:stCxn id="22" idx="2"/>
+            <a:endCxn id="21" idx="0"/>
+          </p:cNvCxnSpPr>
+          <p:nvPr/>
+        </p:nvCxnSpPr>
+        <p:spPr>
+          <a:xfrm>
+            <a:off x="6764052" y="2845161"/>
+            <a:ext cx="0" cy="558638"/>
+          </a:xfrm>
+          <a:prstGeom prst="straightConnector1">
+            <a:avLst/>
+          </a:prstGeom>
+          <a:ln w="38100">
+            <a:solidFill>
+              <a:schemeClr val="bg1">
+                <a:lumMod val="75000"/>
+              </a:schemeClr>
+            </a:solidFill>
+            <a:tailEnd type="triangle"/>
+          </a:ln>
+        </p:spPr>
+        <p:style>
+          <a:lnRef idx="1">
+            <a:schemeClr val="accent1"/>
+          </a:lnRef>
+          <a:fillRef idx="0">
+            <a:schemeClr val="accent1"/>
+          </a:fillRef>
+          <a:effectRef idx="0">
+            <a:schemeClr val="accent1"/>
+          </a:effectRef>
+          <a:fontRef idx="minor">
+            <a:schemeClr val="tx1"/>
+          </a:fontRef>
+        </p:style>
+      </p:cxnSp>
+      <p:sp>
+        <p:nvSpPr>
+          <p:cNvPr id="45" name="Rectangle: Rounded Corners 44">
+            <a:extLst>
+              <a:ext uri="{FF2B5EF4-FFF2-40B4-BE49-F238E27FC236}">
+                <a16:creationId xmlns:a16="http://schemas.microsoft.com/office/drawing/2014/main" id="{B9A69A35-10B3-4874-B928-C93C5AEC02C5}"/>
+              </a:ext>
+            </a:extLst>
+          </p:cNvPr>
+          <p:cNvSpPr/>
+          <p:nvPr/>
+        </p:nvSpPr>
+        <p:spPr>
+          <a:xfrm>
+            <a:off x="4359145" y="1419578"/>
+            <a:ext cx="1828800" cy="457001"/>
+          </a:xfrm>
+          <a:prstGeom prst="roundRect">
+            <a:avLst/>
+          </a:prstGeom>
+          <a:solidFill>
+            <a:srgbClr val="E4ECF8"/>
+          </a:solidFill>
+          <a:ln w="38100">
+            <a:solidFill>
+              <a:schemeClr val="accent1">
+                <a:lumMod val="75000"/>
+              </a:schemeClr>
+            </a:solidFill>
+          </a:ln>
+        </p:spPr>
+        <p:style>
+          <a:lnRef idx="2">
+            <a:schemeClr val="accent1">
+              <a:shade val="50000"/>
+            </a:schemeClr>
+          </a:lnRef>
+          <a:fillRef idx="1">
+            <a:schemeClr val="accent1"/>
+          </a:fillRef>
+          <a:effectRef idx="0">
+            <a:schemeClr val="accent1"/>
+          </a:effectRef>
+          <a:fontRef idx="minor">
+            <a:schemeClr val="lt1"/>
+          </a:fontRef>
+        </p:style>
+        <p:txBody>
+          <a:bodyPr rtlCol="0" anchor="ctr"/>
+          <a:lstStyle/>
+          <a:p>
+            <a:pPr algn="ctr"/>
+            <a:r>
+              <a:rPr lang="en-US" b="1" dirty="0" err="1">
+                <a:solidFill>
+                  <a:schemeClr val="tx1"/>
+                </a:solidFill>
+              </a:rPr>
+              <a:t>study:Subject</a:t>
+            </a:r>
+            <a:endParaRPr lang="en-US" dirty="0">
+              <a:solidFill>
+                <a:schemeClr val="bg1">
+                  <a:lumMod val="50000"/>
+                </a:schemeClr>
+              </a:solidFill>
+            </a:endParaRPr>
+          </a:p>
+        </p:txBody>
+      </p:sp>
+      <p:sp>
+        <p:nvSpPr>
+          <p:cNvPr id="22" name="Rectangle: Rounded Corners 21">
+            <a:extLst>
+              <a:ext uri="{FF2B5EF4-FFF2-40B4-BE49-F238E27FC236}">
+                <a16:creationId xmlns:a16="http://schemas.microsoft.com/office/drawing/2014/main" id="{730C2E2E-7644-4198-9FC8-2000D81E3B1C}"/>
+              </a:ext>
+            </a:extLst>
+          </p:cNvPr>
+          <p:cNvSpPr/>
+          <p:nvPr/>
+        </p:nvSpPr>
+        <p:spPr>
+          <a:xfrm>
+            <a:off x="5392452" y="2388160"/>
+            <a:ext cx="2743200" cy="457001"/>
+          </a:xfrm>
+          <a:prstGeom prst="roundRect">
+            <a:avLst/>
+          </a:prstGeom>
+          <a:solidFill>
+            <a:srgbClr val="E4ECF8"/>
+          </a:solidFill>
+          <a:ln w="38100">
+            <a:solidFill>
+              <a:schemeClr val="accent1">
+                <a:lumMod val="75000"/>
+              </a:schemeClr>
+            </a:solidFill>
+          </a:ln>
+        </p:spPr>
+        <p:style>
+          <a:lnRef idx="2">
+            <a:schemeClr val="accent1">
+              <a:shade val="50000"/>
+            </a:schemeClr>
+          </a:lnRef>
+          <a:fillRef idx="1">
+            <a:schemeClr val="accent1"/>
+          </a:fillRef>
+          <a:effectRef idx="0">
+            <a:schemeClr val="accent1"/>
+          </a:effectRef>
+          <a:fontRef idx="minor">
+            <a:schemeClr val="lt1"/>
+          </a:fontRef>
+        </p:style>
+        <p:txBody>
+          <a:bodyPr rtlCol="0" anchor="ctr"/>
+          <a:lstStyle/>
+          <a:p>
+            <a:pPr algn="ctr"/>
+            <a:r>
+              <a:rPr lang="en-US" b="1" dirty="0" err="1">
+                <a:solidFill>
+                  <a:schemeClr val="tx1"/>
+                </a:solidFill>
+              </a:rPr>
+              <a:t>study:AnimalSubject</a:t>
+            </a:r>
+            <a:endParaRPr lang="en-US" b="1" dirty="0">
+              <a:solidFill>
+                <a:schemeClr val="tx1"/>
+              </a:solidFill>
+            </a:endParaRPr>
+          </a:p>
+        </p:txBody>
+      </p:sp>
+      <p:sp>
+        <p:nvSpPr>
+          <p:cNvPr id="60" name="TextBox 59">
+            <a:extLst>
+              <a:ext uri="{FF2B5EF4-FFF2-40B4-BE49-F238E27FC236}">
+                <a16:creationId xmlns:a16="http://schemas.microsoft.com/office/drawing/2014/main" id="{7589D76B-B4BC-47DC-A225-8FF55D1C25F8}"/>
+              </a:ext>
+            </a:extLst>
+          </p:cNvPr>
+          <p:cNvSpPr txBox="1"/>
+          <p:nvPr/>
+        </p:nvSpPr>
+        <p:spPr>
+          <a:xfrm>
+            <a:off x="8846024" y="2415654"/>
+            <a:ext cx="958917" cy="369332"/>
+          </a:xfrm>
+          <a:prstGeom prst="rect">
+            <a:avLst/>
+          </a:prstGeom>
+          <a:noFill/>
+        </p:spPr>
+        <p:txBody>
+          <a:bodyPr wrap="none" rtlCol="0">
+            <a:spAutoFit/>
+          </a:bodyPr>
+          <a:lstStyle/>
+          <a:p>
+            <a:r>
+              <a:rPr lang="en-US" i="1" dirty="0"/>
+              <a:t>subclass</a:t>
+            </a:r>
+          </a:p>
+        </p:txBody>
+      </p:sp>
+      <p:sp>
+        <p:nvSpPr>
+          <p:cNvPr id="61" name="TextBox 60">
+            <a:extLst>
+              <a:ext uri="{FF2B5EF4-FFF2-40B4-BE49-F238E27FC236}">
+                <a16:creationId xmlns:a16="http://schemas.microsoft.com/office/drawing/2014/main" id="{E12BDFAE-7126-4CC9-ABEC-2B2A8A0926BB}"/>
+              </a:ext>
+            </a:extLst>
+          </p:cNvPr>
+          <p:cNvSpPr txBox="1"/>
+          <p:nvPr/>
+        </p:nvSpPr>
+        <p:spPr>
+          <a:xfrm>
+            <a:off x="8846024" y="3414215"/>
+            <a:ext cx="958917" cy="369332"/>
+          </a:xfrm>
+          <a:prstGeom prst="rect">
+            <a:avLst/>
+          </a:prstGeom>
+          <a:noFill/>
+        </p:spPr>
+        <p:txBody>
+          <a:bodyPr wrap="none" rtlCol="0">
+            <a:spAutoFit/>
+          </a:bodyPr>
+          <a:lstStyle/>
+          <a:p>
+            <a:r>
+              <a:rPr lang="en-US" i="1" dirty="0"/>
+              <a:t>subclass</a:t>
+            </a:r>
+          </a:p>
+        </p:txBody>
+      </p:sp>
+    </p:spTree>
+    <p:extLst>
+      <p:ext uri="{BB962C8B-B14F-4D97-AF65-F5344CB8AC3E}">
+        <p14:creationId xmlns:p14="http://schemas.microsoft.com/office/powerpoint/2010/main" val="459969574"/>
+      </p:ext>
+    </p:extLst>
+  </p:cSld>
+  <p:clrMapOvr>
+    <a:masterClrMapping/>
+  </p:clrMapOvr>
+</p:sld>
+</file>
+
+<file path=ppt/slides/slide7.xml><?xml version="1.0" encoding="utf-8"?>
+<p:sld xmlns:a="http://schemas.openxmlformats.org/drawingml/2006/main" xmlns:r="http://schemas.openxmlformats.org/officeDocument/2006/relationships" xmlns:p="http://schemas.openxmlformats.org/presentationml/2006/main">
+  <p:cSld>
+    <p:spTree>
+      <p:nvGrpSpPr>
+        <p:cNvPr id="1" name=""/>
+        <p:cNvGrpSpPr/>
+        <p:nvPr/>
+      </p:nvGrpSpPr>
+      <p:grpSpPr>
+        <a:xfrm>
+          <a:off x="0" y="0"/>
+          <a:ext cx="0" cy="0"/>
+          <a:chOff x="0" y="0"/>
+          <a:chExt cx="0" cy="0"/>
+        </a:xfrm>
+      </p:grpSpPr>
+      <p:sp>
+        <p:nvSpPr>
           <p:cNvPr id="4" name="Rectangle: Rounded Corners 3"/>
           <p:cNvSpPr/>
           <p:nvPr/>
@@ -15775,7 +18370,7 @@
 </p:sld>
 </file>
 
-<file path=ppt/slides/slide7.xml><?xml version="1.0" encoding="utf-8"?>
+<file path=ppt/slides/slide8.xml><?xml version="1.0" encoding="utf-8"?>
 <p:sld xmlns:a="http://schemas.openxmlformats.org/drawingml/2006/main" xmlns:r="http://schemas.openxmlformats.org/officeDocument/2006/relationships" xmlns:p="http://schemas.openxmlformats.org/presentationml/2006/main">
   <p:cSld>
     <p:spTree>
@@ -17623,7 +20218,7 @@
 </p:sld>
 </file>
 
-<file path=ppt/slides/slide8.xml><?xml version="1.0" encoding="utf-8"?>
+<file path=ppt/slides/slide9.xml><?xml version="1.0" encoding="utf-8"?>
 <p:sld xmlns:a="http://schemas.openxmlformats.org/drawingml/2006/main" xmlns:r="http://schemas.openxmlformats.org/officeDocument/2006/relationships" xmlns:p="http://schemas.openxmlformats.org/presentationml/2006/main">
   <p:cSld>
     <p:spTree>
@@ -19025,89 +21620,6 @@
     <p:extLst>
       <p:ext uri="{BB962C8B-B14F-4D97-AF65-F5344CB8AC3E}">
         <p14:creationId xmlns:p14="http://schemas.microsoft.com/office/powerpoint/2010/main" val="610667360"/>
-      </p:ext>
-    </p:extLst>
-  </p:cSld>
-  <p:clrMapOvr>
-    <a:masterClrMapping/>
-  </p:clrMapOvr>
-</p:sld>
-</file>
-
-<file path=ppt/slides/slide9.xml><?xml version="1.0" encoding="utf-8"?>
-<p:sld xmlns:a="http://schemas.openxmlformats.org/drawingml/2006/main" xmlns:r="http://schemas.openxmlformats.org/officeDocument/2006/relationships" xmlns:p="http://schemas.openxmlformats.org/presentationml/2006/main">
-  <p:cSld>
-    <p:spTree>
-      <p:nvGrpSpPr>
-        <p:cNvPr id="1" name=""/>
-        <p:cNvGrpSpPr/>
-        <p:nvPr/>
-      </p:nvGrpSpPr>
-      <p:grpSpPr>
-        <a:xfrm>
-          <a:off x="0" y="0"/>
-          <a:ext cx="0" cy="0"/>
-          <a:chOff x="0" y="0"/>
-          <a:chExt cx="0" cy="0"/>
-        </a:xfrm>
-      </p:grpSpPr>
-      <p:sp>
-        <p:nvSpPr>
-          <p:cNvPr id="2" name="Title 1">
-            <a:extLst>
-              <a:ext uri="{FF2B5EF4-FFF2-40B4-BE49-F238E27FC236}">
-                <a16:creationId xmlns:a16="http://schemas.microsoft.com/office/drawing/2014/main" id="{A34AD37D-181E-4532-A042-19859BF3719C}"/>
-              </a:ext>
-            </a:extLst>
-          </p:cNvPr>
-          <p:cNvSpPr>
-            <a:spLocks noGrp="1"/>
-          </p:cNvSpPr>
-          <p:nvPr>
-            <p:ph type="title"/>
-          </p:nvPr>
-        </p:nvSpPr>
-        <p:spPr/>
-        <p:txBody>
-          <a:bodyPr/>
-          <a:lstStyle/>
-          <a:p>
-            <a:r>
-              <a:rPr lang="en-US" dirty="0"/>
-              <a:t>Outdated Slides follow</a:t>
-            </a:r>
-          </a:p>
-        </p:txBody>
-      </p:sp>
-      <p:sp>
-        <p:nvSpPr>
-          <p:cNvPr id="3" name="Content Placeholder 2">
-            <a:extLst>
-              <a:ext uri="{FF2B5EF4-FFF2-40B4-BE49-F238E27FC236}">
-                <a16:creationId xmlns:a16="http://schemas.microsoft.com/office/drawing/2014/main" id="{D020E3E2-B7D2-4B27-962F-9CAB3C20636A}"/>
-              </a:ext>
-            </a:extLst>
-          </p:cNvPr>
-          <p:cNvSpPr>
-            <a:spLocks noGrp="1"/>
-          </p:cNvSpPr>
-          <p:nvPr>
-            <p:ph idx="1"/>
-          </p:nvPr>
-        </p:nvSpPr>
-        <p:spPr/>
-        <p:txBody>
-          <a:bodyPr/>
-          <a:lstStyle/>
-          <a:p>
-            <a:endParaRPr lang="en-US"/>
-          </a:p>
-        </p:txBody>
-      </p:sp>
-    </p:spTree>
-    <p:extLst>
-      <p:ext uri="{BB962C8B-B14F-4D97-AF65-F5344CB8AC3E}">
-        <p14:creationId xmlns:p14="http://schemas.microsoft.com/office/powerpoint/2010/main" val="1186431338"/>
       </p:ext>
     </p:extLst>
   </p:cSld>

--- a/images/ImageSources.pptx
+++ b/images/ImageSources.pptx
@@ -278,7 +278,7 @@
           <a:p>
             <a:fld id="{03ABD037-9D82-4436-AC70-ED75D2FE9417}" type="datetimeFigureOut">
               <a:rPr lang="en-US" smtClean="0"/>
-              <a:t>2/9/2020</a:t>
+              <a:t>2/11/2020</a:t>
             </a:fld>
             <a:endParaRPr lang="en-US"/>
           </a:p>
@@ -446,7 +446,7 @@
           <a:p>
             <a:fld id="{03ABD037-9D82-4436-AC70-ED75D2FE9417}" type="datetimeFigureOut">
               <a:rPr lang="en-US" smtClean="0"/>
-              <a:t>2/9/2020</a:t>
+              <a:t>2/11/2020</a:t>
             </a:fld>
             <a:endParaRPr lang="en-US"/>
           </a:p>
@@ -624,7 +624,7 @@
           <a:p>
             <a:fld id="{03ABD037-9D82-4436-AC70-ED75D2FE9417}" type="datetimeFigureOut">
               <a:rPr lang="en-US" smtClean="0"/>
-              <a:t>2/9/2020</a:t>
+              <a:t>2/11/2020</a:t>
             </a:fld>
             <a:endParaRPr lang="en-US"/>
           </a:p>
@@ -792,7 +792,7 @@
           <a:p>
             <a:fld id="{03ABD037-9D82-4436-AC70-ED75D2FE9417}" type="datetimeFigureOut">
               <a:rPr lang="en-US" smtClean="0"/>
-              <a:t>2/9/2020</a:t>
+              <a:t>2/11/2020</a:t>
             </a:fld>
             <a:endParaRPr lang="en-US"/>
           </a:p>
@@ -1037,7 +1037,7 @@
           <a:p>
             <a:fld id="{03ABD037-9D82-4436-AC70-ED75D2FE9417}" type="datetimeFigureOut">
               <a:rPr lang="en-US" smtClean="0"/>
-              <a:t>2/9/2020</a:t>
+              <a:t>2/11/2020</a:t>
             </a:fld>
             <a:endParaRPr lang="en-US"/>
           </a:p>
@@ -1266,7 +1266,7 @@
           <a:p>
             <a:fld id="{03ABD037-9D82-4436-AC70-ED75D2FE9417}" type="datetimeFigureOut">
               <a:rPr lang="en-US" smtClean="0"/>
-              <a:t>2/9/2020</a:t>
+              <a:t>2/11/2020</a:t>
             </a:fld>
             <a:endParaRPr lang="en-US"/>
           </a:p>
@@ -1630,7 +1630,7 @@
           <a:p>
             <a:fld id="{03ABD037-9D82-4436-AC70-ED75D2FE9417}" type="datetimeFigureOut">
               <a:rPr lang="en-US" smtClean="0"/>
-              <a:t>2/9/2020</a:t>
+              <a:t>2/11/2020</a:t>
             </a:fld>
             <a:endParaRPr lang="en-US"/>
           </a:p>
@@ -1747,7 +1747,7 @@
           <a:p>
             <a:fld id="{03ABD037-9D82-4436-AC70-ED75D2FE9417}" type="datetimeFigureOut">
               <a:rPr lang="en-US" smtClean="0"/>
-              <a:t>2/9/2020</a:t>
+              <a:t>2/11/2020</a:t>
             </a:fld>
             <a:endParaRPr lang="en-US"/>
           </a:p>
@@ -1842,7 +1842,7 @@
           <a:p>
             <a:fld id="{03ABD037-9D82-4436-AC70-ED75D2FE9417}" type="datetimeFigureOut">
               <a:rPr lang="en-US" smtClean="0"/>
-              <a:t>2/9/2020</a:t>
+              <a:t>2/11/2020</a:t>
             </a:fld>
             <a:endParaRPr lang="en-US"/>
           </a:p>
@@ -2117,7 +2117,7 @@
           <a:p>
             <a:fld id="{03ABD037-9D82-4436-AC70-ED75D2FE9417}" type="datetimeFigureOut">
               <a:rPr lang="en-US" smtClean="0"/>
-              <a:t>2/9/2020</a:t>
+              <a:t>2/11/2020</a:t>
             </a:fld>
             <a:endParaRPr lang="en-US"/>
           </a:p>
@@ -2369,7 +2369,7 @@
           <a:p>
             <a:fld id="{03ABD037-9D82-4436-AC70-ED75D2FE9417}" type="datetimeFigureOut">
               <a:rPr lang="en-US" smtClean="0"/>
-              <a:t>2/9/2020</a:t>
+              <a:t>2/11/2020</a:t>
             </a:fld>
             <a:endParaRPr lang="en-US"/>
           </a:p>
@@ -2580,7 +2580,7 @@
           <a:p>
             <a:fld id="{03ABD037-9D82-4436-AC70-ED75D2FE9417}" type="datetimeFigureOut">
               <a:rPr lang="en-US" smtClean="0"/>
-              <a:t>2/9/2020</a:t>
+              <a:t>2/11/2020</a:t>
             </a:fld>
             <a:endParaRPr lang="en-US"/>
           </a:p>
@@ -9650,18 +9650,18 @@
         </p:nvSpPr>
         <p:spPr>
           <a:xfrm>
-            <a:off x="1083675" y="270309"/>
+            <a:off x="2272396" y="1709997"/>
             <a:ext cx="1554480" cy="274320"/>
           </a:xfrm>
           <a:prstGeom prst="roundRect">
             <a:avLst/>
           </a:prstGeom>
           <a:solidFill>
-            <a:srgbClr val="E4ECF8"/>
+            <a:srgbClr val="FFC000"/>
           </a:solidFill>
           <a:ln w="38100">
             <a:solidFill>
-              <a:schemeClr val="accent1">
+              <a:schemeClr val="accent4">
                 <a:lumMod val="75000"/>
               </a:schemeClr>
             </a:solidFill>
@@ -9694,17 +9694,9 @@
                   <a:schemeClr val="tx1"/>
                 </a:solidFill>
               </a:rPr>
-              <a:t>sh:</a:t>
-            </a:r>
-            <a:r>
-              <a:rPr lang="en-US" sz="1200" b="1" dirty="0" err="1">
-                <a:solidFill>
-                  <a:schemeClr val="tx1"/>
-                </a:solidFill>
-              </a:rPr>
-              <a:t>ValidationResult</a:t>
-            </a:r>
-            <a:endParaRPr lang="en-US" sz="1200" b="1" dirty="0">
+              <a:t>sh:ValidationResult</a:t>
+            </a:r>
+            <a:endParaRPr lang="en-US" sz="1200" dirty="0">
               <a:solidFill>
                 <a:schemeClr val="tx1"/>
               </a:solidFill>
@@ -9726,7 +9718,7 @@
         </p:nvSpPr>
         <p:spPr>
           <a:xfrm>
-            <a:off x="1884300" y="1075186"/>
+            <a:off x="2269383" y="2423434"/>
             <a:ext cx="2971800" cy="274320"/>
           </a:xfrm>
           <a:prstGeom prst="roundRect">
@@ -9794,18 +9786,20 @@
         </p:nvSpPr>
         <p:spPr>
           <a:xfrm>
-            <a:off x="1884300" y="2301670"/>
+            <a:off x="2269383" y="3649918"/>
             <a:ext cx="1645920" cy="274320"/>
           </a:xfrm>
           <a:prstGeom prst="roundRect">
             <a:avLst/>
           </a:prstGeom>
           <a:solidFill>
-            <a:srgbClr val="EEEEBB"/>
+            <a:srgbClr val="0066FF"/>
           </a:solidFill>
           <a:ln w="38100">
             <a:solidFill>
-              <a:srgbClr val="9E9E27"/>
+              <a:schemeClr val="accent1">
+                <a:lumMod val="75000"/>
+              </a:schemeClr>
             </a:solidFill>
           </a:ln>
         </p:spPr>
@@ -9833,28 +9827,12 @@
             <a:r>
               <a:rPr lang="en-US" sz="1200" dirty="0">
                 <a:solidFill>
-                  <a:schemeClr val="tx1"/>
+                  <a:schemeClr val="bg1">
+                    <a:lumMod val="95000"/>
+                  </a:schemeClr>
                 </a:solidFill>
               </a:rPr>
-              <a:t>cj16050:</a:t>
-            </a:r>
-            <a:r>
-              <a:rPr lang="en-US" sz="1200" b="1" dirty="0">
-                <a:solidFill>
-                  <a:schemeClr val="tx1"/>
-                </a:solidFill>
-              </a:rPr>
-              <a:t>Animal_</a:t>
-            </a:r>
-            <a:r>
-              <a:rPr lang="en-US" sz="1200" b="1" dirty="0">
-                <a:solidFill>
-                  <a:schemeClr val="bg1">
-                    <a:lumMod val="65000"/>
-                  </a:schemeClr>
-                </a:solidFill>
-              </a:rPr>
-              <a:t>xxxx</a:t>
+              <a:t>cj16050:Animal_xxxx</a:t>
             </a:r>
           </a:p>
         </p:txBody>
@@ -9873,7 +9851,7 @@
         </p:nvSpPr>
         <p:spPr>
           <a:xfrm flipH="1">
-            <a:off x="182880" y="1113038"/>
+            <a:off x="567963" y="2461286"/>
             <a:ext cx="1645920" cy="182881"/>
           </a:xfrm>
           <a:prstGeom prst="rect">
@@ -9927,7 +9905,7 @@
         </p:nvSpPr>
         <p:spPr>
           <a:xfrm flipH="1">
-            <a:off x="640080" y="2335167"/>
+            <a:off x="1025163" y="3683415"/>
             <a:ext cx="1188720" cy="182880"/>
           </a:xfrm>
           <a:prstGeom prst="rect">
@@ -9980,14 +9958,14 @@
         </p:nvSpPr>
         <p:spPr>
           <a:xfrm>
-            <a:off x="1884300" y="1903983"/>
+            <a:off x="2269383" y="3252231"/>
             <a:ext cx="2377440" cy="274320"/>
           </a:xfrm>
           <a:prstGeom prst="roundRect">
             <a:avLst/>
           </a:prstGeom>
           <a:solidFill>
-            <a:srgbClr val="E4ECF8"/>
+            <a:srgbClr val="00FF00"/>
           </a:solidFill>
           <a:ln w="38100">
             <a:solidFill>
@@ -10026,11 +10004,6 @@
               </a:rPr>
               <a:t>study:hasMin1Max1Shape-USubjidID</a:t>
             </a:r>
-            <a:endParaRPr lang="en-US" sz="1200" b="1" dirty="0">
-              <a:solidFill>
-                <a:schemeClr val="tx1"/>
-              </a:solidFill>
-            </a:endParaRPr>
           </a:p>
         </p:txBody>
       </p:sp>
@@ -10048,7 +10021,7 @@
         </p:nvSpPr>
         <p:spPr>
           <a:xfrm flipH="1">
-            <a:off x="0" y="713040"/>
+            <a:off x="358957" y="2084642"/>
             <a:ext cx="1828800" cy="203133"/>
           </a:xfrm>
           <a:prstGeom prst="rect">
@@ -10102,7 +10075,7 @@
         </p:nvSpPr>
         <p:spPr>
           <a:xfrm>
-            <a:off x="1884300" y="684364"/>
+            <a:off x="2269383" y="2071801"/>
             <a:ext cx="1097280" cy="274320"/>
           </a:xfrm>
           <a:prstGeom prst="roundRect">
@@ -10178,7 +10151,7 @@
         </p:nvSpPr>
         <p:spPr>
           <a:xfrm flipH="1">
-            <a:off x="548640" y="1474988"/>
+            <a:off x="933723" y="2823236"/>
             <a:ext cx="1280160" cy="203133"/>
           </a:xfrm>
           <a:prstGeom prst="rect">
@@ -10232,7 +10205,7 @@
         </p:nvSpPr>
         <p:spPr>
           <a:xfrm>
-            <a:off x="1884300" y="1463470"/>
+            <a:off x="2269383" y="2811718"/>
             <a:ext cx="1828800" cy="274320"/>
           </a:xfrm>
           <a:prstGeom prst="roundRect">
@@ -10305,7 +10278,7 @@
         </p:nvSpPr>
         <p:spPr>
           <a:xfrm flipH="1">
-            <a:off x="457200" y="1932188"/>
+            <a:off x="842283" y="3280436"/>
             <a:ext cx="1371600" cy="203133"/>
           </a:xfrm>
           <a:prstGeom prst="rect">
@@ -10359,18 +10332,20 @@
         </p:nvSpPr>
         <p:spPr>
           <a:xfrm>
-            <a:off x="3151125" y="3930445"/>
+            <a:off x="4418223" y="4743114"/>
             <a:ext cx="1645920" cy="274320"/>
           </a:xfrm>
           <a:prstGeom prst="roundRect">
             <a:avLst/>
           </a:prstGeom>
           <a:solidFill>
-            <a:srgbClr val="EEEEBB"/>
+            <a:srgbClr val="0066FF"/>
           </a:solidFill>
           <a:ln w="38100">
             <a:solidFill>
-              <a:srgbClr val="9E9E27"/>
+              <a:schemeClr val="accent1">
+                <a:lumMod val="75000"/>
+              </a:schemeClr>
             </a:solidFill>
           </a:ln>
         </p:spPr>
@@ -10398,28 +10373,12 @@
             <a:r>
               <a:rPr lang="en-US" sz="1200" dirty="0">
                 <a:solidFill>
-                  <a:schemeClr val="tx1"/>
+                  <a:schemeClr val="bg1">
+                    <a:lumMod val="95000"/>
+                  </a:schemeClr>
                 </a:solidFill>
               </a:rPr>
-              <a:t>cj16050:</a:t>
-            </a:r>
-            <a:r>
-              <a:rPr lang="en-US" sz="1200" b="1" dirty="0">
-                <a:solidFill>
-                  <a:schemeClr val="tx1"/>
-                </a:solidFill>
-              </a:rPr>
-              <a:t>Animal_</a:t>
-            </a:r>
-            <a:r>
-              <a:rPr lang="en-US" sz="1200" b="1" dirty="0">
-                <a:solidFill>
-                  <a:schemeClr val="bg1">
-                    <a:lumMod val="65000"/>
-                  </a:schemeClr>
-                </a:solidFill>
-              </a:rPr>
-              <a:t>xxxx</a:t>
+              <a:t>cj16050:Animal_xxxx</a:t>
             </a:r>
           </a:p>
         </p:txBody>
@@ -10438,7 +10397,7 @@
         </p:nvSpPr>
         <p:spPr>
           <a:xfrm flipH="1">
-            <a:off x="3505200" y="4313490"/>
+            <a:off x="4772298" y="5126159"/>
             <a:ext cx="91440" cy="182880"/>
           </a:xfrm>
           <a:prstGeom prst="rect">
@@ -10491,7 +10450,7 @@
         </p:nvSpPr>
         <p:spPr>
           <a:xfrm>
-            <a:off x="6503925" y="1949245"/>
+            <a:off x="7771023" y="2761914"/>
             <a:ext cx="1645920" cy="274320"/>
           </a:xfrm>
           <a:prstGeom prst="roundRect">
@@ -10561,7 +10520,7 @@
         </p:nvSpPr>
         <p:spPr>
           <a:xfrm flipH="1">
-            <a:off x="1333500" y="4618290"/>
+            <a:off x="2600598" y="5430959"/>
             <a:ext cx="2286000" cy="182880"/>
           </a:xfrm>
           <a:prstGeom prst="rect">
@@ -10615,14 +10574,14 @@
         </p:nvSpPr>
         <p:spPr>
           <a:xfrm>
-            <a:off x="3827400" y="4673395"/>
+            <a:off x="5094498" y="5486064"/>
             <a:ext cx="1645920" cy="274320"/>
           </a:xfrm>
           <a:prstGeom prst="roundRect">
             <a:avLst/>
           </a:prstGeom>
           <a:solidFill>
-            <a:srgbClr val="EEEEBB"/>
+            <a:srgbClr val="FF0000"/>
           </a:solidFill>
           <a:ln w="38100">
             <a:solidFill>
@@ -10654,25 +10613,21 @@
             <a:r>
               <a:rPr lang="en-US" sz="1200" dirty="0">
                 <a:solidFill>
-                  <a:schemeClr val="tx1"/>
+                  <a:schemeClr val="tx1">
+                    <a:lumMod val="75000"/>
+                    <a:lumOff val="25000"/>
+                  </a:schemeClr>
                 </a:solidFill>
               </a:rPr>
-              <a:t>:USUBJID_</a:t>
-            </a:r>
-            <a:r>
-              <a:rPr lang="en-US" sz="1200" dirty="0">
-                <a:solidFill>
-                  <a:schemeClr val="bg1">
-                    <a:lumMod val="50000"/>
+              <a:t>:USUBJID_xxxx</a:t>
+            </a:r>
+            <a:r>
+              <a:rPr lang="en-US" sz="1200" b="1" dirty="0">
+                <a:solidFill>
+                  <a:schemeClr val="tx1">
+                    <a:lumMod val="75000"/>
+                    <a:lumOff val="25000"/>
                   </a:schemeClr>
-                </a:solidFill>
-              </a:rPr>
-              <a:t>xxxx</a:t>
-            </a:r>
-            <a:r>
-              <a:rPr lang="en-US" sz="1200" b="1" dirty="0">
-                <a:solidFill>
-                  <a:srgbClr val="C00000"/>
                 </a:solidFill>
               </a:rPr>
               <a:t>1</a:t>
@@ -10694,7 +10649,7 @@
         </p:nvSpPr>
         <p:spPr>
           <a:xfrm flipH="1">
-            <a:off x="1362075" y="5351715"/>
+            <a:off x="2629173" y="6164384"/>
             <a:ext cx="2286000" cy="182880"/>
           </a:xfrm>
           <a:prstGeom prst="rect">
@@ -10748,14 +10703,14 @@
         </p:nvSpPr>
         <p:spPr>
           <a:xfrm>
-            <a:off x="3913125" y="5359195"/>
+            <a:off x="5180223" y="6171864"/>
             <a:ext cx="1645920" cy="274320"/>
           </a:xfrm>
           <a:prstGeom prst="roundRect">
             <a:avLst/>
           </a:prstGeom>
           <a:solidFill>
-            <a:srgbClr val="EEEEBB"/>
+            <a:srgbClr val="FF0000"/>
           </a:solidFill>
           <a:ln w="38100">
             <a:solidFill>
@@ -10787,92 +10742,32 @@
             <a:r>
               <a:rPr lang="en-US" sz="1200" dirty="0">
                 <a:solidFill>
-                  <a:schemeClr val="tx1"/>
+                  <a:schemeClr val="tx1">
+                    <a:lumMod val="75000"/>
+                    <a:lumOff val="25000"/>
+                  </a:schemeClr>
                 </a:solidFill>
               </a:rPr>
-              <a:t>:USUBJID_</a:t>
-            </a:r>
-            <a:r>
-              <a:rPr lang="en-US" sz="1200" dirty="0">
-                <a:solidFill>
-                  <a:schemeClr val="bg1">
-                    <a:lumMod val="50000"/>
-                  </a:schemeClr>
-                </a:solidFill>
-              </a:rPr>
-              <a:t>xxxx</a:t>
-            </a:r>
-            <a:r>
-              <a:rPr lang="en-US" sz="1200" b="1" dirty="0">
-                <a:solidFill>
-                  <a:srgbClr val="C00000"/>
-                </a:solidFill>
-              </a:rPr>
-              <a:t>2</a:t>
-            </a:r>
-          </a:p>
-        </p:txBody>
-      </p:sp>
-      <p:cxnSp>
-        <p:nvCxnSpPr>
-          <p:cNvPr id="18" name="Connector: Elbow 17">
-            <a:extLst>
-              <a:ext uri="{FF2B5EF4-FFF2-40B4-BE49-F238E27FC236}">
-                <a16:creationId xmlns:a16="http://schemas.microsoft.com/office/drawing/2014/main" id="{857E3B87-F3EF-4C3E-970F-28E903C064C5}"/>
-              </a:ext>
-            </a:extLst>
-          </p:cNvPr>
-          <p:cNvCxnSpPr>
-            <a:stCxn id="54" idx="3"/>
-            <a:endCxn id="59" idx="0"/>
-          </p:cNvCxnSpPr>
-          <p:nvPr/>
-        </p:nvCxnSpPr>
+              <a:t>:USUBJID_xxxx2</a:t>
+            </a:r>
+          </a:p>
+        </p:txBody>
+      </p:sp>
+      <p:sp>
+        <p:nvSpPr>
+          <p:cNvPr id="66" name="TextBox 65">
+            <a:extLst>
+              <a:ext uri="{FF2B5EF4-FFF2-40B4-BE49-F238E27FC236}">
+                <a16:creationId xmlns:a16="http://schemas.microsoft.com/office/drawing/2014/main" id="{65EDD940-D350-4DE5-AEBA-7B0572A3790B}"/>
+              </a:ext>
+            </a:extLst>
+          </p:cNvPr>
+          <p:cNvSpPr txBox="1"/>
+          <p:nvPr/>
+        </p:nvSpPr>
         <p:spPr>
           <a:xfrm flipH="1">
-            <a:off x="2476500" y="1600630"/>
-            <a:ext cx="1236600" cy="3017660"/>
-          </a:xfrm>
-          <a:prstGeom prst="bentConnector4">
-            <a:avLst>
-              <a:gd name="adj1" fmla="val -63931"/>
-              <a:gd name="adj2" fmla="val 52273"/>
-            </a:avLst>
-          </a:prstGeom>
-          <a:ln>
-            <a:tailEnd type="triangle"/>
-          </a:ln>
-        </p:spPr>
-        <p:style>
-          <a:lnRef idx="1">
-            <a:schemeClr val="accent1"/>
-          </a:lnRef>
-          <a:fillRef idx="0">
-            <a:schemeClr val="accent1"/>
-          </a:fillRef>
-          <a:effectRef idx="0">
-            <a:schemeClr val="accent1"/>
-          </a:effectRef>
-          <a:fontRef idx="minor">
-            <a:schemeClr val="tx1"/>
-          </a:fontRef>
-        </p:style>
-      </p:cxnSp>
-      <p:sp>
-        <p:nvSpPr>
-          <p:cNvPr id="66" name="TextBox 65">
-            <a:extLst>
-              <a:ext uri="{FF2B5EF4-FFF2-40B4-BE49-F238E27FC236}">
-                <a16:creationId xmlns:a16="http://schemas.microsoft.com/office/drawing/2014/main" id="{65EDD940-D350-4DE5-AEBA-7B0572A3790B}"/>
-              </a:ext>
-            </a:extLst>
-          </p:cNvPr>
-          <p:cNvSpPr txBox="1"/>
-          <p:nvPr/>
-        </p:nvSpPr>
-        <p:spPr>
-          <a:xfrm flipH="1">
-            <a:off x="3686175" y="5027813"/>
+            <a:off x="4953273" y="5840482"/>
             <a:ext cx="1371600" cy="203133"/>
           </a:xfrm>
           <a:prstGeom prst="rect">
@@ -10926,7 +10821,7 @@
         </p:nvSpPr>
         <p:spPr>
           <a:xfrm>
-            <a:off x="5151375" y="5009011"/>
+            <a:off x="6418473" y="5821680"/>
             <a:ext cx="1097280" cy="274320"/>
           </a:xfrm>
           <a:prstGeom prst="roundRect">
@@ -10997,7 +10892,7 @@
         </p:nvSpPr>
         <p:spPr>
           <a:xfrm flipH="1">
-            <a:off x="3667125" y="5789813"/>
+            <a:off x="4934223" y="6602482"/>
             <a:ext cx="1371600" cy="203133"/>
           </a:xfrm>
           <a:prstGeom prst="rect">
@@ -11051,7 +10946,7 @@
         </p:nvSpPr>
         <p:spPr>
           <a:xfrm>
-            <a:off x="5132325" y="5771011"/>
+            <a:off x="6399423" y="6583680"/>
             <a:ext cx="1097280" cy="274320"/>
           </a:xfrm>
           <a:prstGeom prst="roundRect">
@@ -11122,14 +11017,14 @@
         </p:nvSpPr>
         <p:spPr>
           <a:xfrm>
-            <a:off x="5341875" y="1561083"/>
+            <a:off x="6608973" y="2373752"/>
             <a:ext cx="2377440" cy="274320"/>
           </a:xfrm>
           <a:prstGeom prst="roundRect">
             <a:avLst/>
           </a:prstGeom>
           <a:solidFill>
-            <a:srgbClr val="E4ECF8"/>
+            <a:srgbClr val="00FF00"/>
           </a:solidFill>
           <a:ln w="38100">
             <a:solidFill>
@@ -11190,7 +11085,7 @@
         </p:nvSpPr>
         <p:spPr>
           <a:xfrm flipH="1">
-            <a:off x="6334125" y="1951290"/>
+            <a:off x="7601223" y="2763959"/>
             <a:ext cx="91440" cy="203133"/>
           </a:xfrm>
           <a:prstGeom prst="rect">
@@ -11243,7 +11138,7 @@
         </p:nvSpPr>
         <p:spPr>
           <a:xfrm flipH="1">
-            <a:off x="4962525" y="2313240"/>
+            <a:off x="6229623" y="3125909"/>
             <a:ext cx="1463040" cy="182880"/>
           </a:xfrm>
           <a:prstGeom prst="rect">
@@ -11297,7 +11192,7 @@
         </p:nvSpPr>
         <p:spPr>
           <a:xfrm>
-            <a:off x="3808350" y="4282870"/>
+            <a:off x="5075448" y="5095539"/>
             <a:ext cx="1645920" cy="274320"/>
           </a:xfrm>
           <a:prstGeom prst="roundRect">
@@ -11367,7 +11262,7 @@
         </p:nvSpPr>
         <p:spPr>
           <a:xfrm>
-            <a:off x="6503925" y="2282620"/>
+            <a:off x="7771023" y="3095289"/>
             <a:ext cx="1645920" cy="274320"/>
           </a:xfrm>
           <a:prstGeom prst="roundRect">
@@ -11437,7 +11332,7 @@
         </p:nvSpPr>
         <p:spPr>
           <a:xfrm>
-            <a:off x="6503925" y="2646811"/>
+            <a:off x="7771023" y="3459480"/>
             <a:ext cx="2971800" cy="274320"/>
           </a:xfrm>
           <a:prstGeom prst="roundRect">
@@ -11505,7 +11400,7 @@
         </p:nvSpPr>
         <p:spPr>
           <a:xfrm flipH="1">
-            <a:off x="4779645" y="2684663"/>
+            <a:off x="6046743" y="3497332"/>
             <a:ext cx="1645920" cy="203133"/>
           </a:xfrm>
           <a:prstGeom prst="rect">
@@ -11559,7 +11454,7 @@
         </p:nvSpPr>
         <p:spPr>
           <a:xfrm flipH="1">
-            <a:off x="5145405" y="3018038"/>
+            <a:off x="6412503" y="3830707"/>
             <a:ext cx="1280160" cy="203133"/>
           </a:xfrm>
           <a:prstGeom prst="rect">
@@ -11613,7 +11508,7 @@
         </p:nvSpPr>
         <p:spPr>
           <a:xfrm flipH="1">
-            <a:off x="6503925" y="3028164"/>
+            <a:off x="7771023" y="3840833"/>
             <a:ext cx="2286000" cy="182880"/>
           </a:xfrm>
           <a:prstGeom prst="rect">
@@ -11667,7 +11562,7 @@
         </p:nvSpPr>
         <p:spPr>
           <a:xfrm flipH="1">
-            <a:off x="5145405" y="3370463"/>
+            <a:off x="6412503" y="4183132"/>
             <a:ext cx="1280160" cy="203133"/>
           </a:xfrm>
           <a:prstGeom prst="rect">
@@ -11721,7 +11616,7 @@
         </p:nvSpPr>
         <p:spPr>
           <a:xfrm flipH="1">
-            <a:off x="5145405" y="3703838"/>
+            <a:off x="6412503" y="4516507"/>
             <a:ext cx="1280160" cy="203133"/>
           </a:xfrm>
           <a:prstGeom prst="rect">
@@ -11775,7 +11670,7 @@
         </p:nvSpPr>
         <p:spPr>
           <a:xfrm>
-            <a:off x="6503925" y="3332611"/>
+            <a:off x="7771023" y="4145280"/>
             <a:ext cx="365760" cy="274320"/>
           </a:xfrm>
           <a:prstGeom prst="roundRect">
@@ -11838,7 +11733,7 @@
         </p:nvSpPr>
         <p:spPr>
           <a:xfrm>
-            <a:off x="6503925" y="3656461"/>
+            <a:off x="7771023" y="4469130"/>
             <a:ext cx="365760" cy="274320"/>
           </a:xfrm>
           <a:prstGeom prst="roundRect">
@@ -11889,52 +11784,6 @@
       </p:sp>
       <p:cxnSp>
         <p:nvCxnSpPr>
-          <p:cNvPr id="89" name="Connector: Elbow 88">
-            <a:extLst>
-              <a:ext uri="{FF2B5EF4-FFF2-40B4-BE49-F238E27FC236}">
-                <a16:creationId xmlns:a16="http://schemas.microsoft.com/office/drawing/2014/main" id="{972C5B8B-C712-4CDE-9BAC-D21B6D83B93F}"/>
-              </a:ext>
-            </a:extLst>
-          </p:cNvPr>
-          <p:cNvCxnSpPr>
-            <a:cxnSpLocks/>
-            <a:stCxn id="54" idx="3"/>
-            <a:endCxn id="62" idx="0"/>
-          </p:cNvCxnSpPr>
-          <p:nvPr/>
-        </p:nvCxnSpPr>
-        <p:spPr>
-          <a:xfrm flipH="1">
-            <a:off x="2505075" y="1600630"/>
-            <a:ext cx="1208025" cy="3751085"/>
-          </a:xfrm>
-          <a:prstGeom prst="bentConnector4">
-            <a:avLst>
-              <a:gd name="adj1" fmla="val -18923"/>
-              <a:gd name="adj2" fmla="val 51828"/>
-            </a:avLst>
-          </a:prstGeom>
-          <a:ln>
-            <a:tailEnd type="triangle"/>
-          </a:ln>
-        </p:spPr>
-        <p:style>
-          <a:lnRef idx="1">
-            <a:schemeClr val="accent1"/>
-          </a:lnRef>
-          <a:fillRef idx="0">
-            <a:schemeClr val="accent1"/>
-          </a:fillRef>
-          <a:effectRef idx="0">
-            <a:schemeClr val="accent1"/>
-          </a:effectRef>
-          <a:fontRef idx="minor">
-            <a:schemeClr val="tx1"/>
-          </a:fontRef>
-        </p:style>
-      </p:cxnSp>
-      <p:cxnSp>
-        <p:nvCxnSpPr>
           <p:cNvPr id="65" name="Connector: Elbow 64">
             <a:extLst>
               <a:ext uri="{FF2B5EF4-FFF2-40B4-BE49-F238E27FC236}">
@@ -11950,8 +11799,8 @@
         </p:nvCxnSpPr>
         <p:spPr>
           <a:xfrm rot="16200000" flipH="1">
-            <a:off x="2663445" y="2619804"/>
-            <a:ext cx="1354455" cy="1266825"/>
+            <a:off x="3757325" y="3259256"/>
+            <a:ext cx="818876" cy="2148840"/>
           </a:xfrm>
           <a:prstGeom prst="bentConnector3">
             <a:avLst/>
@@ -11989,14 +11838,12 @@
           </p:cNvPr>
           <p:cNvCxnSpPr>
             <a:cxnSpLocks/>
-            <a:stCxn id="78" idx="3"/>
-            <a:endCxn id="77" idx="3"/>
           </p:cNvCxnSpPr>
           <p:nvPr/>
         </p:nvCxnSpPr>
         <p:spPr>
           <a:xfrm flipH="1">
-            <a:off x="5454270" y="2419780"/>
+            <a:off x="6760557" y="3206323"/>
             <a:ext cx="2695575" cy="2000250"/>
           </a:xfrm>
           <a:prstGeom prst="bentConnector3">
@@ -12044,7 +11891,7 @@
         </p:nvCxnSpPr>
         <p:spPr>
           <a:xfrm flipH="1">
-            <a:off x="3619500" y="3119604"/>
+            <a:off x="4886598" y="3932273"/>
             <a:ext cx="5170425" cy="1590126"/>
           </a:xfrm>
           <a:prstGeom prst="bentConnector3">
@@ -12089,7 +11936,7 @@
         </p:nvCxnSpPr>
         <p:spPr>
           <a:xfrm flipH="1">
-            <a:off x="3648075" y="3119604"/>
+            <a:off x="4915173" y="3932273"/>
             <a:ext cx="5141850" cy="2323551"/>
           </a:xfrm>
           <a:prstGeom prst="bentConnector3">
@@ -12116,6 +11963,1839 @@
           </a:fontRef>
         </p:style>
       </p:cxnSp>
+      <p:sp>
+        <p:nvSpPr>
+          <p:cNvPr id="44" name="Rectangle: Rounded Corners 43">
+            <a:extLst>
+              <a:ext uri="{FF2B5EF4-FFF2-40B4-BE49-F238E27FC236}">
+                <a16:creationId xmlns:a16="http://schemas.microsoft.com/office/drawing/2014/main" id="{84F23B4B-8E3F-4F80-9D56-EB58015BD1B8}"/>
+              </a:ext>
+            </a:extLst>
+          </p:cNvPr>
+          <p:cNvSpPr/>
+          <p:nvPr/>
+        </p:nvSpPr>
+        <p:spPr>
+          <a:xfrm>
+            <a:off x="726625" y="556110"/>
+            <a:ext cx="1554480" cy="274320"/>
+          </a:xfrm>
+          <a:prstGeom prst="roundRect">
+            <a:avLst/>
+          </a:prstGeom>
+          <a:solidFill>
+            <a:srgbClr val="FFFFCC"/>
+          </a:solidFill>
+          <a:ln w="38100">
+            <a:solidFill>
+              <a:schemeClr val="accent1">
+                <a:lumMod val="75000"/>
+              </a:schemeClr>
+            </a:solidFill>
+          </a:ln>
+        </p:spPr>
+        <p:style>
+          <a:lnRef idx="2">
+            <a:schemeClr val="accent1">
+              <a:shade val="50000"/>
+            </a:schemeClr>
+          </a:lnRef>
+          <a:fillRef idx="1">
+            <a:schemeClr val="accent1"/>
+          </a:fillRef>
+          <a:effectRef idx="0">
+            <a:schemeClr val="accent1"/>
+          </a:effectRef>
+          <a:fontRef idx="minor">
+            <a:schemeClr val="lt1"/>
+          </a:fontRef>
+        </p:style>
+        <p:txBody>
+          <a:bodyPr lIns="9144" tIns="9144" rIns="9144" bIns="9144" rtlCol="0" anchor="ctr"/>
+          <a:lstStyle/>
+          <a:p>
+            <a:pPr algn="ctr"/>
+            <a:r>
+              <a:rPr lang="en-US" sz="1200" dirty="0">
+                <a:solidFill>
+                  <a:schemeClr val="tx1"/>
+                </a:solidFill>
+              </a:rPr>
+              <a:t>__</a:t>
+            </a:r>
+            <a:r>
+              <a:rPr lang="en-US" sz="1200" b="1" i="1" dirty="0">
+                <a:solidFill>
+                  <a:schemeClr val="bg1">
+                    <a:lumMod val="50000"/>
+                  </a:schemeClr>
+                </a:solidFill>
+              </a:rPr>
+              <a:t>Report</a:t>
+            </a:r>
+          </a:p>
+        </p:txBody>
+      </p:sp>
+      <p:sp>
+        <p:nvSpPr>
+          <p:cNvPr id="47" name="Rectangle: Rounded Corners 46">
+            <a:extLst>
+              <a:ext uri="{FF2B5EF4-FFF2-40B4-BE49-F238E27FC236}">
+                <a16:creationId xmlns:a16="http://schemas.microsoft.com/office/drawing/2014/main" id="{96F686D4-DA6D-4D10-9EE7-4F48EF632943}"/>
+              </a:ext>
+            </a:extLst>
+          </p:cNvPr>
+          <p:cNvSpPr/>
+          <p:nvPr/>
+        </p:nvSpPr>
+        <p:spPr>
+          <a:xfrm>
+            <a:off x="1666314" y="902635"/>
+            <a:ext cx="1645920" cy="274320"/>
+          </a:xfrm>
+          <a:prstGeom prst="roundRect">
+            <a:avLst/>
+          </a:prstGeom>
+          <a:solidFill>
+            <a:srgbClr val="FFC000"/>
+          </a:solidFill>
+          <a:ln w="38100">
+            <a:solidFill>
+              <a:schemeClr val="accent4">
+                <a:lumMod val="75000"/>
+              </a:schemeClr>
+            </a:solidFill>
+          </a:ln>
+        </p:spPr>
+        <p:style>
+          <a:lnRef idx="2">
+            <a:schemeClr val="accent1">
+              <a:shade val="50000"/>
+            </a:schemeClr>
+          </a:lnRef>
+          <a:fillRef idx="1">
+            <a:schemeClr val="accent1"/>
+          </a:fillRef>
+          <a:effectRef idx="0">
+            <a:schemeClr val="accent1"/>
+          </a:effectRef>
+          <a:fontRef idx="minor">
+            <a:schemeClr val="lt1"/>
+          </a:fontRef>
+        </p:style>
+        <p:txBody>
+          <a:bodyPr lIns="9144" tIns="9144" rIns="9144" bIns="9144" rtlCol="0" anchor="ctr"/>
+          <a:lstStyle/>
+          <a:p>
+            <a:pPr algn="ctr"/>
+            <a:r>
+              <a:rPr lang="en-US" sz="1200" dirty="0" err="1">
+                <a:solidFill>
+                  <a:schemeClr val="tx1"/>
+                </a:solidFill>
+              </a:rPr>
+              <a:t>sh:ValidationReport</a:t>
+            </a:r>
+            <a:endParaRPr lang="en-US" sz="1200" dirty="0">
+              <a:solidFill>
+                <a:schemeClr val="bg1">
+                  <a:lumMod val="65000"/>
+                </a:schemeClr>
+              </a:solidFill>
+            </a:endParaRPr>
+          </a:p>
+        </p:txBody>
+      </p:sp>
+      <p:sp>
+        <p:nvSpPr>
+          <p:cNvPr id="61" name="TextBox 60">
+            <a:extLst>
+              <a:ext uri="{FF2B5EF4-FFF2-40B4-BE49-F238E27FC236}">
+                <a16:creationId xmlns:a16="http://schemas.microsoft.com/office/drawing/2014/main" id="{D7B64DA7-B3B4-4364-BED7-AE3A55B7CE66}"/>
+              </a:ext>
+            </a:extLst>
+          </p:cNvPr>
+          <p:cNvSpPr txBox="1"/>
+          <p:nvPr/>
+        </p:nvSpPr>
+        <p:spPr>
+          <a:xfrm flipH="1">
+            <a:off x="1471749" y="915565"/>
+            <a:ext cx="91440" cy="182880"/>
+          </a:xfrm>
+          <a:prstGeom prst="rect">
+            <a:avLst/>
+          </a:prstGeom>
+          <a:solidFill>
+            <a:schemeClr val="bg1"/>
+          </a:solidFill>
+        </p:spPr>
+        <p:txBody>
+          <a:bodyPr wrap="square" lIns="9144" tIns="9144" rIns="9144" bIns="9144" rtlCol="0">
+            <a:spAutoFit/>
+          </a:bodyPr>
+          <a:lstStyle>
+            <a:defPPr>
+              <a:defRPr lang="en-US"/>
+            </a:defPPr>
+            <a:lvl1pPr>
+              <a:defRPr b="1">
+                <a:solidFill>
+                  <a:schemeClr val="accent2">
+                    <a:lumMod val="75000"/>
+                  </a:schemeClr>
+                </a:solidFill>
+                <a:latin typeface="Courier New" panose="02070309020205020404" pitchFamily="49" charset="0"/>
+                <a:cs typeface="Courier New" panose="02070309020205020404" pitchFamily="49" charset="0"/>
+              </a:defRPr>
+            </a:lvl1pPr>
+          </a:lstStyle>
+          <a:p>
+            <a:pPr algn="r"/>
+            <a:r>
+              <a:rPr lang="en-US" sz="1200" dirty="0"/>
+              <a:t>a</a:t>
+            </a:r>
+          </a:p>
+        </p:txBody>
+      </p:sp>
+      <p:sp>
+        <p:nvSpPr>
+          <p:cNvPr id="64" name="TextBox 63">
+            <a:extLst>
+              <a:ext uri="{FF2B5EF4-FFF2-40B4-BE49-F238E27FC236}">
+                <a16:creationId xmlns:a16="http://schemas.microsoft.com/office/drawing/2014/main" id="{1CED25E7-D968-4F1A-B15C-5754F56C2EEC}"/>
+              </a:ext>
+            </a:extLst>
+          </p:cNvPr>
+          <p:cNvSpPr txBox="1"/>
+          <p:nvPr/>
+        </p:nvSpPr>
+        <p:spPr>
+          <a:xfrm flipH="1">
+            <a:off x="1998618" y="1751589"/>
+            <a:ext cx="91440" cy="182880"/>
+          </a:xfrm>
+          <a:prstGeom prst="rect">
+            <a:avLst/>
+          </a:prstGeom>
+          <a:solidFill>
+            <a:schemeClr val="bg1"/>
+          </a:solidFill>
+        </p:spPr>
+        <p:txBody>
+          <a:bodyPr wrap="square" lIns="9144" tIns="9144" rIns="9144" bIns="9144" rtlCol="0">
+            <a:spAutoFit/>
+          </a:bodyPr>
+          <a:lstStyle>
+            <a:defPPr>
+              <a:defRPr lang="en-US"/>
+            </a:defPPr>
+            <a:lvl1pPr>
+              <a:defRPr b="1">
+                <a:solidFill>
+                  <a:schemeClr val="accent2">
+                    <a:lumMod val="75000"/>
+                  </a:schemeClr>
+                </a:solidFill>
+                <a:latin typeface="Courier New" panose="02070309020205020404" pitchFamily="49" charset="0"/>
+                <a:cs typeface="Courier New" panose="02070309020205020404" pitchFamily="49" charset="0"/>
+              </a:defRPr>
+            </a:lvl1pPr>
+          </a:lstStyle>
+          <a:p>
+            <a:pPr algn="r"/>
+            <a:r>
+              <a:rPr lang="en-US" sz="1200" dirty="0"/>
+              <a:t>a</a:t>
+            </a:r>
+          </a:p>
+        </p:txBody>
+      </p:sp>
+      <p:sp>
+        <p:nvSpPr>
+          <p:cNvPr id="70" name="Rectangle: Rounded Corners 69">
+            <a:extLst>
+              <a:ext uri="{FF2B5EF4-FFF2-40B4-BE49-F238E27FC236}">
+                <a16:creationId xmlns:a16="http://schemas.microsoft.com/office/drawing/2014/main" id="{8E086F7B-480A-490C-8356-E7F1ECA17DA9}"/>
+              </a:ext>
+            </a:extLst>
+          </p:cNvPr>
+          <p:cNvSpPr/>
+          <p:nvPr/>
+        </p:nvSpPr>
+        <p:spPr>
+          <a:xfrm>
+            <a:off x="1688922" y="1283275"/>
+            <a:ext cx="1554480" cy="274320"/>
+          </a:xfrm>
+          <a:prstGeom prst="roundRect">
+            <a:avLst/>
+          </a:prstGeom>
+          <a:solidFill>
+            <a:srgbClr val="FFFFCC"/>
+          </a:solidFill>
+          <a:ln w="38100">
+            <a:solidFill>
+              <a:schemeClr val="accent1">
+                <a:lumMod val="75000"/>
+              </a:schemeClr>
+            </a:solidFill>
+          </a:ln>
+        </p:spPr>
+        <p:style>
+          <a:lnRef idx="2">
+            <a:schemeClr val="accent1">
+              <a:shade val="50000"/>
+            </a:schemeClr>
+          </a:lnRef>
+          <a:fillRef idx="1">
+            <a:schemeClr val="accent1"/>
+          </a:fillRef>
+          <a:effectRef idx="0">
+            <a:schemeClr val="accent1"/>
+          </a:effectRef>
+          <a:fontRef idx="minor">
+            <a:schemeClr val="lt1"/>
+          </a:fontRef>
+        </p:style>
+        <p:txBody>
+          <a:bodyPr lIns="9144" tIns="9144" rIns="9144" bIns="9144" rtlCol="0" anchor="ctr"/>
+          <a:lstStyle/>
+          <a:p>
+            <a:pPr algn="ctr"/>
+            <a:r>
+              <a:rPr lang="en-US" sz="1200" dirty="0">
+                <a:solidFill>
+                  <a:schemeClr val="tx1"/>
+                </a:solidFill>
+              </a:rPr>
+              <a:t>__Result</a:t>
+            </a:r>
+          </a:p>
+        </p:txBody>
+      </p:sp>
+      <p:sp>
+        <p:nvSpPr>
+          <p:cNvPr id="72" name="TextBox 71">
+            <a:extLst>
+              <a:ext uri="{FF2B5EF4-FFF2-40B4-BE49-F238E27FC236}">
+                <a16:creationId xmlns:a16="http://schemas.microsoft.com/office/drawing/2014/main" id="{130562D0-24B8-4873-AA96-B9E803235B88}"/>
+              </a:ext>
+            </a:extLst>
+          </p:cNvPr>
+          <p:cNvSpPr txBox="1"/>
+          <p:nvPr/>
+        </p:nvSpPr>
+        <p:spPr>
+          <a:xfrm flipH="1">
+            <a:off x="283029" y="1290526"/>
+            <a:ext cx="1280160" cy="203133"/>
+          </a:xfrm>
+          <a:prstGeom prst="rect">
+            <a:avLst/>
+          </a:prstGeom>
+          <a:solidFill>
+            <a:schemeClr val="bg1"/>
+          </a:solidFill>
+        </p:spPr>
+        <p:txBody>
+          <a:bodyPr wrap="square" lIns="9144" tIns="9144" rIns="9144" bIns="9144" rtlCol="0">
+            <a:spAutoFit/>
+          </a:bodyPr>
+          <a:lstStyle>
+            <a:defPPr>
+              <a:defRPr lang="en-US"/>
+            </a:defPPr>
+            <a:lvl1pPr>
+              <a:defRPr b="1">
+                <a:solidFill>
+                  <a:schemeClr val="accent2">
+                    <a:lumMod val="75000"/>
+                  </a:schemeClr>
+                </a:solidFill>
+                <a:latin typeface="Courier New" panose="02070309020205020404" pitchFamily="49" charset="0"/>
+                <a:cs typeface="Courier New" panose="02070309020205020404" pitchFamily="49" charset="0"/>
+              </a:defRPr>
+            </a:lvl1pPr>
+          </a:lstStyle>
+          <a:p>
+            <a:pPr algn="r"/>
+            <a:r>
+              <a:rPr lang="en-US" sz="1200" dirty="0" err="1"/>
+              <a:t>sh:result</a:t>
+            </a:r>
+            <a:endParaRPr lang="en-US" sz="1200" dirty="0"/>
+          </a:p>
+        </p:txBody>
+      </p:sp>
+      <p:sp>
+        <p:nvSpPr>
+          <p:cNvPr id="12" name="TextBox 11">
+            <a:extLst>
+              <a:ext uri="{FF2B5EF4-FFF2-40B4-BE49-F238E27FC236}">
+                <a16:creationId xmlns:a16="http://schemas.microsoft.com/office/drawing/2014/main" id="{BB30649A-3369-4614-9B4A-49B4763C56E4}"/>
+              </a:ext>
+            </a:extLst>
+          </p:cNvPr>
+          <p:cNvSpPr txBox="1"/>
+          <p:nvPr/>
+        </p:nvSpPr>
+        <p:spPr>
+          <a:xfrm>
+            <a:off x="2390502" y="365760"/>
+            <a:ext cx="418704" cy="369332"/>
+          </a:xfrm>
+          <a:prstGeom prst="rect">
+            <a:avLst/>
+          </a:prstGeom>
+          <a:noFill/>
+        </p:spPr>
+        <p:txBody>
+          <a:bodyPr wrap="none" rtlCol="0">
+            <a:spAutoFit/>
+          </a:bodyPr>
+          <a:lstStyle/>
+          <a:p>
+            <a:r>
+              <a:rPr lang="en-US" dirty="0"/>
+              <a:t>21</a:t>
+            </a:r>
+          </a:p>
+        </p:txBody>
+      </p:sp>
+      <p:sp>
+        <p:nvSpPr>
+          <p:cNvPr id="73" name="TextBox 72">
+            <a:extLst>
+              <a:ext uri="{FF2B5EF4-FFF2-40B4-BE49-F238E27FC236}">
+                <a16:creationId xmlns:a16="http://schemas.microsoft.com/office/drawing/2014/main" id="{629FC5F6-D311-44D0-AA7A-200232041060}"/>
+              </a:ext>
+            </a:extLst>
+          </p:cNvPr>
+          <p:cNvSpPr txBox="1"/>
+          <p:nvPr/>
+        </p:nvSpPr>
+        <p:spPr>
+          <a:xfrm>
+            <a:off x="3496491" y="687977"/>
+            <a:ext cx="418704" cy="369332"/>
+          </a:xfrm>
+          <a:prstGeom prst="rect">
+            <a:avLst/>
+          </a:prstGeom>
+          <a:noFill/>
+        </p:spPr>
+        <p:txBody>
+          <a:bodyPr wrap="none" rtlCol="0">
+            <a:spAutoFit/>
+          </a:bodyPr>
+          <a:lstStyle/>
+          <a:p>
+            <a:r>
+              <a:rPr lang="en-US" dirty="0"/>
+              <a:t>23</a:t>
+            </a:r>
+          </a:p>
+        </p:txBody>
+      </p:sp>
+      <p:sp>
+        <p:nvSpPr>
+          <p:cNvPr id="76" name="TextBox 75">
+            <a:extLst>
+              <a:ext uri="{FF2B5EF4-FFF2-40B4-BE49-F238E27FC236}">
+                <a16:creationId xmlns:a16="http://schemas.microsoft.com/office/drawing/2014/main" id="{0D3E0F59-F06D-4130-A5DB-626E4B18B72B}"/>
+              </a:ext>
+            </a:extLst>
+          </p:cNvPr>
+          <p:cNvSpPr txBox="1"/>
+          <p:nvPr/>
+        </p:nvSpPr>
+        <p:spPr>
+          <a:xfrm>
+            <a:off x="3361508" y="1193074"/>
+            <a:ext cx="418704" cy="369332"/>
+          </a:xfrm>
+          <a:prstGeom prst="rect">
+            <a:avLst/>
+          </a:prstGeom>
+          <a:noFill/>
+        </p:spPr>
+        <p:txBody>
+          <a:bodyPr wrap="none" rtlCol="0">
+            <a:spAutoFit/>
+          </a:bodyPr>
+          <a:lstStyle/>
+          <a:p>
+            <a:r>
+              <a:rPr lang="en-US" dirty="0"/>
+              <a:t>25</a:t>
+            </a:r>
+          </a:p>
+        </p:txBody>
+      </p:sp>
+      <p:sp>
+        <p:nvSpPr>
+          <p:cNvPr id="81" name="TextBox 80">
+            <a:extLst>
+              <a:ext uri="{FF2B5EF4-FFF2-40B4-BE49-F238E27FC236}">
+                <a16:creationId xmlns:a16="http://schemas.microsoft.com/office/drawing/2014/main" id="{FF6C1773-85CC-4CD1-AA93-F8C4FDC84A06}"/>
+              </a:ext>
+            </a:extLst>
+          </p:cNvPr>
+          <p:cNvSpPr txBox="1"/>
+          <p:nvPr/>
+        </p:nvSpPr>
+        <p:spPr>
+          <a:xfrm>
+            <a:off x="3866605" y="1632857"/>
+            <a:ext cx="418704" cy="369332"/>
+          </a:xfrm>
+          <a:prstGeom prst="rect">
+            <a:avLst/>
+          </a:prstGeom>
+          <a:noFill/>
+        </p:spPr>
+        <p:txBody>
+          <a:bodyPr wrap="none" rtlCol="0">
+            <a:spAutoFit/>
+          </a:bodyPr>
+          <a:lstStyle/>
+          <a:p>
+            <a:r>
+              <a:rPr lang="en-US" dirty="0"/>
+              <a:t>27</a:t>
+            </a:r>
+          </a:p>
+        </p:txBody>
+      </p:sp>
+      <p:sp>
+        <p:nvSpPr>
+          <p:cNvPr id="82" name="TextBox 81">
+            <a:extLst>
+              <a:ext uri="{FF2B5EF4-FFF2-40B4-BE49-F238E27FC236}">
+                <a16:creationId xmlns:a16="http://schemas.microsoft.com/office/drawing/2014/main" id="{68FCC3A1-F2C5-47DA-9C6D-0235F0992DBE}"/>
+              </a:ext>
+            </a:extLst>
+          </p:cNvPr>
+          <p:cNvSpPr txBox="1"/>
+          <p:nvPr/>
+        </p:nvSpPr>
+        <p:spPr>
+          <a:xfrm>
+            <a:off x="243839" y="2373086"/>
+            <a:ext cx="418704" cy="369332"/>
+          </a:xfrm>
+          <a:prstGeom prst="rect">
+            <a:avLst/>
+          </a:prstGeom>
+          <a:noFill/>
+        </p:spPr>
+        <p:txBody>
+          <a:bodyPr wrap="none" rtlCol="0">
+            <a:spAutoFit/>
+          </a:bodyPr>
+          <a:lstStyle/>
+          <a:p>
+            <a:r>
+              <a:rPr lang="en-US" dirty="0"/>
+              <a:t>30</a:t>
+            </a:r>
+          </a:p>
+        </p:txBody>
+      </p:sp>
+      <p:sp>
+        <p:nvSpPr>
+          <p:cNvPr id="90" name="TextBox 89">
+            <a:extLst>
+              <a:ext uri="{FF2B5EF4-FFF2-40B4-BE49-F238E27FC236}">
+                <a16:creationId xmlns:a16="http://schemas.microsoft.com/office/drawing/2014/main" id="{106FEB57-2477-4B14-AEAE-F5EC2605F1C9}"/>
+              </a:ext>
+            </a:extLst>
+          </p:cNvPr>
+          <p:cNvSpPr txBox="1"/>
+          <p:nvPr/>
+        </p:nvSpPr>
+        <p:spPr>
+          <a:xfrm>
+            <a:off x="5312228" y="2399211"/>
+            <a:ext cx="418704" cy="369332"/>
+          </a:xfrm>
+          <a:prstGeom prst="rect">
+            <a:avLst/>
+          </a:prstGeom>
+          <a:noFill/>
+        </p:spPr>
+        <p:txBody>
+          <a:bodyPr wrap="none" rtlCol="0">
+            <a:spAutoFit/>
+          </a:bodyPr>
+          <a:lstStyle/>
+          <a:p>
+            <a:r>
+              <a:rPr lang="en-US" dirty="0">
+                <a:solidFill>
+                  <a:srgbClr val="FF0000"/>
+                </a:solidFill>
+              </a:rPr>
+              <a:t>15</a:t>
+            </a:r>
+          </a:p>
+        </p:txBody>
+      </p:sp>
+      <p:sp>
+        <p:nvSpPr>
+          <p:cNvPr id="91" name="TextBox 90">
+            <a:extLst>
+              <a:ext uri="{FF2B5EF4-FFF2-40B4-BE49-F238E27FC236}">
+                <a16:creationId xmlns:a16="http://schemas.microsoft.com/office/drawing/2014/main" id="{874697E4-4EE8-41F5-9832-558F1608FD2C}"/>
+              </a:ext>
+            </a:extLst>
+          </p:cNvPr>
+          <p:cNvSpPr txBox="1"/>
+          <p:nvPr/>
+        </p:nvSpPr>
+        <p:spPr>
+          <a:xfrm>
+            <a:off x="4145279" y="2747554"/>
+            <a:ext cx="301686" cy="369332"/>
+          </a:xfrm>
+          <a:prstGeom prst="rect">
+            <a:avLst/>
+          </a:prstGeom>
+          <a:noFill/>
+        </p:spPr>
+        <p:txBody>
+          <a:bodyPr wrap="none" rtlCol="0">
+            <a:spAutoFit/>
+          </a:bodyPr>
+          <a:lstStyle/>
+          <a:p>
+            <a:r>
+              <a:rPr lang="en-US" dirty="0">
+                <a:solidFill>
+                  <a:srgbClr val="FF0000"/>
+                </a:solidFill>
+              </a:rPr>
+              <a:t>4</a:t>
+            </a:r>
+          </a:p>
+        </p:txBody>
+      </p:sp>
+      <p:sp>
+        <p:nvSpPr>
+          <p:cNvPr id="89" name="TextBox 88">
+            <a:extLst>
+              <a:ext uri="{FF2B5EF4-FFF2-40B4-BE49-F238E27FC236}">
+                <a16:creationId xmlns:a16="http://schemas.microsoft.com/office/drawing/2014/main" id="{B7C3A660-F3EB-41FF-AA50-C7B43E1FD6DD}"/>
+              </a:ext>
+            </a:extLst>
+          </p:cNvPr>
+          <p:cNvSpPr txBox="1"/>
+          <p:nvPr/>
+        </p:nvSpPr>
+        <p:spPr>
+          <a:xfrm>
+            <a:off x="409302" y="2773680"/>
+            <a:ext cx="418704" cy="369332"/>
+          </a:xfrm>
+          <a:prstGeom prst="rect">
+            <a:avLst/>
+          </a:prstGeom>
+          <a:noFill/>
+        </p:spPr>
+        <p:txBody>
+          <a:bodyPr wrap="none" rtlCol="0">
+            <a:spAutoFit/>
+          </a:bodyPr>
+          <a:lstStyle/>
+          <a:p>
+            <a:r>
+              <a:rPr lang="en-US" dirty="0"/>
+              <a:t>31</a:t>
+            </a:r>
+          </a:p>
+        </p:txBody>
+      </p:sp>
+      <p:sp>
+        <p:nvSpPr>
+          <p:cNvPr id="92" name="TextBox 91">
+            <a:extLst>
+              <a:ext uri="{FF2B5EF4-FFF2-40B4-BE49-F238E27FC236}">
+                <a16:creationId xmlns:a16="http://schemas.microsoft.com/office/drawing/2014/main" id="{DD3E27CB-454E-452B-AD8A-8118547BC60C}"/>
+              </a:ext>
+            </a:extLst>
+          </p:cNvPr>
+          <p:cNvSpPr txBox="1"/>
+          <p:nvPr/>
+        </p:nvSpPr>
+        <p:spPr>
+          <a:xfrm>
+            <a:off x="404947" y="3252651"/>
+            <a:ext cx="418704" cy="369332"/>
+          </a:xfrm>
+          <a:prstGeom prst="rect">
+            <a:avLst/>
+          </a:prstGeom>
+          <a:noFill/>
+        </p:spPr>
+        <p:txBody>
+          <a:bodyPr wrap="none" rtlCol="0">
+            <a:spAutoFit/>
+          </a:bodyPr>
+          <a:lstStyle/>
+          <a:p>
+            <a:r>
+              <a:rPr lang="en-US" dirty="0"/>
+              <a:t>32</a:t>
+            </a:r>
+          </a:p>
+        </p:txBody>
+      </p:sp>
+      <p:sp>
+        <p:nvSpPr>
+          <p:cNvPr id="93" name="TextBox 92">
+            <a:extLst>
+              <a:ext uri="{FF2B5EF4-FFF2-40B4-BE49-F238E27FC236}">
+                <a16:creationId xmlns:a16="http://schemas.microsoft.com/office/drawing/2014/main" id="{B8CDE15C-1E68-4C35-93E7-ED1300F664D2}"/>
+              </a:ext>
+            </a:extLst>
+          </p:cNvPr>
+          <p:cNvSpPr txBox="1"/>
+          <p:nvPr/>
+        </p:nvSpPr>
+        <p:spPr>
+          <a:xfrm>
+            <a:off x="465907" y="3614057"/>
+            <a:ext cx="418704" cy="369332"/>
+          </a:xfrm>
+          <a:prstGeom prst="rect">
+            <a:avLst/>
+          </a:prstGeom>
+          <a:noFill/>
+        </p:spPr>
+        <p:txBody>
+          <a:bodyPr wrap="none" rtlCol="0">
+            <a:spAutoFit/>
+          </a:bodyPr>
+          <a:lstStyle/>
+          <a:p>
+            <a:r>
+              <a:rPr lang="en-US" dirty="0"/>
+              <a:t>33</a:t>
+            </a:r>
+          </a:p>
+        </p:txBody>
+      </p:sp>
+      <p:sp>
+        <p:nvSpPr>
+          <p:cNvPr id="94" name="TextBox 93">
+            <a:extLst>
+              <a:ext uri="{FF2B5EF4-FFF2-40B4-BE49-F238E27FC236}">
+                <a16:creationId xmlns:a16="http://schemas.microsoft.com/office/drawing/2014/main" id="{36C360CA-327F-4ECB-BE6F-E6FCAC57685F}"/>
+              </a:ext>
+            </a:extLst>
+          </p:cNvPr>
+          <p:cNvSpPr txBox="1"/>
+          <p:nvPr/>
+        </p:nvSpPr>
+        <p:spPr>
+          <a:xfrm>
+            <a:off x="9043851" y="2264228"/>
+            <a:ext cx="418704" cy="369332"/>
+          </a:xfrm>
+          <a:prstGeom prst="rect">
+            <a:avLst/>
+          </a:prstGeom>
+          <a:noFill/>
+        </p:spPr>
+        <p:txBody>
+          <a:bodyPr wrap="none" rtlCol="0">
+            <a:spAutoFit/>
+          </a:bodyPr>
+          <a:lstStyle/>
+          <a:p>
+            <a:r>
+              <a:rPr lang="en-US" dirty="0"/>
+              <a:t>10</a:t>
+            </a:r>
+          </a:p>
+        </p:txBody>
+      </p:sp>
+      <p:sp>
+        <p:nvSpPr>
+          <p:cNvPr id="96" name="TextBox 95">
+            <a:extLst>
+              <a:ext uri="{FF2B5EF4-FFF2-40B4-BE49-F238E27FC236}">
+                <a16:creationId xmlns:a16="http://schemas.microsoft.com/office/drawing/2014/main" id="{E221DDBA-B5B7-4F39-B0D4-5D0D9AE1A4EE}"/>
+              </a:ext>
+            </a:extLst>
+          </p:cNvPr>
+          <p:cNvSpPr txBox="1"/>
+          <p:nvPr/>
+        </p:nvSpPr>
+        <p:spPr>
+          <a:xfrm>
+            <a:off x="6091644" y="4680857"/>
+            <a:ext cx="301686" cy="369332"/>
+          </a:xfrm>
+          <a:prstGeom prst="rect">
+            <a:avLst/>
+          </a:prstGeom>
+          <a:noFill/>
+        </p:spPr>
+        <p:txBody>
+          <a:bodyPr wrap="none" rtlCol="0">
+            <a:spAutoFit/>
+          </a:bodyPr>
+          <a:lstStyle/>
+          <a:p>
+            <a:r>
+              <a:rPr lang="en-US" dirty="0"/>
+              <a:t>1</a:t>
+            </a:r>
+          </a:p>
+        </p:txBody>
+      </p:sp>
+      <p:sp>
+        <p:nvSpPr>
+          <p:cNvPr id="97" name="TextBox 96">
+            <a:extLst>
+              <a:ext uri="{FF2B5EF4-FFF2-40B4-BE49-F238E27FC236}">
+                <a16:creationId xmlns:a16="http://schemas.microsoft.com/office/drawing/2014/main" id="{287ADFAA-8E4B-4E26-B673-D949CAFCE942}"/>
+              </a:ext>
+            </a:extLst>
+          </p:cNvPr>
+          <p:cNvSpPr txBox="1"/>
+          <p:nvPr/>
+        </p:nvSpPr>
+        <p:spPr>
+          <a:xfrm>
+            <a:off x="4519747" y="5003074"/>
+            <a:ext cx="301686" cy="369332"/>
+          </a:xfrm>
+          <a:prstGeom prst="rect">
+            <a:avLst/>
+          </a:prstGeom>
+          <a:noFill/>
+        </p:spPr>
+        <p:txBody>
+          <a:bodyPr wrap="none" rtlCol="0">
+            <a:spAutoFit/>
+          </a:bodyPr>
+          <a:lstStyle/>
+          <a:p>
+            <a:r>
+              <a:rPr lang="en-US" dirty="0"/>
+              <a:t>2</a:t>
+            </a:r>
+          </a:p>
+        </p:txBody>
+      </p:sp>
+      <p:sp>
+        <p:nvSpPr>
+          <p:cNvPr id="98" name="TextBox 97">
+            <a:extLst>
+              <a:ext uri="{FF2B5EF4-FFF2-40B4-BE49-F238E27FC236}">
+                <a16:creationId xmlns:a16="http://schemas.microsoft.com/office/drawing/2014/main" id="{93F4F8C9-A42F-45FA-B1AF-200106F98F92}"/>
+              </a:ext>
+            </a:extLst>
+          </p:cNvPr>
+          <p:cNvSpPr txBox="1"/>
+          <p:nvPr/>
+        </p:nvSpPr>
+        <p:spPr>
+          <a:xfrm>
+            <a:off x="6801393" y="4907279"/>
+            <a:ext cx="301686" cy="369332"/>
+          </a:xfrm>
+          <a:prstGeom prst="rect">
+            <a:avLst/>
+          </a:prstGeom>
+          <a:noFill/>
+        </p:spPr>
+        <p:txBody>
+          <a:bodyPr wrap="none" rtlCol="0">
+            <a:spAutoFit/>
+          </a:bodyPr>
+          <a:lstStyle/>
+          <a:p>
+            <a:r>
+              <a:rPr lang="en-US" dirty="0"/>
+              <a:t>3</a:t>
+            </a:r>
+          </a:p>
+        </p:txBody>
+      </p:sp>
+      <p:sp>
+        <p:nvSpPr>
+          <p:cNvPr id="100" name="TextBox 99">
+            <a:extLst>
+              <a:ext uri="{FF2B5EF4-FFF2-40B4-BE49-F238E27FC236}">
+                <a16:creationId xmlns:a16="http://schemas.microsoft.com/office/drawing/2014/main" id="{902C18BE-8C15-48C0-8507-86BF09BDA083}"/>
+              </a:ext>
+            </a:extLst>
+          </p:cNvPr>
+          <p:cNvSpPr txBox="1"/>
+          <p:nvPr/>
+        </p:nvSpPr>
+        <p:spPr>
+          <a:xfrm>
+            <a:off x="2329542" y="5347061"/>
+            <a:ext cx="301686" cy="369332"/>
+          </a:xfrm>
+          <a:prstGeom prst="rect">
+            <a:avLst/>
+          </a:prstGeom>
+          <a:noFill/>
+        </p:spPr>
+        <p:txBody>
+          <a:bodyPr wrap="none" rtlCol="0">
+            <a:spAutoFit/>
+          </a:bodyPr>
+          <a:lstStyle/>
+          <a:p>
+            <a:r>
+              <a:rPr lang="en-US" dirty="0"/>
+              <a:t>4</a:t>
+            </a:r>
+          </a:p>
+        </p:txBody>
+      </p:sp>
+      <p:sp>
+        <p:nvSpPr>
+          <p:cNvPr id="101" name="TextBox 100">
+            <a:extLst>
+              <a:ext uri="{FF2B5EF4-FFF2-40B4-BE49-F238E27FC236}">
+                <a16:creationId xmlns:a16="http://schemas.microsoft.com/office/drawing/2014/main" id="{5A64D6B0-832A-4292-8012-E0070746A8CD}"/>
+              </a:ext>
+            </a:extLst>
+          </p:cNvPr>
+          <p:cNvSpPr txBox="1"/>
+          <p:nvPr/>
+        </p:nvSpPr>
+        <p:spPr>
+          <a:xfrm>
+            <a:off x="6857999" y="5447209"/>
+            <a:ext cx="301686" cy="369332"/>
+          </a:xfrm>
+          <a:prstGeom prst="rect">
+            <a:avLst/>
+          </a:prstGeom>
+          <a:noFill/>
+        </p:spPr>
+        <p:txBody>
+          <a:bodyPr wrap="none" rtlCol="0">
+            <a:spAutoFit/>
+          </a:bodyPr>
+          <a:lstStyle/>
+          <a:p>
+            <a:r>
+              <a:rPr lang="en-US" dirty="0"/>
+              <a:t>5</a:t>
+            </a:r>
+          </a:p>
+        </p:txBody>
+      </p:sp>
+      <p:sp>
+        <p:nvSpPr>
+          <p:cNvPr id="103" name="TextBox 102">
+            <a:extLst>
+              <a:ext uri="{FF2B5EF4-FFF2-40B4-BE49-F238E27FC236}">
+                <a16:creationId xmlns:a16="http://schemas.microsoft.com/office/drawing/2014/main" id="{F84CA818-7FB4-49DA-B5AB-F341FD463098}"/>
+              </a:ext>
+            </a:extLst>
+          </p:cNvPr>
+          <p:cNvSpPr txBox="1"/>
+          <p:nvPr/>
+        </p:nvSpPr>
+        <p:spPr>
+          <a:xfrm>
+            <a:off x="4650376" y="5773781"/>
+            <a:ext cx="301686" cy="369332"/>
+          </a:xfrm>
+          <a:prstGeom prst="rect">
+            <a:avLst/>
+          </a:prstGeom>
+          <a:noFill/>
+        </p:spPr>
+        <p:txBody>
+          <a:bodyPr wrap="none" rtlCol="0">
+            <a:spAutoFit/>
+          </a:bodyPr>
+          <a:lstStyle/>
+          <a:p>
+            <a:r>
+              <a:rPr lang="en-US" dirty="0"/>
+              <a:t>6</a:t>
+            </a:r>
+          </a:p>
+        </p:txBody>
+      </p:sp>
+      <p:sp>
+        <p:nvSpPr>
+          <p:cNvPr id="104" name="TextBox 103">
+            <a:extLst>
+              <a:ext uri="{FF2B5EF4-FFF2-40B4-BE49-F238E27FC236}">
+                <a16:creationId xmlns:a16="http://schemas.microsoft.com/office/drawing/2014/main" id="{BDD910E0-2EDE-4F26-AA54-A363B735F36B}"/>
+              </a:ext>
+            </a:extLst>
+          </p:cNvPr>
+          <p:cNvSpPr txBox="1"/>
+          <p:nvPr/>
+        </p:nvSpPr>
+        <p:spPr>
+          <a:xfrm>
+            <a:off x="7519850" y="5795553"/>
+            <a:ext cx="301686" cy="369332"/>
+          </a:xfrm>
+          <a:prstGeom prst="rect">
+            <a:avLst/>
+          </a:prstGeom>
+          <a:noFill/>
+        </p:spPr>
+        <p:txBody>
+          <a:bodyPr wrap="none" rtlCol="0">
+            <a:spAutoFit/>
+          </a:bodyPr>
+          <a:lstStyle/>
+          <a:p>
+            <a:r>
+              <a:rPr lang="en-US" dirty="0"/>
+              <a:t>7</a:t>
+            </a:r>
+          </a:p>
+        </p:txBody>
+      </p:sp>
+      <p:sp>
+        <p:nvSpPr>
+          <p:cNvPr id="105" name="TextBox 104">
+            <a:extLst>
+              <a:ext uri="{FF2B5EF4-FFF2-40B4-BE49-F238E27FC236}">
+                <a16:creationId xmlns:a16="http://schemas.microsoft.com/office/drawing/2014/main" id="{668B2F76-4B10-482D-B235-15F490107145}"/>
+              </a:ext>
+            </a:extLst>
+          </p:cNvPr>
+          <p:cNvSpPr txBox="1"/>
+          <p:nvPr/>
+        </p:nvSpPr>
+        <p:spPr>
+          <a:xfrm>
+            <a:off x="6992982" y="6143896"/>
+            <a:ext cx="301686" cy="369332"/>
+          </a:xfrm>
+          <a:prstGeom prst="rect">
+            <a:avLst/>
+          </a:prstGeom>
+          <a:noFill/>
+        </p:spPr>
+        <p:txBody>
+          <a:bodyPr wrap="none" rtlCol="0">
+            <a:spAutoFit/>
+          </a:bodyPr>
+          <a:lstStyle/>
+          <a:p>
+            <a:r>
+              <a:rPr lang="en-US" dirty="0"/>
+              <a:t>8</a:t>
+            </a:r>
+          </a:p>
+        </p:txBody>
+      </p:sp>
+      <p:sp>
+        <p:nvSpPr>
+          <p:cNvPr id="106" name="TextBox 105">
+            <a:extLst>
+              <a:ext uri="{FF2B5EF4-FFF2-40B4-BE49-F238E27FC236}">
+                <a16:creationId xmlns:a16="http://schemas.microsoft.com/office/drawing/2014/main" id="{2E47408E-404A-46FF-A763-E49C52431A60}"/>
+              </a:ext>
+            </a:extLst>
+          </p:cNvPr>
+          <p:cNvSpPr txBox="1"/>
+          <p:nvPr/>
+        </p:nvSpPr>
+        <p:spPr>
+          <a:xfrm>
+            <a:off x="2416627" y="6087290"/>
+            <a:ext cx="301686" cy="369332"/>
+          </a:xfrm>
+          <a:prstGeom prst="rect">
+            <a:avLst/>
+          </a:prstGeom>
+          <a:noFill/>
+        </p:spPr>
+        <p:txBody>
+          <a:bodyPr wrap="none" rtlCol="0">
+            <a:spAutoFit/>
+          </a:bodyPr>
+          <a:lstStyle/>
+          <a:p>
+            <a:r>
+              <a:rPr lang="en-US" dirty="0">
+                <a:solidFill>
+                  <a:srgbClr val="FF0000"/>
+                </a:solidFill>
+              </a:rPr>
+              <a:t>4</a:t>
+            </a:r>
+          </a:p>
+        </p:txBody>
+      </p:sp>
+      <p:sp>
+        <p:nvSpPr>
+          <p:cNvPr id="107" name="TextBox 106">
+            <a:extLst>
+              <a:ext uri="{FF2B5EF4-FFF2-40B4-BE49-F238E27FC236}">
+                <a16:creationId xmlns:a16="http://schemas.microsoft.com/office/drawing/2014/main" id="{2E1F89DA-1B04-4FA3-8A06-90FD509F73FB}"/>
+              </a:ext>
+            </a:extLst>
+          </p:cNvPr>
+          <p:cNvSpPr txBox="1"/>
+          <p:nvPr/>
+        </p:nvSpPr>
+        <p:spPr>
+          <a:xfrm>
+            <a:off x="4476204" y="6488668"/>
+            <a:ext cx="301686" cy="369332"/>
+          </a:xfrm>
+          <a:prstGeom prst="rect">
+            <a:avLst/>
+          </a:prstGeom>
+          <a:noFill/>
+        </p:spPr>
+        <p:txBody>
+          <a:bodyPr wrap="none" rtlCol="0">
+            <a:spAutoFit/>
+          </a:bodyPr>
+          <a:lstStyle/>
+          <a:p>
+            <a:r>
+              <a:rPr lang="en-US" dirty="0">
+                <a:solidFill>
+                  <a:srgbClr val="FF0000"/>
+                </a:solidFill>
+              </a:rPr>
+              <a:t>6</a:t>
+            </a:r>
+          </a:p>
+        </p:txBody>
+      </p:sp>
+      <p:sp>
+        <p:nvSpPr>
+          <p:cNvPr id="108" name="TextBox 107">
+            <a:extLst>
+              <a:ext uri="{FF2B5EF4-FFF2-40B4-BE49-F238E27FC236}">
+                <a16:creationId xmlns:a16="http://schemas.microsoft.com/office/drawing/2014/main" id="{BD7EC5D9-5C7B-4218-AA2A-286EDC0D4D09}"/>
+              </a:ext>
+            </a:extLst>
+          </p:cNvPr>
+          <p:cNvSpPr txBox="1"/>
+          <p:nvPr/>
+        </p:nvSpPr>
+        <p:spPr>
+          <a:xfrm>
+            <a:off x="7550330" y="6488668"/>
+            <a:ext cx="301686" cy="369332"/>
+          </a:xfrm>
+          <a:prstGeom prst="rect">
+            <a:avLst/>
+          </a:prstGeom>
+          <a:noFill/>
+        </p:spPr>
+        <p:txBody>
+          <a:bodyPr wrap="none" rtlCol="0">
+            <a:spAutoFit/>
+          </a:bodyPr>
+          <a:lstStyle/>
+          <a:p>
+            <a:r>
+              <a:rPr lang="en-US" dirty="0"/>
+              <a:t>9</a:t>
+            </a:r>
+          </a:p>
+        </p:txBody>
+      </p:sp>
+      <p:sp>
+        <p:nvSpPr>
+          <p:cNvPr id="109" name="TextBox 108">
+            <a:extLst>
+              <a:ext uri="{FF2B5EF4-FFF2-40B4-BE49-F238E27FC236}">
+                <a16:creationId xmlns:a16="http://schemas.microsoft.com/office/drawing/2014/main" id="{F1E5FA6E-8981-4705-BB47-2D6035C1A049}"/>
+              </a:ext>
+            </a:extLst>
+          </p:cNvPr>
+          <p:cNvSpPr txBox="1"/>
+          <p:nvPr/>
+        </p:nvSpPr>
+        <p:spPr>
+          <a:xfrm>
+            <a:off x="1066800" y="831668"/>
+            <a:ext cx="418704" cy="369332"/>
+          </a:xfrm>
+          <a:prstGeom prst="rect">
+            <a:avLst/>
+          </a:prstGeom>
+          <a:noFill/>
+        </p:spPr>
+        <p:txBody>
+          <a:bodyPr wrap="none" rtlCol="0">
+            <a:spAutoFit/>
+          </a:bodyPr>
+          <a:lstStyle/>
+          <a:p>
+            <a:r>
+              <a:rPr lang="en-US" dirty="0"/>
+              <a:t>22</a:t>
+            </a:r>
+          </a:p>
+        </p:txBody>
+      </p:sp>
+      <p:sp>
+        <p:nvSpPr>
+          <p:cNvPr id="110" name="TextBox 109">
+            <a:extLst>
+              <a:ext uri="{FF2B5EF4-FFF2-40B4-BE49-F238E27FC236}">
+                <a16:creationId xmlns:a16="http://schemas.microsoft.com/office/drawing/2014/main" id="{6447D6E2-499D-49FF-9654-5A532A15FDE9}"/>
+              </a:ext>
+            </a:extLst>
+          </p:cNvPr>
+          <p:cNvSpPr txBox="1"/>
+          <p:nvPr/>
+        </p:nvSpPr>
+        <p:spPr>
+          <a:xfrm flipH="1">
+            <a:off x="326572" y="1180011"/>
+            <a:ext cx="487680" cy="369332"/>
+          </a:xfrm>
+          <a:prstGeom prst="rect">
+            <a:avLst/>
+          </a:prstGeom>
+          <a:noFill/>
+        </p:spPr>
+        <p:txBody>
+          <a:bodyPr wrap="square" rtlCol="0">
+            <a:spAutoFit/>
+          </a:bodyPr>
+          <a:lstStyle/>
+          <a:p>
+            <a:r>
+              <a:rPr lang="en-US" dirty="0"/>
+              <a:t>24</a:t>
+            </a:r>
+          </a:p>
+        </p:txBody>
+      </p:sp>
+      <p:sp>
+        <p:nvSpPr>
+          <p:cNvPr id="111" name="TextBox 110">
+            <a:extLst>
+              <a:ext uri="{FF2B5EF4-FFF2-40B4-BE49-F238E27FC236}">
+                <a16:creationId xmlns:a16="http://schemas.microsoft.com/office/drawing/2014/main" id="{0D4BAE53-BE8E-4352-836B-17C7664DBD97}"/>
+              </a:ext>
+            </a:extLst>
+          </p:cNvPr>
+          <p:cNvSpPr txBox="1"/>
+          <p:nvPr/>
+        </p:nvSpPr>
+        <p:spPr>
+          <a:xfrm flipH="1">
+            <a:off x="1563189" y="1658983"/>
+            <a:ext cx="487680" cy="369332"/>
+          </a:xfrm>
+          <a:prstGeom prst="rect">
+            <a:avLst/>
+          </a:prstGeom>
+          <a:noFill/>
+        </p:spPr>
+        <p:txBody>
+          <a:bodyPr wrap="square" rtlCol="0">
+            <a:spAutoFit/>
+          </a:bodyPr>
+          <a:lstStyle/>
+          <a:p>
+            <a:r>
+              <a:rPr lang="en-US" dirty="0"/>
+              <a:t>26</a:t>
+            </a:r>
+          </a:p>
+        </p:txBody>
+      </p:sp>
+      <p:sp>
+        <p:nvSpPr>
+          <p:cNvPr id="112" name="TextBox 111">
+            <a:extLst>
+              <a:ext uri="{FF2B5EF4-FFF2-40B4-BE49-F238E27FC236}">
+                <a16:creationId xmlns:a16="http://schemas.microsoft.com/office/drawing/2014/main" id="{55CD30B5-F04D-4006-961C-1097A552D81D}"/>
+              </a:ext>
+            </a:extLst>
+          </p:cNvPr>
+          <p:cNvSpPr txBox="1"/>
+          <p:nvPr/>
+        </p:nvSpPr>
+        <p:spPr>
+          <a:xfrm flipH="1">
+            <a:off x="161109" y="1968137"/>
+            <a:ext cx="487680" cy="369332"/>
+          </a:xfrm>
+          <a:prstGeom prst="rect">
+            <a:avLst/>
+          </a:prstGeom>
+          <a:noFill/>
+        </p:spPr>
+        <p:txBody>
+          <a:bodyPr wrap="square" rtlCol="0">
+            <a:spAutoFit/>
+          </a:bodyPr>
+          <a:lstStyle/>
+          <a:p>
+            <a:r>
+              <a:rPr lang="en-US" dirty="0"/>
+              <a:t>28</a:t>
+            </a:r>
+          </a:p>
+        </p:txBody>
+      </p:sp>
+      <p:sp>
+        <p:nvSpPr>
+          <p:cNvPr id="113" name="TextBox 112">
+            <a:extLst>
+              <a:ext uri="{FF2B5EF4-FFF2-40B4-BE49-F238E27FC236}">
+                <a16:creationId xmlns:a16="http://schemas.microsoft.com/office/drawing/2014/main" id="{C6855300-3C30-4E94-976B-1CEB96DAA909}"/>
+              </a:ext>
+            </a:extLst>
+          </p:cNvPr>
+          <p:cNvSpPr txBox="1"/>
+          <p:nvPr/>
+        </p:nvSpPr>
+        <p:spPr>
+          <a:xfrm flipH="1">
+            <a:off x="3500846" y="2002972"/>
+            <a:ext cx="487680" cy="369332"/>
+          </a:xfrm>
+          <a:prstGeom prst="rect">
+            <a:avLst/>
+          </a:prstGeom>
+          <a:noFill/>
+        </p:spPr>
+        <p:txBody>
+          <a:bodyPr wrap="square" rtlCol="0">
+            <a:spAutoFit/>
+          </a:bodyPr>
+          <a:lstStyle/>
+          <a:p>
+            <a:r>
+              <a:rPr lang="en-US" dirty="0"/>
+              <a:t>29</a:t>
+            </a:r>
+          </a:p>
+        </p:txBody>
+      </p:sp>
+      <p:sp>
+        <p:nvSpPr>
+          <p:cNvPr id="114" name="TextBox 113">
+            <a:extLst>
+              <a:ext uri="{FF2B5EF4-FFF2-40B4-BE49-F238E27FC236}">
+                <a16:creationId xmlns:a16="http://schemas.microsoft.com/office/drawing/2014/main" id="{8550EA69-D9B5-4A6D-82C8-2523B8CF1940}"/>
+              </a:ext>
+            </a:extLst>
+          </p:cNvPr>
+          <p:cNvSpPr txBox="1"/>
+          <p:nvPr/>
+        </p:nvSpPr>
+        <p:spPr>
+          <a:xfrm>
+            <a:off x="4702628" y="3187337"/>
+            <a:ext cx="418704" cy="369332"/>
+          </a:xfrm>
+          <a:prstGeom prst="rect">
+            <a:avLst/>
+          </a:prstGeom>
+          <a:noFill/>
+        </p:spPr>
+        <p:txBody>
+          <a:bodyPr wrap="none" rtlCol="0">
+            <a:spAutoFit/>
+          </a:bodyPr>
+          <a:lstStyle/>
+          <a:p>
+            <a:r>
+              <a:rPr lang="en-US" dirty="0">
+                <a:solidFill>
+                  <a:srgbClr val="FF0000"/>
+                </a:solidFill>
+              </a:rPr>
+              <a:t>10</a:t>
+            </a:r>
+          </a:p>
+        </p:txBody>
+      </p:sp>
+      <p:sp>
+        <p:nvSpPr>
+          <p:cNvPr id="115" name="TextBox 114">
+            <a:extLst>
+              <a:ext uri="{FF2B5EF4-FFF2-40B4-BE49-F238E27FC236}">
+                <a16:creationId xmlns:a16="http://schemas.microsoft.com/office/drawing/2014/main" id="{FD8ECE36-D2F9-42DF-980A-1C2824B0017A}"/>
+              </a:ext>
+            </a:extLst>
+          </p:cNvPr>
+          <p:cNvSpPr txBox="1"/>
+          <p:nvPr/>
+        </p:nvSpPr>
+        <p:spPr>
+          <a:xfrm>
+            <a:off x="3984169" y="3618411"/>
+            <a:ext cx="301686" cy="369332"/>
+          </a:xfrm>
+          <a:prstGeom prst="rect">
+            <a:avLst/>
+          </a:prstGeom>
+          <a:noFill/>
+        </p:spPr>
+        <p:txBody>
+          <a:bodyPr wrap="none" rtlCol="0">
+            <a:spAutoFit/>
+          </a:bodyPr>
+          <a:lstStyle/>
+          <a:p>
+            <a:r>
+              <a:rPr lang="en-US" dirty="0">
+                <a:solidFill>
+                  <a:srgbClr val="FF0000"/>
+                </a:solidFill>
+              </a:rPr>
+              <a:t>1</a:t>
+            </a:r>
+          </a:p>
+        </p:txBody>
+      </p:sp>
+      <p:sp>
+        <p:nvSpPr>
+          <p:cNvPr id="116" name="TextBox 115">
+            <a:extLst>
+              <a:ext uri="{FF2B5EF4-FFF2-40B4-BE49-F238E27FC236}">
+                <a16:creationId xmlns:a16="http://schemas.microsoft.com/office/drawing/2014/main" id="{87930FE7-C503-4C65-A5A3-83EDCC8787C2}"/>
+              </a:ext>
+            </a:extLst>
+          </p:cNvPr>
+          <p:cNvSpPr txBox="1"/>
+          <p:nvPr/>
+        </p:nvSpPr>
+        <p:spPr>
+          <a:xfrm>
+            <a:off x="7210697" y="2690948"/>
+            <a:ext cx="418704" cy="369332"/>
+          </a:xfrm>
+          <a:prstGeom prst="rect">
+            <a:avLst/>
+          </a:prstGeom>
+          <a:noFill/>
+        </p:spPr>
+        <p:txBody>
+          <a:bodyPr wrap="none" rtlCol="0">
+            <a:spAutoFit/>
+          </a:bodyPr>
+          <a:lstStyle/>
+          <a:p>
+            <a:r>
+              <a:rPr lang="en-US" dirty="0"/>
+              <a:t>11</a:t>
+            </a:r>
+          </a:p>
+        </p:txBody>
+      </p:sp>
+      <p:sp>
+        <p:nvSpPr>
+          <p:cNvPr id="117" name="TextBox 116">
+            <a:extLst>
+              <a:ext uri="{FF2B5EF4-FFF2-40B4-BE49-F238E27FC236}">
+                <a16:creationId xmlns:a16="http://schemas.microsoft.com/office/drawing/2014/main" id="{C414412E-DCD2-4010-8247-C0828A2F6A6A}"/>
+              </a:ext>
+            </a:extLst>
+          </p:cNvPr>
+          <p:cNvSpPr txBox="1"/>
+          <p:nvPr/>
+        </p:nvSpPr>
+        <p:spPr>
+          <a:xfrm>
+            <a:off x="9379131" y="2717074"/>
+            <a:ext cx="418704" cy="369332"/>
+          </a:xfrm>
+          <a:prstGeom prst="rect">
+            <a:avLst/>
+          </a:prstGeom>
+          <a:noFill/>
+        </p:spPr>
+        <p:txBody>
+          <a:bodyPr wrap="none" rtlCol="0">
+            <a:spAutoFit/>
+          </a:bodyPr>
+          <a:lstStyle/>
+          <a:p>
+            <a:r>
+              <a:rPr lang="en-US" dirty="0"/>
+              <a:t>12</a:t>
+            </a:r>
+          </a:p>
+        </p:txBody>
+      </p:sp>
+      <p:sp>
+        <p:nvSpPr>
+          <p:cNvPr id="118" name="TextBox 117">
+            <a:extLst>
+              <a:ext uri="{FF2B5EF4-FFF2-40B4-BE49-F238E27FC236}">
+                <a16:creationId xmlns:a16="http://schemas.microsoft.com/office/drawing/2014/main" id="{5CC33C87-0B64-46B4-8E08-BD17853D189C}"/>
+              </a:ext>
+            </a:extLst>
+          </p:cNvPr>
+          <p:cNvSpPr txBox="1"/>
+          <p:nvPr/>
+        </p:nvSpPr>
+        <p:spPr>
+          <a:xfrm>
+            <a:off x="5965372" y="3039291"/>
+            <a:ext cx="418704" cy="369332"/>
+          </a:xfrm>
+          <a:prstGeom prst="rect">
+            <a:avLst/>
+          </a:prstGeom>
+          <a:noFill/>
+        </p:spPr>
+        <p:txBody>
+          <a:bodyPr wrap="none" rtlCol="0">
+            <a:spAutoFit/>
+          </a:bodyPr>
+          <a:lstStyle/>
+          <a:p>
+            <a:r>
+              <a:rPr lang="en-US" dirty="0"/>
+              <a:t>13</a:t>
+            </a:r>
+          </a:p>
+        </p:txBody>
+      </p:sp>
+      <p:sp>
+        <p:nvSpPr>
+          <p:cNvPr id="119" name="TextBox 118">
+            <a:extLst>
+              <a:ext uri="{FF2B5EF4-FFF2-40B4-BE49-F238E27FC236}">
+                <a16:creationId xmlns:a16="http://schemas.microsoft.com/office/drawing/2014/main" id="{44242B61-9073-4B0C-908D-7162FDCACF88}"/>
+              </a:ext>
+            </a:extLst>
+          </p:cNvPr>
+          <p:cNvSpPr txBox="1"/>
+          <p:nvPr/>
+        </p:nvSpPr>
+        <p:spPr>
+          <a:xfrm>
+            <a:off x="6209212" y="3400697"/>
+            <a:ext cx="418704" cy="369332"/>
+          </a:xfrm>
+          <a:prstGeom prst="rect">
+            <a:avLst/>
+          </a:prstGeom>
+          <a:noFill/>
+        </p:spPr>
+        <p:txBody>
+          <a:bodyPr wrap="none" rtlCol="0">
+            <a:spAutoFit/>
+          </a:bodyPr>
+          <a:lstStyle/>
+          <a:p>
+            <a:r>
+              <a:rPr lang="en-US" dirty="0"/>
+              <a:t>14</a:t>
+            </a:r>
+          </a:p>
+        </p:txBody>
+      </p:sp>
+      <p:sp>
+        <p:nvSpPr>
+          <p:cNvPr id="120" name="TextBox 119">
+            <a:extLst>
+              <a:ext uri="{FF2B5EF4-FFF2-40B4-BE49-F238E27FC236}">
+                <a16:creationId xmlns:a16="http://schemas.microsoft.com/office/drawing/2014/main" id="{B792F7CD-F710-4FE6-80BC-E5CAF190A98B}"/>
+              </a:ext>
+            </a:extLst>
+          </p:cNvPr>
+          <p:cNvSpPr txBox="1"/>
+          <p:nvPr/>
+        </p:nvSpPr>
+        <p:spPr>
+          <a:xfrm>
+            <a:off x="9396547" y="2995748"/>
+            <a:ext cx="301686" cy="369332"/>
+          </a:xfrm>
+          <a:prstGeom prst="rect">
+            <a:avLst/>
+          </a:prstGeom>
+          <a:noFill/>
+        </p:spPr>
+        <p:txBody>
+          <a:bodyPr wrap="none" rtlCol="0">
+            <a:spAutoFit/>
+          </a:bodyPr>
+          <a:lstStyle/>
+          <a:p>
+            <a:r>
+              <a:rPr lang="en-US" dirty="0">
+                <a:solidFill>
+                  <a:srgbClr val="FF0000"/>
+                </a:solidFill>
+              </a:rPr>
+              <a:t>3</a:t>
+            </a:r>
+          </a:p>
+        </p:txBody>
+      </p:sp>
+      <p:sp>
+        <p:nvSpPr>
+          <p:cNvPr id="121" name="TextBox 120">
+            <a:extLst>
+              <a:ext uri="{FF2B5EF4-FFF2-40B4-BE49-F238E27FC236}">
+                <a16:creationId xmlns:a16="http://schemas.microsoft.com/office/drawing/2014/main" id="{BE315411-B43C-4323-ACBC-7C97824B5A03}"/>
+              </a:ext>
+            </a:extLst>
+          </p:cNvPr>
+          <p:cNvSpPr txBox="1"/>
+          <p:nvPr/>
+        </p:nvSpPr>
+        <p:spPr>
+          <a:xfrm>
+            <a:off x="10742022" y="3400696"/>
+            <a:ext cx="418704" cy="369332"/>
+          </a:xfrm>
+          <a:prstGeom prst="rect">
+            <a:avLst/>
+          </a:prstGeom>
+          <a:noFill/>
+        </p:spPr>
+        <p:txBody>
+          <a:bodyPr wrap="none" rtlCol="0">
+            <a:spAutoFit/>
+          </a:bodyPr>
+          <a:lstStyle/>
+          <a:p>
+            <a:r>
+              <a:rPr lang="en-US" dirty="0"/>
+              <a:t>15</a:t>
+            </a:r>
+          </a:p>
+        </p:txBody>
+      </p:sp>
+      <p:sp>
+        <p:nvSpPr>
+          <p:cNvPr id="122" name="TextBox 121">
+            <a:extLst>
+              <a:ext uri="{FF2B5EF4-FFF2-40B4-BE49-F238E27FC236}">
+                <a16:creationId xmlns:a16="http://schemas.microsoft.com/office/drawing/2014/main" id="{63B28784-0D54-4C71-8B9C-0521928A3891}"/>
+              </a:ext>
+            </a:extLst>
+          </p:cNvPr>
+          <p:cNvSpPr txBox="1"/>
+          <p:nvPr/>
+        </p:nvSpPr>
+        <p:spPr>
+          <a:xfrm>
+            <a:off x="6601096" y="3727268"/>
+            <a:ext cx="418704" cy="369332"/>
+          </a:xfrm>
+          <a:prstGeom prst="rect">
+            <a:avLst/>
+          </a:prstGeom>
+          <a:noFill/>
+        </p:spPr>
+        <p:txBody>
+          <a:bodyPr wrap="none" rtlCol="0">
+            <a:spAutoFit/>
+          </a:bodyPr>
+          <a:lstStyle/>
+          <a:p>
+            <a:r>
+              <a:rPr lang="en-US" dirty="0"/>
+              <a:t>16</a:t>
+            </a:r>
+          </a:p>
+        </p:txBody>
+      </p:sp>
+      <p:sp>
+        <p:nvSpPr>
+          <p:cNvPr id="123" name="TextBox 122">
+            <a:extLst>
+              <a:ext uri="{FF2B5EF4-FFF2-40B4-BE49-F238E27FC236}">
+                <a16:creationId xmlns:a16="http://schemas.microsoft.com/office/drawing/2014/main" id="{320A9E7B-F985-4D43-9D30-9F54648D2F5E}"/>
+              </a:ext>
+            </a:extLst>
+          </p:cNvPr>
+          <p:cNvSpPr txBox="1"/>
+          <p:nvPr/>
+        </p:nvSpPr>
+        <p:spPr>
+          <a:xfrm>
+            <a:off x="6217919" y="4088673"/>
+            <a:ext cx="418704" cy="369332"/>
+          </a:xfrm>
+          <a:prstGeom prst="rect">
+            <a:avLst/>
+          </a:prstGeom>
+          <a:noFill/>
+        </p:spPr>
+        <p:txBody>
+          <a:bodyPr wrap="none" rtlCol="0">
+            <a:spAutoFit/>
+          </a:bodyPr>
+          <a:lstStyle/>
+          <a:p>
+            <a:r>
+              <a:rPr lang="en-US" dirty="0"/>
+              <a:t>17</a:t>
+            </a:r>
+          </a:p>
+        </p:txBody>
+      </p:sp>
+      <p:sp>
+        <p:nvSpPr>
+          <p:cNvPr id="124" name="TextBox 123">
+            <a:extLst>
+              <a:ext uri="{FF2B5EF4-FFF2-40B4-BE49-F238E27FC236}">
+                <a16:creationId xmlns:a16="http://schemas.microsoft.com/office/drawing/2014/main" id="{DC48B4C1-9BBA-4D91-85F3-A2327C2709C6}"/>
+              </a:ext>
+            </a:extLst>
+          </p:cNvPr>
+          <p:cNvSpPr txBox="1"/>
+          <p:nvPr/>
+        </p:nvSpPr>
+        <p:spPr>
+          <a:xfrm>
+            <a:off x="8133805" y="4097382"/>
+            <a:ext cx="418704" cy="369332"/>
+          </a:xfrm>
+          <a:prstGeom prst="rect">
+            <a:avLst/>
+          </a:prstGeom>
+          <a:noFill/>
+        </p:spPr>
+        <p:txBody>
+          <a:bodyPr wrap="none" rtlCol="0">
+            <a:spAutoFit/>
+          </a:bodyPr>
+          <a:lstStyle/>
+          <a:p>
+            <a:r>
+              <a:rPr lang="en-US" dirty="0"/>
+              <a:t>18</a:t>
+            </a:r>
+          </a:p>
+        </p:txBody>
+      </p:sp>
+      <p:sp>
+        <p:nvSpPr>
+          <p:cNvPr id="125" name="TextBox 124">
+            <a:extLst>
+              <a:ext uri="{FF2B5EF4-FFF2-40B4-BE49-F238E27FC236}">
+                <a16:creationId xmlns:a16="http://schemas.microsoft.com/office/drawing/2014/main" id="{089B32BF-A198-4ABA-80A3-4DCD54868E15}"/>
+              </a:ext>
+            </a:extLst>
+          </p:cNvPr>
+          <p:cNvSpPr txBox="1"/>
+          <p:nvPr/>
+        </p:nvSpPr>
+        <p:spPr>
+          <a:xfrm>
+            <a:off x="6252754" y="4423953"/>
+            <a:ext cx="418704" cy="369332"/>
+          </a:xfrm>
+          <a:prstGeom prst="rect">
+            <a:avLst/>
+          </a:prstGeom>
+          <a:noFill/>
+        </p:spPr>
+        <p:txBody>
+          <a:bodyPr wrap="none" rtlCol="0">
+            <a:spAutoFit/>
+          </a:bodyPr>
+          <a:lstStyle/>
+          <a:p>
+            <a:r>
+              <a:rPr lang="en-US" dirty="0"/>
+              <a:t>19</a:t>
+            </a:r>
+          </a:p>
+        </p:txBody>
+      </p:sp>
+      <p:sp>
+        <p:nvSpPr>
+          <p:cNvPr id="126" name="TextBox 125">
+            <a:extLst>
+              <a:ext uri="{FF2B5EF4-FFF2-40B4-BE49-F238E27FC236}">
+                <a16:creationId xmlns:a16="http://schemas.microsoft.com/office/drawing/2014/main" id="{9F672937-E769-4871-BC6D-9EA6D640D7CE}"/>
+              </a:ext>
+            </a:extLst>
+          </p:cNvPr>
+          <p:cNvSpPr txBox="1"/>
+          <p:nvPr/>
+        </p:nvSpPr>
+        <p:spPr>
+          <a:xfrm>
+            <a:off x="8186056" y="4384764"/>
+            <a:ext cx="418704" cy="369332"/>
+          </a:xfrm>
+          <a:prstGeom prst="rect">
+            <a:avLst/>
+          </a:prstGeom>
+          <a:noFill/>
+        </p:spPr>
+        <p:txBody>
+          <a:bodyPr wrap="none" rtlCol="0">
+            <a:spAutoFit/>
+          </a:bodyPr>
+          <a:lstStyle/>
+          <a:p>
+            <a:r>
+              <a:rPr lang="en-US" dirty="0"/>
+              <a:t>20</a:t>
+            </a:r>
+          </a:p>
+        </p:txBody>
+      </p:sp>
+      <p:sp>
+        <p:nvSpPr>
+          <p:cNvPr id="127" name="TextBox 126">
+            <a:extLst>
+              <a:ext uri="{FF2B5EF4-FFF2-40B4-BE49-F238E27FC236}">
+                <a16:creationId xmlns:a16="http://schemas.microsoft.com/office/drawing/2014/main" id="{DDCB42BA-B239-4112-9BEF-3BA40E35724E}"/>
+              </a:ext>
+            </a:extLst>
+          </p:cNvPr>
+          <p:cNvSpPr txBox="1"/>
+          <p:nvPr/>
+        </p:nvSpPr>
+        <p:spPr>
+          <a:xfrm>
+            <a:off x="10354490" y="3783873"/>
+            <a:ext cx="301686" cy="369332"/>
+          </a:xfrm>
+          <a:prstGeom prst="rect">
+            <a:avLst/>
+          </a:prstGeom>
+          <a:noFill/>
+        </p:spPr>
+        <p:txBody>
+          <a:bodyPr wrap="none" rtlCol="0">
+            <a:spAutoFit/>
+          </a:bodyPr>
+          <a:lstStyle/>
+          <a:p>
+            <a:r>
+              <a:rPr lang="en-US" dirty="0">
+                <a:solidFill>
+                  <a:srgbClr val="FF0000"/>
+                </a:solidFill>
+              </a:rPr>
+              <a:t>4</a:t>
+            </a:r>
+          </a:p>
+        </p:txBody>
+      </p:sp>
     </p:spTree>
     <p:extLst>
       <p:ext uri="{BB962C8B-B14F-4D97-AF65-F5344CB8AC3E}">

--- a/images/ImageSources.pptx
+++ b/images/ImageSources.pptx
@@ -278,7 +278,7 @@
           <a:p>
             <a:fld id="{03ABD037-9D82-4436-AC70-ED75D2FE9417}" type="datetimeFigureOut">
               <a:rPr lang="en-US" smtClean="0"/>
-              <a:t>2/11/2020</a:t>
+              <a:t>2/14/2020</a:t>
             </a:fld>
             <a:endParaRPr lang="en-US"/>
           </a:p>
@@ -446,7 +446,7 @@
           <a:p>
             <a:fld id="{03ABD037-9D82-4436-AC70-ED75D2FE9417}" type="datetimeFigureOut">
               <a:rPr lang="en-US" smtClean="0"/>
-              <a:t>2/11/2020</a:t>
+              <a:t>2/14/2020</a:t>
             </a:fld>
             <a:endParaRPr lang="en-US"/>
           </a:p>
@@ -624,7 +624,7 @@
           <a:p>
             <a:fld id="{03ABD037-9D82-4436-AC70-ED75D2FE9417}" type="datetimeFigureOut">
               <a:rPr lang="en-US" smtClean="0"/>
-              <a:t>2/11/2020</a:t>
+              <a:t>2/14/2020</a:t>
             </a:fld>
             <a:endParaRPr lang="en-US"/>
           </a:p>
@@ -792,7 +792,7 @@
           <a:p>
             <a:fld id="{03ABD037-9D82-4436-AC70-ED75D2FE9417}" type="datetimeFigureOut">
               <a:rPr lang="en-US" smtClean="0"/>
-              <a:t>2/11/2020</a:t>
+              <a:t>2/14/2020</a:t>
             </a:fld>
             <a:endParaRPr lang="en-US"/>
           </a:p>
@@ -1037,7 +1037,7 @@
           <a:p>
             <a:fld id="{03ABD037-9D82-4436-AC70-ED75D2FE9417}" type="datetimeFigureOut">
               <a:rPr lang="en-US" smtClean="0"/>
-              <a:t>2/11/2020</a:t>
+              <a:t>2/14/2020</a:t>
             </a:fld>
             <a:endParaRPr lang="en-US"/>
           </a:p>
@@ -1266,7 +1266,7 @@
           <a:p>
             <a:fld id="{03ABD037-9D82-4436-AC70-ED75D2FE9417}" type="datetimeFigureOut">
               <a:rPr lang="en-US" smtClean="0"/>
-              <a:t>2/11/2020</a:t>
+              <a:t>2/14/2020</a:t>
             </a:fld>
             <a:endParaRPr lang="en-US"/>
           </a:p>
@@ -1630,7 +1630,7 @@
           <a:p>
             <a:fld id="{03ABD037-9D82-4436-AC70-ED75D2FE9417}" type="datetimeFigureOut">
               <a:rPr lang="en-US" smtClean="0"/>
-              <a:t>2/11/2020</a:t>
+              <a:t>2/14/2020</a:t>
             </a:fld>
             <a:endParaRPr lang="en-US"/>
           </a:p>
@@ -1747,7 +1747,7 @@
           <a:p>
             <a:fld id="{03ABD037-9D82-4436-AC70-ED75D2FE9417}" type="datetimeFigureOut">
               <a:rPr lang="en-US" smtClean="0"/>
-              <a:t>2/11/2020</a:t>
+              <a:t>2/14/2020</a:t>
             </a:fld>
             <a:endParaRPr lang="en-US"/>
           </a:p>
@@ -1842,7 +1842,7 @@
           <a:p>
             <a:fld id="{03ABD037-9D82-4436-AC70-ED75D2FE9417}" type="datetimeFigureOut">
               <a:rPr lang="en-US" smtClean="0"/>
-              <a:t>2/11/2020</a:t>
+              <a:t>2/14/2020</a:t>
             </a:fld>
             <a:endParaRPr lang="en-US"/>
           </a:p>
@@ -2117,7 +2117,7 @@
           <a:p>
             <a:fld id="{03ABD037-9D82-4436-AC70-ED75D2FE9417}" type="datetimeFigureOut">
               <a:rPr lang="en-US" smtClean="0"/>
-              <a:t>2/11/2020</a:t>
+              <a:t>2/14/2020</a:t>
             </a:fld>
             <a:endParaRPr lang="en-US"/>
           </a:p>
@@ -2369,7 +2369,7 @@
           <a:p>
             <a:fld id="{03ABD037-9D82-4436-AC70-ED75D2FE9417}" type="datetimeFigureOut">
               <a:rPr lang="en-US" smtClean="0"/>
-              <a:t>2/11/2020</a:t>
+              <a:t>2/14/2020</a:t>
             </a:fld>
             <a:endParaRPr lang="en-US"/>
           </a:p>
@@ -2580,7 +2580,7 @@
           <a:p>
             <a:fld id="{03ABD037-9D82-4436-AC70-ED75D2FE9417}" type="datetimeFigureOut">
               <a:rPr lang="en-US" smtClean="0"/>
-              <a:t>2/11/2020</a:t>
+              <a:t>2/14/2020</a:t>
             </a:fld>
             <a:endParaRPr lang="en-US"/>
           </a:p>
@@ -13834,8 +13834,8 @@
         </p:nvSpPr>
         <p:spPr>
           <a:xfrm>
-            <a:off x="533513" y="602691"/>
-            <a:ext cx="2971800" cy="449588"/>
+            <a:off x="716393" y="602691"/>
+            <a:ext cx="2286000" cy="365760"/>
           </a:xfrm>
           <a:prstGeom prst="roundRect">
             <a:avLst/>
@@ -13876,7 +13876,17 @@
                   <a:schemeClr val="tx1"/>
                 </a:solidFill>
               </a:rPr>
-              <a:t>cj16050:Animal_184f16eb</a:t>
+              <a:t>cj16050:Animal_</a:t>
+            </a:r>
+            <a:r>
+              <a:rPr lang="en-US" b="1" dirty="0">
+                <a:solidFill>
+                  <a:schemeClr val="bg1">
+                    <a:lumMod val="65000"/>
+                  </a:schemeClr>
+                </a:solidFill>
+              </a:rPr>
+              <a:t>xxxx</a:t>
             </a:r>
           </a:p>
         </p:txBody>
@@ -13895,8 +13905,8 @@
         </p:nvSpPr>
         <p:spPr>
           <a:xfrm>
-            <a:off x="5872963" y="161662"/>
-            <a:ext cx="2971800" cy="457001"/>
+            <a:off x="5352700" y="161662"/>
+            <a:ext cx="2194560" cy="365760"/>
           </a:xfrm>
           <a:prstGeom prst="roundRect">
             <a:avLst/>
@@ -13967,8 +13977,8 @@
         </p:nvCxnSpPr>
         <p:spPr>
           <a:xfrm flipV="1">
-            <a:off x="3505313" y="390163"/>
-            <a:ext cx="2367650" cy="437322"/>
+            <a:off x="3002393" y="344542"/>
+            <a:ext cx="2350307" cy="441029"/>
           </a:xfrm>
           <a:prstGeom prst="straightConnector1">
             <a:avLst/>
@@ -14011,8 +14021,8 @@
         </p:nvSpPr>
         <p:spPr>
           <a:xfrm>
-            <a:off x="5872963" y="1972158"/>
-            <a:ext cx="2971800" cy="457001"/>
+            <a:off x="5352700" y="1972158"/>
+            <a:ext cx="2560320" cy="365760"/>
           </a:xfrm>
           <a:prstGeom prst="roundRect">
             <a:avLst/>
@@ -14083,8 +14093,8 @@
         </p:nvCxnSpPr>
         <p:spPr>
           <a:xfrm>
-            <a:off x="3505313" y="2200659"/>
-            <a:ext cx="2367650" cy="0"/>
+            <a:off x="3002393" y="2155038"/>
+            <a:ext cx="2350307" cy="0"/>
           </a:xfrm>
           <a:prstGeom prst="straightConnector1">
             <a:avLst/>
@@ -14131,8 +14141,8 @@
         </p:nvCxnSpPr>
         <p:spPr>
           <a:xfrm>
-            <a:off x="2019413" y="2429159"/>
-            <a:ext cx="2590135" cy="852065"/>
+            <a:off x="1859393" y="2337918"/>
+            <a:ext cx="2590135" cy="943306"/>
           </a:xfrm>
           <a:prstGeom prst="straightConnector1">
             <a:avLst/>
@@ -14175,10 +14185,10 @@
         </p:nvGrpSpPr>
         <p:grpSpPr>
           <a:xfrm>
-            <a:off x="377759" y="1052279"/>
-            <a:ext cx="3843362" cy="919879"/>
-            <a:chOff x="240958" y="1052279"/>
-            <a:chExt cx="3843362" cy="919879"/>
+            <a:off x="377759" y="968451"/>
+            <a:ext cx="3843362" cy="1003707"/>
+            <a:chOff x="240958" y="968451"/>
+            <a:chExt cx="3843362" cy="1003707"/>
           </a:xfrm>
         </p:grpSpPr>
         <p:cxnSp>
@@ -14199,8 +14209,8 @@
           </p:nvCxnSpPr>
           <p:spPr>
             <a:xfrm>
-              <a:off x="1882612" y="1052279"/>
-              <a:ext cx="0" cy="919879"/>
+              <a:off x="1722592" y="968451"/>
+              <a:ext cx="0" cy="1003707"/>
             </a:xfrm>
             <a:prstGeom prst="straightConnector1">
               <a:avLst/>
@@ -14356,8 +14366,8 @@
         </p:nvCxnSpPr>
         <p:spPr>
           <a:xfrm>
-            <a:off x="2019413" y="2429159"/>
-            <a:ext cx="0" cy="2495037"/>
+            <a:off x="1859393" y="2337918"/>
+            <a:ext cx="0" cy="2586278"/>
           </a:xfrm>
           <a:prstGeom prst="straightConnector1">
             <a:avLst/>
@@ -14401,7 +14411,7 @@
         <p:spPr>
           <a:xfrm>
             <a:off x="3123648" y="3281224"/>
-            <a:ext cx="2971800" cy="457001"/>
+            <a:ext cx="2651760" cy="365760"/>
           </a:xfrm>
           <a:prstGeom prst="roundRect">
             <a:avLst/>
@@ -14462,7 +14472,7 @@
         <p:spPr>
           <a:xfrm>
             <a:off x="533513" y="4924196"/>
-            <a:ext cx="2971800" cy="457001"/>
+            <a:ext cx="2651760" cy="365760"/>
           </a:xfrm>
           <a:prstGeom prst="roundRect">
             <a:avLst/>
@@ -14523,7 +14533,7 @@
         <p:spPr>
           <a:xfrm>
             <a:off x="7811472" y="2830120"/>
-            <a:ext cx="2971800" cy="457001"/>
+            <a:ext cx="2286000" cy="365760"/>
           </a:xfrm>
           <a:prstGeom prst="roundRect">
             <a:avLst/>
@@ -14591,7 +14601,7 @@
         <p:spPr>
           <a:xfrm>
             <a:off x="5352700" y="4698445"/>
-            <a:ext cx="2971800" cy="457001"/>
+            <a:ext cx="2194560" cy="365760"/>
           </a:xfrm>
           <a:prstGeom prst="roundRect">
             <a:avLst/>
@@ -14662,8 +14672,8 @@
         </p:nvCxnSpPr>
         <p:spPr>
           <a:xfrm flipV="1">
-            <a:off x="6095448" y="3058621"/>
-            <a:ext cx="1716024" cy="451104"/>
+            <a:off x="5775408" y="3013000"/>
+            <a:ext cx="2036064" cy="451104"/>
           </a:xfrm>
           <a:prstGeom prst="straightConnector1">
             <a:avLst/>
@@ -14710,8 +14720,8 @@
         </p:nvCxnSpPr>
         <p:spPr>
           <a:xfrm flipV="1">
-            <a:off x="3505313" y="4926946"/>
-            <a:ext cx="1847387" cy="225751"/>
+            <a:off x="3185273" y="4881325"/>
+            <a:ext cx="2167427" cy="225751"/>
           </a:xfrm>
           <a:prstGeom prst="straightConnector1">
             <a:avLst/>
@@ -14758,8 +14768,8 @@
         </p:nvCxnSpPr>
         <p:spPr>
           <a:xfrm>
-            <a:off x="6095448" y="3509725"/>
-            <a:ext cx="1724641" cy="729655"/>
+            <a:off x="5775408" y="3464104"/>
+            <a:ext cx="2044681" cy="729655"/>
           </a:xfrm>
           <a:prstGeom prst="straightConnector1">
             <a:avLst/>
@@ -14803,13 +14813,13 @@
         <p:spPr>
           <a:xfrm>
             <a:off x="7820089" y="4010879"/>
-            <a:ext cx="2971800" cy="457001"/>
+            <a:ext cx="2560320" cy="365760"/>
           </a:xfrm>
           <a:prstGeom prst="roundRect">
             <a:avLst/>
           </a:prstGeom>
           <a:solidFill>
-            <a:schemeClr val="bg1"/>
+            <a:srgbClr val="FFFF00"/>
           </a:solidFill>
           <a:ln>
             <a:solidFill>
@@ -14844,7 +14854,23 @@
                   <a:schemeClr val="tx1"/>
                 </a:solidFill>
               </a:rPr>
-              <a:t>“2016-12-07”</a:t>
+              <a:t>“</a:t>
+            </a:r>
+            <a:r>
+              <a:rPr lang="en-US" b="1" dirty="0">
+                <a:solidFill>
+                  <a:srgbClr val="C00000"/>
+                </a:solidFill>
+              </a:rPr>
+              <a:t>2016-12-07</a:t>
+            </a:r>
+            <a:r>
+              <a:rPr lang="en-US" b="1" dirty="0">
+                <a:solidFill>
+                  <a:schemeClr val="tx1"/>
+                </a:solidFill>
+              </a:rPr>
+              <a:t>”</a:t>
             </a:r>
             <a:r>
               <a:rPr lang="en-US" b="1" dirty="0">
@@ -14890,14 +14916,14 @@
         </p:nvSpPr>
         <p:spPr>
           <a:xfrm>
-            <a:off x="5405023" y="5868679"/>
-            <a:ext cx="2971800" cy="457001"/>
+            <a:off x="5352700" y="5868679"/>
+            <a:ext cx="2560320" cy="365760"/>
           </a:xfrm>
           <a:prstGeom prst="roundRect">
             <a:avLst/>
           </a:prstGeom>
           <a:solidFill>
-            <a:schemeClr val="bg1"/>
+            <a:srgbClr val="FFFF00"/>
           </a:solidFill>
           <a:ln>
             <a:solidFill>
@@ -14932,7 +14958,23 @@
                   <a:schemeClr val="tx1"/>
                 </a:solidFill>
               </a:rPr>
-              <a:t>“2016-12-06”</a:t>
+              <a:t>“</a:t>
+            </a:r>
+            <a:r>
+              <a:rPr lang="en-US" b="1" dirty="0">
+                <a:solidFill>
+                  <a:srgbClr val="C00000"/>
+                </a:solidFill>
+              </a:rPr>
+              <a:t>2016-12-06</a:t>
+            </a:r>
+            <a:r>
+              <a:rPr lang="en-US" b="1" dirty="0">
+                <a:solidFill>
+                  <a:schemeClr val="tx1"/>
+                </a:solidFill>
+              </a:rPr>
+              <a:t>”</a:t>
             </a:r>
             <a:r>
               <a:rPr lang="en-US" b="1" dirty="0">
@@ -14982,8 +15024,8 @@
         </p:nvCxnSpPr>
         <p:spPr>
           <a:xfrm>
-            <a:off x="3505313" y="5152697"/>
-            <a:ext cx="1899710" cy="944483"/>
+            <a:off x="3185273" y="5107076"/>
+            <a:ext cx="2167427" cy="944483"/>
           </a:xfrm>
           <a:prstGeom prst="straightConnector1">
             <a:avLst/>
@@ -15026,8 +15068,8 @@
         </p:nvSpPr>
         <p:spPr>
           <a:xfrm>
-            <a:off x="533513" y="1972158"/>
-            <a:ext cx="2971800" cy="457001"/>
+            <a:off x="716393" y="1972158"/>
+            <a:ext cx="2286000" cy="365760"/>
           </a:xfrm>
           <a:prstGeom prst="roundRect">
             <a:avLst/>
@@ -15068,7 +15110,17 @@
                   <a:schemeClr val="tx1"/>
                 </a:solidFill>
               </a:rPr>
-              <a:t>cj16050:Interval_ 184f16eb</a:t>
+              <a:t>cj16050:Interval_</a:t>
+            </a:r>
+            <a:r>
+              <a:rPr lang="en-US" b="1" dirty="0">
+                <a:solidFill>
+                  <a:schemeClr val="bg1">
+                    <a:lumMod val="65000"/>
+                  </a:schemeClr>
+                </a:solidFill>
+              </a:rPr>
+              <a:t>xxxx</a:t>
             </a:r>
           </a:p>
         </p:txBody>
@@ -15087,7 +15139,7 @@
         </p:nvSpPr>
         <p:spPr>
           <a:xfrm flipH="1">
-            <a:off x="4614859" y="462766"/>
+            <a:off x="4600344" y="288595"/>
             <a:ext cx="329184" cy="369332"/>
           </a:xfrm>
           <a:prstGeom prst="rect">
@@ -15139,7 +15191,7 @@
         </p:nvSpPr>
         <p:spPr>
           <a:xfrm flipH="1">
-            <a:off x="4658591" y="2017776"/>
+            <a:off x="4368305" y="1959719"/>
             <a:ext cx="352321" cy="369332"/>
           </a:xfrm>
           <a:prstGeom prst="rect">
@@ -15243,7 +15295,7 @@
         </p:nvSpPr>
         <p:spPr>
           <a:xfrm flipH="1">
-            <a:off x="4422109" y="4846950"/>
+            <a:off x="4335023" y="4759864"/>
             <a:ext cx="327937" cy="369332"/>
           </a:xfrm>
           <a:prstGeom prst="rect">
@@ -15349,7 +15401,7 @@
         </p:nvSpPr>
         <p:spPr>
           <a:xfrm>
-            <a:off x="6306516" y="3589072"/>
+            <a:off x="6175888" y="3545529"/>
             <a:ext cx="2114681" cy="369332"/>
           </a:xfrm>
           <a:prstGeom prst="rect">
@@ -15461,7 +15513,7 @@
         <p:spPr>
           <a:xfrm>
             <a:off x="7811472" y="1250296"/>
-            <a:ext cx="2971800" cy="457001"/>
+            <a:ext cx="2743200" cy="365760"/>
           </a:xfrm>
           <a:prstGeom prst="roundRect">
             <a:avLst/>
@@ -15502,7 +15554,25 @@
                   <a:schemeClr val="tx1"/>
                 </a:solidFill>
               </a:rPr>
-              <a:t>“Animal 99T1”</a:t>
+              <a:t>“Animal </a:t>
+            </a:r>
+            <a:r>
+              <a:rPr lang="en-US" b="1" dirty="0" err="1">
+                <a:solidFill>
+                  <a:schemeClr val="bg1">
+                    <a:lumMod val="65000"/>
+                  </a:schemeClr>
+                </a:solidFill>
+              </a:rPr>
+              <a:t>xxxx</a:t>
+            </a:r>
+            <a:r>
+              <a:rPr lang="en-US" b="1" dirty="0">
+                <a:solidFill>
+                  <a:schemeClr val="tx1"/>
+                </a:solidFill>
+              </a:rPr>
+              <a:t>”</a:t>
             </a:r>
             <a:r>
               <a:rPr lang="en-US" b="1" dirty="0">
@@ -15552,8 +15622,8 @@
         </p:nvCxnSpPr>
         <p:spPr>
           <a:xfrm>
-            <a:off x="3505313" y="827485"/>
-            <a:ext cx="4306159" cy="651312"/>
+            <a:off x="3002393" y="785571"/>
+            <a:ext cx="4809079" cy="647605"/>
           </a:xfrm>
           <a:prstGeom prst="straightConnector1">
             <a:avLst/>
